--- a/Review/G3-Review Paper & Presentation - Final Version/G3 - Review Paper Presentation.pptx
+++ b/Review/G3-Review Paper & Presentation - Final Version/G3 - Review Paper Presentation.pptx
@@ -6,7 +6,7 @@
     <p:sldMasterId id="2147483734" r:id="rId2"/>
   </p:sldMasterIdLst>
   <p:notesMasterIdLst>
-    <p:notesMasterId r:id="rId43"/>
+    <p:notesMasterId r:id="rId35"/>
   </p:notesMasterIdLst>
   <p:sldIdLst>
     <p:sldId id="258" r:id="rId3"/>
@@ -22,33 +22,25 @@
     <p:sldId id="273" r:id="rId13"/>
     <p:sldId id="274" r:id="rId14"/>
     <p:sldId id="261" r:id="rId15"/>
-    <p:sldId id="278" r:id="rId16"/>
-    <p:sldId id="262" r:id="rId17"/>
-    <p:sldId id="275" r:id="rId18"/>
-    <p:sldId id="299" r:id="rId19"/>
-    <p:sldId id="276" r:id="rId20"/>
-    <p:sldId id="288" r:id="rId21"/>
-    <p:sldId id="290" r:id="rId22"/>
-    <p:sldId id="279" r:id="rId23"/>
-    <p:sldId id="280" r:id="rId24"/>
-    <p:sldId id="283" r:id="rId25"/>
-    <p:sldId id="295" r:id="rId26"/>
-    <p:sldId id="285" r:id="rId27"/>
-    <p:sldId id="296" r:id="rId28"/>
-    <p:sldId id="286" r:id="rId29"/>
-    <p:sldId id="287" r:id="rId30"/>
-    <p:sldId id="305" r:id="rId31"/>
-    <p:sldId id="306" r:id="rId32"/>
-    <p:sldId id="310" r:id="rId33"/>
-    <p:sldId id="311" r:id="rId34"/>
-    <p:sldId id="309" r:id="rId35"/>
-    <p:sldId id="312" r:id="rId36"/>
-    <p:sldId id="292" r:id="rId37"/>
-    <p:sldId id="315" r:id="rId38"/>
-    <p:sldId id="317" r:id="rId39"/>
-    <p:sldId id="318" r:id="rId40"/>
-    <p:sldId id="316" r:id="rId41"/>
-    <p:sldId id="294" r:id="rId42"/>
+    <p:sldId id="279" r:id="rId16"/>
+    <p:sldId id="280" r:id="rId17"/>
+    <p:sldId id="283" r:id="rId18"/>
+    <p:sldId id="295" r:id="rId19"/>
+    <p:sldId id="285" r:id="rId20"/>
+    <p:sldId id="296" r:id="rId21"/>
+    <p:sldId id="287" r:id="rId22"/>
+    <p:sldId id="305" r:id="rId23"/>
+    <p:sldId id="306" r:id="rId24"/>
+    <p:sldId id="310" r:id="rId25"/>
+    <p:sldId id="311" r:id="rId26"/>
+    <p:sldId id="309" r:id="rId27"/>
+    <p:sldId id="312" r:id="rId28"/>
+    <p:sldId id="292" r:id="rId29"/>
+    <p:sldId id="315" r:id="rId30"/>
+    <p:sldId id="317" r:id="rId31"/>
+    <p:sldId id="318" r:id="rId32"/>
+    <p:sldId id="316" r:id="rId33"/>
+    <p:sldId id="294" r:id="rId34"/>
   </p:sldIdLst>
   <p:sldSz cx="12192000" cy="6858000"/>
   <p:notesSz cx="6858000" cy="9144000"/>
@@ -165,20 +157,12 @@
             <p14:sldId id="273"/>
             <p14:sldId id="274"/>
             <p14:sldId id="261"/>
-            <p14:sldId id="278"/>
-            <p14:sldId id="262"/>
-            <p14:sldId id="275"/>
-            <p14:sldId id="299"/>
-            <p14:sldId id="276"/>
-            <p14:sldId id="288"/>
-            <p14:sldId id="290"/>
             <p14:sldId id="279"/>
             <p14:sldId id="280"/>
             <p14:sldId id="283"/>
             <p14:sldId id="295"/>
             <p14:sldId id="285"/>
             <p14:sldId id="296"/>
-            <p14:sldId id="286"/>
             <p14:sldId id="287"/>
             <p14:sldId id="305"/>
             <p14:sldId id="306"/>
@@ -222,599 +206,8 @@
 </p:cmAuthorLst>
 </file>
 
-<file path=ppt/changesInfos/changesInfo1.xml><?xml version="1.0" encoding="utf-8"?>
-<pc:chgInfo xmlns:a="http://schemas.openxmlformats.org/drawingml/2006/main" xmlns:r="http://schemas.openxmlformats.org/officeDocument/2006/relationships" xmlns:ac="http://schemas.microsoft.com/office/drawing/2013/main/command" xmlns:pc="http://schemas.microsoft.com/office/powerpoint/2013/main/command">
-  <pc:docChgLst>
-    <pc:chgData name="Rahma Ali" userId="5912e113-f565-4ff4-b616-408ec8dfdaf8" providerId="ADAL" clId="{F354DCD7-BB40-4CC7-B38D-033FB83C9396}"/>
-    <pc:docChg chg="undo custSel addSld delSld modSld sldOrd modSection">
-      <pc:chgData name="Rahma Ali" userId="5912e113-f565-4ff4-b616-408ec8dfdaf8" providerId="ADAL" clId="{F354DCD7-BB40-4CC7-B38D-033FB83C9396}" dt="2017-11-21T19:51:54.715" v="978" actId="20577"/>
-      <pc:docMkLst>
-        <pc:docMk/>
-      </pc:docMkLst>
-      <pc:sldChg chg="modSp">
-        <pc:chgData name="Rahma Ali" userId="5912e113-f565-4ff4-b616-408ec8dfdaf8" providerId="ADAL" clId="{F354DCD7-BB40-4CC7-B38D-033FB83C9396}" dt="2017-11-21T19:14:20.350" v="45" actId="20577"/>
-        <pc:sldMkLst>
-          <pc:docMk/>
-          <pc:sldMk cId="2930526733" sldId="261"/>
-        </pc:sldMkLst>
-        <pc:spChg chg="mod">
-          <ac:chgData name="Rahma Ali" userId="5912e113-f565-4ff4-b616-408ec8dfdaf8" providerId="ADAL" clId="{F354DCD7-BB40-4CC7-B38D-033FB83C9396}" dt="2017-11-21T19:14:20.350" v="45" actId="20577"/>
-          <ac:spMkLst>
-            <pc:docMk/>
-            <pc:sldMk cId="2930526733" sldId="261"/>
-            <ac:spMk id="5" creationId="{B0D4AEEE-7569-4ABD-9092-7CBE109446DF}"/>
-          </ac:spMkLst>
-        </pc:spChg>
-      </pc:sldChg>
-      <pc:sldChg chg="addSp delSp modSp mod setBg">
-        <pc:chgData name="Rahma Ali" userId="5912e113-f565-4ff4-b616-408ec8dfdaf8" providerId="ADAL" clId="{F354DCD7-BB40-4CC7-B38D-033FB83C9396}" dt="2017-11-21T19:14:33.696" v="46" actId="12"/>
-        <pc:sldMkLst>
-          <pc:docMk/>
-          <pc:sldMk cId="3625982571" sldId="274"/>
-        </pc:sldMkLst>
-        <pc:spChg chg="mod">
-          <ac:chgData name="Rahma Ali" userId="5912e113-f565-4ff4-b616-408ec8dfdaf8" providerId="ADAL" clId="{F354DCD7-BB40-4CC7-B38D-033FB83C9396}" dt="2017-11-21T19:13:41.302" v="33" actId="26606"/>
-          <ac:spMkLst>
-            <pc:docMk/>
-            <pc:sldMk cId="3625982571" sldId="274"/>
-            <ac:spMk id="3" creationId="{619C220D-C4D4-4812-979A-0ECFF75FB38A}"/>
-          </ac:spMkLst>
-        </pc:spChg>
-        <pc:spChg chg="mod ord">
-          <ac:chgData name="Rahma Ali" userId="5912e113-f565-4ff4-b616-408ec8dfdaf8" providerId="ADAL" clId="{F354DCD7-BB40-4CC7-B38D-033FB83C9396}" dt="2017-11-21T19:13:41.302" v="33" actId="26606"/>
-          <ac:spMkLst>
-            <pc:docMk/>
-            <pc:sldMk cId="3625982571" sldId="274"/>
-            <ac:spMk id="8" creationId="{C3E49194-F667-4CDF-8A40-B65386628471}"/>
-          </ac:spMkLst>
-        </pc:spChg>
-        <pc:spChg chg="mod">
-          <ac:chgData name="Rahma Ali" userId="5912e113-f565-4ff4-b616-408ec8dfdaf8" providerId="ADAL" clId="{F354DCD7-BB40-4CC7-B38D-033FB83C9396}" dt="2017-11-21T19:14:33.696" v="46" actId="12"/>
-          <ac:spMkLst>
-            <pc:docMk/>
-            <pc:sldMk cId="3625982571" sldId="274"/>
-            <ac:spMk id="11" creationId="{EB3FAA2D-590C-4F82-A1F3-6B9653AB7D56}"/>
-          </ac:spMkLst>
-        </pc:spChg>
-        <pc:spChg chg="add del">
-          <ac:chgData name="Rahma Ali" userId="5912e113-f565-4ff4-b616-408ec8dfdaf8" providerId="ADAL" clId="{F354DCD7-BB40-4CC7-B38D-033FB83C9396}" dt="2017-11-21T19:13:13.627" v="27" actId="26606"/>
-          <ac:spMkLst>
-            <pc:docMk/>
-            <pc:sldMk cId="3625982571" sldId="274"/>
-            <ac:spMk id="13" creationId="{48E96387-12F1-45E4-9322-ABBF2EE040E9}"/>
-          </ac:spMkLst>
-        </pc:spChg>
-        <pc:spChg chg="add del">
-          <ac:chgData name="Rahma Ali" userId="5912e113-f565-4ff4-b616-408ec8dfdaf8" providerId="ADAL" clId="{F354DCD7-BB40-4CC7-B38D-033FB83C9396}" dt="2017-11-21T19:13:13.627" v="27" actId="26606"/>
-          <ac:spMkLst>
-            <pc:docMk/>
-            <pc:sldMk cId="3625982571" sldId="274"/>
-            <ac:spMk id="14" creationId="{A9F421DD-DE4E-4547-A904-3F80E25E3F35}"/>
-          </ac:spMkLst>
-        </pc:spChg>
-        <pc:spChg chg="add del">
-          <ac:chgData name="Rahma Ali" userId="5912e113-f565-4ff4-b616-408ec8dfdaf8" providerId="ADAL" clId="{F354DCD7-BB40-4CC7-B38D-033FB83C9396}" dt="2017-11-21T19:13:13.627" v="27" actId="26606"/>
-          <ac:spMkLst>
-            <pc:docMk/>
-            <pc:sldMk cId="3625982571" sldId="274"/>
-            <ac:spMk id="15" creationId="{09985DEC-1215-4209-9708-B45CC977402E}"/>
-          </ac:spMkLst>
-        </pc:spChg>
-        <pc:spChg chg="add del">
-          <ac:chgData name="Rahma Ali" userId="5912e113-f565-4ff4-b616-408ec8dfdaf8" providerId="ADAL" clId="{F354DCD7-BB40-4CC7-B38D-033FB83C9396}" dt="2017-11-21T19:13:09.292" v="25" actId="26606"/>
-          <ac:spMkLst>
-            <pc:docMk/>
-            <pc:sldMk cId="3625982571" sldId="274"/>
-            <ac:spMk id="16" creationId="{48E96387-12F1-45E4-9322-ABBF2EE040E9}"/>
-          </ac:spMkLst>
-        </pc:spChg>
-        <pc:spChg chg="add del">
-          <ac:chgData name="Rahma Ali" userId="5912e113-f565-4ff4-b616-408ec8dfdaf8" providerId="ADAL" clId="{F354DCD7-BB40-4CC7-B38D-033FB83C9396}" dt="2017-11-21T19:13:13.627" v="27" actId="26606"/>
-          <ac:spMkLst>
-            <pc:docMk/>
-            <pc:sldMk cId="3625982571" sldId="274"/>
-            <ac:spMk id="17" creationId="{A926A64B-3BCB-44CC-892E-C791C324B7F0}"/>
-          </ac:spMkLst>
-        </pc:spChg>
-        <pc:spChg chg="add del">
-          <ac:chgData name="Rahma Ali" userId="5912e113-f565-4ff4-b616-408ec8dfdaf8" providerId="ADAL" clId="{F354DCD7-BB40-4CC7-B38D-033FB83C9396}" dt="2017-11-21T19:13:09.292" v="25" actId="26606"/>
-          <ac:spMkLst>
-            <pc:docMk/>
-            <pc:sldMk cId="3625982571" sldId="274"/>
-            <ac:spMk id="18" creationId="{A9F421DD-DE4E-4547-A904-3F80E25E3F35}"/>
-          </ac:spMkLst>
-        </pc:spChg>
-        <pc:spChg chg="add del">
-          <ac:chgData name="Rahma Ali" userId="5912e113-f565-4ff4-b616-408ec8dfdaf8" providerId="ADAL" clId="{F354DCD7-BB40-4CC7-B38D-033FB83C9396}" dt="2017-11-21T19:13:13.627" v="27" actId="26606"/>
-          <ac:spMkLst>
-            <pc:docMk/>
-            <pc:sldMk cId="3625982571" sldId="274"/>
-            <ac:spMk id="19" creationId="{3FE9758B-E361-4084-8D9F-729FA6C4AD7E}"/>
-          </ac:spMkLst>
-        </pc:spChg>
-        <pc:spChg chg="add del">
-          <ac:chgData name="Rahma Ali" userId="5912e113-f565-4ff4-b616-408ec8dfdaf8" providerId="ADAL" clId="{F354DCD7-BB40-4CC7-B38D-033FB83C9396}" dt="2017-11-21T19:13:09.292" v="25" actId="26606"/>
-          <ac:spMkLst>
-            <pc:docMk/>
-            <pc:sldMk cId="3625982571" sldId="274"/>
-            <ac:spMk id="20" creationId="{09985DEC-1215-4209-9708-B45CC977402E}"/>
-          </ac:spMkLst>
-        </pc:spChg>
-        <pc:spChg chg="add del">
-          <ac:chgData name="Rahma Ali" userId="5912e113-f565-4ff4-b616-408ec8dfdaf8" providerId="ADAL" clId="{F354DCD7-BB40-4CC7-B38D-033FB83C9396}" dt="2017-11-21T19:13:41.302" v="33" actId="26606"/>
-          <ac:spMkLst>
-            <pc:docMk/>
-            <pc:sldMk cId="3625982571" sldId="274"/>
-            <ac:spMk id="21" creationId="{48E96387-12F1-45E4-9322-ABBF2EE040E9}"/>
-          </ac:spMkLst>
-        </pc:spChg>
-        <pc:spChg chg="add del">
-          <ac:chgData name="Rahma Ali" userId="5912e113-f565-4ff4-b616-408ec8dfdaf8" providerId="ADAL" clId="{F354DCD7-BB40-4CC7-B38D-033FB83C9396}" dt="2017-11-21T19:13:09.292" v="25" actId="26606"/>
-          <ac:spMkLst>
-            <pc:docMk/>
-            <pc:sldMk cId="3625982571" sldId="274"/>
-            <ac:spMk id="22" creationId="{A926A64B-3BCB-44CC-892E-C791C324B7F0}"/>
-          </ac:spMkLst>
-        </pc:spChg>
-        <pc:spChg chg="add del">
-          <ac:chgData name="Rahma Ali" userId="5912e113-f565-4ff4-b616-408ec8dfdaf8" providerId="ADAL" clId="{F354DCD7-BB40-4CC7-B38D-033FB83C9396}" dt="2017-11-21T19:13:41.302" v="33" actId="26606"/>
-          <ac:spMkLst>
-            <pc:docMk/>
-            <pc:sldMk cId="3625982571" sldId="274"/>
-            <ac:spMk id="23" creationId="{A9F421DD-DE4E-4547-A904-3F80E25E3F35}"/>
-          </ac:spMkLst>
-        </pc:spChg>
-        <pc:spChg chg="add del">
-          <ac:chgData name="Rahma Ali" userId="5912e113-f565-4ff4-b616-408ec8dfdaf8" providerId="ADAL" clId="{F354DCD7-BB40-4CC7-B38D-033FB83C9396}" dt="2017-11-21T19:13:09.292" v="25" actId="26606"/>
-          <ac:spMkLst>
-            <pc:docMk/>
-            <pc:sldMk cId="3625982571" sldId="274"/>
-            <ac:spMk id="24" creationId="{F9E22090-20B0-4E64-847E-6DE402F70577}"/>
-          </ac:spMkLst>
-        </pc:spChg>
-        <pc:spChg chg="add del">
-          <ac:chgData name="Rahma Ali" userId="5912e113-f565-4ff4-b616-408ec8dfdaf8" providerId="ADAL" clId="{F354DCD7-BB40-4CC7-B38D-033FB83C9396}" dt="2017-11-21T19:13:41.302" v="33" actId="26606"/>
-          <ac:spMkLst>
-            <pc:docMk/>
-            <pc:sldMk cId="3625982571" sldId="274"/>
-            <ac:spMk id="25" creationId="{09985DEC-1215-4209-9708-B45CC977402E}"/>
-          </ac:spMkLst>
-        </pc:spChg>
-        <pc:spChg chg="add del">
-          <ac:chgData name="Rahma Ali" userId="5912e113-f565-4ff4-b616-408ec8dfdaf8" providerId="ADAL" clId="{F354DCD7-BB40-4CC7-B38D-033FB83C9396}" dt="2017-11-21T19:13:41.302" v="33" actId="26606"/>
-          <ac:spMkLst>
-            <pc:docMk/>
-            <pc:sldMk cId="3625982571" sldId="274"/>
-            <ac:spMk id="26" creationId="{F166425F-5B9E-47A4-9DDB-F86B87375E30}"/>
-          </ac:spMkLst>
-        </pc:spChg>
-        <pc:spChg chg="add del">
-          <ac:chgData name="Rahma Ali" userId="5912e113-f565-4ff4-b616-408ec8dfdaf8" providerId="ADAL" clId="{F354DCD7-BB40-4CC7-B38D-033FB83C9396}" dt="2017-11-21T19:13:41.302" v="33" actId="26606"/>
-          <ac:spMkLst>
-            <pc:docMk/>
-            <pc:sldMk cId="3625982571" sldId="274"/>
-            <ac:spMk id="27" creationId="{A926A64B-3BCB-44CC-892E-C791C324B7F0}"/>
-          </ac:spMkLst>
-        </pc:spChg>
-        <pc:spChg chg="add del">
-          <ac:chgData name="Rahma Ali" userId="5912e113-f565-4ff4-b616-408ec8dfdaf8" providerId="ADAL" clId="{F354DCD7-BB40-4CC7-B38D-033FB83C9396}" dt="2017-11-21T19:13:41.302" v="33" actId="26606"/>
-          <ac:spMkLst>
-            <pc:docMk/>
-            <pc:sldMk cId="3625982571" sldId="274"/>
-            <ac:spMk id="28" creationId="{E97FF61E-4BA9-4C8B-AD03-05E9B2A40AA7}"/>
-          </ac:spMkLst>
-        </pc:spChg>
-        <pc:picChg chg="mod ord">
-          <ac:chgData name="Rahma Ali" userId="5912e113-f565-4ff4-b616-408ec8dfdaf8" providerId="ADAL" clId="{F354DCD7-BB40-4CC7-B38D-033FB83C9396}" dt="2017-11-21T19:13:41.302" v="33" actId="26606"/>
-          <ac:picMkLst>
-            <pc:docMk/>
-            <pc:sldMk cId="3625982571" sldId="274"/>
-            <ac:picMk id="4" creationId="{00000000-0000-0000-0000-000000000000}"/>
-          </ac:picMkLst>
-        </pc:picChg>
-      </pc:sldChg>
-      <pc:sldChg chg="modSp">
-        <pc:chgData name="Rahma Ali" userId="5912e113-f565-4ff4-b616-408ec8dfdaf8" providerId="ADAL" clId="{F354DCD7-BB40-4CC7-B38D-033FB83C9396}" dt="2017-11-21T19:49:41.500" v="920" actId="20577"/>
-        <pc:sldMkLst>
-          <pc:docMk/>
-          <pc:sldMk cId="2245839232" sldId="277"/>
-        </pc:sldMkLst>
-        <pc:spChg chg="mod">
-          <ac:chgData name="Rahma Ali" userId="5912e113-f565-4ff4-b616-408ec8dfdaf8" providerId="ADAL" clId="{F354DCD7-BB40-4CC7-B38D-033FB83C9396}" dt="2017-11-21T19:49:41.500" v="920" actId="20577"/>
-          <ac:spMkLst>
-            <pc:docMk/>
-            <pc:sldMk cId="2245839232" sldId="277"/>
-            <ac:spMk id="4" creationId="{B5AA14DC-37F4-407D-8D2D-A64730DAA6A0}"/>
-          </ac:spMkLst>
-        </pc:spChg>
-      </pc:sldChg>
-      <pc:sldChg chg="modSp">
-        <pc:chgData name="Rahma Ali" userId="5912e113-f565-4ff4-b616-408ec8dfdaf8" providerId="ADAL" clId="{F354DCD7-BB40-4CC7-B38D-033FB83C9396}" dt="2017-11-21T19:50:53.952" v="948" actId="20577"/>
-        <pc:sldMkLst>
-          <pc:docMk/>
-          <pc:sldMk cId="3282527866" sldId="278"/>
-        </pc:sldMkLst>
-        <pc:spChg chg="mod">
-          <ac:chgData name="Rahma Ali" userId="5912e113-f565-4ff4-b616-408ec8dfdaf8" providerId="ADAL" clId="{F354DCD7-BB40-4CC7-B38D-033FB83C9396}" dt="2017-11-21T19:50:53.952" v="948" actId="20577"/>
-          <ac:spMkLst>
-            <pc:docMk/>
-            <pc:sldMk cId="3282527866" sldId="278"/>
-            <ac:spMk id="4" creationId="{B5AA14DC-37F4-407D-8D2D-A64730DAA6A0}"/>
-          </ac:spMkLst>
-        </pc:spChg>
-      </pc:sldChg>
-      <pc:sldChg chg="modSp">
-        <pc:chgData name="Rahma Ali" userId="5912e113-f565-4ff4-b616-408ec8dfdaf8" providerId="ADAL" clId="{F354DCD7-BB40-4CC7-B38D-033FB83C9396}" dt="2017-11-21T19:51:18.920" v="954" actId="20577"/>
-        <pc:sldMkLst>
-          <pc:docMk/>
-          <pc:sldMk cId="2049983490" sldId="279"/>
-        </pc:sldMkLst>
-        <pc:spChg chg="mod">
-          <ac:chgData name="Rahma Ali" userId="5912e113-f565-4ff4-b616-408ec8dfdaf8" providerId="ADAL" clId="{F354DCD7-BB40-4CC7-B38D-033FB83C9396}" dt="2017-11-21T19:51:18.920" v="954" actId="20577"/>
-          <ac:spMkLst>
-            <pc:docMk/>
-            <pc:sldMk cId="2049983490" sldId="279"/>
-            <ac:spMk id="4" creationId="{B5AA14DC-37F4-407D-8D2D-A64730DAA6A0}"/>
-          </ac:spMkLst>
-        </pc:spChg>
-      </pc:sldChg>
-      <pc:sldChg chg="modSp">
-        <pc:chgData name="Rahma Ali" userId="5912e113-f565-4ff4-b616-408ec8dfdaf8" providerId="ADAL" clId="{F354DCD7-BB40-4CC7-B38D-033FB83C9396}" dt="2017-11-21T19:51:37.415" v="961" actId="20577"/>
-        <pc:sldMkLst>
-          <pc:docMk/>
-          <pc:sldMk cId="34500879" sldId="286"/>
-        </pc:sldMkLst>
-        <pc:spChg chg="mod">
-          <ac:chgData name="Rahma Ali" userId="5912e113-f565-4ff4-b616-408ec8dfdaf8" providerId="ADAL" clId="{F354DCD7-BB40-4CC7-B38D-033FB83C9396}" dt="2017-11-21T19:51:37.415" v="961" actId="20577"/>
-          <ac:spMkLst>
-            <pc:docMk/>
-            <pc:sldMk cId="34500879" sldId="286"/>
-            <ac:spMk id="2" creationId="{00000000-0000-0000-0000-000000000000}"/>
-          </ac:spMkLst>
-        </pc:spChg>
-      </pc:sldChg>
-      <pc:sldChg chg="modSp">
-        <pc:chgData name="Rahma Ali" userId="5912e113-f565-4ff4-b616-408ec8dfdaf8" providerId="ADAL" clId="{F354DCD7-BB40-4CC7-B38D-033FB83C9396}" dt="2017-11-21T19:51:44.367" v="963" actId="20577"/>
-        <pc:sldMkLst>
-          <pc:docMk/>
-          <pc:sldMk cId="2821196515" sldId="287"/>
-        </pc:sldMkLst>
-        <pc:spChg chg="mod">
-          <ac:chgData name="Rahma Ali" userId="5912e113-f565-4ff4-b616-408ec8dfdaf8" providerId="ADAL" clId="{F354DCD7-BB40-4CC7-B38D-033FB83C9396}" dt="2017-11-21T19:51:44.367" v="963" actId="20577"/>
-          <ac:spMkLst>
-            <pc:docMk/>
-            <pc:sldMk cId="2821196515" sldId="287"/>
-            <ac:spMk id="2" creationId="{00000000-0000-0000-0000-000000000000}"/>
-          </ac:spMkLst>
-        </pc:spChg>
-      </pc:sldChg>
-      <pc:sldChg chg="modSp">
-        <pc:chgData name="Rahma Ali" userId="5912e113-f565-4ff4-b616-408ec8dfdaf8" providerId="ADAL" clId="{F354DCD7-BB40-4CC7-B38D-033FB83C9396}" dt="2017-11-21T19:50:27.587" v="932" actId="20577"/>
-        <pc:sldMkLst>
-          <pc:docMk/>
-          <pc:sldMk cId="2938637148" sldId="290"/>
-        </pc:sldMkLst>
-        <pc:spChg chg="mod">
-          <ac:chgData name="Rahma Ali" userId="5912e113-f565-4ff4-b616-408ec8dfdaf8" providerId="ADAL" clId="{F354DCD7-BB40-4CC7-B38D-033FB83C9396}" dt="2017-11-21T19:50:27.587" v="932" actId="20577"/>
-          <ac:spMkLst>
-            <pc:docMk/>
-            <pc:sldMk cId="2938637148" sldId="290"/>
-            <ac:spMk id="2" creationId="{5917E6AE-EDC7-4E2D-8711-BFE211FB4C04}"/>
-          </ac:spMkLst>
-        </pc:spChg>
-      </pc:sldChg>
-      <pc:sldChg chg="modSp del">
-        <pc:chgData name="Rahma Ali" userId="5912e113-f565-4ff4-b616-408ec8dfdaf8" providerId="ADAL" clId="{F354DCD7-BB40-4CC7-B38D-033FB83C9396}" dt="2017-11-21T19:19:52.896" v="82" actId="2696"/>
-        <pc:sldMkLst>
-          <pc:docMk/>
-          <pc:sldMk cId="3048336892" sldId="293"/>
-        </pc:sldMkLst>
-        <pc:spChg chg="mod">
-          <ac:chgData name="Rahma Ali" userId="5912e113-f565-4ff4-b616-408ec8dfdaf8" providerId="ADAL" clId="{F354DCD7-BB40-4CC7-B38D-033FB83C9396}" dt="2017-11-21T19:19:41.015" v="81" actId="20577"/>
-          <ac:spMkLst>
-            <pc:docMk/>
-            <pc:sldMk cId="3048336892" sldId="293"/>
-            <ac:spMk id="3" creationId="{4700AF38-A396-4627-BFB4-29C92E442A0B}"/>
-          </ac:spMkLst>
-        </pc:spChg>
-      </pc:sldChg>
-      <pc:sldChg chg="del">
-        <pc:chgData name="Rahma Ali" userId="5912e113-f565-4ff4-b616-408ec8dfdaf8" providerId="ADAL" clId="{F354DCD7-BB40-4CC7-B38D-033FB83C9396}" dt="2017-11-21T19:19:55.143" v="83" actId="2696"/>
-        <pc:sldMkLst>
-          <pc:docMk/>
-          <pc:sldMk cId="4151498732" sldId="297"/>
-        </pc:sldMkLst>
-      </pc:sldChg>
-      <pc:sldChg chg="modSp">
-        <pc:chgData name="Rahma Ali" userId="5912e113-f565-4ff4-b616-408ec8dfdaf8" providerId="ADAL" clId="{F354DCD7-BB40-4CC7-B38D-033FB83C9396}" dt="2017-11-21T19:12:20.740" v="23" actId="12"/>
-        <pc:sldMkLst>
-          <pc:docMk/>
-          <pc:sldMk cId="1531306402" sldId="298"/>
-        </pc:sldMkLst>
-        <pc:spChg chg="mod">
-          <ac:chgData name="Rahma Ali" userId="5912e113-f565-4ff4-b616-408ec8dfdaf8" providerId="ADAL" clId="{F354DCD7-BB40-4CC7-B38D-033FB83C9396}" dt="2017-11-21T19:12:20.740" v="23" actId="12"/>
-          <ac:spMkLst>
-            <pc:docMk/>
-            <pc:sldMk cId="1531306402" sldId="298"/>
-            <ac:spMk id="4" creationId="{C98DE769-0D9B-4D26-B72F-F970F7BF2C1E}"/>
-          </ac:spMkLst>
-        </pc:spChg>
-      </pc:sldChg>
-      <pc:sldChg chg="modSp">
-        <pc:chgData name="Rahma Ali" userId="5912e113-f565-4ff4-b616-408ec8dfdaf8" providerId="ADAL" clId="{F354DCD7-BB40-4CC7-B38D-033FB83C9396}" dt="2017-11-21T19:49:23.369" v="919" actId="20577"/>
-        <pc:sldMkLst>
-          <pc:docMk/>
-          <pc:sldMk cId="1259731849" sldId="301"/>
-        </pc:sldMkLst>
-        <pc:spChg chg="mod">
-          <ac:chgData name="Rahma Ali" userId="5912e113-f565-4ff4-b616-408ec8dfdaf8" providerId="ADAL" clId="{F354DCD7-BB40-4CC7-B38D-033FB83C9396}" dt="2017-11-21T19:49:23.369" v="919" actId="20577"/>
-          <ac:spMkLst>
-            <pc:docMk/>
-            <pc:sldMk cId="1259731849" sldId="301"/>
-            <ac:spMk id="3" creationId="{00000000-0000-0000-0000-000000000000}"/>
-          </ac:spMkLst>
-        </pc:spChg>
-      </pc:sldChg>
-      <pc:sldChg chg="modSp">
-        <pc:chgData name="Rahma Ali" userId="5912e113-f565-4ff4-b616-408ec8dfdaf8" providerId="ADAL" clId="{F354DCD7-BB40-4CC7-B38D-033FB83C9396}" dt="2017-11-21T19:09:44.407" v="8" actId="20577"/>
-        <pc:sldMkLst>
-          <pc:docMk/>
-          <pc:sldMk cId="2929008354" sldId="302"/>
-        </pc:sldMkLst>
-        <pc:spChg chg="mod">
-          <ac:chgData name="Rahma Ali" userId="5912e113-f565-4ff4-b616-408ec8dfdaf8" providerId="ADAL" clId="{F354DCD7-BB40-4CC7-B38D-033FB83C9396}" dt="2017-11-21T19:09:44.407" v="8" actId="20577"/>
-          <ac:spMkLst>
-            <pc:docMk/>
-            <pc:sldMk cId="2929008354" sldId="302"/>
-            <ac:spMk id="3" creationId="{00000000-0000-0000-0000-000000000000}"/>
-          </ac:spMkLst>
-        </pc:spChg>
-      </pc:sldChg>
-      <pc:sldChg chg="modSp">
-        <pc:chgData name="Rahma Ali" userId="5912e113-f565-4ff4-b616-408ec8dfdaf8" providerId="ADAL" clId="{F354DCD7-BB40-4CC7-B38D-033FB83C9396}" dt="2017-11-21T19:10:50.798" v="20" actId="255"/>
-        <pc:sldMkLst>
-          <pc:docMk/>
-          <pc:sldMk cId="2755417036" sldId="303"/>
-        </pc:sldMkLst>
-        <pc:spChg chg="mod">
-          <ac:chgData name="Rahma Ali" userId="5912e113-f565-4ff4-b616-408ec8dfdaf8" providerId="ADAL" clId="{F354DCD7-BB40-4CC7-B38D-033FB83C9396}" dt="2017-11-21T19:10:50.798" v="20" actId="255"/>
-          <ac:spMkLst>
-            <pc:docMk/>
-            <pc:sldMk cId="2755417036" sldId="303"/>
-            <ac:spMk id="3" creationId="{00000000-0000-0000-0000-000000000000}"/>
-          </ac:spMkLst>
-        </pc:spChg>
-      </pc:sldChg>
-      <pc:sldChg chg="modSp">
-        <pc:chgData name="Rahma Ali" userId="5912e113-f565-4ff4-b616-408ec8dfdaf8" providerId="ADAL" clId="{F354DCD7-BB40-4CC7-B38D-033FB83C9396}" dt="2017-11-21T19:11:59.696" v="22" actId="12"/>
-        <pc:sldMkLst>
-          <pc:docMk/>
-          <pc:sldMk cId="4119121078" sldId="304"/>
-        </pc:sldMkLst>
-        <pc:spChg chg="mod">
-          <ac:chgData name="Rahma Ali" userId="5912e113-f565-4ff4-b616-408ec8dfdaf8" providerId="ADAL" clId="{F354DCD7-BB40-4CC7-B38D-033FB83C9396}" dt="2017-11-21T19:11:59.696" v="22" actId="12"/>
-          <ac:spMkLst>
-            <pc:docMk/>
-            <pc:sldMk cId="4119121078" sldId="304"/>
-            <ac:spMk id="3" creationId="{00000000-0000-0000-0000-000000000000}"/>
-          </ac:spMkLst>
-        </pc:spChg>
-      </pc:sldChg>
-      <pc:sldChg chg="modSp">
-        <pc:chgData name="Rahma Ali" userId="5912e113-f565-4ff4-b616-408ec8dfdaf8" providerId="ADAL" clId="{F354DCD7-BB40-4CC7-B38D-033FB83C9396}" dt="2017-11-21T19:51:54.715" v="978" actId="20577"/>
-        <pc:sldMkLst>
-          <pc:docMk/>
-          <pc:sldMk cId="3482530504" sldId="305"/>
-        </pc:sldMkLst>
-        <pc:spChg chg="mod">
-          <ac:chgData name="Rahma Ali" userId="5912e113-f565-4ff4-b616-408ec8dfdaf8" providerId="ADAL" clId="{F354DCD7-BB40-4CC7-B38D-033FB83C9396}" dt="2017-11-21T19:51:54.715" v="978" actId="20577"/>
-          <ac:spMkLst>
-            <pc:docMk/>
-            <pc:sldMk cId="3482530504" sldId="305"/>
-            <ac:spMk id="4" creationId="{B5AA14DC-37F4-407D-8D2D-A64730DAA6A0}"/>
-          </ac:spMkLst>
-        </pc:spChg>
-      </pc:sldChg>
-      <pc:sldChg chg="modSp modNotesTx">
-        <pc:chgData name="Rahma Ali" userId="5912e113-f565-4ff4-b616-408ec8dfdaf8" providerId="ADAL" clId="{F354DCD7-BB40-4CC7-B38D-033FB83C9396}" dt="2017-11-21T19:16:37.727" v="53" actId="14100"/>
-        <pc:sldMkLst>
-          <pc:docMk/>
-          <pc:sldMk cId="4062733488" sldId="306"/>
-        </pc:sldMkLst>
-        <pc:spChg chg="mod">
-          <ac:chgData name="Rahma Ali" userId="5912e113-f565-4ff4-b616-408ec8dfdaf8" providerId="ADAL" clId="{F354DCD7-BB40-4CC7-B38D-033FB83C9396}" dt="2017-11-21T19:16:37.727" v="53" actId="14100"/>
-          <ac:spMkLst>
-            <pc:docMk/>
-            <pc:sldMk cId="4062733488" sldId="306"/>
-            <ac:spMk id="3" creationId="{00000000-0000-0000-0000-000000000000}"/>
-          </ac:spMkLst>
-        </pc:spChg>
-      </pc:sldChg>
-      <pc:sldChg chg="modSp">
-        <pc:chgData name="Rahma Ali" userId="5912e113-f565-4ff4-b616-408ec8dfdaf8" providerId="ADAL" clId="{F354DCD7-BB40-4CC7-B38D-033FB83C9396}" dt="2017-11-21T19:18:45.870" v="71" actId="12"/>
-        <pc:sldMkLst>
-          <pc:docMk/>
-          <pc:sldMk cId="1657648202" sldId="309"/>
-        </pc:sldMkLst>
-        <pc:spChg chg="mod">
-          <ac:chgData name="Rahma Ali" userId="5912e113-f565-4ff4-b616-408ec8dfdaf8" providerId="ADAL" clId="{F354DCD7-BB40-4CC7-B38D-033FB83C9396}" dt="2017-11-21T19:18:45.870" v="71" actId="12"/>
-          <ac:spMkLst>
-            <pc:docMk/>
-            <pc:sldMk cId="1657648202" sldId="309"/>
-            <ac:spMk id="6" creationId="{91E3748B-21C2-439B-959C-C5790FF7C608}"/>
-          </ac:spMkLst>
-        </pc:spChg>
-      </pc:sldChg>
-      <pc:sldChg chg="modSp">
-        <pc:chgData name="Rahma Ali" userId="5912e113-f565-4ff4-b616-408ec8dfdaf8" providerId="ADAL" clId="{F354DCD7-BB40-4CC7-B38D-033FB83C9396}" dt="2017-11-21T19:16:59.954" v="54" actId="12"/>
-        <pc:sldMkLst>
-          <pc:docMk/>
-          <pc:sldMk cId="1182831062" sldId="310"/>
-        </pc:sldMkLst>
-        <pc:spChg chg="mod">
-          <ac:chgData name="Rahma Ali" userId="5912e113-f565-4ff4-b616-408ec8dfdaf8" providerId="ADAL" clId="{F354DCD7-BB40-4CC7-B38D-033FB83C9396}" dt="2017-11-21T19:16:59.954" v="54" actId="12"/>
-          <ac:spMkLst>
-            <pc:docMk/>
-            <pc:sldMk cId="1182831062" sldId="310"/>
-            <ac:spMk id="4" creationId="{C98DE769-0D9B-4D26-B72F-F970F7BF2C1E}"/>
-          </ac:spMkLst>
-        </pc:spChg>
-      </pc:sldChg>
-      <pc:sldChg chg="modSp">
-        <pc:chgData name="Rahma Ali" userId="5912e113-f565-4ff4-b616-408ec8dfdaf8" providerId="ADAL" clId="{F354DCD7-BB40-4CC7-B38D-033FB83C9396}" dt="2017-11-21T19:19:31.234" v="80" actId="14100"/>
-        <pc:sldMkLst>
-          <pc:docMk/>
-          <pc:sldMk cId="3206725640" sldId="312"/>
-        </pc:sldMkLst>
-        <pc:spChg chg="mod">
-          <ac:chgData name="Rahma Ali" userId="5912e113-f565-4ff4-b616-408ec8dfdaf8" providerId="ADAL" clId="{F354DCD7-BB40-4CC7-B38D-033FB83C9396}" dt="2017-11-21T19:19:31.234" v="80" actId="14100"/>
-          <ac:spMkLst>
-            <pc:docMk/>
-            <pc:sldMk cId="3206725640" sldId="312"/>
-            <ac:spMk id="4" creationId="{4CE47634-59C3-43BE-85F0-30002F1BEA16}"/>
-          </ac:spMkLst>
-        </pc:spChg>
-      </pc:sldChg>
-      <pc:sldChg chg="modSp add del modNotesTx">
-        <pc:chgData name="Rahma Ali" userId="5912e113-f565-4ff4-b616-408ec8dfdaf8" providerId="ADAL" clId="{F354DCD7-BB40-4CC7-B38D-033FB83C9396}" dt="2017-11-21T19:39:32.655" v="610" actId="2696"/>
-        <pc:sldMkLst>
-          <pc:docMk/>
-          <pc:sldMk cId="1587267626" sldId="313"/>
-        </pc:sldMkLst>
-        <pc:spChg chg="mod">
-          <ac:chgData name="Rahma Ali" userId="5912e113-f565-4ff4-b616-408ec8dfdaf8" providerId="ADAL" clId="{F354DCD7-BB40-4CC7-B38D-033FB83C9396}" dt="2017-11-21T19:36:12.514" v="535" actId="27636"/>
-          <ac:spMkLst>
-            <pc:docMk/>
-            <pc:sldMk cId="1587267626" sldId="313"/>
-            <ac:spMk id="4" creationId="{4CE47634-59C3-43BE-85F0-30002F1BEA16}"/>
-          </ac:spMkLst>
-        </pc:spChg>
-      </pc:sldChg>
-      <pc:sldChg chg="modSp add del">
-        <pc:chgData name="Rahma Ali" userId="5912e113-f565-4ff4-b616-408ec8dfdaf8" providerId="ADAL" clId="{F354DCD7-BB40-4CC7-B38D-033FB83C9396}" dt="2017-11-21T19:39:25.966" v="609" actId="2696"/>
-        <pc:sldMkLst>
-          <pc:docMk/>
-          <pc:sldMk cId="749848566" sldId="314"/>
-        </pc:sldMkLst>
-        <pc:spChg chg="mod">
-          <ac:chgData name="Rahma Ali" userId="5912e113-f565-4ff4-b616-408ec8dfdaf8" providerId="ADAL" clId="{F354DCD7-BB40-4CC7-B38D-033FB83C9396}" dt="2017-11-21T19:35:35.261" v="532"/>
-          <ac:spMkLst>
-            <pc:docMk/>
-            <pc:sldMk cId="749848566" sldId="314"/>
-            <ac:spMk id="4" creationId="{4CE47634-59C3-43BE-85F0-30002F1BEA16}"/>
-          </ac:spMkLst>
-        </pc:spChg>
-      </pc:sldChg>
-      <pc:sldChg chg="modSp add">
-        <pc:chgData name="Rahma Ali" userId="5912e113-f565-4ff4-b616-408ec8dfdaf8" providerId="ADAL" clId="{F354DCD7-BB40-4CC7-B38D-033FB83C9396}" dt="2017-11-21T19:41:50.726" v="654" actId="1076"/>
-        <pc:sldMkLst>
-          <pc:docMk/>
-          <pc:sldMk cId="2405629071" sldId="315"/>
-        </pc:sldMkLst>
-        <pc:spChg chg="mod">
-          <ac:chgData name="Rahma Ali" userId="5912e113-f565-4ff4-b616-408ec8dfdaf8" providerId="ADAL" clId="{F354DCD7-BB40-4CC7-B38D-033FB83C9396}" dt="2017-11-21T19:41:11.060" v="648" actId="20577"/>
-          <ac:spMkLst>
-            <pc:docMk/>
-            <pc:sldMk cId="2405629071" sldId="315"/>
-            <ac:spMk id="2" creationId="{4EA9158D-CABB-4B88-8DA9-62C063E84DC2}"/>
-          </ac:spMkLst>
-        </pc:spChg>
-        <pc:spChg chg="mod">
-          <ac:chgData name="Rahma Ali" userId="5912e113-f565-4ff4-b616-408ec8dfdaf8" providerId="ADAL" clId="{F354DCD7-BB40-4CC7-B38D-033FB83C9396}" dt="2017-11-21T19:41:50.726" v="654" actId="1076"/>
-          <ac:spMkLst>
-            <pc:docMk/>
-            <pc:sldMk cId="2405629071" sldId="315"/>
-            <ac:spMk id="4" creationId="{4CE47634-59C3-43BE-85F0-30002F1BEA16}"/>
-          </ac:spMkLst>
-        </pc:spChg>
-      </pc:sldChg>
-      <pc:sldChg chg="modSp add ord modNotesTx">
-        <pc:chgData name="Rahma Ali" userId="5912e113-f565-4ff4-b616-408ec8dfdaf8" providerId="ADAL" clId="{F354DCD7-BB40-4CC7-B38D-033FB83C9396}" dt="2017-11-21T19:48:28.958" v="908" actId="20577"/>
-        <pc:sldMkLst>
-          <pc:docMk/>
-          <pc:sldMk cId="2930097706" sldId="316"/>
-        </pc:sldMkLst>
-        <pc:spChg chg="mod">
-          <ac:chgData name="Rahma Ali" userId="5912e113-f565-4ff4-b616-408ec8dfdaf8" providerId="ADAL" clId="{F354DCD7-BB40-4CC7-B38D-033FB83C9396}" dt="2017-11-21T19:48:28.958" v="908" actId="20577"/>
-          <ac:spMkLst>
-            <pc:docMk/>
-            <pc:sldMk cId="2930097706" sldId="316"/>
-            <ac:spMk id="4" creationId="{4CE47634-59C3-43BE-85F0-30002F1BEA16}"/>
-          </ac:spMkLst>
-        </pc:spChg>
-      </pc:sldChg>
-      <pc:sldChg chg="modSp add">
-        <pc:chgData name="Rahma Ali" userId="5912e113-f565-4ff4-b616-408ec8dfdaf8" providerId="ADAL" clId="{F354DCD7-BB40-4CC7-B38D-033FB83C9396}" dt="2017-11-21T19:43:02.751" v="701" actId="20577"/>
-        <pc:sldMkLst>
-          <pc:docMk/>
-          <pc:sldMk cId="3698335369" sldId="317"/>
-        </pc:sldMkLst>
-        <pc:spChg chg="mod">
-          <ac:chgData name="Rahma Ali" userId="5912e113-f565-4ff4-b616-408ec8dfdaf8" providerId="ADAL" clId="{F354DCD7-BB40-4CC7-B38D-033FB83C9396}" dt="2017-11-21T19:42:05.102" v="672" actId="20577"/>
-          <ac:spMkLst>
-            <pc:docMk/>
-            <pc:sldMk cId="3698335369" sldId="317"/>
-            <ac:spMk id="2" creationId="{4EA9158D-CABB-4B88-8DA9-62C063E84DC2}"/>
-          </ac:spMkLst>
-        </pc:spChg>
-        <pc:spChg chg="mod">
-          <ac:chgData name="Rahma Ali" userId="5912e113-f565-4ff4-b616-408ec8dfdaf8" providerId="ADAL" clId="{F354DCD7-BB40-4CC7-B38D-033FB83C9396}" dt="2017-11-21T19:43:02.751" v="701" actId="20577"/>
-          <ac:spMkLst>
-            <pc:docMk/>
-            <pc:sldMk cId="3698335369" sldId="317"/>
-            <ac:spMk id="4" creationId="{4CE47634-59C3-43BE-85F0-30002F1BEA16}"/>
-          </ac:spMkLst>
-        </pc:spChg>
-      </pc:sldChg>
-      <pc:sldChg chg="modSp add">
-        <pc:chgData name="Rahma Ali" userId="5912e113-f565-4ff4-b616-408ec8dfdaf8" providerId="ADAL" clId="{F354DCD7-BB40-4CC7-B38D-033FB83C9396}" dt="2017-11-21T19:43:24.067" v="736" actId="20577"/>
-        <pc:sldMkLst>
-          <pc:docMk/>
-          <pc:sldMk cId="2884152160" sldId="318"/>
-        </pc:sldMkLst>
-        <pc:spChg chg="mod">
-          <ac:chgData name="Rahma Ali" userId="5912e113-f565-4ff4-b616-408ec8dfdaf8" providerId="ADAL" clId="{F354DCD7-BB40-4CC7-B38D-033FB83C9396}" dt="2017-11-21T19:43:24.067" v="736" actId="20577"/>
-          <ac:spMkLst>
-            <pc:docMk/>
-            <pc:sldMk cId="2884152160" sldId="318"/>
-            <ac:spMk id="4" creationId="{B5AA14DC-37F4-407D-8D2D-A64730DAA6A0}"/>
-          </ac:spMkLst>
-        </pc:spChg>
-      </pc:sldChg>
-      <pc:sldChg chg="addSp delSp modSp add del">
-        <pc:chgData name="Rahma Ali" userId="5912e113-f565-4ff4-b616-408ec8dfdaf8" providerId="ADAL" clId="{F354DCD7-BB40-4CC7-B38D-033FB83C9396}" dt="2017-11-21T19:44:54.988" v="754" actId="2696"/>
-        <pc:sldMkLst>
-          <pc:docMk/>
-          <pc:sldMk cId="2451769482" sldId="319"/>
-        </pc:sldMkLst>
-        <pc:spChg chg="del">
-          <ac:chgData name="Rahma Ali" userId="5912e113-f565-4ff4-b616-408ec8dfdaf8" providerId="ADAL" clId="{F354DCD7-BB40-4CC7-B38D-033FB83C9396}" dt="2017-11-21T19:43:42.099" v="738"/>
-          <ac:spMkLst>
-            <pc:docMk/>
-            <pc:sldMk cId="2451769482" sldId="319"/>
-            <ac:spMk id="2" creationId="{4D06713A-6B28-4B37-ADBF-4104E87C3ADB}"/>
-          </ac:spMkLst>
-        </pc:spChg>
-        <pc:spChg chg="del">
-          <ac:chgData name="Rahma Ali" userId="5912e113-f565-4ff4-b616-408ec8dfdaf8" providerId="ADAL" clId="{F354DCD7-BB40-4CC7-B38D-033FB83C9396}" dt="2017-11-21T19:43:42.099" v="738"/>
-          <ac:spMkLst>
-            <pc:docMk/>
-            <pc:sldMk cId="2451769482" sldId="319"/>
-            <ac:spMk id="3" creationId="{7A32A5CC-AA62-40BB-B92B-67DFB092BD26}"/>
-          </ac:spMkLst>
-        </pc:spChg>
-        <pc:spChg chg="add del mod">
-          <ac:chgData name="Rahma Ali" userId="5912e113-f565-4ff4-b616-408ec8dfdaf8" providerId="ADAL" clId="{F354DCD7-BB40-4CC7-B38D-033FB83C9396}" dt="2017-11-21T19:44:28.485" v="750" actId="478"/>
-          <ac:spMkLst>
-            <pc:docMk/>
-            <pc:sldMk cId="2451769482" sldId="319"/>
-            <ac:spMk id="4" creationId="{ABA737FB-2A0F-41DC-A78F-6A6E6B85390D}"/>
-          </ac:spMkLst>
-        </pc:spChg>
-      </pc:sldChg>
-    </pc:docChg>
-  </pc:docChgLst>
-</pc:chgInfo>
+<file path=ppt/revisionInfo.xml><?xml version="1.0" encoding="utf-8"?>
+<p1510:revInfo xmlns:a="http://schemas.openxmlformats.org/drawingml/2006/main" xmlns:r="http://schemas.openxmlformats.org/officeDocument/2006/relationships" xmlns:p1510="http://schemas.microsoft.com/office/powerpoint/2015/10/main"/>
 </file>
 
 <file path=ppt/notesMasters/notesMaster1.xml><?xml version="1.0" encoding="utf-8"?>
@@ -899,7 +292,7 @@
           <a:p>
             <a:fld id="{A5C20BB3-3CCB-4FE5-991B-82F6BCB48AF3}" type="datetimeFigureOut">
               <a:rPr lang="en-US" smtClean="0"/>
-              <a:t>11/21/2017</a:t>
+              <a:t>11/23/2017</a:t>
             </a:fld>
             <a:endParaRPr lang="en-US"/>
           </a:p>
@@ -1231,7 +624,7 @@
           <a:p>
             <a:fld id="{E0746DE6-3336-457D-A091-FA20AC1C536E}" type="slidenum">
               <a:rPr lang="en-US" smtClean="0"/>
-              <a:t>6</a:t>
+              <a:t>4</a:t>
             </a:fld>
             <a:endParaRPr lang="en-US"/>
           </a:p>
@@ -1240,7 +633,7 @@
     </p:spTree>
     <p:extLst>
       <p:ext uri="{BB962C8B-B14F-4D97-AF65-F5344CB8AC3E}">
-        <p14:creationId xmlns:p14="http://schemas.microsoft.com/office/powerpoint/2010/main" val="3636248771"/>
+        <p14:creationId xmlns:p14="http://schemas.microsoft.com/office/powerpoint/2010/main" val="392015497"/>
       </p:ext>
     </p:extLst>
   </p:cSld>
@@ -1294,50 +687,7 @@
           <a:bodyPr/>
           <a:lstStyle/>
           <a:p>
-            <a:pPr marL="0" marR="0" lvl="0" indent="0" algn="l" defTabSz="914400" rtl="0" eaLnBrk="1" fontAlgn="auto" latinLnBrk="0" hangingPunct="1">
-              <a:lnSpc>
-                <a:spcPct val="100000"/>
-              </a:lnSpc>
-              <a:spcBef>
-                <a:spcPts val="0"/>
-              </a:spcBef>
-              <a:spcAft>
-                <a:spcPts val="0"/>
-              </a:spcAft>
-              <a:buClrTx/>
-              <a:buSzTx/>
-              <a:buFontTx/>
-              <a:buNone/>
-              <a:tabLst/>
-              <a:defRPr/>
-            </a:pPr>
-            <a:endParaRPr lang="en-GB" dirty="0"/>
-          </a:p>
-          <a:p>
-            <a:pPr marL="0" marR="0" lvl="0" indent="0" algn="l" defTabSz="914400" rtl="0" eaLnBrk="1" fontAlgn="auto" latinLnBrk="0" hangingPunct="1">
-              <a:lnSpc>
-                <a:spcPct val="100000"/>
-              </a:lnSpc>
-              <a:spcBef>
-                <a:spcPts val="0"/>
-              </a:spcBef>
-              <a:spcAft>
-                <a:spcPts val="0"/>
-              </a:spcAft>
-              <a:buClrTx/>
-              <a:buSzTx/>
-              <a:buFontTx/>
-              <a:buNone/>
-              <a:tabLst/>
-              <a:defRPr/>
-            </a:pPr>
-            <a:endParaRPr lang="en-GB" dirty="0"/>
-          </a:p>
-          <a:p>
             <a:endParaRPr lang="en-US" dirty="0"/>
-          </a:p>
-          <a:p>
-            <a:endParaRPr lang="en-GB" dirty="0"/>
           </a:p>
         </p:txBody>
       </p:sp>
@@ -1358,7 +708,7 @@
           <a:p>
             <a:fld id="{E0746DE6-3336-457D-A091-FA20AC1C536E}" type="slidenum">
               <a:rPr lang="en-US" smtClean="0"/>
-              <a:t>30</a:t>
+              <a:t>13</a:t>
             </a:fld>
             <a:endParaRPr lang="en-US"/>
           </a:p>
@@ -1367,7 +717,7 @@
     </p:spTree>
     <p:extLst>
       <p:ext uri="{BB962C8B-B14F-4D97-AF65-F5344CB8AC3E}">
-        <p14:creationId xmlns:p14="http://schemas.microsoft.com/office/powerpoint/2010/main" val="429914443"/>
+        <p14:creationId xmlns:p14="http://schemas.microsoft.com/office/powerpoint/2010/main" val="1163910865"/>
       </p:ext>
     </p:extLst>
   </p:cSld>
@@ -1421,10 +771,7 @@
           <a:bodyPr/>
           <a:lstStyle/>
           <a:p>
-            <a:r>
-              <a:rPr lang="en-US" dirty="0"/>
-              <a:t>Authors argues that other consider the metrics in isolation</a:t>
-            </a:r>
+            <a:endParaRPr lang="en-GB" dirty="0"/>
           </a:p>
         </p:txBody>
       </p:sp>
@@ -1445,7 +792,7 @@
           <a:p>
             <a:fld id="{E0746DE6-3336-457D-A091-FA20AC1C536E}" type="slidenum">
               <a:rPr lang="en-US" smtClean="0"/>
-              <a:t>31</a:t>
+              <a:t>15</a:t>
             </a:fld>
             <a:endParaRPr lang="en-US"/>
           </a:p>
@@ -1454,7 +801,7 @@
     </p:spTree>
     <p:extLst>
       <p:ext uri="{BB962C8B-B14F-4D97-AF65-F5344CB8AC3E}">
-        <p14:creationId xmlns:p14="http://schemas.microsoft.com/office/powerpoint/2010/main" val="2297024972"/>
+        <p14:creationId xmlns:p14="http://schemas.microsoft.com/office/powerpoint/2010/main" val="288648424"/>
       </p:ext>
     </p:extLst>
   </p:cSld>
@@ -1508,10 +855,24 @@
           <a:bodyPr/>
           <a:lstStyle/>
           <a:p>
-            <a:r>
-              <a:rPr lang="en-US" dirty="0"/>
-              <a:t>Authors argues that other consider the metrics in isolation</a:t>
-            </a:r>
+            <a:pPr marL="0" marR="0" lvl="0" indent="0" algn="l" defTabSz="914400" rtl="0" eaLnBrk="1" fontAlgn="auto" latinLnBrk="0" hangingPunct="1">
+              <a:lnSpc>
+                <a:spcPct val="100000"/>
+              </a:lnSpc>
+              <a:spcBef>
+                <a:spcPts val="0"/>
+              </a:spcBef>
+              <a:spcAft>
+                <a:spcPts val="0"/>
+              </a:spcAft>
+              <a:buClrTx/>
+              <a:buSzTx/>
+              <a:buFontTx/>
+              <a:buNone/>
+              <a:tabLst/>
+              <a:defRPr/>
+            </a:pPr>
+            <a:endParaRPr lang="en-GB" dirty="0"/>
           </a:p>
         </p:txBody>
       </p:sp>
@@ -1532,7 +893,7 @@
           <a:p>
             <a:fld id="{E0746DE6-3336-457D-A091-FA20AC1C536E}" type="slidenum">
               <a:rPr lang="en-US" smtClean="0"/>
-              <a:t>32</a:t>
+              <a:t>16</a:t>
             </a:fld>
             <a:endParaRPr lang="en-US"/>
           </a:p>
@@ -1541,7 +902,7 @@
     </p:spTree>
     <p:extLst>
       <p:ext uri="{BB962C8B-B14F-4D97-AF65-F5344CB8AC3E}">
-        <p14:creationId xmlns:p14="http://schemas.microsoft.com/office/powerpoint/2010/main" val="212126452"/>
+        <p14:creationId xmlns:p14="http://schemas.microsoft.com/office/powerpoint/2010/main" val="2600979197"/>
       </p:ext>
     </p:extLst>
   </p:cSld>
@@ -1595,10 +956,7 @@
           <a:bodyPr/>
           <a:lstStyle/>
           <a:p>
-            <a:r>
-              <a:rPr lang="en-US" dirty="0"/>
-              <a:t>Authors argues that other consider the metrics in isolation</a:t>
-            </a:r>
+            <a:endParaRPr lang="en-GB" dirty="0"/>
           </a:p>
         </p:txBody>
       </p:sp>
@@ -1619,7 +977,7 @@
           <a:p>
             <a:fld id="{E0746DE6-3336-457D-A091-FA20AC1C536E}" type="slidenum">
               <a:rPr lang="en-US" smtClean="0"/>
-              <a:t>33</a:t>
+              <a:t>17</a:t>
             </a:fld>
             <a:endParaRPr lang="en-US"/>
           </a:p>
@@ -1628,7 +986,7 @@
     </p:spTree>
     <p:extLst>
       <p:ext uri="{BB962C8B-B14F-4D97-AF65-F5344CB8AC3E}">
-        <p14:creationId xmlns:p14="http://schemas.microsoft.com/office/powerpoint/2010/main" val="864677660"/>
+        <p14:creationId xmlns:p14="http://schemas.microsoft.com/office/powerpoint/2010/main" val="2592821821"/>
       </p:ext>
     </p:extLst>
   </p:cSld>
@@ -1682,10 +1040,7 @@
           <a:bodyPr/>
           <a:lstStyle/>
           <a:p>
-            <a:r>
-              <a:rPr lang="en-US" dirty="0"/>
-              <a:t>Authors argues that other consider the metrics in isolation</a:t>
-            </a:r>
+            <a:endParaRPr lang="en-GB" dirty="0"/>
           </a:p>
         </p:txBody>
       </p:sp>
@@ -1706,7 +1061,7 @@
           <a:p>
             <a:fld id="{E0746DE6-3336-457D-A091-FA20AC1C536E}" type="slidenum">
               <a:rPr lang="en-US" smtClean="0"/>
-              <a:t>34</a:t>
+              <a:t>18</a:t>
             </a:fld>
             <a:endParaRPr lang="en-US"/>
           </a:p>
@@ -1715,7 +1070,7 @@
     </p:spTree>
     <p:extLst>
       <p:ext uri="{BB962C8B-B14F-4D97-AF65-F5344CB8AC3E}">
-        <p14:creationId xmlns:p14="http://schemas.microsoft.com/office/powerpoint/2010/main" val="4290105225"/>
+        <p14:creationId xmlns:p14="http://schemas.microsoft.com/office/powerpoint/2010/main" val="1417895696"/>
       </p:ext>
     </p:extLst>
   </p:cSld>
@@ -1769,46 +1124,7 @@
           <a:bodyPr/>
           <a:lstStyle/>
           <a:p>
-            <a:pPr marL="0" marR="0" lvl="0" indent="0" algn="l" defTabSz="914400" rtl="0" eaLnBrk="1" fontAlgn="auto" latinLnBrk="0" hangingPunct="1">
-              <a:lnSpc>
-                <a:spcPct val="100000"/>
-              </a:lnSpc>
-              <a:spcBef>
-                <a:spcPts val="0"/>
-              </a:spcBef>
-              <a:spcAft>
-                <a:spcPts val="0"/>
-              </a:spcAft>
-              <a:buClrTx/>
-              <a:buSzTx/>
-              <a:buFontTx/>
-              <a:buNone/>
-              <a:tabLst/>
-              <a:defRPr/>
-            </a:pPr>
-            <a:r>
-              <a:rPr lang="en-GB" sz="1200" dirty="0"/>
-              <a:t>In this section, we discuss the strengths and weaknesses of the different techniques discussed above. We also discuss where each of these techniques could effectively be used. </a:t>
-            </a:r>
-          </a:p>
-          <a:p>
-            <a:endParaRPr lang="en-GB" sz="1200" dirty="0"/>
-          </a:p>
-          <a:p>
-            <a:r>
-              <a:rPr lang="en-GB" sz="1200" dirty="0"/>
-              <a:t>For example, when more virtual machines are required, booting them usually takes anywhere from 5 to 10 minutes thus resulting in a noticeably slow reaction to workload changes </a:t>
-            </a:r>
-          </a:p>
-          <a:p>
-            <a:endParaRPr lang="en-US" sz="1200" dirty="0"/>
-          </a:p>
-          <a:p>
-            <a:r>
-              <a:rPr lang="en-GB" sz="1200" dirty="0"/>
-              <a:t>As explained earlier, it adopts a learning process and auto scales accordingly. This is useful for applications that have unpredictable workload patterns. </a:t>
-            </a:r>
-            <a:endParaRPr lang="en-US" dirty="0"/>
+            <a:endParaRPr lang="en-GB" dirty="0"/>
           </a:p>
         </p:txBody>
       </p:sp>
@@ -1829,7 +1145,7 @@
           <a:p>
             <a:fld id="{E0746DE6-3336-457D-A091-FA20AC1C536E}" type="slidenum">
               <a:rPr lang="en-US" smtClean="0"/>
-              <a:t>36</a:t>
+              <a:t>19</a:t>
             </a:fld>
             <a:endParaRPr lang="en-US"/>
           </a:p>
@@ -1838,7 +1154,7 @@
     </p:spTree>
     <p:extLst>
       <p:ext uri="{BB962C8B-B14F-4D97-AF65-F5344CB8AC3E}">
-        <p14:creationId xmlns:p14="http://schemas.microsoft.com/office/powerpoint/2010/main" val="2663874898"/>
+        <p14:creationId xmlns:p14="http://schemas.microsoft.com/office/powerpoint/2010/main" val="1607129729"/>
       </p:ext>
     </p:extLst>
   </p:cSld>
@@ -1892,46 +1208,7 @@
           <a:bodyPr/>
           <a:lstStyle/>
           <a:p>
-            <a:pPr marL="0" marR="0" lvl="0" indent="0" algn="l" defTabSz="914400" rtl="0" eaLnBrk="1" fontAlgn="auto" latinLnBrk="0" hangingPunct="1">
-              <a:lnSpc>
-                <a:spcPct val="100000"/>
-              </a:lnSpc>
-              <a:spcBef>
-                <a:spcPts val="0"/>
-              </a:spcBef>
-              <a:spcAft>
-                <a:spcPts val="0"/>
-              </a:spcAft>
-              <a:buClrTx/>
-              <a:buSzTx/>
-              <a:buFontTx/>
-              <a:buNone/>
-              <a:tabLst/>
-              <a:defRPr/>
-            </a:pPr>
-            <a:r>
-              <a:rPr lang="en-GB" sz="1200" dirty="0"/>
-              <a:t>In this section, we discuss the strengths and weaknesses of the different techniques discussed above. We also discuss where each of these techniques could effectively be used. </a:t>
-            </a:r>
-          </a:p>
-          <a:p>
-            <a:endParaRPr lang="en-GB" sz="1200" dirty="0"/>
-          </a:p>
-          <a:p>
-            <a:r>
-              <a:rPr lang="en-GB" sz="1200" dirty="0"/>
-              <a:t>For example, when more virtual machines are required, booting them usually takes anywhere from 5 to 10 minutes thus resulting in a noticeably slow reaction to workload changes </a:t>
-            </a:r>
-          </a:p>
-          <a:p>
-            <a:endParaRPr lang="en-US" sz="1200" dirty="0"/>
-          </a:p>
-          <a:p>
-            <a:r>
-              <a:rPr lang="en-GB" sz="1200" dirty="0"/>
-              <a:t>As explained earlier, it adopts a learning process and auto scales accordingly. This is useful for applications that have unpredictable workload patterns. </a:t>
-            </a:r>
-            <a:endParaRPr lang="en-US" dirty="0"/>
+            <a:endParaRPr lang="en-GB" dirty="0"/>
           </a:p>
         </p:txBody>
       </p:sp>
@@ -1952,7 +1229,7 @@
           <a:p>
             <a:fld id="{E0746DE6-3336-457D-A091-FA20AC1C536E}" type="slidenum">
               <a:rPr lang="en-US" smtClean="0"/>
-              <a:t>37</a:t>
+              <a:t>20</a:t>
             </a:fld>
             <a:endParaRPr lang="en-US"/>
           </a:p>
@@ -1961,7 +1238,7 @@
     </p:spTree>
     <p:extLst>
       <p:ext uri="{BB962C8B-B14F-4D97-AF65-F5344CB8AC3E}">
-        <p14:creationId xmlns:p14="http://schemas.microsoft.com/office/powerpoint/2010/main" val="2146237234"/>
+        <p14:creationId xmlns:p14="http://schemas.microsoft.com/office/powerpoint/2010/main" val="3449017390"/>
       </p:ext>
     </p:extLst>
   </p:cSld>
@@ -2015,55 +1292,7 @@
           <a:bodyPr/>
           <a:lstStyle/>
           <a:p>
-            <a:pPr marL="0" marR="0" lvl="0" indent="0" algn="l" defTabSz="914400" rtl="0" eaLnBrk="1" fontAlgn="auto" latinLnBrk="0" hangingPunct="1">
-              <a:lnSpc>
-                <a:spcPct val="100000"/>
-              </a:lnSpc>
-              <a:spcBef>
-                <a:spcPts val="0"/>
-              </a:spcBef>
-              <a:spcAft>
-                <a:spcPts val="0"/>
-              </a:spcAft>
-              <a:buClrTx/>
-              <a:buSzTx/>
-              <a:buFontTx/>
-              <a:buNone/>
-              <a:tabLst/>
-              <a:defRPr/>
-            </a:pPr>
-            <a:r>
-              <a:rPr lang="en-GB" sz="1200" dirty="0"/>
-              <a:t>by predicting the load beforehand and reacting accordingly by providing the needed resources. By doing so, the proactive based auto-scalers are better at avoiding overprovisioning or </a:t>
-            </a:r>
-            <a:r>
-              <a:rPr lang="en-GB" sz="1200" dirty="0" err="1"/>
-              <a:t>underprovisioning</a:t>
-            </a:r>
-            <a:r>
-              <a:rPr lang="en-GB" sz="1200" dirty="0"/>
-              <a:t> of resources. </a:t>
-            </a:r>
-          </a:p>
-          <a:p>
-            <a:pPr marL="0" marR="0" lvl="0" indent="0" algn="l" defTabSz="914400" rtl="0" eaLnBrk="1" fontAlgn="auto" latinLnBrk="0" hangingPunct="1">
-              <a:lnSpc>
-                <a:spcPct val="100000"/>
-              </a:lnSpc>
-              <a:spcBef>
-                <a:spcPts val="0"/>
-              </a:spcBef>
-              <a:spcAft>
-                <a:spcPts val="0"/>
-              </a:spcAft>
-              <a:buClrTx/>
-              <a:buSzTx/>
-              <a:buFontTx/>
-              <a:buNone/>
-              <a:tabLst/>
-              <a:defRPr/>
-            </a:pPr>
-            <a:endParaRPr lang="en-US" dirty="0"/>
+            <a:endParaRPr lang="en-GB" dirty="0"/>
           </a:p>
         </p:txBody>
       </p:sp>
@@ -2084,7 +1313,7 @@
           <a:p>
             <a:fld id="{E0746DE6-3336-457D-A091-FA20AC1C536E}" type="slidenum">
               <a:rPr lang="en-US" smtClean="0"/>
-              <a:t>39</a:t>
+              <a:t>22</a:t>
             </a:fld>
             <a:endParaRPr lang="en-US"/>
           </a:p>
@@ -2093,7 +1322,175 @@
     </p:spTree>
     <p:extLst>
       <p:ext uri="{BB962C8B-B14F-4D97-AF65-F5344CB8AC3E}">
-        <p14:creationId xmlns:p14="http://schemas.microsoft.com/office/powerpoint/2010/main" val="717153279"/>
+        <p14:creationId xmlns:p14="http://schemas.microsoft.com/office/powerpoint/2010/main" val="429914443"/>
+      </p:ext>
+    </p:extLst>
+  </p:cSld>
+  <p:clrMapOvr>
+    <a:masterClrMapping/>
+  </p:clrMapOvr>
+</p:notes>
+</file>
+
+<file path=ppt/notesSlides/notesSlide18.xml><?xml version="1.0" encoding="utf-8"?>
+<p:notes xmlns:a="http://schemas.openxmlformats.org/drawingml/2006/main" xmlns:r="http://schemas.openxmlformats.org/officeDocument/2006/relationships" xmlns:p="http://schemas.openxmlformats.org/presentationml/2006/main">
+  <p:cSld>
+    <p:spTree>
+      <p:nvGrpSpPr>
+        <p:cNvPr id="1" name=""/>
+        <p:cNvGrpSpPr/>
+        <p:nvPr/>
+      </p:nvGrpSpPr>
+      <p:grpSpPr>
+        <a:xfrm>
+          <a:off x="0" y="0"/>
+          <a:ext cx="0" cy="0"/>
+          <a:chOff x="0" y="0"/>
+          <a:chExt cx="0" cy="0"/>
+        </a:xfrm>
+      </p:grpSpPr>
+      <p:sp>
+        <p:nvSpPr>
+          <p:cNvPr id="2" name="Slide Image Placeholder 1"/>
+          <p:cNvSpPr>
+            <a:spLocks noGrp="1" noRot="1" noChangeAspect="1"/>
+          </p:cNvSpPr>
+          <p:nvPr>
+            <p:ph type="sldImg"/>
+          </p:nvPr>
+        </p:nvSpPr>
+        <p:spPr/>
+      </p:sp>
+      <p:sp>
+        <p:nvSpPr>
+          <p:cNvPr id="3" name="Notes Placeholder 2"/>
+          <p:cNvSpPr>
+            <a:spLocks noGrp="1"/>
+          </p:cNvSpPr>
+          <p:nvPr>
+            <p:ph type="body" idx="1"/>
+          </p:nvPr>
+        </p:nvSpPr>
+        <p:spPr/>
+        <p:txBody>
+          <a:bodyPr/>
+          <a:lstStyle/>
+          <a:p>
+            <a:endParaRPr lang="en-US" dirty="0"/>
+          </a:p>
+        </p:txBody>
+      </p:sp>
+      <p:sp>
+        <p:nvSpPr>
+          <p:cNvPr id="4" name="Slide Number Placeholder 3"/>
+          <p:cNvSpPr>
+            <a:spLocks noGrp="1"/>
+          </p:cNvSpPr>
+          <p:nvPr>
+            <p:ph type="sldNum" sz="quarter" idx="10"/>
+          </p:nvPr>
+        </p:nvSpPr>
+        <p:spPr/>
+        <p:txBody>
+          <a:bodyPr/>
+          <a:lstStyle/>
+          <a:p>
+            <a:fld id="{E0746DE6-3336-457D-A091-FA20AC1C536E}" type="slidenum">
+              <a:rPr lang="en-US" smtClean="0"/>
+              <a:t>23</a:t>
+            </a:fld>
+            <a:endParaRPr lang="en-US"/>
+          </a:p>
+        </p:txBody>
+      </p:sp>
+    </p:spTree>
+    <p:extLst>
+      <p:ext uri="{BB962C8B-B14F-4D97-AF65-F5344CB8AC3E}">
+        <p14:creationId xmlns:p14="http://schemas.microsoft.com/office/powerpoint/2010/main" val="2297024972"/>
+      </p:ext>
+    </p:extLst>
+  </p:cSld>
+  <p:clrMapOvr>
+    <a:masterClrMapping/>
+  </p:clrMapOvr>
+</p:notes>
+</file>
+
+<file path=ppt/notesSlides/notesSlide19.xml><?xml version="1.0" encoding="utf-8"?>
+<p:notes xmlns:a="http://schemas.openxmlformats.org/drawingml/2006/main" xmlns:r="http://schemas.openxmlformats.org/officeDocument/2006/relationships" xmlns:p="http://schemas.openxmlformats.org/presentationml/2006/main">
+  <p:cSld>
+    <p:spTree>
+      <p:nvGrpSpPr>
+        <p:cNvPr id="1" name=""/>
+        <p:cNvGrpSpPr/>
+        <p:nvPr/>
+      </p:nvGrpSpPr>
+      <p:grpSpPr>
+        <a:xfrm>
+          <a:off x="0" y="0"/>
+          <a:ext cx="0" cy="0"/>
+          <a:chOff x="0" y="0"/>
+          <a:chExt cx="0" cy="0"/>
+        </a:xfrm>
+      </p:grpSpPr>
+      <p:sp>
+        <p:nvSpPr>
+          <p:cNvPr id="2" name="Slide Image Placeholder 1"/>
+          <p:cNvSpPr>
+            <a:spLocks noGrp="1" noRot="1" noChangeAspect="1"/>
+          </p:cNvSpPr>
+          <p:nvPr>
+            <p:ph type="sldImg"/>
+          </p:nvPr>
+        </p:nvSpPr>
+        <p:spPr/>
+      </p:sp>
+      <p:sp>
+        <p:nvSpPr>
+          <p:cNvPr id="3" name="Notes Placeholder 2"/>
+          <p:cNvSpPr>
+            <a:spLocks noGrp="1"/>
+          </p:cNvSpPr>
+          <p:nvPr>
+            <p:ph type="body" idx="1"/>
+          </p:nvPr>
+        </p:nvSpPr>
+        <p:spPr/>
+        <p:txBody>
+          <a:bodyPr/>
+          <a:lstStyle/>
+          <a:p>
+            <a:endParaRPr lang="en-US" dirty="0"/>
+          </a:p>
+        </p:txBody>
+      </p:sp>
+      <p:sp>
+        <p:nvSpPr>
+          <p:cNvPr id="4" name="Slide Number Placeholder 3"/>
+          <p:cNvSpPr>
+            <a:spLocks noGrp="1"/>
+          </p:cNvSpPr>
+          <p:nvPr>
+            <p:ph type="sldNum" sz="quarter" idx="10"/>
+          </p:nvPr>
+        </p:nvSpPr>
+        <p:spPr/>
+        <p:txBody>
+          <a:bodyPr/>
+          <a:lstStyle/>
+          <a:p>
+            <a:fld id="{E0746DE6-3336-457D-A091-FA20AC1C536E}" type="slidenum">
+              <a:rPr lang="en-US" smtClean="0"/>
+              <a:t>24</a:t>
+            </a:fld>
+            <a:endParaRPr lang="en-US"/>
+          </a:p>
+        </p:txBody>
+      </p:sp>
+    </p:spTree>
+    <p:extLst>
+      <p:ext uri="{BB962C8B-B14F-4D97-AF65-F5344CB8AC3E}">
+        <p14:creationId xmlns:p14="http://schemas.microsoft.com/office/powerpoint/2010/main" val="212126452"/>
       </p:ext>
     </p:extLst>
   </p:cSld>
@@ -2147,10 +1544,7 @@
           <a:bodyPr/>
           <a:lstStyle/>
           <a:p>
-            <a:r>
-              <a:rPr lang="en-US" dirty="0"/>
-              <a:t>Authors argues that other consider the metrics in isolation</a:t>
-            </a:r>
+            <a:endParaRPr lang="en-US" dirty="0"/>
           </a:p>
         </p:txBody>
       </p:sp>
@@ -2171,7 +1565,7 @@
           <a:p>
             <a:fld id="{E0746DE6-3336-457D-A091-FA20AC1C536E}" type="slidenum">
               <a:rPr lang="en-US" smtClean="0"/>
-              <a:t>9</a:t>
+              <a:t>5</a:t>
             </a:fld>
             <a:endParaRPr lang="en-US"/>
           </a:p>
@@ -2180,7 +1574,461 @@
     </p:spTree>
     <p:extLst>
       <p:ext uri="{BB962C8B-B14F-4D97-AF65-F5344CB8AC3E}">
-        <p14:creationId xmlns:p14="http://schemas.microsoft.com/office/powerpoint/2010/main" val="3175476912"/>
+        <p14:creationId xmlns:p14="http://schemas.microsoft.com/office/powerpoint/2010/main" val="3157599996"/>
+      </p:ext>
+    </p:extLst>
+  </p:cSld>
+  <p:clrMapOvr>
+    <a:masterClrMapping/>
+  </p:clrMapOvr>
+</p:notes>
+</file>
+
+<file path=ppt/notesSlides/notesSlide20.xml><?xml version="1.0" encoding="utf-8"?>
+<p:notes xmlns:a="http://schemas.openxmlformats.org/drawingml/2006/main" xmlns:r="http://schemas.openxmlformats.org/officeDocument/2006/relationships" xmlns:p="http://schemas.openxmlformats.org/presentationml/2006/main">
+  <p:cSld>
+    <p:spTree>
+      <p:nvGrpSpPr>
+        <p:cNvPr id="1" name=""/>
+        <p:cNvGrpSpPr/>
+        <p:nvPr/>
+      </p:nvGrpSpPr>
+      <p:grpSpPr>
+        <a:xfrm>
+          <a:off x="0" y="0"/>
+          <a:ext cx="0" cy="0"/>
+          <a:chOff x="0" y="0"/>
+          <a:chExt cx="0" cy="0"/>
+        </a:xfrm>
+      </p:grpSpPr>
+      <p:sp>
+        <p:nvSpPr>
+          <p:cNvPr id="2" name="Slide Image Placeholder 1"/>
+          <p:cNvSpPr>
+            <a:spLocks noGrp="1" noRot="1" noChangeAspect="1"/>
+          </p:cNvSpPr>
+          <p:nvPr>
+            <p:ph type="sldImg"/>
+          </p:nvPr>
+        </p:nvSpPr>
+        <p:spPr/>
+      </p:sp>
+      <p:sp>
+        <p:nvSpPr>
+          <p:cNvPr id="3" name="Notes Placeholder 2"/>
+          <p:cNvSpPr>
+            <a:spLocks noGrp="1"/>
+          </p:cNvSpPr>
+          <p:nvPr>
+            <p:ph type="body" idx="1"/>
+          </p:nvPr>
+        </p:nvSpPr>
+        <p:spPr/>
+        <p:txBody>
+          <a:bodyPr/>
+          <a:lstStyle/>
+          <a:p>
+            <a:endParaRPr lang="en-US" dirty="0"/>
+          </a:p>
+        </p:txBody>
+      </p:sp>
+      <p:sp>
+        <p:nvSpPr>
+          <p:cNvPr id="4" name="Slide Number Placeholder 3"/>
+          <p:cNvSpPr>
+            <a:spLocks noGrp="1"/>
+          </p:cNvSpPr>
+          <p:nvPr>
+            <p:ph type="sldNum" sz="quarter" idx="10"/>
+          </p:nvPr>
+        </p:nvSpPr>
+        <p:spPr/>
+        <p:txBody>
+          <a:bodyPr/>
+          <a:lstStyle/>
+          <a:p>
+            <a:fld id="{E0746DE6-3336-457D-A091-FA20AC1C536E}" type="slidenum">
+              <a:rPr lang="en-US" smtClean="0"/>
+              <a:t>25</a:t>
+            </a:fld>
+            <a:endParaRPr lang="en-US"/>
+          </a:p>
+        </p:txBody>
+      </p:sp>
+    </p:spTree>
+    <p:extLst>
+      <p:ext uri="{BB962C8B-B14F-4D97-AF65-F5344CB8AC3E}">
+        <p14:creationId xmlns:p14="http://schemas.microsoft.com/office/powerpoint/2010/main" val="864677660"/>
+      </p:ext>
+    </p:extLst>
+  </p:cSld>
+  <p:clrMapOvr>
+    <a:masterClrMapping/>
+  </p:clrMapOvr>
+</p:notes>
+</file>
+
+<file path=ppt/notesSlides/notesSlide21.xml><?xml version="1.0" encoding="utf-8"?>
+<p:notes xmlns:a="http://schemas.openxmlformats.org/drawingml/2006/main" xmlns:r="http://schemas.openxmlformats.org/officeDocument/2006/relationships" xmlns:p="http://schemas.openxmlformats.org/presentationml/2006/main">
+  <p:cSld>
+    <p:spTree>
+      <p:nvGrpSpPr>
+        <p:cNvPr id="1" name=""/>
+        <p:cNvGrpSpPr/>
+        <p:nvPr/>
+      </p:nvGrpSpPr>
+      <p:grpSpPr>
+        <a:xfrm>
+          <a:off x="0" y="0"/>
+          <a:ext cx="0" cy="0"/>
+          <a:chOff x="0" y="0"/>
+          <a:chExt cx="0" cy="0"/>
+        </a:xfrm>
+      </p:grpSpPr>
+      <p:sp>
+        <p:nvSpPr>
+          <p:cNvPr id="2" name="Slide Image Placeholder 1"/>
+          <p:cNvSpPr>
+            <a:spLocks noGrp="1" noRot="1" noChangeAspect="1"/>
+          </p:cNvSpPr>
+          <p:nvPr>
+            <p:ph type="sldImg"/>
+          </p:nvPr>
+        </p:nvSpPr>
+        <p:spPr/>
+      </p:sp>
+      <p:sp>
+        <p:nvSpPr>
+          <p:cNvPr id="3" name="Notes Placeholder 2"/>
+          <p:cNvSpPr>
+            <a:spLocks noGrp="1"/>
+          </p:cNvSpPr>
+          <p:nvPr>
+            <p:ph type="body" idx="1"/>
+          </p:nvPr>
+        </p:nvSpPr>
+        <p:spPr/>
+        <p:txBody>
+          <a:bodyPr/>
+          <a:lstStyle/>
+          <a:p>
+            <a:endParaRPr lang="en-US" dirty="0"/>
+          </a:p>
+        </p:txBody>
+      </p:sp>
+      <p:sp>
+        <p:nvSpPr>
+          <p:cNvPr id="4" name="Slide Number Placeholder 3"/>
+          <p:cNvSpPr>
+            <a:spLocks noGrp="1"/>
+          </p:cNvSpPr>
+          <p:nvPr>
+            <p:ph type="sldNum" sz="quarter" idx="10"/>
+          </p:nvPr>
+        </p:nvSpPr>
+        <p:spPr/>
+        <p:txBody>
+          <a:bodyPr/>
+          <a:lstStyle/>
+          <a:p>
+            <a:fld id="{E0746DE6-3336-457D-A091-FA20AC1C536E}" type="slidenum">
+              <a:rPr lang="en-US" smtClean="0"/>
+              <a:t>26</a:t>
+            </a:fld>
+            <a:endParaRPr lang="en-US"/>
+          </a:p>
+        </p:txBody>
+      </p:sp>
+    </p:spTree>
+    <p:extLst>
+      <p:ext uri="{BB962C8B-B14F-4D97-AF65-F5344CB8AC3E}">
+        <p14:creationId xmlns:p14="http://schemas.microsoft.com/office/powerpoint/2010/main" val="4290105225"/>
+      </p:ext>
+    </p:extLst>
+  </p:cSld>
+  <p:clrMapOvr>
+    <a:masterClrMapping/>
+  </p:clrMapOvr>
+</p:notes>
+</file>
+
+<file path=ppt/notesSlides/notesSlide22.xml><?xml version="1.0" encoding="utf-8"?>
+<p:notes xmlns:a="http://schemas.openxmlformats.org/drawingml/2006/main" xmlns:r="http://schemas.openxmlformats.org/officeDocument/2006/relationships" xmlns:p="http://schemas.openxmlformats.org/presentationml/2006/main">
+  <p:cSld>
+    <p:spTree>
+      <p:nvGrpSpPr>
+        <p:cNvPr id="1" name=""/>
+        <p:cNvGrpSpPr/>
+        <p:nvPr/>
+      </p:nvGrpSpPr>
+      <p:grpSpPr>
+        <a:xfrm>
+          <a:off x="0" y="0"/>
+          <a:ext cx="0" cy="0"/>
+          <a:chOff x="0" y="0"/>
+          <a:chExt cx="0" cy="0"/>
+        </a:xfrm>
+      </p:grpSpPr>
+      <p:sp>
+        <p:nvSpPr>
+          <p:cNvPr id="2" name="Slide Image Placeholder 1"/>
+          <p:cNvSpPr>
+            <a:spLocks noGrp="1" noRot="1" noChangeAspect="1"/>
+          </p:cNvSpPr>
+          <p:nvPr>
+            <p:ph type="sldImg"/>
+          </p:nvPr>
+        </p:nvSpPr>
+        <p:spPr/>
+      </p:sp>
+      <p:sp>
+        <p:nvSpPr>
+          <p:cNvPr id="3" name="Notes Placeholder 2"/>
+          <p:cNvSpPr>
+            <a:spLocks noGrp="1"/>
+          </p:cNvSpPr>
+          <p:nvPr>
+            <p:ph type="body" idx="1"/>
+          </p:nvPr>
+        </p:nvSpPr>
+        <p:spPr/>
+        <p:txBody>
+          <a:bodyPr/>
+          <a:lstStyle/>
+          <a:p>
+            <a:pPr marL="0" marR="0" lvl="0" indent="0" algn="l" defTabSz="914400" rtl="0" eaLnBrk="1" fontAlgn="auto" latinLnBrk="0" hangingPunct="1">
+              <a:lnSpc>
+                <a:spcPct val="100000"/>
+              </a:lnSpc>
+              <a:spcBef>
+                <a:spcPts val="0"/>
+              </a:spcBef>
+              <a:spcAft>
+                <a:spcPts val="0"/>
+              </a:spcAft>
+              <a:buClrTx/>
+              <a:buSzTx/>
+              <a:buFontTx/>
+              <a:buNone/>
+              <a:tabLst/>
+              <a:defRPr/>
+            </a:pPr>
+            <a:endParaRPr lang="en-US" dirty="0"/>
+          </a:p>
+        </p:txBody>
+      </p:sp>
+      <p:sp>
+        <p:nvSpPr>
+          <p:cNvPr id="4" name="Slide Number Placeholder 3"/>
+          <p:cNvSpPr>
+            <a:spLocks noGrp="1"/>
+          </p:cNvSpPr>
+          <p:nvPr>
+            <p:ph type="sldNum" sz="quarter" idx="10"/>
+          </p:nvPr>
+        </p:nvSpPr>
+        <p:spPr/>
+        <p:txBody>
+          <a:bodyPr/>
+          <a:lstStyle/>
+          <a:p>
+            <a:fld id="{E0746DE6-3336-457D-A091-FA20AC1C536E}" type="slidenum">
+              <a:rPr lang="en-US" smtClean="0"/>
+              <a:t>28</a:t>
+            </a:fld>
+            <a:endParaRPr lang="en-US"/>
+          </a:p>
+        </p:txBody>
+      </p:sp>
+    </p:spTree>
+    <p:extLst>
+      <p:ext uri="{BB962C8B-B14F-4D97-AF65-F5344CB8AC3E}">
+        <p14:creationId xmlns:p14="http://schemas.microsoft.com/office/powerpoint/2010/main" val="2663874898"/>
+      </p:ext>
+    </p:extLst>
+  </p:cSld>
+  <p:clrMapOvr>
+    <a:masterClrMapping/>
+  </p:clrMapOvr>
+</p:notes>
+</file>
+
+<file path=ppt/notesSlides/notesSlide23.xml><?xml version="1.0" encoding="utf-8"?>
+<p:notes xmlns:a="http://schemas.openxmlformats.org/drawingml/2006/main" xmlns:r="http://schemas.openxmlformats.org/officeDocument/2006/relationships" xmlns:p="http://schemas.openxmlformats.org/presentationml/2006/main">
+  <p:cSld>
+    <p:spTree>
+      <p:nvGrpSpPr>
+        <p:cNvPr id="1" name=""/>
+        <p:cNvGrpSpPr/>
+        <p:nvPr/>
+      </p:nvGrpSpPr>
+      <p:grpSpPr>
+        <a:xfrm>
+          <a:off x="0" y="0"/>
+          <a:ext cx="0" cy="0"/>
+          <a:chOff x="0" y="0"/>
+          <a:chExt cx="0" cy="0"/>
+        </a:xfrm>
+      </p:grpSpPr>
+      <p:sp>
+        <p:nvSpPr>
+          <p:cNvPr id="2" name="Slide Image Placeholder 1"/>
+          <p:cNvSpPr>
+            <a:spLocks noGrp="1" noRot="1" noChangeAspect="1"/>
+          </p:cNvSpPr>
+          <p:nvPr>
+            <p:ph type="sldImg"/>
+          </p:nvPr>
+        </p:nvSpPr>
+        <p:spPr/>
+      </p:sp>
+      <p:sp>
+        <p:nvSpPr>
+          <p:cNvPr id="3" name="Notes Placeholder 2"/>
+          <p:cNvSpPr>
+            <a:spLocks noGrp="1"/>
+          </p:cNvSpPr>
+          <p:nvPr>
+            <p:ph type="body" idx="1"/>
+          </p:nvPr>
+        </p:nvSpPr>
+        <p:spPr/>
+        <p:txBody>
+          <a:bodyPr/>
+          <a:lstStyle/>
+          <a:p>
+            <a:endParaRPr lang="en-GB" sz="1200" dirty="0"/>
+          </a:p>
+        </p:txBody>
+      </p:sp>
+      <p:sp>
+        <p:nvSpPr>
+          <p:cNvPr id="4" name="Slide Number Placeholder 3"/>
+          <p:cNvSpPr>
+            <a:spLocks noGrp="1"/>
+          </p:cNvSpPr>
+          <p:nvPr>
+            <p:ph type="sldNum" sz="quarter" idx="10"/>
+          </p:nvPr>
+        </p:nvSpPr>
+        <p:spPr/>
+        <p:txBody>
+          <a:bodyPr/>
+          <a:lstStyle/>
+          <a:p>
+            <a:fld id="{E0746DE6-3336-457D-A091-FA20AC1C536E}" type="slidenum">
+              <a:rPr lang="en-US" smtClean="0"/>
+              <a:t>29</a:t>
+            </a:fld>
+            <a:endParaRPr lang="en-US"/>
+          </a:p>
+        </p:txBody>
+      </p:sp>
+    </p:spTree>
+    <p:extLst>
+      <p:ext uri="{BB962C8B-B14F-4D97-AF65-F5344CB8AC3E}">
+        <p14:creationId xmlns:p14="http://schemas.microsoft.com/office/powerpoint/2010/main" val="2146237234"/>
+      </p:ext>
+    </p:extLst>
+  </p:cSld>
+  <p:clrMapOvr>
+    <a:masterClrMapping/>
+  </p:clrMapOvr>
+</p:notes>
+</file>
+
+<file path=ppt/notesSlides/notesSlide24.xml><?xml version="1.0" encoding="utf-8"?>
+<p:notes xmlns:a="http://schemas.openxmlformats.org/drawingml/2006/main" xmlns:r="http://schemas.openxmlformats.org/officeDocument/2006/relationships" xmlns:p="http://schemas.openxmlformats.org/presentationml/2006/main">
+  <p:cSld>
+    <p:spTree>
+      <p:nvGrpSpPr>
+        <p:cNvPr id="1" name=""/>
+        <p:cNvGrpSpPr/>
+        <p:nvPr/>
+      </p:nvGrpSpPr>
+      <p:grpSpPr>
+        <a:xfrm>
+          <a:off x="0" y="0"/>
+          <a:ext cx="0" cy="0"/>
+          <a:chOff x="0" y="0"/>
+          <a:chExt cx="0" cy="0"/>
+        </a:xfrm>
+      </p:grpSpPr>
+      <p:sp>
+        <p:nvSpPr>
+          <p:cNvPr id="2" name="Slide Image Placeholder 1"/>
+          <p:cNvSpPr>
+            <a:spLocks noGrp="1" noRot="1" noChangeAspect="1"/>
+          </p:cNvSpPr>
+          <p:nvPr>
+            <p:ph type="sldImg"/>
+          </p:nvPr>
+        </p:nvSpPr>
+        <p:spPr/>
+      </p:sp>
+      <p:sp>
+        <p:nvSpPr>
+          <p:cNvPr id="3" name="Notes Placeholder 2"/>
+          <p:cNvSpPr>
+            <a:spLocks noGrp="1"/>
+          </p:cNvSpPr>
+          <p:nvPr>
+            <p:ph type="body" idx="1"/>
+          </p:nvPr>
+        </p:nvSpPr>
+        <p:spPr/>
+        <p:txBody>
+          <a:bodyPr/>
+          <a:lstStyle/>
+          <a:p>
+            <a:pPr marL="0" marR="0" lvl="0" indent="0" algn="l" defTabSz="914400" rtl="0" eaLnBrk="1" fontAlgn="auto" latinLnBrk="0" hangingPunct="1">
+              <a:lnSpc>
+                <a:spcPct val="100000"/>
+              </a:lnSpc>
+              <a:spcBef>
+                <a:spcPts val="0"/>
+              </a:spcBef>
+              <a:spcAft>
+                <a:spcPts val="0"/>
+              </a:spcAft>
+              <a:buClrTx/>
+              <a:buSzTx/>
+              <a:buFontTx/>
+              <a:buNone/>
+              <a:tabLst/>
+              <a:defRPr/>
+            </a:pPr>
+            <a:endParaRPr lang="en-US" dirty="0"/>
+          </a:p>
+        </p:txBody>
+      </p:sp>
+      <p:sp>
+        <p:nvSpPr>
+          <p:cNvPr id="4" name="Slide Number Placeholder 3"/>
+          <p:cNvSpPr>
+            <a:spLocks noGrp="1"/>
+          </p:cNvSpPr>
+          <p:nvPr>
+            <p:ph type="sldNum" sz="quarter" idx="10"/>
+          </p:nvPr>
+        </p:nvSpPr>
+        <p:spPr/>
+        <p:txBody>
+          <a:bodyPr/>
+          <a:lstStyle/>
+          <a:p>
+            <a:fld id="{E0746DE6-3336-457D-A091-FA20AC1C536E}" type="slidenum">
+              <a:rPr lang="en-US" smtClean="0"/>
+              <a:t>31</a:t>
+            </a:fld>
+            <a:endParaRPr lang="en-US"/>
+          </a:p>
+        </p:txBody>
+      </p:sp>
+    </p:spTree>
+    <p:extLst>
+      <p:ext uri="{BB962C8B-B14F-4D97-AF65-F5344CB8AC3E}">
+        <p14:creationId xmlns:p14="http://schemas.microsoft.com/office/powerpoint/2010/main" val="717153279"/>
       </p:ext>
     </p:extLst>
   </p:cSld>
@@ -2234,10 +2082,14 @@
           <a:bodyPr/>
           <a:lstStyle/>
           <a:p>
-            <a:r>
-              <a:rPr lang="en-US" dirty="0"/>
-              <a:t>Authors argues that other consider the metrics in isolation</a:t>
-            </a:r>
+            <a:endParaRPr lang="en-US" sz="1200" b="0" i="0" u="none" strike="noStrike" kern="1200" baseline="0" dirty="0">
+              <a:solidFill>
+                <a:schemeClr val="tx1"/>
+              </a:solidFill>
+              <a:latin typeface="+mn-lt"/>
+              <a:ea typeface="+mn-ea"/>
+              <a:cs typeface="+mn-cs"/>
+            </a:endParaRPr>
           </a:p>
         </p:txBody>
       </p:sp>
@@ -2258,7 +2110,7 @@
           <a:p>
             <a:fld id="{E0746DE6-3336-457D-A091-FA20AC1C536E}" type="slidenum">
               <a:rPr lang="en-US" smtClean="0"/>
-              <a:t>10</a:t>
+              <a:t>6</a:t>
             </a:fld>
             <a:endParaRPr lang="en-US"/>
           </a:p>
@@ -2267,7 +2119,7 @@
     </p:spTree>
     <p:extLst>
       <p:ext uri="{BB962C8B-B14F-4D97-AF65-F5344CB8AC3E}">
-        <p14:creationId xmlns:p14="http://schemas.microsoft.com/office/powerpoint/2010/main" val="2851806972"/>
+        <p14:creationId xmlns:p14="http://schemas.microsoft.com/office/powerpoint/2010/main" val="3636248771"/>
       </p:ext>
     </p:extLst>
   </p:cSld>
@@ -2321,210 +2173,7 @@
           <a:bodyPr/>
           <a:lstStyle/>
           <a:p>
-            <a:pPr marL="0" marR="0" lvl="0" indent="0" algn="l" defTabSz="914400" rtl="0" eaLnBrk="1" fontAlgn="auto" latinLnBrk="0" hangingPunct="1">
-              <a:lnSpc>
-                <a:spcPct val="100000"/>
-              </a:lnSpc>
-              <a:spcBef>
-                <a:spcPts val="0"/>
-              </a:spcBef>
-              <a:spcAft>
-                <a:spcPts val="0"/>
-              </a:spcAft>
-              <a:buClrTx/>
-              <a:buSzTx/>
-              <a:buFontTx/>
-              <a:buNone/>
-              <a:tabLst/>
-              <a:defRPr/>
-            </a:pPr>
-            <a:r>
-              <a:rPr lang="en-GB" dirty="0"/>
-              <a:t>Action - which could either be to scale horizontally, scale vertically, or perform no action at all. These actions are selected based on the current state of the application, its workload and the response rate.</a:t>
-            </a:r>
-          </a:p>
-          <a:p>
-            <a:pPr marL="0" marR="0" lvl="0" indent="0" algn="l" defTabSz="914400" rtl="0" eaLnBrk="1" fontAlgn="auto" latinLnBrk="0" hangingPunct="1">
-              <a:lnSpc>
-                <a:spcPct val="100000"/>
-              </a:lnSpc>
-              <a:spcBef>
-                <a:spcPts val="0"/>
-              </a:spcBef>
-              <a:spcAft>
-                <a:spcPts val="0"/>
-              </a:spcAft>
-              <a:buClrTx/>
-              <a:buSzTx/>
-              <a:buFontTx/>
-              <a:buNone/>
-              <a:tabLst/>
-              <a:defRPr/>
-            </a:pPr>
             <a:endParaRPr lang="en-US" dirty="0"/>
-          </a:p>
-          <a:p>
-            <a:pPr marL="0" marR="0" lvl="0" indent="0" algn="l" defTabSz="914400" rtl="0" eaLnBrk="1" fontAlgn="auto" latinLnBrk="0" hangingPunct="1">
-              <a:lnSpc>
-                <a:spcPct val="100000"/>
-              </a:lnSpc>
-              <a:spcBef>
-                <a:spcPts val="0"/>
-              </a:spcBef>
-              <a:spcAft>
-                <a:spcPts val="0"/>
-              </a:spcAft>
-              <a:buClrTx/>
-              <a:buSzTx/>
-              <a:buFontTx/>
-              <a:buNone/>
-              <a:tabLst/>
-              <a:defRPr/>
-            </a:pPr>
-            <a:r>
-              <a:rPr lang="en-US" dirty="0"/>
-              <a:t>R</a:t>
-            </a:r>
-            <a:r>
-              <a:rPr lang="en-GB" dirty="0" err="1"/>
-              <a:t>eward</a:t>
-            </a:r>
-            <a:r>
-              <a:rPr lang="en-GB" dirty="0"/>
-              <a:t> - That is, if the application is in a better situation, in terms of performance, after an action is performed, the committed action is then considered optimal for the time being and the action is positively rewarded and vice versa.</a:t>
-            </a:r>
-          </a:p>
-          <a:p>
-            <a:pPr marL="0" marR="0" lvl="0" indent="0" algn="l" defTabSz="914400" rtl="0" eaLnBrk="1" fontAlgn="auto" latinLnBrk="0" hangingPunct="1">
-              <a:lnSpc>
-                <a:spcPct val="100000"/>
-              </a:lnSpc>
-              <a:spcBef>
-                <a:spcPts val="0"/>
-              </a:spcBef>
-              <a:spcAft>
-                <a:spcPts val="0"/>
-              </a:spcAft>
-              <a:buClrTx/>
-              <a:buSzTx/>
-              <a:buFontTx/>
-              <a:buNone/>
-              <a:tabLst/>
-              <a:defRPr/>
-            </a:pPr>
-            <a:endParaRPr lang="en-GB" dirty="0"/>
-          </a:p>
-          <a:p>
-            <a:pPr marL="0" marR="0" lvl="0" indent="0" algn="l" defTabSz="914400" rtl="0" eaLnBrk="1" fontAlgn="auto" latinLnBrk="0" hangingPunct="1">
-              <a:lnSpc>
-                <a:spcPct val="100000"/>
-              </a:lnSpc>
-              <a:spcBef>
-                <a:spcPts val="0"/>
-              </a:spcBef>
-              <a:spcAft>
-                <a:spcPts val="0"/>
-              </a:spcAft>
-              <a:buClrTx/>
-              <a:buSzTx/>
-              <a:buFontTx/>
-              <a:buNone/>
-              <a:tabLst/>
-              <a:defRPr/>
-            </a:pPr>
-            <a:r>
-              <a:rPr lang="en-GB" dirty="0"/>
-              <a:t>In essence, it is this rewarding system that drives the agent to select the appropriate actions for the given application states. </a:t>
-            </a:r>
-          </a:p>
-          <a:p>
-            <a:pPr marL="0" marR="0" lvl="0" indent="0" algn="l" defTabSz="914400" rtl="0" eaLnBrk="1" fontAlgn="auto" latinLnBrk="0" hangingPunct="1">
-              <a:lnSpc>
-                <a:spcPct val="100000"/>
-              </a:lnSpc>
-              <a:spcBef>
-                <a:spcPts val="0"/>
-              </a:spcBef>
-              <a:spcAft>
-                <a:spcPts val="0"/>
-              </a:spcAft>
-              <a:buClrTx/>
-              <a:buSzTx/>
-              <a:buFontTx/>
-              <a:buNone/>
-              <a:tabLst/>
-              <a:defRPr/>
-            </a:pPr>
-            <a:endParaRPr lang="en-US" dirty="0"/>
-          </a:p>
-          <a:p>
-            <a:pPr marL="0" marR="0" lvl="0" indent="0" algn="l" defTabSz="914400" rtl="0" eaLnBrk="1" fontAlgn="auto" latinLnBrk="0" hangingPunct="1">
-              <a:lnSpc>
-                <a:spcPct val="100000"/>
-              </a:lnSpc>
-              <a:spcBef>
-                <a:spcPts val="0"/>
-              </a:spcBef>
-              <a:spcAft>
-                <a:spcPts val="0"/>
-              </a:spcAft>
-              <a:buClrTx/>
-              <a:buSzTx/>
-              <a:buFontTx/>
-              <a:buNone/>
-              <a:tabLst/>
-              <a:defRPr/>
-            </a:pPr>
-            <a:r>
-              <a:rPr lang="en-GB" dirty="0"/>
-              <a:t>In order to understand how RL techniques are applied in the literature, for this review, we reviewed the implementation of RL techniques in both a single layered application and in a multi-layered web applications.</a:t>
-            </a:r>
-          </a:p>
-          <a:p>
-            <a:pPr marL="0" marR="0" lvl="0" indent="0" algn="l" defTabSz="914400" rtl="0" eaLnBrk="1" fontAlgn="auto" latinLnBrk="0" hangingPunct="1">
-              <a:lnSpc>
-                <a:spcPct val="100000"/>
-              </a:lnSpc>
-              <a:spcBef>
-                <a:spcPts val="0"/>
-              </a:spcBef>
-              <a:spcAft>
-                <a:spcPts val="0"/>
-              </a:spcAft>
-              <a:buClrTx/>
-              <a:buSzTx/>
-              <a:buFontTx/>
-              <a:buNone/>
-              <a:tabLst/>
-              <a:defRPr/>
-            </a:pPr>
-            <a:endParaRPr lang="en-GB" dirty="0"/>
-          </a:p>
-          <a:p>
-            <a:pPr marL="0" marR="0" lvl="0" indent="0" algn="l" defTabSz="914400" rtl="0" eaLnBrk="1" fontAlgn="auto" latinLnBrk="0" hangingPunct="1">
-              <a:lnSpc>
-                <a:spcPct val="100000"/>
-              </a:lnSpc>
-              <a:spcBef>
-                <a:spcPts val="0"/>
-              </a:spcBef>
-              <a:spcAft>
-                <a:spcPts val="0"/>
-              </a:spcAft>
-              <a:buClrTx/>
-              <a:buSzTx/>
-              <a:buFontTx/>
-              <a:buNone/>
-              <a:tabLst/>
-              <a:defRPr/>
-            </a:pPr>
-            <a:endParaRPr lang="en-GB" dirty="0"/>
-          </a:p>
-          <a:p>
-            <a:endParaRPr lang="en-US" dirty="0"/>
-          </a:p>
-          <a:p>
-            <a:endParaRPr lang="en-GB" dirty="0"/>
           </a:p>
         </p:txBody>
       </p:sp>
@@ -2545,7 +2194,7 @@
           <a:p>
             <a:fld id="{E0746DE6-3336-457D-A091-FA20AC1C536E}" type="slidenum">
               <a:rPr lang="en-US" smtClean="0"/>
-              <a:t>22</a:t>
+              <a:t>7</a:t>
             </a:fld>
             <a:endParaRPr lang="en-US"/>
           </a:p>
@@ -2554,7 +2203,7 @@
     </p:spTree>
     <p:extLst>
       <p:ext uri="{BB962C8B-B14F-4D97-AF65-F5344CB8AC3E}">
-        <p14:creationId xmlns:p14="http://schemas.microsoft.com/office/powerpoint/2010/main" val="288648424"/>
+        <p14:creationId xmlns:p14="http://schemas.microsoft.com/office/powerpoint/2010/main" val="4279132627"/>
       </p:ext>
     </p:extLst>
   </p:cSld>
@@ -2608,67 +2257,7 @@
           <a:bodyPr/>
           <a:lstStyle/>
           <a:p>
-            <a:r>
-              <a:rPr lang="en-GB" dirty="0"/>
-              <a:t>Iqbal et. Al in their paper addressed auto scaling using RL for multi-layer web application. </a:t>
-            </a:r>
-          </a:p>
-          <a:p>
-            <a:r>
-              <a:rPr lang="en-GB" dirty="0"/>
-              <a:t>Their proposed solution is a complete auto scaler that has both workload pattern prediction and resource provisioning policy learning. </a:t>
-            </a:r>
-          </a:p>
-          <a:p>
-            <a:r>
-              <a:rPr lang="en-GB" dirty="0"/>
-              <a:t>For policy learning part, their implementation performs adaptive resource allocation for every tier of multi-tier Web applications using an online unsupervised method for policy learning. </a:t>
-            </a:r>
-          </a:p>
-          <a:p>
-            <a:r>
-              <a:rPr lang="en-GB" dirty="0"/>
-              <a:t>They set their learning agent to use a simplistic method to find the policies that maximize an objective function which rewards satisfying a response time adherence, SLA contracts with minimal resources utilization as possible. They defined the system state at time t as</a:t>
-            </a:r>
-          </a:p>
-          <a:p>
-            <a:r>
-              <a:rPr lang="en-GB" dirty="0"/>
-              <a:t>Their auto scaler was designed to only do vertical scaling but on different tiers. So according to need, the agent could scale up the Web tier ($</a:t>
-            </a:r>
-            <a:r>
-              <a:rPr lang="en-GB" dirty="0" err="1"/>
-              <a:t>a_w</a:t>
-            </a:r>
-            <a:r>
-              <a:rPr lang="en-GB" dirty="0"/>
-              <a:t>$), scale up the database tier ($</a:t>
-            </a:r>
-            <a:r>
-              <a:rPr lang="en-GB" dirty="0" err="1"/>
-              <a:t>a_d</a:t>
-            </a:r>
-            <a:r>
-              <a:rPr lang="en-GB" dirty="0"/>
-              <a:t>$), scale up both tiers ($</a:t>
-            </a:r>
-            <a:r>
-              <a:rPr lang="en-GB" dirty="0" err="1"/>
-              <a:t>a_b</a:t>
-            </a:r>
-            <a:r>
-              <a:rPr lang="en-GB" dirty="0"/>
-              <a:t>$), or do no scaling ($a_\phi$).</a:t>
-            </a:r>
-          </a:p>
-          <a:p>
-            <a:r>
-              <a:rPr lang="en-GB" dirty="0"/>
-              <a:t>As in most reinforcement learning techniques, they consider the policy to be a value function that maximizes the reward. This function does so by predicting the value of each possible action and selecting the one with the highest predicted reward. </a:t>
-            </a:r>
-          </a:p>
-          <a:p>
-            <a:endParaRPr lang="en-GB" dirty="0"/>
+            <a:endParaRPr lang="en-US" dirty="0"/>
           </a:p>
         </p:txBody>
       </p:sp>
@@ -2689,7 +2278,7 @@
           <a:p>
             <a:fld id="{E0746DE6-3336-457D-A091-FA20AC1C536E}" type="slidenum">
               <a:rPr lang="en-US" smtClean="0"/>
-              <a:t>24</a:t>
+              <a:t>8</a:t>
             </a:fld>
             <a:endParaRPr lang="en-US"/>
           </a:p>
@@ -2698,7 +2287,7 @@
     </p:spTree>
     <p:extLst>
       <p:ext uri="{BB962C8B-B14F-4D97-AF65-F5344CB8AC3E}">
-        <p14:creationId xmlns:p14="http://schemas.microsoft.com/office/powerpoint/2010/main" val="2592821821"/>
+        <p14:creationId xmlns:p14="http://schemas.microsoft.com/office/powerpoint/2010/main" val="1233944198"/>
       </p:ext>
     </p:extLst>
   </p:cSld>
@@ -2752,49 +2341,7 @@
           <a:bodyPr/>
           <a:lstStyle/>
           <a:p>
-            <a:r>
-              <a:rPr lang="en-GB" dirty="0"/>
-              <a:t>With respect to the algorithms, they implemented their approach in 2 algorithms, one for the exploration phase, which is the online learning phase and other for the exploitation phase which is the decision-making phase. </a:t>
-            </a:r>
-          </a:p>
-          <a:p>
-            <a:r>
-              <a:rPr lang="en-GB" dirty="0"/>
-              <a:t>The resources scaling process is triggered when an SLA violation is encountered. </a:t>
-            </a:r>
-          </a:p>
-          <a:p>
-            <a:r>
-              <a:rPr lang="en-GB" dirty="0"/>
-              <a:t>For the exploration phase, starting with no knowledge, the learning agent periodically monitors for SLA violations. If the agent detects any violation, it selects the action with the highest reward by attempting all possible actions.</a:t>
-            </a:r>
-          </a:p>
-          <a:p>
-            <a:r>
-              <a:rPr lang="en-GB" dirty="0"/>
-              <a:t>The process of exploring of all these actions is done using a simple exhaustive exploration algorithm. Each of the states visited during this phase are logged and later used to build a neural network regression model. </a:t>
-            </a:r>
-          </a:p>
-          <a:p>
-            <a:r>
-              <a:rPr lang="en-GB" dirty="0"/>
-              <a:t>This model will then be used to predict the service time required for by the auto scaler during the exploitation phase for a given workload and tier configuration.</a:t>
-            </a:r>
-          </a:p>
-          <a:p>
-            <a:r>
-              <a:rPr lang="en-GB" dirty="0"/>
-              <a:t>During the exploitation phase, when an SLA violation is perceived, the value of each action is calculated by first predicting the service time that the action would take by using the regression model and then by calculating the reward. </a:t>
-            </a:r>
-          </a:p>
-          <a:p>
-            <a:r>
-              <a:rPr lang="en-GB" dirty="0"/>
-              <a:t>Once that is complete, the action with the maximum reward is selected. They maintain a pool of already booted VMs to quickly add to a specific tier of application when the need arises.</a:t>
-            </a:r>
-          </a:p>
-          <a:p>
-            <a:endParaRPr lang="en-GB" dirty="0"/>
+            <a:endParaRPr lang="en-US" dirty="0"/>
           </a:p>
         </p:txBody>
       </p:sp>
@@ -2815,7 +2362,7 @@
           <a:p>
             <a:fld id="{E0746DE6-3336-457D-A091-FA20AC1C536E}" type="slidenum">
               <a:rPr lang="en-US" smtClean="0"/>
-              <a:t>25</a:t>
+              <a:t>9</a:t>
             </a:fld>
             <a:endParaRPr lang="en-US"/>
           </a:p>
@@ -2824,7 +2371,7 @@
     </p:spTree>
     <p:extLst>
       <p:ext uri="{BB962C8B-B14F-4D97-AF65-F5344CB8AC3E}">
-        <p14:creationId xmlns:p14="http://schemas.microsoft.com/office/powerpoint/2010/main" val="1417895696"/>
+        <p14:creationId xmlns:p14="http://schemas.microsoft.com/office/powerpoint/2010/main" val="3175476912"/>
       </p:ext>
     </p:extLst>
   </p:cSld>
@@ -2878,49 +2425,7 @@
           <a:bodyPr/>
           <a:lstStyle/>
           <a:p>
-            <a:r>
-              <a:rPr lang="en-GB" dirty="0"/>
-              <a:t>With respect to the algorithms, they implemented their approach in 2 algorithms, one for the exploration phase, which is the online learning phase and other for the exploitation phase which is the decision-making phase. </a:t>
-            </a:r>
-          </a:p>
-          <a:p>
-            <a:r>
-              <a:rPr lang="en-GB" dirty="0"/>
-              <a:t>The resources scaling process is triggered when an SLA violation is encountered. </a:t>
-            </a:r>
-          </a:p>
-          <a:p>
-            <a:r>
-              <a:rPr lang="en-GB" dirty="0"/>
-              <a:t>For the exploration phase, starting with no knowledge, the learning agent periodically monitors for SLA violations. If the agent detects any violation, it selects the action with the highest reward by attempting all possible actions.</a:t>
-            </a:r>
-          </a:p>
-          <a:p>
-            <a:r>
-              <a:rPr lang="en-GB" dirty="0"/>
-              <a:t>The process of exploring of all these actions is done using a simple exhaustive exploration algorithm. Each of the states visited during this phase are logged and later used to build a neural network regression model. </a:t>
-            </a:r>
-          </a:p>
-          <a:p>
-            <a:r>
-              <a:rPr lang="en-GB" dirty="0"/>
-              <a:t>This model will then be used to predict the service time required for by the auto scaler during the exploitation phase for a given workload and tier configuration.</a:t>
-            </a:r>
-          </a:p>
-          <a:p>
-            <a:r>
-              <a:rPr lang="en-GB" dirty="0"/>
-              <a:t>During the exploitation phase, when an SLA violation is perceived, the value of each action is calculated by first predicting the service time that the action would take by using the regression model and then by calculating the reward. </a:t>
-            </a:r>
-          </a:p>
-          <a:p>
-            <a:r>
-              <a:rPr lang="en-GB" dirty="0"/>
-              <a:t>Once that is complete, the action with the maximum reward is selected. They maintain a pool of already booted VMs to quickly add to a specific tier of application when the need arises.</a:t>
-            </a:r>
-          </a:p>
-          <a:p>
-            <a:endParaRPr lang="en-GB" dirty="0"/>
+            <a:endParaRPr lang="en-US" dirty="0"/>
           </a:p>
         </p:txBody>
       </p:sp>
@@ -2941,7 +2446,7 @@
           <a:p>
             <a:fld id="{E0746DE6-3336-457D-A091-FA20AC1C536E}" type="slidenum">
               <a:rPr lang="en-US" smtClean="0"/>
-              <a:t>26</a:t>
+              <a:t>10</a:t>
             </a:fld>
             <a:endParaRPr lang="en-US"/>
           </a:p>
@@ -2950,7 +2455,7 @@
     </p:spTree>
     <p:extLst>
       <p:ext uri="{BB962C8B-B14F-4D97-AF65-F5344CB8AC3E}">
-        <p14:creationId xmlns:p14="http://schemas.microsoft.com/office/powerpoint/2010/main" val="1607129729"/>
+        <p14:creationId xmlns:p14="http://schemas.microsoft.com/office/powerpoint/2010/main" val="2851806972"/>
       </p:ext>
     </p:extLst>
   </p:cSld>
@@ -3004,57 +2509,7 @@
           <a:bodyPr/>
           <a:lstStyle/>
           <a:p>
-            <a:r>
-              <a:rPr lang="en-GB" dirty="0"/>
-              <a:t>In order to evaluate their work, they implemented their policy learning module on a two-tier web application installed on Amazon Elastic Compute Cloud (EC2) and </a:t>
-            </a:r>
-            <a:r>
-              <a:rPr lang="en-GB" dirty="0" err="1"/>
-              <a:t>RUBiS</a:t>
-            </a:r>
-            <a:r>
-              <a:rPr lang="en-GB" dirty="0"/>
-              <a:t>, a benchmark Web application for auctions, as a sample web application. </a:t>
-            </a:r>
-          </a:p>
-          <a:p>
-            <a:r>
-              <a:rPr lang="en-GB" dirty="0"/>
-              <a:t>They tested their models on two experiments – light workload pattern and heavy workload pattern. For the former case, they modelled each user session to have 32 user requests and assigning lesser resources than required to complete their tasks. In the case of the heavy workload experiment, they modelled each user session to have 10 user requests that require intensive resources which require a long time to process. </a:t>
-            </a:r>
-          </a:p>
-          <a:p>
-            <a:r>
-              <a:rPr lang="en-GB" dirty="0"/>
-              <a:t>They analysed and compared the performance of their policy learning methods – exploration and exploitation with the industry standard rule based methods CPU reactive and response reactive. </a:t>
-            </a:r>
-          </a:p>
-          <a:p>
-            <a:r>
-              <a:rPr lang="en-GB" dirty="0"/>
-              <a:t>The performance metrics they looked at were the total number of allocated CPU hours and the percentage of requests violating the SLA. </a:t>
-            </a:r>
-          </a:p>
-          <a:p>
-            <a:r>
-              <a:rPr lang="en-GB" dirty="0"/>
-              <a:t>Their proposed solutions allocated fewer CPU hours in the policy learning stage for both experiments.</a:t>
-            </a:r>
-          </a:p>
-          <a:p>
-            <a:r>
-              <a:rPr lang="en-GB" dirty="0"/>
-              <a:t>However, in terms of requests violating the SLA, they had a higher percentage for exploration and exploitation phases compared to CPU reactive and response reactive. </a:t>
-            </a:r>
-          </a:p>
-          <a:p>
-            <a:r>
-              <a:rPr lang="en-GB" dirty="0"/>
-              <a:t>Their argument was that, since the workload is always increasing in both experiments, the other methods fall into the mistake of overprovisioning of resources so as to avoid increasing the number of requests that violate the SLA. </a:t>
-            </a:r>
-          </a:p>
-          <a:p>
-            <a:endParaRPr lang="en-GB" dirty="0"/>
+            <a:endParaRPr lang="en-US" dirty="0"/>
           </a:p>
         </p:txBody>
       </p:sp>
@@ -3075,7 +2530,7 @@
           <a:p>
             <a:fld id="{E0746DE6-3336-457D-A091-FA20AC1C536E}" type="slidenum">
               <a:rPr lang="en-US" smtClean="0"/>
-              <a:t>27</a:t>
+              <a:t>11</a:t>
             </a:fld>
             <a:endParaRPr lang="en-US"/>
           </a:p>
@@ -3084,7 +2539,7 @@
     </p:spTree>
     <p:extLst>
       <p:ext uri="{BB962C8B-B14F-4D97-AF65-F5344CB8AC3E}">
-        <p14:creationId xmlns:p14="http://schemas.microsoft.com/office/powerpoint/2010/main" val="1782177488"/>
+        <p14:creationId xmlns:p14="http://schemas.microsoft.com/office/powerpoint/2010/main" val="1850457561"/>
       </p:ext>
     </p:extLst>
   </p:cSld>
@@ -3138,46 +2593,7 @@
           <a:bodyPr/>
           <a:lstStyle/>
           <a:p>
-            <a:pPr lvl="1"/>
-            <a:r>
-              <a:rPr lang="en-GB" dirty="0"/>
-              <a:t>One of the strengths of their proposed methods is that since the input function considers both the raw arrival rate and the workload pattern, the value-function can have different values for the same state-action pair depending on the arrival rate of requests and how intensive the workload pattern is. It is because of this flexibility, that the learner is better at provisioning resources. The basic guideline of the reward function is to encourage the learning agent when it respects the SLO while utilizing the minimum number of resources and vice versa.</a:t>
-            </a:r>
-          </a:p>
-          <a:p>
-            <a:pPr lvl="1"/>
-            <a:endParaRPr lang="en-GB" dirty="0"/>
-          </a:p>
-          <a:p>
-            <a:pPr lvl="1"/>
-            <a:r>
-              <a:rPr lang="en-GB" dirty="0"/>
-              <a:t>Another strength in this paper is their scaling strategy in terms of what tier in a multi-tier application is scaled. Interestingly, they prioritize scaling out at the web tier over database tier when both actions result in achieving the same response time. They argue that scaling the database tier introduces overhead of load balancing at the web tier and data synchronization in the database tier which can be avoided by scaling at the web tier.</a:t>
-            </a:r>
-          </a:p>
-          <a:p>
-            <a:pPr lvl="1"/>
             <a:endParaRPr lang="en-US" dirty="0"/>
-          </a:p>
-          <a:p>
-            <a:r>
-              <a:rPr lang="en-GB" dirty="0"/>
-              <a:t>Weakness</a:t>
-            </a:r>
-          </a:p>
-          <a:p>
-            <a:pPr lvl="1"/>
-            <a:r>
-              <a:rPr lang="en-GB" dirty="0"/>
-              <a:t>While this paper offers compelling arguments, it also has weaknesses. One clear weaknesses is that they proposed their solution with an assumption that their system would always have sufficient bandwidth and that enough time would be given to the auto-scaler to collect access logs from the application, in order to learn and implement a policy before workload changes occur.</a:t>
-            </a:r>
-          </a:p>
-          <a:p>
-            <a:pPr lvl="1"/>
-            <a:endParaRPr lang="en-GB" dirty="0"/>
-          </a:p>
-          <a:p>
-            <a:endParaRPr lang="en-GB" dirty="0"/>
           </a:p>
         </p:txBody>
       </p:sp>
@@ -3198,7 +2614,7 @@
           <a:p>
             <a:fld id="{E0746DE6-3336-457D-A091-FA20AC1C536E}" type="slidenum">
               <a:rPr lang="en-US" smtClean="0"/>
-              <a:t>28</a:t>
+              <a:t>12</a:t>
             </a:fld>
             <a:endParaRPr lang="en-US"/>
           </a:p>
@@ -3207,7 +2623,7 @@
     </p:spTree>
     <p:extLst>
       <p:ext uri="{BB962C8B-B14F-4D97-AF65-F5344CB8AC3E}">
-        <p14:creationId xmlns:p14="http://schemas.microsoft.com/office/powerpoint/2010/main" val="3449017390"/>
+        <p14:creationId xmlns:p14="http://schemas.microsoft.com/office/powerpoint/2010/main" val="20102706"/>
       </p:ext>
     </p:extLst>
   </p:cSld>
@@ -3462,7 +2878,7 @@
           <a:p>
             <a:fld id="{86273E43-B5F8-4F46-B428-B627FCD3ED00}" type="datetime1">
               <a:rPr lang="en-US" smtClean="0"/>
-              <a:t>11/21/2017</a:t>
+              <a:t>11/23/2017</a:t>
             </a:fld>
             <a:endParaRPr lang="en-US"/>
           </a:p>
@@ -3732,7 +3148,7 @@
           <a:p>
             <a:fld id="{0CC2D60C-2A14-419C-991B-24353F193B1E}" type="datetime1">
               <a:rPr lang="en-US" smtClean="0"/>
-              <a:t>11/21/2017</a:t>
+              <a:t>11/23/2017</a:t>
             </a:fld>
             <a:endParaRPr lang="en-US"/>
           </a:p>
@@ -3970,7 +3386,7 @@
           <a:p>
             <a:fld id="{C6CF9EF3-7A05-4848-97F8-F7BD375BE9A0}" type="datetime1">
               <a:rPr lang="en-US" smtClean="0"/>
-              <a:t>11/21/2017</a:t>
+              <a:t>11/23/2017</a:t>
             </a:fld>
             <a:endParaRPr lang="en-US"/>
           </a:p>
@@ -4305,7 +3721,7 @@
           <a:p>
             <a:fld id="{1555EDF9-3D79-45DA-8367-2F63551C4C7D}" type="datetimeFigureOut">
               <a:rPr lang="en-US" smtClean="0"/>
-              <a:t>11/21/2017</a:t>
+              <a:t>11/23/2017</a:t>
             </a:fld>
             <a:endParaRPr lang="en-US"/>
           </a:p>
@@ -4561,7 +3977,7 @@
           <a:p>
             <a:fld id="{1555EDF9-3D79-45DA-8367-2F63551C4C7D}" type="datetimeFigureOut">
               <a:rPr lang="en-US" smtClean="0"/>
-              <a:t>11/21/2017</a:t>
+              <a:t>11/23/2017</a:t>
             </a:fld>
             <a:endParaRPr lang="en-US"/>
           </a:p>
@@ -4868,7 +4284,7 @@
           <a:p>
             <a:fld id="{1555EDF9-3D79-45DA-8367-2F63551C4C7D}" type="datetimeFigureOut">
               <a:rPr lang="en-US" smtClean="0"/>
-              <a:t>11/21/2017</a:t>
+              <a:t>11/23/2017</a:t>
             </a:fld>
             <a:endParaRPr lang="en-US"/>
           </a:p>
@@ -5175,7 +4591,7 @@
           <a:p>
             <a:fld id="{1555EDF9-3D79-45DA-8367-2F63551C4C7D}" type="datetimeFigureOut">
               <a:rPr lang="en-US" smtClean="0"/>
-              <a:t>11/21/2017</a:t>
+              <a:t>11/23/2017</a:t>
             </a:fld>
             <a:endParaRPr lang="en-US"/>
           </a:p>
@@ -5597,7 +5013,7 @@
           <a:p>
             <a:fld id="{1555EDF9-3D79-45DA-8367-2F63551C4C7D}" type="datetimeFigureOut">
               <a:rPr lang="en-US" smtClean="0"/>
-              <a:t>11/21/2017</a:t>
+              <a:t>11/23/2017</a:t>
             </a:fld>
             <a:endParaRPr lang="en-US"/>
           </a:p>
@@ -5692,7 +5108,7 @@
           <a:p>
             <a:fld id="{1555EDF9-3D79-45DA-8367-2F63551C4C7D}" type="datetimeFigureOut">
               <a:rPr lang="en-US" smtClean="0"/>
-              <a:t>11/21/2017</a:t>
+              <a:t>11/23/2017</a:t>
             </a:fld>
             <a:endParaRPr lang="en-US"/>
           </a:p>
@@ -5854,7 +5270,7 @@
           <a:p>
             <a:fld id="{1555EDF9-3D79-45DA-8367-2F63551C4C7D}" type="datetimeFigureOut">
               <a:rPr lang="en-US" smtClean="0"/>
-              <a:t>11/21/2017</a:t>
+              <a:t>11/23/2017</a:t>
             </a:fld>
             <a:endParaRPr lang="en-US"/>
           </a:p>
@@ -6232,7 +5648,7 @@
           <a:p>
             <a:fld id="{1555EDF9-3D79-45DA-8367-2F63551C4C7D}" type="datetimeFigureOut">
               <a:rPr lang="en-US" smtClean="0"/>
-              <a:t>11/21/2017</a:t>
+              <a:t>11/23/2017</a:t>
             </a:fld>
             <a:endParaRPr lang="en-US"/>
           </a:p>
@@ -6473,7 +5889,7 @@
           <a:p>
             <a:fld id="{876ADD02-87A9-4BBB-AF79-3B034AE87E3D}" type="datetime1">
               <a:rPr lang="en-US" smtClean="0"/>
-              <a:t>11/21/2017</a:t>
+              <a:t>11/23/2017</a:t>
             </a:fld>
             <a:endParaRPr lang="en-US"/>
           </a:p>
@@ -6748,7 +6164,7 @@
           <a:p>
             <a:fld id="{1555EDF9-3D79-45DA-8367-2F63551C4C7D}" type="datetimeFigureOut">
               <a:rPr lang="en-US" smtClean="0"/>
-              <a:t>11/21/2017</a:t>
+              <a:t>11/23/2017</a:t>
             </a:fld>
             <a:endParaRPr lang="en-US"/>
           </a:p>
@@ -6978,7 +6394,7 @@
           <a:p>
             <a:fld id="{1555EDF9-3D79-45DA-8367-2F63551C4C7D}" type="datetimeFigureOut">
               <a:rPr lang="en-US" smtClean="0"/>
-              <a:t>11/21/2017</a:t>
+              <a:t>11/23/2017</a:t>
             </a:fld>
             <a:endParaRPr lang="en-US"/>
           </a:p>
@@ -7213,7 +6629,7 @@
           <a:p>
             <a:fld id="{1555EDF9-3D79-45DA-8367-2F63551C4C7D}" type="datetimeFigureOut">
               <a:rPr lang="en-US" smtClean="0"/>
-              <a:t>11/21/2017</a:t>
+              <a:t>11/23/2017</a:t>
             </a:fld>
             <a:endParaRPr lang="en-US"/>
           </a:p>
@@ -7541,7 +6957,7 @@
           <a:p>
             <a:fld id="{2D1873E9-E501-455D-877A-89E2084DAC48}" type="datetime1">
               <a:rPr lang="en-US" smtClean="0"/>
-              <a:t>11/21/2017</a:t>
+              <a:t>11/23/2017</a:t>
             </a:fld>
             <a:endParaRPr lang="en-US"/>
           </a:p>
@@ -7851,7 +7267,7 @@
           <a:p>
             <a:fld id="{FC7254B0-32E6-4875-A042-5DACAB63A6B0}" type="datetime1">
               <a:rPr lang="en-US" smtClean="0"/>
-              <a:t>11/21/2017</a:t>
+              <a:t>11/23/2017</a:t>
             </a:fld>
             <a:endParaRPr lang="en-US"/>
           </a:p>
@@ -8276,7 +7692,7 @@
           <a:p>
             <a:fld id="{A665B87C-A0B1-4A03-8A1C-4FB083EE1A08}" type="datetime1">
               <a:rPr lang="en-US" smtClean="0"/>
-              <a:t>11/21/2017</a:t>
+              <a:t>11/23/2017</a:t>
             </a:fld>
             <a:endParaRPr lang="en-US"/>
           </a:p>
@@ -8374,7 +7790,7 @@
           <a:p>
             <a:fld id="{23846BF2-E71B-4473-A495-880685E1FFA8}" type="datetime1">
               <a:rPr lang="en-US" smtClean="0"/>
-              <a:t>11/21/2017</a:t>
+              <a:t>11/23/2017</a:t>
             </a:fld>
             <a:endParaRPr lang="en-US"/>
           </a:p>
@@ -8539,7 +7955,7 @@
           <a:p>
             <a:fld id="{70EF86BA-AAB0-4992-A02A-FEC5052D7684}" type="datetime1">
               <a:rPr lang="en-US" smtClean="0"/>
-              <a:t>11/21/2017</a:t>
+              <a:t>11/23/2017</a:t>
             </a:fld>
             <a:endParaRPr lang="en-US"/>
           </a:p>
@@ -8920,7 +8336,7 @@
           <a:p>
             <a:fld id="{449E59D8-7459-474B-829B-9222641A499E}" type="datetime1">
               <a:rPr lang="en-US" smtClean="0"/>
-              <a:t>11/21/2017</a:t>
+              <a:t>11/23/2017</a:t>
             </a:fld>
             <a:endParaRPr lang="en-US"/>
           </a:p>
@@ -9212,7 +8628,7 @@
           <a:p>
             <a:fld id="{356F8554-9B90-4CA4-8BC5-4B63F89836BC}" type="datetime1">
               <a:rPr lang="en-US" smtClean="0"/>
-              <a:t>11/21/2017</a:t>
+              <a:t>11/23/2017</a:t>
             </a:fld>
             <a:endParaRPr lang="en-US"/>
           </a:p>
@@ -9426,7 +8842,7 @@
           <a:p>
             <a:fld id="{57C278DD-039D-4431-B8EB-63F06C76153C}" type="datetime1">
               <a:rPr lang="en-US" smtClean="0"/>
-              <a:t>11/21/2017</a:t>
+              <a:t>11/23/2017</a:t>
             </a:fld>
             <a:endParaRPr lang="en-US"/>
           </a:p>
@@ -10169,7 +9585,7 @@
           <a:p>
             <a:fld id="{3652CD92-9D15-43B4-8516-073FCDAC90D4}" type="datetimeFigureOut">
               <a:rPr lang="en-US" smtClean="0"/>
-              <a:t>11/21/2017</a:t>
+              <a:t>11/23/2017</a:t>
             </a:fld>
             <a:endParaRPr lang="en-US"/>
           </a:p>
@@ -11167,7 +10583,7 @@
                   <a:schemeClr val="bg2"/>
                 </a:solidFill>
               </a:rPr>
-              <a:t> 		Sara Al-Rasbi   		200909464</a:t>
+              <a:t> 		 Sara Al-Rasbi   		200909464</a:t>
             </a:r>
           </a:p>
           <a:p>
@@ -11208,7 +10624,12 @@
             <p:ph type="sldNum" sz="quarter" idx="12"/>
           </p:nvPr>
         </p:nvSpPr>
-        <p:spPr/>
+        <p:spPr>
+          <a:xfrm>
+            <a:off x="10558300" y="5956137"/>
+            <a:ext cx="1016440" cy="365125"/>
+          </a:xfrm>
+        </p:spPr>
         <p:txBody>
           <a:bodyPr/>
           <a:lstStyle/>
@@ -11217,7 +10638,7 @@
               <a:rPr lang="en-US" smtClean="0"/>
               <a:t>1</a:t>
             </a:fld>
-            <a:endParaRPr lang="en-US"/>
+            <a:endParaRPr lang="en-US" dirty="0"/>
           </a:p>
         </p:txBody>
       </p:sp>
@@ -11412,7 +10833,7 @@
           <a:p>
             <a:r>
               <a:rPr lang="en-US" sz="2000" dirty="0"/>
-              <a:t>Data analysis: a component that analysis the data of the system current stage and decide whether to scale or not.</a:t>
+              <a:t>Data analysis component: a component that analysis the data of the system current stage and decide whether to scale or not.</a:t>
             </a:r>
           </a:p>
           <a:p>
@@ -11463,19 +10884,7 @@
               <a:rPr lang="en-US" sz="2000" dirty="0">
                 <a:cs typeface="Times New Roman" panose="02020603050405020304" pitchFamily="18" charset="0"/>
               </a:rPr>
-              <a:t>seconds to prove the </a:t>
-            </a:r>
-            <a:r>
-              <a:rPr lang="en-US" sz="2000" dirty="0" err="1">
-                <a:cs typeface="Times New Roman" panose="02020603050405020304" pitchFamily="18" charset="0"/>
-              </a:rPr>
-              <a:t>hypothsis</a:t>
-            </a:r>
-            <a:r>
-              <a:rPr lang="en-US" sz="2000" dirty="0">
-                <a:cs typeface="Times New Roman" panose="02020603050405020304" pitchFamily="18" charset="0"/>
-              </a:rPr>
-              <a:t>.</a:t>
+              <a:t>seconds to prove the hypothesis.</a:t>
             </a:r>
           </a:p>
           <a:p>
@@ -11563,7 +10972,7 @@
           <p:nvPr/>
         </p:nvPicPr>
         <p:blipFill>
-          <a:blip r:embed="rId2">
+          <a:blip r:embed="rId3">
             <a:extLst>
               <a:ext uri="{28A0092B-C50C-407E-A947-70E740481C1C}">
                 <a14:useLocalDpi xmlns:a14="http://schemas.microsoft.com/office/drawing/2010/main" val="0"/>
@@ -12181,362 +11590,68 @@
       </p:grpSpPr>
       <p:sp>
         <p:nvSpPr>
-          <p:cNvPr id="11" name="Content Placeholder 3">
+          <p:cNvPr id="8" name="Slide Number Placeholder 7">
             <a:extLst>
               <a:ext uri="{FF2B5EF4-FFF2-40B4-BE49-F238E27FC236}">
-                <a16:creationId xmlns:a16="http://schemas.microsoft.com/office/drawing/2014/main" id="{EB3FAA2D-590C-4F82-A1F3-6B9653AB7D56}"/>
+                <a16:creationId xmlns:a16="http://schemas.microsoft.com/office/drawing/2014/main" id="{C3E49194-F667-4CDF-8A40-B65386628471}"/>
               </a:ext>
             </a:extLst>
           </p:cNvPr>
-          <p:cNvSpPr txBox="1">
-            <a:spLocks/>
-          </p:cNvSpPr>
-          <p:nvPr/>
+          <p:cNvSpPr>
+            <a:spLocks noGrp="1"/>
+          </p:cNvSpPr>
+          <p:nvPr>
+            <p:ph type="sldNum" sz="quarter" idx="12"/>
+          </p:nvPr>
         </p:nvSpPr>
         <p:spPr>
           <a:xfrm>
-            <a:off x="422275" y="1421786"/>
-            <a:ext cx="5486400" cy="5132034"/>
+            <a:off x="10558300" y="5956137"/>
+            <a:ext cx="1052510" cy="365125"/>
+          </a:xfrm>
+        </p:spPr>
+        <p:txBody>
+          <a:bodyPr/>
+          <a:lstStyle/>
+          <a:p>
+            <a:fld id="{3352CBF5-17B8-4387-88A6-ABF9F8C64D5A}" type="slidenum">
+              <a:rPr lang="en-US" smtClean="0"/>
+              <a:t>12</a:t>
+            </a:fld>
+            <a:endParaRPr lang="en-US"/>
+          </a:p>
+        </p:txBody>
+      </p:sp>
+      <p:pic>
+        <p:nvPicPr>
+          <p:cNvPr id="4" name="Picture 3"/>
+          <p:cNvPicPr>
+            <a:picLocks noChangeAspect="1"/>
+          </p:cNvPicPr>
+          <p:nvPr/>
+        </p:nvPicPr>
+        <p:blipFill>
+          <a:blip r:embed="rId3">
+            <a:extLst>
+              <a:ext uri="{28A0092B-C50C-407E-A947-70E740481C1C}">
+                <a14:useLocalDpi xmlns:a14="http://schemas.microsoft.com/office/drawing/2010/main" val="0"/>
+              </a:ext>
+            </a:extLst>
+          </a:blip>
+          <a:stretch>
+            <a:fillRect/>
+          </a:stretch>
+        </p:blipFill>
+        <p:spPr>
+          <a:xfrm>
+            <a:off x="2915139" y="721537"/>
+            <a:ext cx="5725826" cy="6147359"/>
           </a:xfrm>
           <a:prstGeom prst="rect">
             <a:avLst/>
           </a:prstGeom>
         </p:spPr>
-        <p:txBody>
-          <a:bodyPr/>
-          <a:lstStyle>
-            <a:lvl1pPr marL="306000" indent="-306000" algn="l" defTabSz="457200" rtl="0" eaLnBrk="1" latinLnBrk="0" hangingPunct="1">
-              <a:spcBef>
-                <a:spcPct val="20000"/>
-              </a:spcBef>
-              <a:spcAft>
-                <a:spcPts val="600"/>
-              </a:spcAft>
-              <a:buClr>
-                <a:schemeClr val="accent2"/>
-              </a:buClr>
-              <a:buSzPct val="92000"/>
-              <a:buFont typeface="Wingdings 2" panose="05020102010507070707" pitchFamily="18" charset="2"/>
-              <a:buChar char=""/>
-              <a:defRPr sz="1800" kern="1200">
-                <a:solidFill>
-                  <a:schemeClr val="tx2"/>
-                </a:solidFill>
-                <a:latin typeface="+mn-lt"/>
-                <a:ea typeface="+mn-ea"/>
-                <a:cs typeface="+mn-cs"/>
-              </a:defRPr>
-            </a:lvl1pPr>
-            <a:lvl2pPr marL="630000" indent="-306000" algn="l" defTabSz="457200" rtl="0" eaLnBrk="1" latinLnBrk="0" hangingPunct="1">
-              <a:spcBef>
-                <a:spcPct val="20000"/>
-              </a:spcBef>
-              <a:spcAft>
-                <a:spcPts val="600"/>
-              </a:spcAft>
-              <a:buClr>
-                <a:schemeClr val="accent2"/>
-              </a:buClr>
-              <a:buSzPct val="92000"/>
-              <a:buFont typeface="Wingdings 2" panose="05020102010507070707" pitchFamily="18" charset="2"/>
-              <a:buChar char=""/>
-              <a:defRPr sz="1600" kern="1200">
-                <a:solidFill>
-                  <a:schemeClr val="tx2"/>
-                </a:solidFill>
-                <a:latin typeface="+mn-lt"/>
-                <a:ea typeface="+mn-ea"/>
-                <a:cs typeface="+mn-cs"/>
-              </a:defRPr>
-            </a:lvl2pPr>
-            <a:lvl3pPr marL="900000" indent="-270000" algn="l" defTabSz="457200" rtl="0" eaLnBrk="1" latinLnBrk="0" hangingPunct="1">
-              <a:spcBef>
-                <a:spcPct val="20000"/>
-              </a:spcBef>
-              <a:spcAft>
-                <a:spcPts val="600"/>
-              </a:spcAft>
-              <a:buClr>
-                <a:schemeClr val="accent2"/>
-              </a:buClr>
-              <a:buSzPct val="92000"/>
-              <a:buFont typeface="Wingdings 2" panose="05020102010507070707" pitchFamily="18" charset="2"/>
-              <a:buChar char=""/>
-              <a:defRPr sz="1400" kern="1200">
-                <a:solidFill>
-                  <a:schemeClr val="tx2"/>
-                </a:solidFill>
-                <a:latin typeface="+mn-lt"/>
-                <a:ea typeface="+mn-ea"/>
-                <a:cs typeface="+mn-cs"/>
-              </a:defRPr>
-            </a:lvl3pPr>
-            <a:lvl4pPr marL="1242000" indent="-234000" algn="l" defTabSz="457200" rtl="0" eaLnBrk="1" latinLnBrk="0" hangingPunct="1">
-              <a:spcBef>
-                <a:spcPct val="20000"/>
-              </a:spcBef>
-              <a:spcAft>
-                <a:spcPts val="600"/>
-              </a:spcAft>
-              <a:buClr>
-                <a:schemeClr val="accent2"/>
-              </a:buClr>
-              <a:buSzPct val="92000"/>
-              <a:buFont typeface="Wingdings 2" panose="05020102010507070707" pitchFamily="18" charset="2"/>
-              <a:buChar char=""/>
-              <a:defRPr sz="1200" kern="1200">
-                <a:solidFill>
-                  <a:schemeClr val="tx2"/>
-                </a:solidFill>
-                <a:latin typeface="+mn-lt"/>
-                <a:ea typeface="+mn-ea"/>
-                <a:cs typeface="+mn-cs"/>
-              </a:defRPr>
-            </a:lvl4pPr>
-            <a:lvl5pPr marL="1602000" indent="-234000" algn="l" defTabSz="457200" rtl="0" eaLnBrk="1" latinLnBrk="0" hangingPunct="1">
-              <a:spcBef>
-                <a:spcPct val="20000"/>
-              </a:spcBef>
-              <a:spcAft>
-                <a:spcPts val="600"/>
-              </a:spcAft>
-              <a:buClr>
-                <a:schemeClr val="accent2"/>
-              </a:buClr>
-              <a:buSzPct val="92000"/>
-              <a:buFont typeface="Wingdings 2" panose="05020102010507070707" pitchFamily="18" charset="2"/>
-              <a:buChar char=""/>
-              <a:defRPr sz="1200" kern="1200">
-                <a:solidFill>
-                  <a:schemeClr val="tx2"/>
-                </a:solidFill>
-                <a:latin typeface="+mn-lt"/>
-                <a:ea typeface="+mn-ea"/>
-                <a:cs typeface="+mn-cs"/>
-              </a:defRPr>
-            </a:lvl5pPr>
-            <a:lvl6pPr marL="1900000" indent="-228600" algn="l" defTabSz="457200" rtl="0" eaLnBrk="1" latinLnBrk="0" hangingPunct="1">
-              <a:spcBef>
-                <a:spcPct val="20000"/>
-              </a:spcBef>
-              <a:spcAft>
-                <a:spcPts val="600"/>
-              </a:spcAft>
-              <a:buClr>
-                <a:schemeClr val="accent2"/>
-              </a:buClr>
-              <a:buSzPct val="92000"/>
-              <a:buFont typeface="Wingdings 2" panose="05020102010507070707" pitchFamily="18" charset="2"/>
-              <a:buChar char=""/>
-              <a:defRPr sz="1200" kern="1200">
-                <a:solidFill>
-                  <a:schemeClr val="tx2"/>
-                </a:solidFill>
-                <a:latin typeface="+mn-lt"/>
-                <a:ea typeface="+mn-ea"/>
-                <a:cs typeface="+mn-cs"/>
-              </a:defRPr>
-            </a:lvl6pPr>
-            <a:lvl7pPr marL="2200000" indent="-228600" algn="l" defTabSz="457200" rtl="0" eaLnBrk="1" latinLnBrk="0" hangingPunct="1">
-              <a:spcBef>
-                <a:spcPct val="20000"/>
-              </a:spcBef>
-              <a:spcAft>
-                <a:spcPts val="600"/>
-              </a:spcAft>
-              <a:buClr>
-                <a:schemeClr val="accent2"/>
-              </a:buClr>
-              <a:buSzPct val="92000"/>
-              <a:buFont typeface="Wingdings 2" panose="05020102010507070707" pitchFamily="18" charset="2"/>
-              <a:buChar char=""/>
-              <a:defRPr sz="1200" kern="1200">
-                <a:solidFill>
-                  <a:schemeClr val="tx2"/>
-                </a:solidFill>
-                <a:latin typeface="+mn-lt"/>
-                <a:ea typeface="+mn-ea"/>
-                <a:cs typeface="+mn-cs"/>
-              </a:defRPr>
-            </a:lvl7pPr>
-            <a:lvl8pPr marL="2500000" indent="-228600" algn="l" defTabSz="457200" rtl="0" eaLnBrk="1" latinLnBrk="0" hangingPunct="1">
-              <a:spcBef>
-                <a:spcPct val="20000"/>
-              </a:spcBef>
-              <a:spcAft>
-                <a:spcPts val="600"/>
-              </a:spcAft>
-              <a:buClr>
-                <a:schemeClr val="accent2"/>
-              </a:buClr>
-              <a:buSzPct val="92000"/>
-              <a:buFont typeface="Wingdings 2" panose="05020102010507070707" pitchFamily="18" charset="2"/>
-              <a:buChar char=""/>
-              <a:defRPr sz="1200" kern="1200">
-                <a:solidFill>
-                  <a:schemeClr val="tx2"/>
-                </a:solidFill>
-                <a:latin typeface="+mn-lt"/>
-                <a:ea typeface="+mn-ea"/>
-                <a:cs typeface="+mn-cs"/>
-              </a:defRPr>
-            </a:lvl8pPr>
-            <a:lvl9pPr marL="2800000" indent="-228600" algn="l" defTabSz="457200" rtl="0" eaLnBrk="1" latinLnBrk="0" hangingPunct="1">
-              <a:spcBef>
-                <a:spcPct val="20000"/>
-              </a:spcBef>
-              <a:spcAft>
-                <a:spcPts val="600"/>
-              </a:spcAft>
-              <a:buClr>
-                <a:schemeClr val="accent2"/>
-              </a:buClr>
-              <a:buSzPct val="92000"/>
-              <a:buFont typeface="Wingdings 2" panose="05020102010507070707" pitchFamily="18" charset="2"/>
-              <a:buChar char=""/>
-              <a:defRPr sz="1200" kern="1200">
-                <a:solidFill>
-                  <a:schemeClr val="tx2"/>
-                </a:solidFill>
-                <a:latin typeface="+mn-lt"/>
-                <a:ea typeface="+mn-ea"/>
-                <a:cs typeface="+mn-cs"/>
-              </a:defRPr>
-            </a:lvl9pPr>
-          </a:lstStyle>
-          <a:p>
-            <a:r>
-              <a:rPr lang="en-US" dirty="0" err="1"/>
-              <a:t>Tmin</a:t>
-            </a:r>
-            <a:r>
-              <a:rPr lang="en-US" dirty="0"/>
-              <a:t>:  the lowest tolerance level the threshold can reach</a:t>
-            </a:r>
-          </a:p>
-          <a:p>
-            <a:r>
-              <a:rPr lang="en-US" dirty="0"/>
-              <a:t>Collected data is analyzed and the current utilization of the data is determined.</a:t>
-            </a:r>
-          </a:p>
-          <a:p>
-            <a:r>
-              <a:rPr lang="en-US" dirty="0"/>
-              <a:t>Test:  current utilization =&lt; Threshold?</a:t>
-            </a:r>
-          </a:p>
-          <a:p>
-            <a:r>
-              <a:rPr lang="en-US" dirty="0"/>
-              <a:t>Once the test passes, monitoring phase starts for </a:t>
-            </a:r>
-            <a:r>
-              <a:rPr lang="en-US" dirty="0">
-                <a:latin typeface="Times New Roman" panose="02020603050405020304" pitchFamily="18" charset="0"/>
-                <a:cs typeface="Times New Roman" panose="02020603050405020304" pitchFamily="18" charset="0"/>
-              </a:rPr>
-              <a:t>β </a:t>
-            </a:r>
-            <a:r>
-              <a:rPr lang="en-US" dirty="0">
-                <a:latin typeface="+mj-lt"/>
-                <a:cs typeface="Times New Roman" panose="02020603050405020304" pitchFamily="18" charset="0"/>
-              </a:rPr>
-              <a:t>seconds.</a:t>
-            </a:r>
-          </a:p>
-          <a:p>
-            <a:r>
-              <a:rPr lang="en-US" dirty="0">
-                <a:latin typeface="+mj-lt"/>
-                <a:cs typeface="Times New Roman" panose="02020603050405020304" pitchFamily="18" charset="0"/>
-              </a:rPr>
-              <a:t>By the end of the observation phase Is current utilization &lt;</a:t>
-            </a:r>
-            <a:r>
-              <a:rPr lang="en-US" dirty="0" err="1">
-                <a:latin typeface="+mj-lt"/>
-                <a:cs typeface="Times New Roman" panose="02020603050405020304" pitchFamily="18" charset="0"/>
-              </a:rPr>
-              <a:t>Tmin</a:t>
-            </a:r>
-            <a:r>
-              <a:rPr lang="en-US" dirty="0">
-                <a:latin typeface="+mj-lt"/>
-                <a:cs typeface="Times New Roman" panose="02020603050405020304" pitchFamily="18" charset="0"/>
-              </a:rPr>
-              <a:t>  scale down</a:t>
-            </a:r>
-          </a:p>
-          <a:p>
-            <a:r>
-              <a:rPr lang="en-US" dirty="0">
-                <a:latin typeface="+mj-lt"/>
-                <a:cs typeface="Times New Roman" panose="02020603050405020304" pitchFamily="18" charset="0"/>
-              </a:rPr>
-              <a:t>If current utilization &lt;Threshold, but current utilization &gt; </a:t>
-            </a:r>
-            <a:r>
-              <a:rPr lang="en-US" dirty="0" err="1">
-                <a:latin typeface="+mj-lt"/>
-                <a:cs typeface="Times New Roman" panose="02020603050405020304" pitchFamily="18" charset="0"/>
-              </a:rPr>
-              <a:t>Tmin</a:t>
-            </a:r>
-            <a:r>
-              <a:rPr lang="en-US" dirty="0">
-                <a:latin typeface="+mj-lt"/>
-                <a:cs typeface="Times New Roman" panose="02020603050405020304" pitchFamily="18" charset="0"/>
-              </a:rPr>
-              <a:t> then:</a:t>
-            </a:r>
-          </a:p>
-          <a:p>
-            <a:pPr lvl="1">
-              <a:buFont typeface="Wingdings" panose="05000000000000000000" pitchFamily="2" charset="2"/>
-              <a:buChar char="v"/>
-            </a:pPr>
-            <a:r>
-              <a:rPr lang="en-US" dirty="0">
-                <a:latin typeface="+mj-lt"/>
-                <a:cs typeface="Times New Roman" panose="02020603050405020304" pitchFamily="18" charset="0"/>
-              </a:rPr>
-              <a:t> Threshold is decreased by </a:t>
-            </a:r>
-            <a:r>
-              <a:rPr lang="el-GR" dirty="0">
-                <a:latin typeface="Times New Roman" panose="02020603050405020304" pitchFamily="18" charset="0"/>
-                <a:cs typeface="Times New Roman" panose="02020603050405020304" pitchFamily="18" charset="0"/>
-              </a:rPr>
-              <a:t>α</a:t>
-            </a:r>
-            <a:r>
-              <a:rPr lang="en-US" dirty="0">
-                <a:latin typeface="Times New Roman" panose="02020603050405020304" pitchFamily="18" charset="0"/>
-                <a:cs typeface="Times New Roman" panose="02020603050405020304" pitchFamily="18" charset="0"/>
-              </a:rPr>
-              <a:t> </a:t>
-            </a:r>
-            <a:r>
-              <a:rPr lang="en-US" dirty="0">
-                <a:latin typeface="+mj-lt"/>
-                <a:cs typeface="Times New Roman" panose="02020603050405020304" pitchFamily="18" charset="0"/>
-              </a:rPr>
-              <a:t>percent temporary , a second monitoring period starts</a:t>
-            </a:r>
-          </a:p>
-          <a:p>
-            <a:r>
-              <a:rPr lang="en-US" dirty="0">
-                <a:latin typeface="+mj-lt"/>
-                <a:cs typeface="Times New Roman" panose="02020603050405020304" pitchFamily="18" charset="0"/>
-              </a:rPr>
-              <a:t>Changes are permeant if by the end current utilization is still less than threshold</a:t>
-            </a:r>
-          </a:p>
-        </p:txBody>
-      </p:sp>
+      </p:pic>
       <p:sp>
         <p:nvSpPr>
           <p:cNvPr id="3" name="TextBox 2">
@@ -12551,7 +11666,7 @@
         </p:nvSpPr>
         <p:spPr>
           <a:xfrm>
-            <a:off x="422275" y="712471"/>
+            <a:off x="6260368" y="755878"/>
             <a:ext cx="5486400" cy="461665"/>
           </a:xfrm>
           <a:prstGeom prst="rect">
@@ -12590,70 +11705,6 @@
           </a:p>
         </p:txBody>
       </p:sp>
-      <p:sp>
-        <p:nvSpPr>
-          <p:cNvPr id="8" name="Slide Number Placeholder 7">
-            <a:extLst>
-              <a:ext uri="{FF2B5EF4-FFF2-40B4-BE49-F238E27FC236}">
-                <a16:creationId xmlns:a16="http://schemas.microsoft.com/office/drawing/2014/main" id="{C3E49194-F667-4CDF-8A40-B65386628471}"/>
-              </a:ext>
-            </a:extLst>
-          </p:cNvPr>
-          <p:cNvSpPr>
-            <a:spLocks noGrp="1"/>
-          </p:cNvSpPr>
-          <p:nvPr>
-            <p:ph type="sldNum" sz="quarter" idx="12"/>
-          </p:nvPr>
-        </p:nvSpPr>
-        <p:spPr>
-          <a:xfrm>
-            <a:off x="10558300" y="5956137"/>
-            <a:ext cx="1052510" cy="365125"/>
-          </a:xfrm>
-        </p:spPr>
-        <p:txBody>
-          <a:bodyPr/>
-          <a:lstStyle/>
-          <a:p>
-            <a:fld id="{3352CBF5-17B8-4387-88A6-ABF9F8C64D5A}" type="slidenum">
-              <a:rPr lang="en-US" smtClean="0"/>
-              <a:t>12</a:t>
-            </a:fld>
-            <a:endParaRPr lang="en-US"/>
-          </a:p>
-        </p:txBody>
-      </p:sp>
-      <p:pic>
-        <p:nvPicPr>
-          <p:cNvPr id="4" name="Picture 3"/>
-          <p:cNvPicPr>
-            <a:picLocks noChangeAspect="1"/>
-          </p:cNvPicPr>
-          <p:nvPr/>
-        </p:nvPicPr>
-        <p:blipFill>
-          <a:blip r:embed="rId2">
-            <a:extLst>
-              <a:ext uri="{28A0092B-C50C-407E-A947-70E740481C1C}">
-                <a14:useLocalDpi xmlns:a14="http://schemas.microsoft.com/office/drawing/2010/main" val="0"/>
-              </a:ext>
-            </a:extLst>
-          </a:blip>
-          <a:stretch>
-            <a:fillRect/>
-          </a:stretch>
-        </p:blipFill>
-        <p:spPr>
-          <a:xfrm>
-            <a:off x="6178455" y="721537"/>
-            <a:ext cx="5432355" cy="5832283"/>
-          </a:xfrm>
-          <a:prstGeom prst="rect">
-            <a:avLst/>
-          </a:prstGeom>
-        </p:spPr>
-      </p:pic>
     </p:spTree>
     <p:extLst>
       <p:ext uri="{BB962C8B-B14F-4D97-AF65-F5344CB8AC3E}">
@@ -12904,7 +11955,7 @@
           <a:p>
             <a:r>
               <a:rPr lang="en-US" cap="none" dirty="0"/>
-              <a:t>Queuing Theory based Technique</a:t>
+              <a:t>Reinforcement Learning based Technique</a:t>
             </a:r>
             <a:endParaRPr lang="en-GB" cap="none" dirty="0"/>
           </a:p>
@@ -12915,7 +11966,7 @@
           <p:cNvPr id="7" name="Slide Number Placeholder 6">
             <a:extLst>
               <a:ext uri="{FF2B5EF4-FFF2-40B4-BE49-F238E27FC236}">
-                <a16:creationId xmlns:a16="http://schemas.microsoft.com/office/drawing/2014/main" id="{BEBE3929-46D1-425A-83D2-3CD495DE31B8}"/>
+                <a16:creationId xmlns:a16="http://schemas.microsoft.com/office/drawing/2014/main" id="{59D1F2A6-0268-410F-979B-FCE5D06CF370}"/>
               </a:ext>
             </a:extLst>
           </p:cNvPr>
@@ -12942,7 +11993,7 @@
     </p:spTree>
     <p:extLst>
       <p:ext uri="{BB962C8B-B14F-4D97-AF65-F5344CB8AC3E}">
-        <p14:creationId xmlns:p14="http://schemas.microsoft.com/office/powerpoint/2010/main" val="3282527866"/>
+        <p14:creationId xmlns:p14="http://schemas.microsoft.com/office/powerpoint/2010/main" val="2049983490"/>
       </p:ext>
     </p:extLst>
   </p:cSld>
@@ -12953,220 +12004,6 @@
 </file>
 
 <file path=ppt/slides/slide15.xml><?xml version="1.0" encoding="utf-8"?>
-<p:sld xmlns:a="http://schemas.openxmlformats.org/drawingml/2006/main" xmlns:r="http://schemas.openxmlformats.org/officeDocument/2006/relationships" xmlns:p="http://schemas.openxmlformats.org/presentationml/2006/main">
-  <p:cSld>
-    <p:bg>
-      <p:bgPr>
-        <a:solidFill>
-          <a:schemeClr val="bg1"/>
-        </a:solidFill>
-        <a:effectLst/>
-      </p:bgPr>
-    </p:bg>
-    <p:spTree>
-      <p:nvGrpSpPr>
-        <p:cNvPr id="1" name=""/>
-        <p:cNvGrpSpPr/>
-        <p:nvPr/>
-      </p:nvGrpSpPr>
-      <p:grpSpPr>
-        <a:xfrm>
-          <a:off x="0" y="0"/>
-          <a:ext cx="0" cy="0"/>
-          <a:chOff x="0" y="0"/>
-          <a:chExt cx="0" cy="0"/>
-        </a:xfrm>
-      </p:grpSpPr>
-      <p:sp>
-        <p:nvSpPr>
-          <p:cNvPr id="5" name="Title 4">
-            <a:extLst>
-              <a:ext uri="{FF2B5EF4-FFF2-40B4-BE49-F238E27FC236}">
-                <a16:creationId xmlns:a16="http://schemas.microsoft.com/office/drawing/2014/main" id="{0DC3FE6B-2527-4AB1-A5FB-D2628F487935}"/>
-              </a:ext>
-            </a:extLst>
-          </p:cNvPr>
-          <p:cNvSpPr>
-            <a:spLocks noGrp="1"/>
-          </p:cNvSpPr>
-          <p:nvPr>
-            <p:ph type="title"/>
-          </p:nvPr>
-        </p:nvSpPr>
-        <p:spPr/>
-        <p:txBody>
-          <a:bodyPr/>
-          <a:lstStyle/>
-          <a:p>
-            <a:r>
-              <a:rPr lang="en-US" cap="none" dirty="0"/>
-              <a:t>Main Concept</a:t>
-            </a:r>
-          </a:p>
-        </p:txBody>
-      </p:sp>
-      <p:sp>
-        <p:nvSpPr>
-          <p:cNvPr id="6" name="Content Placeholder 5">
-            <a:extLst>
-              <a:ext uri="{FF2B5EF4-FFF2-40B4-BE49-F238E27FC236}">
-                <a16:creationId xmlns:a16="http://schemas.microsoft.com/office/drawing/2014/main" id="{E468E042-9B19-43B3-89E3-F203C49FE540}"/>
-              </a:ext>
-            </a:extLst>
-          </p:cNvPr>
-          <p:cNvSpPr>
-            <a:spLocks noGrp="1"/>
-          </p:cNvSpPr>
-          <p:nvPr>
-            <p:ph idx="1"/>
-          </p:nvPr>
-        </p:nvSpPr>
-        <p:spPr>
-          <a:xfrm>
-            <a:off x="484414" y="2046515"/>
-            <a:ext cx="11223171" cy="4430486"/>
-          </a:xfrm>
-        </p:spPr>
-        <p:txBody>
-          <a:bodyPr>
-            <a:normAutofit/>
-          </a:bodyPr>
-          <a:lstStyle/>
-          <a:p>
-            <a:r>
-              <a:rPr lang="en-US" sz="2000" dirty="0"/>
-              <a:t>A study in mathematics</a:t>
-            </a:r>
-          </a:p>
-          <a:p>
-            <a:r>
-              <a:rPr lang="en-US" sz="2000" dirty="0"/>
-              <a:t>The arrival of request is viewed as arrival of customers waiting to be served.</a:t>
-            </a:r>
-          </a:p>
-          <a:p>
-            <a:r>
-              <a:rPr lang="en-US" sz="2000" dirty="0"/>
-              <a:t>A single queue can be serviced by one or multiple servers</a:t>
-            </a:r>
-          </a:p>
-          <a:p>
-            <a:r>
-              <a:rPr lang="en-US" sz="2000" dirty="0"/>
-              <a:t>The following notation is used to describe a system in queuing theory A/B/C/X/Y/Z:</a:t>
-            </a:r>
-          </a:p>
-          <a:p>
-            <a:pPr lvl="1">
-              <a:buFont typeface="Wingdings" panose="05000000000000000000" pitchFamily="2" charset="2"/>
-              <a:buChar char="v"/>
-            </a:pPr>
-            <a:r>
-              <a:rPr lang="en-US" sz="1800" dirty="0"/>
-              <a:t>A: Distribution of request arrival time</a:t>
-            </a:r>
-          </a:p>
-          <a:p>
-            <a:pPr lvl="1">
-              <a:buFont typeface="Wingdings" panose="05000000000000000000" pitchFamily="2" charset="2"/>
-              <a:buChar char="v"/>
-            </a:pPr>
-            <a:r>
-              <a:rPr lang="en-US" sz="1800" dirty="0"/>
-              <a:t>B: Distribution of service time</a:t>
-            </a:r>
-          </a:p>
-          <a:p>
-            <a:pPr lvl="1">
-              <a:buFont typeface="Wingdings" panose="05000000000000000000" pitchFamily="2" charset="2"/>
-              <a:buChar char="v"/>
-            </a:pPr>
-            <a:r>
-              <a:rPr lang="en-US" sz="1800" dirty="0"/>
-              <a:t>C: Number of parallel servers available</a:t>
-            </a:r>
-          </a:p>
-          <a:p>
-            <a:pPr lvl="1">
-              <a:buFont typeface="Wingdings" panose="05000000000000000000" pitchFamily="2" charset="2"/>
-              <a:buChar char="v"/>
-            </a:pPr>
-            <a:r>
-              <a:rPr lang="en-US" sz="1800" dirty="0"/>
-              <a:t>X: Capacity of the server</a:t>
-            </a:r>
-          </a:p>
-          <a:p>
-            <a:pPr lvl="1">
-              <a:buFont typeface="Wingdings" panose="05000000000000000000" pitchFamily="2" charset="2"/>
-              <a:buChar char="v"/>
-            </a:pPr>
-            <a:r>
-              <a:rPr lang="en-US" sz="1800" dirty="0"/>
-              <a:t>Y: Calling population</a:t>
-            </a:r>
-          </a:p>
-          <a:p>
-            <a:pPr lvl="1">
-              <a:buFont typeface="Wingdings" panose="05000000000000000000" pitchFamily="2" charset="2"/>
-              <a:buChar char="v"/>
-            </a:pPr>
-            <a:r>
-              <a:rPr lang="en-US" sz="1800" dirty="0"/>
-              <a:t>Z: service disciplines </a:t>
-            </a:r>
-          </a:p>
-          <a:p>
-            <a:pPr marL="0" indent="0">
-              <a:buNone/>
-            </a:pPr>
-            <a:endParaRPr lang="en-US" sz="2000" dirty="0"/>
-          </a:p>
-        </p:txBody>
-      </p:sp>
-      <p:sp>
-        <p:nvSpPr>
-          <p:cNvPr id="9" name="Slide Number Placeholder 8">
-            <a:extLst>
-              <a:ext uri="{FF2B5EF4-FFF2-40B4-BE49-F238E27FC236}">
-                <a16:creationId xmlns:a16="http://schemas.microsoft.com/office/drawing/2014/main" id="{36CD147D-9280-4DB4-AA89-A7E7C9BC0F0A}"/>
-              </a:ext>
-            </a:extLst>
-          </p:cNvPr>
-          <p:cNvSpPr>
-            <a:spLocks noGrp="1"/>
-          </p:cNvSpPr>
-          <p:nvPr>
-            <p:ph type="sldNum" sz="quarter" idx="12"/>
-          </p:nvPr>
-        </p:nvSpPr>
-        <p:spPr/>
-        <p:txBody>
-          <a:bodyPr/>
-          <a:lstStyle/>
-          <a:p>
-            <a:fld id="{3352CBF5-17B8-4387-88A6-ABF9F8C64D5A}" type="slidenum">
-              <a:rPr lang="en-US" smtClean="0"/>
-              <a:t>15</a:t>
-            </a:fld>
-            <a:endParaRPr lang="en-US"/>
-          </a:p>
-        </p:txBody>
-      </p:sp>
-    </p:spTree>
-    <p:extLst>
-      <p:ext uri="{BB962C8B-B14F-4D97-AF65-F5344CB8AC3E}">
-        <p14:creationId xmlns:p14="http://schemas.microsoft.com/office/powerpoint/2010/main" val="1461780220"/>
-      </p:ext>
-    </p:extLst>
-  </p:cSld>
-  <p:clrMapOvr>
-    <a:masterClrMapping/>
-  </p:clrMapOvr>
-</p:sld>
-</file>
-
-<file path=ppt/slides/slide16.xml><?xml version="1.0" encoding="utf-8"?>
 <p:sld xmlns:a="http://schemas.openxmlformats.org/drawingml/2006/main" xmlns:r="http://schemas.openxmlformats.org/officeDocument/2006/relationships" xmlns:p="http://schemas.openxmlformats.org/presentationml/2006/main">
   <p:cSld>
     <p:spTree>
@@ -13195,1354 +12032,6 @@
         </p:nvSpPr>
         <p:spPr/>
         <p:txBody>
-          <a:bodyPr/>
-          <a:lstStyle/>
-          <a:p>
-            <a:r>
-              <a:rPr lang="en-US" cap="none" dirty="0"/>
-              <a:t>Review Paper – Brief Description (1/4)</a:t>
-            </a:r>
-          </a:p>
-        </p:txBody>
-      </p:sp>
-      <p:sp>
-        <p:nvSpPr>
-          <p:cNvPr id="3" name="Content Placeholder 2"/>
-          <p:cNvSpPr>
-            <a:spLocks noGrp="1"/>
-          </p:cNvSpPr>
-          <p:nvPr>
-            <p:ph idx="1"/>
-          </p:nvPr>
-        </p:nvSpPr>
-        <p:spPr>
-          <a:xfrm>
-            <a:off x="472336" y="1981200"/>
-            <a:ext cx="5961121" cy="4757057"/>
-          </a:xfrm>
-        </p:spPr>
-        <p:txBody>
-          <a:bodyPr anchor="t">
-            <a:normAutofit/>
-          </a:bodyPr>
-          <a:lstStyle/>
-          <a:p>
-            <a:r>
-              <a:rPr lang="en-US" sz="2000" dirty="0"/>
-              <a:t>Paper title – ‘Auto Scaling Virtual Machines for Web Applications with Queueing Theory’</a:t>
-            </a:r>
-          </a:p>
-          <a:p>
-            <a:r>
-              <a:rPr lang="en-US" sz="2000" dirty="0"/>
-              <a:t>Goal: to address the inconsistent usage of reserved resources</a:t>
-            </a:r>
-          </a:p>
-          <a:p>
-            <a:r>
-              <a:rPr lang="en-US" sz="2000" dirty="0"/>
-              <a:t>Number of access to a web application fluctuate over time.</a:t>
-            </a:r>
-          </a:p>
-          <a:p>
-            <a:r>
-              <a:rPr lang="en-US" sz="2000" dirty="0"/>
-              <a:t>Peak-valley phenomenon: “ The amount of reserved resources is often proportional to the peak needed of physical resources,  while most of the time the required resources is far below the peak load and thus physical servers will be idle most of the time”</a:t>
-            </a:r>
-          </a:p>
-          <a:p>
-            <a:endParaRPr lang="en-US" sz="2000" dirty="0"/>
-          </a:p>
-        </p:txBody>
-      </p:sp>
-      <p:pic>
-        <p:nvPicPr>
-          <p:cNvPr id="1026" name="Picture 2"/>
-          <p:cNvPicPr>
-            <a:picLocks noChangeAspect="1" noChangeArrowheads="1"/>
-          </p:cNvPicPr>
-          <p:nvPr/>
-        </p:nvPicPr>
-        <p:blipFill>
-          <a:blip r:embed="rId2">
-            <a:extLst>
-              <a:ext uri="{28A0092B-C50C-407E-A947-70E740481C1C}">
-                <a14:useLocalDpi xmlns:a14="http://schemas.microsoft.com/office/drawing/2010/main" val="0"/>
-              </a:ext>
-            </a:extLst>
-          </a:blip>
-          <a:srcRect/>
-          <a:stretch>
-            <a:fillRect/>
-          </a:stretch>
-        </p:blipFill>
-        <p:spPr bwMode="auto">
-          <a:xfrm>
-            <a:off x="6618514" y="2318166"/>
-            <a:ext cx="5407713" cy="3342405"/>
-          </a:xfrm>
-          <a:prstGeom prst="rect">
-            <a:avLst/>
-          </a:prstGeom>
-          <a:noFill/>
-          <a:ln>
-            <a:noFill/>
-          </a:ln>
-          <a:extLst>
-            <a:ext uri="{909E8E84-426E-40DD-AFC4-6F175D3DCCD1}">
-              <a14:hiddenFill xmlns:a14="http://schemas.microsoft.com/office/drawing/2010/main">
-                <a:solidFill>
-                  <a:schemeClr val="accent1"/>
-                </a:solidFill>
-              </a14:hiddenFill>
-            </a:ext>
-            <a:ext uri="{91240B29-F687-4F45-9708-019B960494DF}">
-              <a14:hiddenLine xmlns:a14="http://schemas.microsoft.com/office/drawing/2010/main" w="9525">
-                <a:solidFill>
-                  <a:schemeClr val="tx1"/>
-                </a:solidFill>
-                <a:miter lim="800000"/>
-                <a:headEnd/>
-                <a:tailEnd/>
-              </a14:hiddenLine>
-            </a:ext>
-          </a:extLst>
-        </p:spPr>
-      </p:pic>
-      <p:sp>
-        <p:nvSpPr>
-          <p:cNvPr id="9" name="Slide Number Placeholder 8">
-            <a:extLst>
-              <a:ext uri="{FF2B5EF4-FFF2-40B4-BE49-F238E27FC236}">
-                <a16:creationId xmlns:a16="http://schemas.microsoft.com/office/drawing/2014/main" id="{7904F4A0-C061-4C24-865C-2CFA7F108E78}"/>
-              </a:ext>
-            </a:extLst>
-          </p:cNvPr>
-          <p:cNvSpPr>
-            <a:spLocks noGrp="1"/>
-          </p:cNvSpPr>
-          <p:nvPr>
-            <p:ph type="sldNum" sz="quarter" idx="12"/>
-          </p:nvPr>
-        </p:nvSpPr>
-        <p:spPr/>
-        <p:txBody>
-          <a:bodyPr/>
-          <a:lstStyle/>
-          <a:p>
-            <a:fld id="{3352CBF5-17B8-4387-88A6-ABF9F8C64D5A}" type="slidenum">
-              <a:rPr lang="en-US" smtClean="0"/>
-              <a:t>16</a:t>
-            </a:fld>
-            <a:endParaRPr lang="en-US"/>
-          </a:p>
-        </p:txBody>
-      </p:sp>
-    </p:spTree>
-    <p:extLst>
-      <p:ext uri="{BB962C8B-B14F-4D97-AF65-F5344CB8AC3E}">
-        <p14:creationId xmlns:p14="http://schemas.microsoft.com/office/powerpoint/2010/main" val="1729317024"/>
-      </p:ext>
-    </p:extLst>
-  </p:cSld>
-  <p:clrMapOvr>
-    <a:masterClrMapping/>
-  </p:clrMapOvr>
-</p:sld>
-</file>
-
-<file path=ppt/slides/slide17.xml><?xml version="1.0" encoding="utf-8"?>
-<p:sld xmlns:a="http://schemas.openxmlformats.org/drawingml/2006/main" xmlns:r="http://schemas.openxmlformats.org/officeDocument/2006/relationships" xmlns:p="http://schemas.openxmlformats.org/presentationml/2006/main">
-  <p:cSld>
-    <p:spTree>
-      <p:nvGrpSpPr>
-        <p:cNvPr id="1" name=""/>
-        <p:cNvGrpSpPr/>
-        <p:nvPr/>
-      </p:nvGrpSpPr>
-      <p:grpSpPr>
-        <a:xfrm>
-          <a:off x="0" y="0"/>
-          <a:ext cx="0" cy="0"/>
-          <a:chOff x="0" y="0"/>
-          <a:chExt cx="0" cy="0"/>
-        </a:xfrm>
-      </p:grpSpPr>
-      <p:sp>
-        <p:nvSpPr>
-          <p:cNvPr id="2" name="Title 1"/>
-          <p:cNvSpPr>
-            <a:spLocks noGrp="1"/>
-          </p:cNvSpPr>
-          <p:nvPr>
-            <p:ph type="title"/>
-          </p:nvPr>
-        </p:nvSpPr>
-        <p:spPr/>
-        <p:txBody>
-          <a:bodyPr/>
-          <a:lstStyle/>
-          <a:p>
-            <a:r>
-              <a:rPr lang="en-US" cap="none" dirty="0"/>
-              <a:t>Review Paper – Brief Description (2/4)</a:t>
-            </a:r>
-          </a:p>
-        </p:txBody>
-      </p:sp>
-      <p:sp>
-        <p:nvSpPr>
-          <p:cNvPr id="3" name="Content Placeholder 2"/>
-          <p:cNvSpPr>
-            <a:spLocks noGrp="1"/>
-          </p:cNvSpPr>
-          <p:nvPr>
-            <p:ph idx="1"/>
-          </p:nvPr>
-        </p:nvSpPr>
-        <p:spPr>
-          <a:xfrm>
-            <a:off x="472336" y="1981200"/>
-            <a:ext cx="6026435" cy="4757057"/>
-          </a:xfrm>
-        </p:spPr>
-        <p:txBody>
-          <a:bodyPr anchor="t">
-            <a:normAutofit/>
-          </a:bodyPr>
-          <a:lstStyle/>
-          <a:p>
-            <a:r>
-              <a:rPr lang="en-US" sz="2000" dirty="0"/>
-              <a:t>Queuing model: M/M/C</a:t>
-            </a:r>
-          </a:p>
-          <a:p>
-            <a:pPr lvl="1">
-              <a:buFont typeface="Wingdings" panose="05000000000000000000" pitchFamily="2" charset="2"/>
-              <a:buChar char="v"/>
-            </a:pPr>
-            <a:r>
-              <a:rPr lang="en-US" sz="1800" dirty="0"/>
-              <a:t>Request arrival time (M): follows a Poisson distribution</a:t>
-            </a:r>
-          </a:p>
-          <a:p>
-            <a:pPr lvl="1">
-              <a:buFont typeface="Wingdings" panose="05000000000000000000" pitchFamily="2" charset="2"/>
-              <a:buChar char="v"/>
-            </a:pPr>
-            <a:r>
-              <a:rPr lang="en-US" sz="1800" dirty="0"/>
-              <a:t>Service time (M): follows an exponential distribution</a:t>
-            </a:r>
-          </a:p>
-          <a:p>
-            <a:pPr lvl="1">
-              <a:buFont typeface="Wingdings" panose="05000000000000000000" pitchFamily="2" charset="2"/>
-              <a:buChar char="v"/>
-            </a:pPr>
-            <a:r>
-              <a:rPr lang="en-US" sz="1800" dirty="0"/>
-              <a:t>Number of servers (C) </a:t>
-            </a:r>
-          </a:p>
-          <a:p>
-            <a:r>
-              <a:rPr lang="en-US" sz="2000" dirty="0"/>
-              <a:t>In practice such system is called “ a system with a multi service of a queuing model M/M/C</a:t>
-            </a:r>
-          </a:p>
-          <a:p>
-            <a:r>
-              <a:rPr lang="en-US" sz="2000" dirty="0"/>
-              <a:t>The system includes a Load Balancer (LB)</a:t>
-            </a:r>
-          </a:p>
-        </p:txBody>
-      </p:sp>
-      <p:pic>
-        <p:nvPicPr>
-          <p:cNvPr id="1026" name="Picture 2"/>
-          <p:cNvPicPr>
-            <a:picLocks noChangeAspect="1" noChangeArrowheads="1"/>
-          </p:cNvPicPr>
-          <p:nvPr/>
-        </p:nvPicPr>
-        <p:blipFill>
-          <a:blip r:embed="rId2">
-            <a:extLst>
-              <a:ext uri="{28A0092B-C50C-407E-A947-70E740481C1C}">
-                <a14:useLocalDpi xmlns:a14="http://schemas.microsoft.com/office/drawing/2010/main" val="0"/>
-              </a:ext>
-            </a:extLst>
-          </a:blip>
-          <a:srcRect/>
-          <a:stretch>
-            <a:fillRect/>
-          </a:stretch>
-        </p:blipFill>
-        <p:spPr bwMode="auto">
-          <a:xfrm>
-            <a:off x="6496024" y="2242458"/>
-            <a:ext cx="5530203" cy="3418114"/>
-          </a:xfrm>
-          <a:prstGeom prst="rect">
-            <a:avLst/>
-          </a:prstGeom>
-          <a:noFill/>
-          <a:ln>
-            <a:noFill/>
-          </a:ln>
-          <a:extLst>
-            <a:ext uri="{909E8E84-426E-40DD-AFC4-6F175D3DCCD1}">
-              <a14:hiddenFill xmlns:a14="http://schemas.microsoft.com/office/drawing/2010/main">
-                <a:solidFill>
-                  <a:schemeClr val="accent1"/>
-                </a:solidFill>
-              </a14:hiddenFill>
-            </a:ext>
-            <a:ext uri="{91240B29-F687-4F45-9708-019B960494DF}">
-              <a14:hiddenLine xmlns:a14="http://schemas.microsoft.com/office/drawing/2010/main" w="9525">
-                <a:solidFill>
-                  <a:schemeClr val="tx1"/>
-                </a:solidFill>
-                <a:miter lim="800000"/>
-                <a:headEnd/>
-                <a:tailEnd/>
-              </a14:hiddenLine>
-            </a:ext>
-          </a:extLst>
-        </p:spPr>
-      </p:pic>
-      <p:sp>
-        <p:nvSpPr>
-          <p:cNvPr id="9" name="Slide Number Placeholder 8">
-            <a:extLst>
-              <a:ext uri="{FF2B5EF4-FFF2-40B4-BE49-F238E27FC236}">
-                <a16:creationId xmlns:a16="http://schemas.microsoft.com/office/drawing/2014/main" id="{7904F4A0-C061-4C24-865C-2CFA7F108E78}"/>
-              </a:ext>
-            </a:extLst>
-          </p:cNvPr>
-          <p:cNvSpPr>
-            <a:spLocks noGrp="1"/>
-          </p:cNvSpPr>
-          <p:nvPr>
-            <p:ph type="sldNum" sz="quarter" idx="12"/>
-          </p:nvPr>
-        </p:nvSpPr>
-        <p:spPr/>
-        <p:txBody>
-          <a:bodyPr/>
-          <a:lstStyle/>
-          <a:p>
-            <a:fld id="{3352CBF5-17B8-4387-88A6-ABF9F8C64D5A}" type="slidenum">
-              <a:rPr lang="en-US" smtClean="0"/>
-              <a:t>17</a:t>
-            </a:fld>
-            <a:endParaRPr lang="en-US"/>
-          </a:p>
-        </p:txBody>
-      </p:sp>
-    </p:spTree>
-    <p:extLst>
-      <p:ext uri="{BB962C8B-B14F-4D97-AF65-F5344CB8AC3E}">
-        <p14:creationId xmlns:p14="http://schemas.microsoft.com/office/powerpoint/2010/main" val="2867395795"/>
-      </p:ext>
-    </p:extLst>
-  </p:cSld>
-  <p:clrMapOvr>
-    <a:masterClrMapping/>
-  </p:clrMapOvr>
-</p:sld>
-</file>
-
-<file path=ppt/slides/slide18.xml><?xml version="1.0" encoding="utf-8"?>
-<p:sld xmlns:a="http://schemas.openxmlformats.org/drawingml/2006/main" xmlns:r="http://schemas.openxmlformats.org/officeDocument/2006/relationships" xmlns:p="http://schemas.openxmlformats.org/presentationml/2006/main">
-  <p:cSld>
-    <p:spTree>
-      <p:nvGrpSpPr>
-        <p:cNvPr id="1" name=""/>
-        <p:cNvGrpSpPr/>
-        <p:nvPr/>
-      </p:nvGrpSpPr>
-      <p:grpSpPr>
-        <a:xfrm>
-          <a:off x="0" y="0"/>
-          <a:ext cx="0" cy="0"/>
-          <a:chOff x="0" y="0"/>
-          <a:chExt cx="0" cy="0"/>
-        </a:xfrm>
-      </p:grpSpPr>
-      <p:sp>
-        <p:nvSpPr>
-          <p:cNvPr id="2" name="Title 1">
-            <a:extLst>
-              <a:ext uri="{FF2B5EF4-FFF2-40B4-BE49-F238E27FC236}">
-                <a16:creationId xmlns:a16="http://schemas.microsoft.com/office/drawing/2014/main" id="{94CBB7D5-FF5C-46D6-AEAE-0001A3B44415}"/>
-              </a:ext>
-            </a:extLst>
-          </p:cNvPr>
-          <p:cNvSpPr>
-            <a:spLocks noGrp="1"/>
-          </p:cNvSpPr>
-          <p:nvPr>
-            <p:ph type="title"/>
-          </p:nvPr>
-        </p:nvSpPr>
-        <p:spPr/>
-        <p:txBody>
-          <a:bodyPr/>
-          <a:lstStyle/>
-          <a:p>
-            <a:r>
-              <a:rPr lang="en-US" cap="none" dirty="0"/>
-              <a:t>Review Paper – Brief Description (3/4)</a:t>
-            </a:r>
-            <a:endParaRPr lang="en-GB" dirty="0"/>
-          </a:p>
-        </p:txBody>
-      </p:sp>
-      <p:sp>
-        <p:nvSpPr>
-          <p:cNvPr id="3" name="Content Placeholder 2"/>
-          <p:cNvSpPr>
-            <a:spLocks noGrp="1"/>
-          </p:cNvSpPr>
-          <p:nvPr>
-            <p:ph idx="1"/>
-          </p:nvPr>
-        </p:nvSpPr>
-        <p:spPr>
-          <a:xfrm>
-            <a:off x="446315" y="1992086"/>
-            <a:ext cx="11277599" cy="4329176"/>
-          </a:xfrm>
-        </p:spPr>
-        <p:txBody>
-          <a:bodyPr anchor="t">
-            <a:normAutofit lnSpcReduction="10000"/>
-          </a:bodyPr>
-          <a:lstStyle/>
-          <a:p>
-            <a:r>
-              <a:rPr lang="en-US" sz="2000" dirty="0"/>
-              <a:t>Using the mathematics and the of queue theory and the performance metrics of the system the authors defined equations that computes:</a:t>
-            </a:r>
-          </a:p>
-          <a:p>
-            <a:pPr lvl="1">
-              <a:buFont typeface="Wingdings" panose="05000000000000000000" pitchFamily="2" charset="2"/>
-              <a:buChar char="v"/>
-            </a:pPr>
-            <a:r>
-              <a:rPr lang="en-US" sz="1800" dirty="0"/>
-              <a:t>Idle probability of the system</a:t>
-            </a:r>
-          </a:p>
-          <a:p>
-            <a:pPr lvl="1">
-              <a:buFont typeface="Wingdings" panose="05000000000000000000" pitchFamily="2" charset="2"/>
-              <a:buChar char="v"/>
-            </a:pPr>
-            <a:r>
-              <a:rPr lang="en-US" sz="1800" dirty="0"/>
-              <a:t>Average number of requests in a queue</a:t>
-            </a:r>
-          </a:p>
-          <a:p>
-            <a:pPr lvl="1">
-              <a:buFont typeface="Wingdings" panose="05000000000000000000" pitchFamily="2" charset="2"/>
-              <a:buChar char="v"/>
-            </a:pPr>
-            <a:r>
-              <a:rPr lang="en-US" sz="1800" dirty="0"/>
-              <a:t>Average number of requests handled by the system</a:t>
-            </a:r>
-          </a:p>
-          <a:p>
-            <a:pPr lvl="1">
-              <a:buFont typeface="Wingdings" panose="05000000000000000000" pitchFamily="2" charset="2"/>
-              <a:buChar char="v"/>
-            </a:pPr>
-            <a:r>
-              <a:rPr lang="en-US" sz="1800" dirty="0"/>
-              <a:t>Expected wait time in the queue</a:t>
-            </a:r>
-          </a:p>
-          <a:p>
-            <a:pPr lvl="1">
-              <a:buFont typeface="Wingdings" panose="05000000000000000000" pitchFamily="2" charset="2"/>
-              <a:buChar char="v"/>
-            </a:pPr>
-            <a:r>
-              <a:rPr lang="en-US" sz="1800" dirty="0"/>
-              <a:t>Expected wait time in the system</a:t>
-            </a:r>
-          </a:p>
-          <a:p>
-            <a:r>
-              <a:rPr lang="en-US" sz="2000" dirty="0"/>
-              <a:t>The Problem: given a system state how to decrease the demand of resources and the waiting time in the queue</a:t>
-            </a:r>
-          </a:p>
-          <a:p>
-            <a:r>
-              <a:rPr lang="en-US" sz="2000" dirty="0"/>
-              <a:t>The proposed resource allocation function: computes optimal number of resources V</a:t>
-            </a:r>
-            <a:r>
-              <a:rPr lang="en-US" sz="1400" dirty="0"/>
-              <a:t>t+1</a:t>
-            </a:r>
-            <a:r>
-              <a:rPr lang="en-US" sz="2400" dirty="0"/>
-              <a:t> </a:t>
-            </a:r>
-            <a:r>
-              <a:rPr lang="en-US" sz="2000" dirty="0"/>
-              <a:t>in time interval t+1</a:t>
-            </a:r>
-          </a:p>
-          <a:p>
-            <a:pPr lvl="1"/>
-            <a:endParaRPr lang="en-US" dirty="0"/>
-          </a:p>
-          <a:p>
-            <a:endParaRPr lang="en-US" dirty="0"/>
-          </a:p>
-          <a:p>
-            <a:pPr lvl="1"/>
-            <a:endParaRPr lang="en-US" dirty="0"/>
-          </a:p>
-          <a:p>
-            <a:endParaRPr lang="en-US" dirty="0"/>
-          </a:p>
-        </p:txBody>
-      </p:sp>
-      <p:sp>
-        <p:nvSpPr>
-          <p:cNvPr id="8" name="Slide Number Placeholder 7">
-            <a:extLst>
-              <a:ext uri="{FF2B5EF4-FFF2-40B4-BE49-F238E27FC236}">
-                <a16:creationId xmlns:a16="http://schemas.microsoft.com/office/drawing/2014/main" id="{EBD8F06C-B9E4-4F99-84A5-368ABC29F35A}"/>
-              </a:ext>
-            </a:extLst>
-          </p:cNvPr>
-          <p:cNvSpPr>
-            <a:spLocks noGrp="1"/>
-          </p:cNvSpPr>
-          <p:nvPr>
-            <p:ph type="sldNum" sz="quarter" idx="12"/>
-          </p:nvPr>
-        </p:nvSpPr>
-        <p:spPr/>
-        <p:txBody>
-          <a:bodyPr/>
-          <a:lstStyle/>
-          <a:p>
-            <a:fld id="{3352CBF5-17B8-4387-88A6-ABF9F8C64D5A}" type="slidenum">
-              <a:rPr lang="en-US" smtClean="0"/>
-              <a:t>18</a:t>
-            </a:fld>
-            <a:endParaRPr lang="en-US"/>
-          </a:p>
-        </p:txBody>
-      </p:sp>
-      <p:pic>
-        <p:nvPicPr>
-          <p:cNvPr id="2051" name="Picture 3"/>
-          <p:cNvPicPr>
-            <a:picLocks noChangeAspect="1" noChangeArrowheads="1"/>
-          </p:cNvPicPr>
-          <p:nvPr/>
-        </p:nvPicPr>
-        <p:blipFill>
-          <a:blip r:embed="rId2">
-            <a:extLst>
-              <a:ext uri="{28A0092B-C50C-407E-A947-70E740481C1C}">
-                <a14:useLocalDpi xmlns:a14="http://schemas.microsoft.com/office/drawing/2010/main" val="0"/>
-              </a:ext>
-            </a:extLst>
-          </a:blip>
-          <a:srcRect/>
-          <a:stretch>
-            <a:fillRect/>
-          </a:stretch>
-        </p:blipFill>
-        <p:spPr bwMode="auto">
-          <a:xfrm>
-            <a:off x="4133850" y="5814849"/>
-            <a:ext cx="3924300" cy="647700"/>
-          </a:xfrm>
-          <a:prstGeom prst="rect">
-            <a:avLst/>
-          </a:prstGeom>
-          <a:noFill/>
-          <a:ln>
-            <a:noFill/>
-          </a:ln>
-          <a:extLst>
-            <a:ext uri="{909E8E84-426E-40DD-AFC4-6F175D3DCCD1}">
-              <a14:hiddenFill xmlns:a14="http://schemas.microsoft.com/office/drawing/2010/main">
-                <a:solidFill>
-                  <a:schemeClr val="accent1"/>
-                </a:solidFill>
-              </a14:hiddenFill>
-            </a:ext>
-            <a:ext uri="{91240B29-F687-4F45-9708-019B960494DF}">
-              <a14:hiddenLine xmlns:a14="http://schemas.microsoft.com/office/drawing/2010/main" w="9525">
-                <a:solidFill>
-                  <a:schemeClr val="tx1"/>
-                </a:solidFill>
-                <a:miter lim="800000"/>
-                <a:headEnd/>
-                <a:tailEnd/>
-              </a14:hiddenLine>
-            </a:ext>
-          </a:extLst>
-        </p:spPr>
-      </p:pic>
-    </p:spTree>
-    <p:extLst>
-      <p:ext uri="{BB962C8B-B14F-4D97-AF65-F5344CB8AC3E}">
-        <p14:creationId xmlns:p14="http://schemas.microsoft.com/office/powerpoint/2010/main" val="3923610947"/>
-      </p:ext>
-    </p:extLst>
-  </p:cSld>
-  <p:clrMapOvr>
-    <a:masterClrMapping/>
-  </p:clrMapOvr>
-</p:sld>
-</file>
-
-<file path=ppt/slides/slide19.xml><?xml version="1.0" encoding="utf-8"?>
-<p:sld xmlns:a="http://schemas.openxmlformats.org/drawingml/2006/main" xmlns:r="http://schemas.openxmlformats.org/officeDocument/2006/relationships" xmlns:p="http://schemas.openxmlformats.org/presentationml/2006/main">
-  <p:cSld>
-    <p:spTree>
-      <p:nvGrpSpPr>
-        <p:cNvPr id="1" name=""/>
-        <p:cNvGrpSpPr/>
-        <p:nvPr/>
-      </p:nvGrpSpPr>
-      <p:grpSpPr>
-        <a:xfrm>
-          <a:off x="0" y="0"/>
-          <a:ext cx="0" cy="0"/>
-          <a:chOff x="0" y="0"/>
-          <a:chExt cx="0" cy="0"/>
-        </a:xfrm>
-      </p:grpSpPr>
-      <p:sp>
-        <p:nvSpPr>
-          <p:cNvPr id="2" name="Title 1">
-            <a:extLst>
-              <a:ext uri="{FF2B5EF4-FFF2-40B4-BE49-F238E27FC236}">
-                <a16:creationId xmlns:a16="http://schemas.microsoft.com/office/drawing/2014/main" id="{87D0D9A1-CF79-483A-B739-8AF970DB9B57}"/>
-              </a:ext>
-            </a:extLst>
-          </p:cNvPr>
-          <p:cNvSpPr>
-            <a:spLocks noGrp="1"/>
-          </p:cNvSpPr>
-          <p:nvPr>
-            <p:ph type="title"/>
-          </p:nvPr>
-        </p:nvSpPr>
-        <p:spPr/>
-        <p:txBody>
-          <a:bodyPr/>
-          <a:lstStyle/>
-          <a:p>
-            <a:r>
-              <a:rPr lang="en-US" cap="none" dirty="0"/>
-              <a:t>Review Paper – Brief Description (4/4)</a:t>
-            </a:r>
-          </a:p>
-        </p:txBody>
-      </p:sp>
-      <p:sp>
-        <p:nvSpPr>
-          <p:cNvPr id="3" name="Content Placeholder 2">
-            <a:extLst>
-              <a:ext uri="{FF2B5EF4-FFF2-40B4-BE49-F238E27FC236}">
-                <a16:creationId xmlns:a16="http://schemas.microsoft.com/office/drawing/2014/main" id="{396E0B82-CF8C-478F-B7D7-CAF41FB31FDC}"/>
-              </a:ext>
-            </a:extLst>
-          </p:cNvPr>
-          <p:cNvSpPr>
-            <a:spLocks noGrp="1"/>
-          </p:cNvSpPr>
-          <p:nvPr>
-            <p:ph idx="1"/>
-          </p:nvPr>
-        </p:nvSpPr>
-        <p:spPr>
-          <a:xfrm>
-            <a:off x="473529" y="1992086"/>
-            <a:ext cx="11244942" cy="4561114"/>
-          </a:xfrm>
-        </p:spPr>
-        <p:txBody>
-          <a:bodyPr anchor="t">
-            <a:normAutofit fontScale="92500" lnSpcReduction="10000"/>
-          </a:bodyPr>
-          <a:lstStyle/>
-          <a:p>
-            <a:r>
-              <a:rPr lang="en-US" sz="2000" dirty="0"/>
-              <a:t>Scale Up Or Down?</a:t>
-            </a:r>
-          </a:p>
-          <a:p>
-            <a:pPr lvl="1">
-              <a:buFont typeface="Wingdings" panose="05000000000000000000" pitchFamily="2" charset="2"/>
-              <a:buChar char="v"/>
-            </a:pPr>
-            <a:r>
-              <a:rPr lang="en-US" dirty="0"/>
-              <a:t> </a:t>
-            </a:r>
-            <a:r>
-              <a:rPr lang="en-US" sz="1800" dirty="0"/>
-              <a:t>If the optimal number of resources V</a:t>
-            </a:r>
-            <a:r>
-              <a:rPr lang="en-US" sz="1000" dirty="0"/>
-              <a:t>t+1</a:t>
-            </a:r>
-            <a:r>
-              <a:rPr lang="en-US" sz="1800" dirty="0"/>
-              <a:t> &gt; current number of resources V then scale up otherwise scale down.</a:t>
-            </a:r>
-          </a:p>
-          <a:p>
-            <a:r>
-              <a:rPr lang="en-US" sz="2000" dirty="0"/>
-              <a:t>Scale Up :</a:t>
-            </a:r>
-          </a:p>
-          <a:p>
-            <a:pPr lvl="1">
-              <a:buFont typeface="Wingdings" panose="05000000000000000000" pitchFamily="2" charset="2"/>
-              <a:buChar char="v"/>
-            </a:pPr>
-            <a:r>
-              <a:rPr lang="en-US" dirty="0"/>
-              <a:t>A heuristic algorithm used to determine which VM needs to be scaled and how much</a:t>
-            </a:r>
-          </a:p>
-          <a:p>
-            <a:pPr lvl="1">
-              <a:buFont typeface="Wingdings" panose="05000000000000000000" pitchFamily="2" charset="2"/>
-              <a:buChar char="v"/>
-            </a:pPr>
-            <a:r>
-              <a:rPr lang="en-US" dirty="0"/>
-              <a:t>A</a:t>
-            </a:r>
-            <a:r>
-              <a:rPr lang="en-US" sz="1400" dirty="0"/>
-              <a:t>i</a:t>
-            </a:r>
-            <a:r>
-              <a:rPr lang="en-US" sz="1800" dirty="0"/>
-              <a:t> the remaining resources in a </a:t>
-            </a:r>
-            <a:r>
-              <a:rPr lang="en-US" sz="1800" dirty="0" err="1"/>
-              <a:t>i-th</a:t>
-            </a:r>
-            <a:r>
-              <a:rPr lang="en-US" sz="1800" dirty="0"/>
-              <a:t> VM</a:t>
-            </a:r>
-          </a:p>
-          <a:p>
-            <a:pPr lvl="1">
-              <a:buFont typeface="Wingdings" panose="05000000000000000000" pitchFamily="2" charset="2"/>
-              <a:buChar char="v"/>
-            </a:pPr>
-            <a:r>
-              <a:rPr lang="en-US" sz="1800" dirty="0"/>
-              <a:t>B is the maximum resources a VM can support</a:t>
-            </a:r>
-          </a:p>
-          <a:p>
-            <a:pPr lvl="1">
-              <a:buFont typeface="Wingdings" panose="05000000000000000000" pitchFamily="2" charset="2"/>
-              <a:buChar char="v"/>
-            </a:pPr>
-            <a:r>
-              <a:rPr lang="en-US" sz="1800" dirty="0"/>
-              <a:t>If A</a:t>
-            </a:r>
-            <a:r>
-              <a:rPr lang="en-US" sz="1400" dirty="0"/>
-              <a:t>i</a:t>
-            </a:r>
-            <a:r>
-              <a:rPr lang="en-US" sz="1800" dirty="0"/>
-              <a:t>&lt;B then scaling up is possible.</a:t>
-            </a:r>
-          </a:p>
-          <a:p>
-            <a:pPr lvl="1">
-              <a:buFont typeface="Wingdings" panose="05000000000000000000" pitchFamily="2" charset="2"/>
-              <a:buChar char="v"/>
-            </a:pPr>
-            <a:r>
-              <a:rPr lang="en-US" sz="1800" dirty="0"/>
-              <a:t>The average of A</a:t>
-            </a:r>
-            <a:r>
-              <a:rPr lang="en-US" sz="1400" dirty="0"/>
-              <a:t>i</a:t>
-            </a:r>
-            <a:r>
-              <a:rPr lang="en-US" sz="1800" dirty="0"/>
-              <a:t> is assigned to the VM, and A</a:t>
-            </a:r>
-            <a:r>
-              <a:rPr lang="en-US" sz="1400" dirty="0"/>
-              <a:t>i</a:t>
-            </a:r>
-            <a:r>
-              <a:rPr lang="en-US" sz="1800" dirty="0"/>
-              <a:t> is updated to the number of the remaining resources after scaling</a:t>
-            </a:r>
-          </a:p>
-          <a:p>
-            <a:r>
-              <a:rPr lang="en-US" sz="2200" dirty="0"/>
-              <a:t>Scale Down</a:t>
-            </a:r>
-          </a:p>
-          <a:p>
-            <a:pPr lvl="1">
-              <a:buFont typeface="Wingdings" panose="05000000000000000000" pitchFamily="2" charset="2"/>
-              <a:buChar char="v"/>
-            </a:pPr>
-            <a:r>
-              <a:rPr lang="en-US" sz="1900" dirty="0"/>
-              <a:t>Only horizontal scaling is considered.</a:t>
-            </a:r>
-          </a:p>
-          <a:p>
-            <a:pPr lvl="1">
-              <a:buFont typeface="Wingdings" panose="05000000000000000000" pitchFamily="2" charset="2"/>
-              <a:buChar char="v"/>
-            </a:pPr>
-            <a:r>
-              <a:rPr lang="en-US" sz="1900" dirty="0"/>
-              <a:t>It’s a 0-1 knapsack problem</a:t>
-            </a:r>
-          </a:p>
-          <a:p>
-            <a:pPr lvl="1">
-              <a:buFont typeface="Wingdings" panose="05000000000000000000" pitchFamily="2" charset="2"/>
-              <a:buChar char="v"/>
-            </a:pPr>
-            <a:r>
-              <a:rPr lang="en-US" sz="1900" dirty="0"/>
-              <a:t>A dynamic programming algorithm is used to determine which VMs to terminate</a:t>
-            </a:r>
-          </a:p>
-          <a:p>
-            <a:pPr>
-              <a:buFont typeface="Wingdings" panose="05000000000000000000" pitchFamily="2" charset="2"/>
-              <a:buChar char="v"/>
-            </a:pPr>
-            <a:endParaRPr lang="en-US" dirty="0"/>
-          </a:p>
-          <a:p>
-            <a:pPr marL="0" indent="0">
-              <a:buNone/>
-            </a:pPr>
-            <a:endParaRPr lang="en-US" dirty="0"/>
-          </a:p>
-        </p:txBody>
-      </p:sp>
-      <p:sp>
-        <p:nvSpPr>
-          <p:cNvPr id="9" name="Slide Number Placeholder 8">
-            <a:extLst>
-              <a:ext uri="{FF2B5EF4-FFF2-40B4-BE49-F238E27FC236}">
-                <a16:creationId xmlns:a16="http://schemas.microsoft.com/office/drawing/2014/main" id="{79E8403F-A4F6-414F-88C8-932DE841D8AC}"/>
-              </a:ext>
-            </a:extLst>
-          </p:cNvPr>
-          <p:cNvSpPr>
-            <a:spLocks noGrp="1"/>
-          </p:cNvSpPr>
-          <p:nvPr>
-            <p:ph type="sldNum" sz="quarter" idx="12"/>
-          </p:nvPr>
-        </p:nvSpPr>
-        <p:spPr/>
-        <p:txBody>
-          <a:bodyPr/>
-          <a:lstStyle/>
-          <a:p>
-            <a:fld id="{3352CBF5-17B8-4387-88A6-ABF9F8C64D5A}" type="slidenum">
-              <a:rPr lang="en-US" smtClean="0"/>
-              <a:t>19</a:t>
-            </a:fld>
-            <a:endParaRPr lang="en-US"/>
-          </a:p>
-        </p:txBody>
-      </p:sp>
-    </p:spTree>
-    <p:extLst>
-      <p:ext uri="{BB962C8B-B14F-4D97-AF65-F5344CB8AC3E}">
-        <p14:creationId xmlns:p14="http://schemas.microsoft.com/office/powerpoint/2010/main" val="2037636253"/>
-      </p:ext>
-    </p:extLst>
-  </p:cSld>
-  <p:clrMapOvr>
-    <a:masterClrMapping/>
-  </p:clrMapOvr>
-</p:sld>
-</file>
-
-<file path=ppt/slides/slide2.xml><?xml version="1.0" encoding="utf-8"?>
-<p:sld xmlns:a="http://schemas.openxmlformats.org/drawingml/2006/main" xmlns:r="http://schemas.openxmlformats.org/officeDocument/2006/relationships" xmlns:p="http://schemas.openxmlformats.org/presentationml/2006/main">
-  <p:cSld>
-    <p:spTree>
-      <p:nvGrpSpPr>
-        <p:cNvPr id="1" name=""/>
-        <p:cNvGrpSpPr/>
-        <p:nvPr/>
-      </p:nvGrpSpPr>
-      <p:grpSpPr>
-        <a:xfrm>
-          <a:off x="0" y="0"/>
-          <a:ext cx="0" cy="0"/>
-          <a:chOff x="0" y="0"/>
-          <a:chExt cx="0" cy="0"/>
-        </a:xfrm>
-      </p:grpSpPr>
-      <p:sp>
-        <p:nvSpPr>
-          <p:cNvPr id="2" name="Title 1"/>
-          <p:cNvSpPr>
-            <a:spLocks noGrp="1"/>
-          </p:cNvSpPr>
-          <p:nvPr>
-            <p:ph type="title"/>
-          </p:nvPr>
-        </p:nvSpPr>
-        <p:spPr/>
-        <p:txBody>
-          <a:bodyPr>
-            <a:normAutofit/>
-          </a:bodyPr>
-          <a:lstStyle/>
-          <a:p>
-            <a:r>
-              <a:rPr lang="en-US" cap="none" dirty="0"/>
-              <a:t>Outline</a:t>
-            </a:r>
-          </a:p>
-        </p:txBody>
-      </p:sp>
-      <p:sp>
-        <p:nvSpPr>
-          <p:cNvPr id="3" name="Content Placeholder 2"/>
-          <p:cNvSpPr>
-            <a:spLocks noGrp="1"/>
-          </p:cNvSpPr>
-          <p:nvPr>
-            <p:ph idx="1"/>
-          </p:nvPr>
-        </p:nvSpPr>
-        <p:spPr>
-          <a:xfrm>
-            <a:off x="458529" y="1996895"/>
-            <a:ext cx="11029616" cy="4324367"/>
-          </a:xfrm>
-        </p:spPr>
-        <p:txBody>
-          <a:bodyPr anchor="t">
-            <a:normAutofit/>
-          </a:bodyPr>
-          <a:lstStyle/>
-          <a:p>
-            <a:r>
-              <a:rPr lang="en-US" sz="2000" dirty="0"/>
-              <a:t>Introduction </a:t>
-            </a:r>
-          </a:p>
-          <a:p>
-            <a:r>
-              <a:rPr lang="en-US" sz="2000" dirty="0"/>
-              <a:t>Threshold based Techniques</a:t>
-            </a:r>
-          </a:p>
-          <a:p>
-            <a:r>
-              <a:rPr lang="en-US" sz="2000" dirty="0"/>
-              <a:t>Queuing Theory Techniques</a:t>
-            </a:r>
-          </a:p>
-          <a:p>
-            <a:r>
-              <a:rPr lang="en-US" sz="2000" dirty="0"/>
-              <a:t>Reinforcement Learning Techniques </a:t>
-            </a:r>
-          </a:p>
-          <a:p>
-            <a:r>
-              <a:rPr lang="en-US" sz="2000" dirty="0"/>
-              <a:t>Time Series Analysis Techniques</a:t>
-            </a:r>
-          </a:p>
-          <a:p>
-            <a:r>
-              <a:rPr lang="en-US" sz="2000" dirty="0"/>
-              <a:t>Evaluation of Techniques</a:t>
-            </a:r>
-          </a:p>
-          <a:p>
-            <a:r>
-              <a:rPr lang="en-US" sz="2000" dirty="0"/>
-              <a:t>Conclusion </a:t>
-            </a:r>
-          </a:p>
-          <a:p>
-            <a:pPr marL="0" indent="0">
-              <a:buNone/>
-            </a:pPr>
-            <a:endParaRPr sz="2000" dirty="0"/>
-          </a:p>
-        </p:txBody>
-      </p:sp>
-      <p:sp>
-        <p:nvSpPr>
-          <p:cNvPr id="9" name="Slide Number Placeholder 8">
-            <a:extLst>
-              <a:ext uri="{FF2B5EF4-FFF2-40B4-BE49-F238E27FC236}">
-                <a16:creationId xmlns:a16="http://schemas.microsoft.com/office/drawing/2014/main" id="{B88B7BD6-69E2-49EE-AFAC-AF83693030A1}"/>
-              </a:ext>
-            </a:extLst>
-          </p:cNvPr>
-          <p:cNvSpPr>
-            <a:spLocks noGrp="1"/>
-          </p:cNvSpPr>
-          <p:nvPr>
-            <p:ph type="sldNum" sz="quarter" idx="12"/>
-          </p:nvPr>
-        </p:nvSpPr>
-        <p:spPr/>
-        <p:txBody>
-          <a:bodyPr/>
-          <a:lstStyle/>
-          <a:p>
-            <a:fld id="{3352CBF5-17B8-4387-88A6-ABF9F8C64D5A}" type="slidenum">
-              <a:rPr lang="en-US" smtClean="0"/>
-              <a:t>2</a:t>
-            </a:fld>
-            <a:endParaRPr lang="en-US"/>
-          </a:p>
-        </p:txBody>
-      </p:sp>
-    </p:spTree>
-    <p:extLst>
-      <p:ext uri="{BB962C8B-B14F-4D97-AF65-F5344CB8AC3E}">
-        <p14:creationId xmlns:p14="http://schemas.microsoft.com/office/powerpoint/2010/main" val="1259731849"/>
-      </p:ext>
-    </p:extLst>
-  </p:cSld>
-  <p:clrMapOvr>
-    <a:masterClrMapping/>
-  </p:clrMapOvr>
-</p:sld>
-</file>
-
-<file path=ppt/slides/slide20.xml><?xml version="1.0" encoding="utf-8"?>
-<p:sld xmlns:a="http://schemas.openxmlformats.org/drawingml/2006/main" xmlns:r="http://schemas.openxmlformats.org/officeDocument/2006/relationships" xmlns:p="http://schemas.openxmlformats.org/presentationml/2006/main">
-  <p:cSld>
-    <p:spTree>
-      <p:nvGrpSpPr>
-        <p:cNvPr id="1" name=""/>
-        <p:cNvGrpSpPr/>
-        <p:nvPr/>
-      </p:nvGrpSpPr>
-      <p:grpSpPr>
-        <a:xfrm>
-          <a:off x="0" y="0"/>
-          <a:ext cx="0" cy="0"/>
-          <a:chOff x="0" y="0"/>
-          <a:chExt cx="0" cy="0"/>
-        </a:xfrm>
-      </p:grpSpPr>
-      <p:sp>
-        <p:nvSpPr>
-          <p:cNvPr id="2" name="Title 1">
-            <a:extLst>
-              <a:ext uri="{FF2B5EF4-FFF2-40B4-BE49-F238E27FC236}">
-                <a16:creationId xmlns:a16="http://schemas.microsoft.com/office/drawing/2014/main" id="{5917E6AE-EDC7-4E2D-8711-BFE211FB4C04}"/>
-              </a:ext>
-            </a:extLst>
-          </p:cNvPr>
-          <p:cNvSpPr>
-            <a:spLocks noGrp="1"/>
-          </p:cNvSpPr>
-          <p:nvPr>
-            <p:ph type="title"/>
-          </p:nvPr>
-        </p:nvSpPr>
-        <p:spPr/>
-        <p:txBody>
-          <a:bodyPr/>
-          <a:lstStyle/>
-          <a:p>
-            <a:r>
-              <a:rPr lang="en-US" cap="none" dirty="0"/>
-              <a:t>Strengths and Weaknesses</a:t>
-            </a:r>
-          </a:p>
-        </p:txBody>
-      </p:sp>
-      <p:sp>
-        <p:nvSpPr>
-          <p:cNvPr id="3" name="Content Placeholder 2">
-            <a:extLst>
-              <a:ext uri="{FF2B5EF4-FFF2-40B4-BE49-F238E27FC236}">
-                <a16:creationId xmlns:a16="http://schemas.microsoft.com/office/drawing/2014/main" id="{E674D328-0569-439A-B3A2-BCFFC33932D1}"/>
-              </a:ext>
-            </a:extLst>
-          </p:cNvPr>
-          <p:cNvSpPr>
-            <a:spLocks noGrp="1"/>
-          </p:cNvSpPr>
-          <p:nvPr>
-            <p:ph idx="1"/>
-          </p:nvPr>
-        </p:nvSpPr>
-        <p:spPr>
-          <a:xfrm>
-            <a:off x="461449" y="1996895"/>
-            <a:ext cx="11029616" cy="4501876"/>
-          </a:xfrm>
-        </p:spPr>
-        <p:txBody>
-          <a:bodyPr anchor="t"/>
-          <a:lstStyle/>
-          <a:p>
-            <a:r>
-              <a:rPr lang="en-US" sz="2000" dirty="0"/>
-              <a:t>Strengths</a:t>
-            </a:r>
-          </a:p>
-          <a:p>
-            <a:pPr lvl="1">
-              <a:buFont typeface="Wingdings" panose="05000000000000000000" pitchFamily="2" charset="2"/>
-              <a:buChar char="v"/>
-            </a:pPr>
-            <a:r>
-              <a:rPr lang="en-US" sz="1800" dirty="0"/>
-              <a:t>Makes use of queue theory simplicity</a:t>
-            </a:r>
-          </a:p>
-          <a:p>
-            <a:pPr lvl="1">
-              <a:buFont typeface="Wingdings" panose="05000000000000000000" pitchFamily="2" charset="2"/>
-              <a:buChar char="v"/>
-            </a:pPr>
-            <a:r>
-              <a:rPr lang="en-US" sz="1800" dirty="0"/>
-              <a:t>Resources are fully utilized, added when needed and removed when the load is low.</a:t>
-            </a:r>
-          </a:p>
-          <a:p>
-            <a:r>
-              <a:rPr lang="en-US" sz="2000" dirty="0"/>
-              <a:t>Weakness</a:t>
-            </a:r>
-          </a:p>
-          <a:p>
-            <a:pPr lvl="1">
-              <a:buFont typeface="Wingdings" panose="05000000000000000000" pitchFamily="2" charset="2"/>
-              <a:buChar char="v"/>
-            </a:pPr>
-            <a:r>
-              <a:rPr lang="en-US" sz="1800" dirty="0"/>
-              <a:t>Only suitable when the request arrival rate follows an exponential distribution.</a:t>
-            </a:r>
-          </a:p>
-          <a:p>
-            <a:pPr marL="324000" lvl="1" indent="0">
-              <a:buNone/>
-            </a:pPr>
-            <a:endParaRPr lang="en-US" dirty="0"/>
-          </a:p>
-        </p:txBody>
-      </p:sp>
-      <p:sp>
-        <p:nvSpPr>
-          <p:cNvPr id="9" name="Slide Number Placeholder 8">
-            <a:extLst>
-              <a:ext uri="{FF2B5EF4-FFF2-40B4-BE49-F238E27FC236}">
-                <a16:creationId xmlns:a16="http://schemas.microsoft.com/office/drawing/2014/main" id="{97E4F246-B7DB-439B-9EB4-99C5979F7053}"/>
-              </a:ext>
-            </a:extLst>
-          </p:cNvPr>
-          <p:cNvSpPr>
-            <a:spLocks noGrp="1"/>
-          </p:cNvSpPr>
-          <p:nvPr>
-            <p:ph type="sldNum" sz="quarter" idx="12"/>
-          </p:nvPr>
-        </p:nvSpPr>
-        <p:spPr/>
-        <p:txBody>
-          <a:bodyPr/>
-          <a:lstStyle/>
-          <a:p>
-            <a:fld id="{3352CBF5-17B8-4387-88A6-ABF9F8C64D5A}" type="slidenum">
-              <a:rPr lang="en-US" smtClean="0"/>
-              <a:t>20</a:t>
-            </a:fld>
-            <a:endParaRPr lang="en-US"/>
-          </a:p>
-        </p:txBody>
-      </p:sp>
-    </p:spTree>
-    <p:extLst>
-      <p:ext uri="{BB962C8B-B14F-4D97-AF65-F5344CB8AC3E}">
-        <p14:creationId xmlns:p14="http://schemas.microsoft.com/office/powerpoint/2010/main" val="2938637148"/>
-      </p:ext>
-    </p:extLst>
-  </p:cSld>
-  <p:clrMapOvr>
-    <a:masterClrMapping/>
-  </p:clrMapOvr>
-</p:sld>
-</file>
-
-<file path=ppt/slides/slide21.xml><?xml version="1.0" encoding="utf-8"?>
-<p:sld xmlns:a="http://schemas.openxmlformats.org/drawingml/2006/main" xmlns:r="http://schemas.openxmlformats.org/officeDocument/2006/relationships" xmlns:p="http://schemas.openxmlformats.org/presentationml/2006/main">
-  <p:cSld>
-    <p:spTree>
-      <p:nvGrpSpPr>
-        <p:cNvPr id="1" name=""/>
-        <p:cNvGrpSpPr/>
-        <p:nvPr/>
-      </p:nvGrpSpPr>
-      <p:grpSpPr>
-        <a:xfrm>
-          <a:off x="0" y="0"/>
-          <a:ext cx="0" cy="0"/>
-          <a:chOff x="0" y="0"/>
-          <a:chExt cx="0" cy="0"/>
-        </a:xfrm>
-      </p:grpSpPr>
-      <p:sp>
-        <p:nvSpPr>
-          <p:cNvPr id="4" name="Title 3">
-            <a:extLst>
-              <a:ext uri="{FF2B5EF4-FFF2-40B4-BE49-F238E27FC236}">
-                <a16:creationId xmlns:a16="http://schemas.microsoft.com/office/drawing/2014/main" id="{B5AA14DC-37F4-407D-8D2D-A64730DAA6A0}"/>
-              </a:ext>
-            </a:extLst>
-          </p:cNvPr>
-          <p:cNvSpPr>
-            <a:spLocks noGrp="1"/>
-          </p:cNvSpPr>
-          <p:nvPr>
-            <p:ph type="ctrTitle"/>
-          </p:nvPr>
-        </p:nvSpPr>
-        <p:spPr>
-          <a:xfrm>
-            <a:off x="447841" y="1020431"/>
-            <a:ext cx="11496509" cy="1932319"/>
-          </a:xfrm>
-        </p:spPr>
-        <p:txBody>
-          <a:bodyPr/>
-          <a:lstStyle/>
-          <a:p>
-            <a:r>
-              <a:rPr lang="en-US" cap="none" dirty="0"/>
-              <a:t>Reinforcement Learning based Technique</a:t>
-            </a:r>
-            <a:endParaRPr lang="en-GB" cap="none" dirty="0"/>
-          </a:p>
-        </p:txBody>
-      </p:sp>
-      <p:sp>
-        <p:nvSpPr>
-          <p:cNvPr id="7" name="Slide Number Placeholder 6">
-            <a:extLst>
-              <a:ext uri="{FF2B5EF4-FFF2-40B4-BE49-F238E27FC236}">
-                <a16:creationId xmlns:a16="http://schemas.microsoft.com/office/drawing/2014/main" id="{59D1F2A6-0268-410F-979B-FCE5D06CF370}"/>
-              </a:ext>
-            </a:extLst>
-          </p:cNvPr>
-          <p:cNvSpPr>
-            <a:spLocks noGrp="1"/>
-          </p:cNvSpPr>
-          <p:nvPr>
-            <p:ph type="sldNum" sz="quarter" idx="12"/>
-          </p:nvPr>
-        </p:nvSpPr>
-        <p:spPr/>
-        <p:txBody>
-          <a:bodyPr/>
-          <a:lstStyle/>
-          <a:p>
-            <a:fld id="{3352CBF5-17B8-4387-88A6-ABF9F8C64D5A}" type="slidenum">
-              <a:rPr lang="en-US" smtClean="0"/>
-              <a:t>21</a:t>
-            </a:fld>
-            <a:endParaRPr lang="en-US"/>
-          </a:p>
-        </p:txBody>
-      </p:sp>
-    </p:spTree>
-    <p:extLst>
-      <p:ext uri="{BB962C8B-B14F-4D97-AF65-F5344CB8AC3E}">
-        <p14:creationId xmlns:p14="http://schemas.microsoft.com/office/powerpoint/2010/main" val="2049983490"/>
-      </p:ext>
-    </p:extLst>
-  </p:cSld>
-  <p:clrMapOvr>
-    <a:masterClrMapping/>
-  </p:clrMapOvr>
-</p:sld>
-</file>
-
-<file path=ppt/slides/slide22.xml><?xml version="1.0" encoding="utf-8"?>
-<p:sld xmlns:a="http://schemas.openxmlformats.org/drawingml/2006/main" xmlns:r="http://schemas.openxmlformats.org/officeDocument/2006/relationships" xmlns:p="http://schemas.openxmlformats.org/presentationml/2006/main">
-  <p:cSld>
-    <p:spTree>
-      <p:nvGrpSpPr>
-        <p:cNvPr id="1" name=""/>
-        <p:cNvGrpSpPr/>
-        <p:nvPr/>
-      </p:nvGrpSpPr>
-      <p:grpSpPr>
-        <a:xfrm>
-          <a:off x="0" y="0"/>
-          <a:ext cx="0" cy="0"/>
-          <a:chOff x="0" y="0"/>
-          <a:chExt cx="0" cy="0"/>
-        </a:xfrm>
-      </p:grpSpPr>
-      <p:sp>
-        <p:nvSpPr>
-          <p:cNvPr id="2" name="Title 1"/>
-          <p:cNvSpPr>
-            <a:spLocks noGrp="1"/>
-          </p:cNvSpPr>
-          <p:nvPr>
-            <p:ph type="title"/>
-          </p:nvPr>
-        </p:nvSpPr>
-        <p:spPr/>
-        <p:txBody>
           <a:bodyPr>
             <a:normAutofit/>
           </a:bodyPr>
@@ -14604,11 +12093,7 @@
               <a:t>Agent - </a:t>
             </a:r>
             <a:r>
-              <a:rPr lang="en-GB" sz="1800" dirty="0">
-                <a:solidFill>
-                  <a:schemeClr val="dk1"/>
-                </a:solidFill>
-              </a:rPr>
+              <a:rPr lang="en-GB" sz="1800" dirty="0"/>
               <a:t>The auto scaler component in RL is known as the agent.</a:t>
             </a:r>
             <a:endParaRPr lang="en-US" sz="1800" dirty="0"/>
@@ -14704,7 +12189,7 @@
           <a:p>
             <a:fld id="{3352CBF5-17B8-4387-88A6-ABF9F8C64D5A}" type="slidenum">
               <a:rPr lang="en-US" smtClean="0"/>
-              <a:t>22</a:t>
+              <a:t>15</a:t>
             </a:fld>
             <a:endParaRPr lang="en-US"/>
           </a:p>
@@ -14797,7 +12282,7 @@
 </p:sld>
 </file>
 
-<file path=ppt/slides/slide23.xml><?xml version="1.0" encoding="utf-8"?>
+<file path=ppt/slides/slide16.xml><?xml version="1.0" encoding="utf-8"?>
 <p:sld xmlns:a="http://schemas.openxmlformats.org/drawingml/2006/main" xmlns:r="http://schemas.openxmlformats.org/officeDocument/2006/relationships" xmlns:p="http://schemas.openxmlformats.org/presentationml/2006/main">
   <p:cSld>
     <p:spTree>
@@ -15378,7 +12863,7 @@
           <a:p>
             <a:fld id="{3352CBF5-17B8-4387-88A6-ABF9F8C64D5A}" type="slidenum">
               <a:rPr lang="en-US" smtClean="0"/>
-              <a:t>23</a:t>
+              <a:t>16</a:t>
             </a:fld>
             <a:endParaRPr lang="en-US"/>
           </a:p>
@@ -15802,6 +13287,1160 @@
 </p:sld>
 </file>
 
+<file path=ppt/slides/slide17.xml><?xml version="1.0" encoding="utf-8"?>
+<p:sld xmlns:a="http://schemas.openxmlformats.org/drawingml/2006/main" xmlns:r="http://schemas.openxmlformats.org/officeDocument/2006/relationships" xmlns:p="http://schemas.openxmlformats.org/presentationml/2006/main">
+  <p:cSld>
+    <p:spTree>
+      <p:nvGrpSpPr>
+        <p:cNvPr id="1" name=""/>
+        <p:cNvGrpSpPr/>
+        <p:nvPr/>
+      </p:nvGrpSpPr>
+      <p:grpSpPr>
+        <a:xfrm>
+          <a:off x="0" y="0"/>
+          <a:ext cx="0" cy="0"/>
+          <a:chOff x="0" y="0"/>
+          <a:chExt cx="0" cy="0"/>
+        </a:xfrm>
+      </p:grpSpPr>
+      <p:sp>
+        <p:nvSpPr>
+          <p:cNvPr id="2" name="Title 1"/>
+          <p:cNvSpPr>
+            <a:spLocks noGrp="1"/>
+          </p:cNvSpPr>
+          <p:nvPr>
+            <p:ph type="title"/>
+          </p:nvPr>
+        </p:nvSpPr>
+        <p:spPr/>
+        <p:txBody>
+          <a:bodyPr>
+            <a:normAutofit/>
+          </a:bodyPr>
+          <a:lstStyle/>
+          <a:p>
+            <a:r>
+              <a:rPr lang="en-US" cap="none" dirty="0"/>
+              <a:t>Review Paper – Brief Description (1/3)</a:t>
+            </a:r>
+          </a:p>
+        </p:txBody>
+      </p:sp>
+      <p:sp>
+        <p:nvSpPr>
+          <p:cNvPr id="3" name="Content Placeholder 2"/>
+          <p:cNvSpPr>
+            <a:spLocks noGrp="1"/>
+          </p:cNvSpPr>
+          <p:nvPr>
+            <p:ph idx="1"/>
+          </p:nvPr>
+        </p:nvSpPr>
+        <p:spPr>
+          <a:xfrm>
+            <a:off x="464767" y="1715956"/>
+            <a:ext cx="11262466" cy="4638675"/>
+          </a:xfrm>
+        </p:spPr>
+        <p:txBody>
+          <a:bodyPr anchor="t">
+            <a:normAutofit/>
+          </a:bodyPr>
+          <a:lstStyle/>
+          <a:p>
+            <a:pPr marL="0" indent="0">
+              <a:buNone/>
+            </a:pPr>
+            <a:endParaRPr lang="en-GB" sz="2000" dirty="0"/>
+          </a:p>
+          <a:p>
+            <a:r>
+              <a:rPr lang="en-GB" sz="2000" dirty="0"/>
+              <a:t>Paper title – ‘Unsupervised Learning of Dynamic Resource Provisioning Policies for Cloud - hosted Multitier Web Applications.’ - Iqbal et. Al </a:t>
+            </a:r>
+          </a:p>
+          <a:p>
+            <a:r>
+              <a:rPr lang="en-GB" sz="2000" dirty="0"/>
+              <a:t>They addressed auto scaling using RL for multi-layer web application. </a:t>
+            </a:r>
+          </a:p>
+          <a:p>
+            <a:r>
+              <a:rPr lang="en-GB" sz="2000" dirty="0"/>
+              <a:t>Their proposed solution - complete auto scaler - both workload pattern prediction and resource provisioning policy learning. </a:t>
+            </a:r>
+          </a:p>
+          <a:p>
+            <a:r>
+              <a:rPr lang="en-GB" sz="2000" dirty="0"/>
+              <a:t>For policy learning part - adaptive resource allocation for every tier - online unsupervised method for policy learning. </a:t>
+            </a:r>
+          </a:p>
+          <a:p>
+            <a:r>
+              <a:rPr lang="en-GB" sz="2000" dirty="0"/>
+              <a:t>Policies – set learning agent to use a simplistic method to find the policies that maximizes the objective function and thus the reward – it does so by predicting the value of each possible action.</a:t>
+            </a:r>
+          </a:p>
+          <a:p>
+            <a:r>
+              <a:rPr lang="en-GB" sz="2000" dirty="0"/>
+              <a:t>Only does vertical scaling - scaling process is triggered when an SLA violation is encountered. </a:t>
+            </a:r>
+          </a:p>
+          <a:p>
+            <a:endParaRPr lang="en-GB" sz="2000" dirty="0"/>
+          </a:p>
+        </p:txBody>
+      </p:sp>
+    </p:spTree>
+    <p:extLst>
+      <p:ext uri="{BB962C8B-B14F-4D97-AF65-F5344CB8AC3E}">
+        <p14:creationId xmlns:p14="http://schemas.microsoft.com/office/powerpoint/2010/main" val="4004755418"/>
+      </p:ext>
+    </p:extLst>
+  </p:cSld>
+  <p:clrMapOvr>
+    <a:masterClrMapping/>
+  </p:clrMapOvr>
+</p:sld>
+</file>
+
+<file path=ppt/slides/slide18.xml><?xml version="1.0" encoding="utf-8"?>
+<p:sld xmlns:a="http://schemas.openxmlformats.org/drawingml/2006/main" xmlns:r="http://schemas.openxmlformats.org/officeDocument/2006/relationships" xmlns:p="http://schemas.openxmlformats.org/presentationml/2006/main">
+  <p:cSld>
+    <p:spTree>
+      <p:nvGrpSpPr>
+        <p:cNvPr id="1" name=""/>
+        <p:cNvGrpSpPr/>
+        <p:nvPr/>
+      </p:nvGrpSpPr>
+      <p:grpSpPr>
+        <a:xfrm>
+          <a:off x="0" y="0"/>
+          <a:ext cx="0" cy="0"/>
+          <a:chOff x="0" y="0"/>
+          <a:chExt cx="0" cy="0"/>
+        </a:xfrm>
+      </p:grpSpPr>
+      <p:sp>
+        <p:nvSpPr>
+          <p:cNvPr id="2" name="Title 1"/>
+          <p:cNvSpPr>
+            <a:spLocks noGrp="1"/>
+          </p:cNvSpPr>
+          <p:nvPr>
+            <p:ph type="title"/>
+          </p:nvPr>
+        </p:nvSpPr>
+        <p:spPr/>
+        <p:txBody>
+          <a:bodyPr>
+            <a:normAutofit/>
+          </a:bodyPr>
+          <a:lstStyle/>
+          <a:p>
+            <a:r>
+              <a:rPr lang="en-US" cap="none" dirty="0"/>
+              <a:t>Review Paper - Brief Description (2/3)</a:t>
+            </a:r>
+          </a:p>
+        </p:txBody>
+      </p:sp>
+      <p:sp>
+        <p:nvSpPr>
+          <p:cNvPr id="3" name="Content Placeholder 2"/>
+          <p:cNvSpPr>
+            <a:spLocks noGrp="1"/>
+          </p:cNvSpPr>
+          <p:nvPr>
+            <p:ph idx="1"/>
+          </p:nvPr>
+        </p:nvSpPr>
+        <p:spPr>
+          <a:xfrm>
+            <a:off x="581192" y="1961283"/>
+            <a:ext cx="11029615" cy="4638675"/>
+          </a:xfrm>
+        </p:spPr>
+        <p:txBody>
+          <a:bodyPr anchor="t">
+            <a:noAutofit/>
+          </a:bodyPr>
+          <a:lstStyle/>
+          <a:p>
+            <a:r>
+              <a:rPr lang="en-GB" sz="2000" dirty="0"/>
+              <a:t>Implemented their approach in 2 algorithms for different phases - Exploration phase, which is the online learning phase - Exploitation phase which is the decision-making phase. </a:t>
+            </a:r>
+          </a:p>
+          <a:p>
+            <a:r>
+              <a:rPr lang="en-GB" sz="2000" u="sng" dirty="0"/>
+              <a:t>Exploration phase</a:t>
+            </a:r>
+            <a:r>
+              <a:rPr lang="en-GB" sz="2000" dirty="0"/>
+              <a:t> : -</a:t>
+            </a:r>
+          </a:p>
+          <a:p>
+            <a:pPr lvl="1">
+              <a:buFont typeface="Wingdings" panose="05000000000000000000" pitchFamily="2" charset="2"/>
+              <a:buChar char="v"/>
+            </a:pPr>
+            <a:r>
+              <a:rPr lang="en-GB" sz="1800" dirty="0"/>
+              <a:t>Starting with no knowledge - the learning agent periodically monitors for SLA violations – once detected- it selects the action with the highest reward and applies it.</a:t>
+            </a:r>
+          </a:p>
+          <a:p>
+            <a:pPr lvl="1">
+              <a:buFont typeface="Wingdings" panose="05000000000000000000" pitchFamily="2" charset="2"/>
+              <a:buChar char="v"/>
+            </a:pPr>
+            <a:r>
+              <a:rPr lang="en-GB" sz="2000" dirty="0"/>
+              <a:t>Exploring of all the possible actions is done using a simple exhaustive exploration algorithm.</a:t>
+            </a:r>
+          </a:p>
+          <a:p>
+            <a:pPr lvl="1">
+              <a:buFont typeface="Wingdings" panose="05000000000000000000" pitchFamily="2" charset="2"/>
+              <a:buChar char="v"/>
+            </a:pPr>
+            <a:r>
+              <a:rPr lang="en-GB" sz="2000" dirty="0"/>
+              <a:t>Each of the states visited during this phase logged and later used to build a neural network regression model. </a:t>
+            </a:r>
+          </a:p>
+          <a:p>
+            <a:pPr lvl="1">
+              <a:buFont typeface="Wingdings" panose="05000000000000000000" pitchFamily="2" charset="2"/>
+              <a:buChar char="v"/>
+            </a:pPr>
+            <a:r>
+              <a:rPr lang="en-GB" sz="2000" dirty="0"/>
+              <a:t>For given workload and tier configuration, this model will then be used to predict the service time required by the auto scaler for next phase.</a:t>
+            </a:r>
+          </a:p>
+        </p:txBody>
+      </p:sp>
+    </p:spTree>
+    <p:extLst>
+      <p:ext uri="{BB962C8B-B14F-4D97-AF65-F5344CB8AC3E}">
+        <p14:creationId xmlns:p14="http://schemas.microsoft.com/office/powerpoint/2010/main" val="3649391137"/>
+      </p:ext>
+    </p:extLst>
+  </p:cSld>
+  <p:clrMapOvr>
+    <a:masterClrMapping/>
+  </p:clrMapOvr>
+</p:sld>
+</file>
+
+<file path=ppt/slides/slide19.xml><?xml version="1.0" encoding="utf-8"?>
+<p:sld xmlns:a="http://schemas.openxmlformats.org/drawingml/2006/main" xmlns:r="http://schemas.openxmlformats.org/officeDocument/2006/relationships" xmlns:p="http://schemas.openxmlformats.org/presentationml/2006/main">
+  <p:cSld>
+    <p:spTree>
+      <p:nvGrpSpPr>
+        <p:cNvPr id="1" name=""/>
+        <p:cNvGrpSpPr/>
+        <p:nvPr/>
+      </p:nvGrpSpPr>
+      <p:grpSpPr>
+        <a:xfrm>
+          <a:off x="0" y="0"/>
+          <a:ext cx="0" cy="0"/>
+          <a:chOff x="0" y="0"/>
+          <a:chExt cx="0" cy="0"/>
+        </a:xfrm>
+      </p:grpSpPr>
+      <p:sp>
+        <p:nvSpPr>
+          <p:cNvPr id="2" name="Title 1"/>
+          <p:cNvSpPr>
+            <a:spLocks noGrp="1"/>
+          </p:cNvSpPr>
+          <p:nvPr>
+            <p:ph type="title"/>
+          </p:nvPr>
+        </p:nvSpPr>
+        <p:spPr/>
+        <p:txBody>
+          <a:bodyPr>
+            <a:normAutofit/>
+          </a:bodyPr>
+          <a:lstStyle/>
+          <a:p>
+            <a:r>
+              <a:rPr lang="en-US" cap="none" dirty="0"/>
+              <a:t>Review Paper - Brief Description (3/3)</a:t>
+            </a:r>
+          </a:p>
+        </p:txBody>
+      </p:sp>
+      <p:sp>
+        <p:nvSpPr>
+          <p:cNvPr id="3" name="Content Placeholder 2"/>
+          <p:cNvSpPr>
+            <a:spLocks noGrp="1"/>
+          </p:cNvSpPr>
+          <p:nvPr>
+            <p:ph idx="1"/>
+          </p:nvPr>
+        </p:nvSpPr>
+        <p:spPr>
+          <a:xfrm>
+            <a:off x="581193" y="1941877"/>
+            <a:ext cx="11029615" cy="4638675"/>
+          </a:xfrm>
+        </p:spPr>
+        <p:txBody>
+          <a:bodyPr anchor="t">
+            <a:noAutofit/>
+          </a:bodyPr>
+          <a:lstStyle/>
+          <a:p>
+            <a:r>
+              <a:rPr lang="en-GB" sz="2000" u="sng" dirty="0"/>
+              <a:t>Exploitation Phase</a:t>
+            </a:r>
+            <a:r>
+              <a:rPr lang="en-GB" sz="2000" dirty="0"/>
+              <a:t> :-</a:t>
+            </a:r>
+          </a:p>
+          <a:p>
+            <a:pPr lvl="1">
+              <a:buFont typeface="Wingdings" panose="05000000000000000000" pitchFamily="2" charset="2"/>
+              <a:buChar char="v"/>
+            </a:pPr>
+            <a:r>
+              <a:rPr lang="en-GB" sz="1800" dirty="0"/>
+              <a:t>When SLA violation is perceived - the value of each action is calculated by – first by using the regression model and predicting the service time that the action would take and then by calculating the reward. </a:t>
+            </a:r>
+          </a:p>
+          <a:p>
+            <a:pPr lvl="1">
+              <a:buFont typeface="Wingdings" panose="05000000000000000000" pitchFamily="2" charset="2"/>
+              <a:buChar char="v"/>
+            </a:pPr>
+            <a:r>
+              <a:rPr lang="en-GB" sz="1800" dirty="0"/>
+              <a:t>Once that is complete, action with the maximum reward is selected. </a:t>
+            </a:r>
+          </a:p>
+        </p:txBody>
+      </p:sp>
+    </p:spTree>
+    <p:extLst>
+      <p:ext uri="{BB962C8B-B14F-4D97-AF65-F5344CB8AC3E}">
+        <p14:creationId xmlns:p14="http://schemas.microsoft.com/office/powerpoint/2010/main" val="3165071880"/>
+      </p:ext>
+    </p:extLst>
+  </p:cSld>
+  <p:clrMapOvr>
+    <a:masterClrMapping/>
+  </p:clrMapOvr>
+</p:sld>
+</file>
+
+<file path=ppt/slides/slide2.xml><?xml version="1.0" encoding="utf-8"?>
+<p:sld xmlns:a="http://schemas.openxmlformats.org/drawingml/2006/main" xmlns:r="http://schemas.openxmlformats.org/officeDocument/2006/relationships" xmlns:p="http://schemas.openxmlformats.org/presentationml/2006/main">
+  <p:cSld>
+    <p:spTree>
+      <p:nvGrpSpPr>
+        <p:cNvPr id="1" name=""/>
+        <p:cNvGrpSpPr/>
+        <p:nvPr/>
+      </p:nvGrpSpPr>
+      <p:grpSpPr>
+        <a:xfrm>
+          <a:off x="0" y="0"/>
+          <a:ext cx="0" cy="0"/>
+          <a:chOff x="0" y="0"/>
+          <a:chExt cx="0" cy="0"/>
+        </a:xfrm>
+      </p:grpSpPr>
+      <p:sp>
+        <p:nvSpPr>
+          <p:cNvPr id="2" name="Title 1"/>
+          <p:cNvSpPr>
+            <a:spLocks noGrp="1"/>
+          </p:cNvSpPr>
+          <p:nvPr>
+            <p:ph type="title"/>
+          </p:nvPr>
+        </p:nvSpPr>
+        <p:spPr/>
+        <p:txBody>
+          <a:bodyPr>
+            <a:normAutofit/>
+          </a:bodyPr>
+          <a:lstStyle/>
+          <a:p>
+            <a:r>
+              <a:rPr lang="en-US" cap="none" dirty="0"/>
+              <a:t>Outline</a:t>
+            </a:r>
+          </a:p>
+        </p:txBody>
+      </p:sp>
+      <p:sp>
+        <p:nvSpPr>
+          <p:cNvPr id="3" name="Content Placeholder 2"/>
+          <p:cNvSpPr>
+            <a:spLocks noGrp="1"/>
+          </p:cNvSpPr>
+          <p:nvPr>
+            <p:ph idx="1"/>
+          </p:nvPr>
+        </p:nvSpPr>
+        <p:spPr>
+          <a:xfrm>
+            <a:off x="458529" y="1996895"/>
+            <a:ext cx="11029616" cy="4324367"/>
+          </a:xfrm>
+        </p:spPr>
+        <p:txBody>
+          <a:bodyPr anchor="t">
+            <a:normAutofit/>
+          </a:bodyPr>
+          <a:lstStyle/>
+          <a:p>
+            <a:r>
+              <a:rPr lang="en-US" sz="2000" dirty="0"/>
+              <a:t>Introduction </a:t>
+            </a:r>
+          </a:p>
+          <a:p>
+            <a:r>
+              <a:rPr lang="en-US" sz="2000" dirty="0"/>
+              <a:t>Threshold based Techniques</a:t>
+            </a:r>
+          </a:p>
+          <a:p>
+            <a:r>
+              <a:rPr lang="en-US" sz="2000" dirty="0"/>
+              <a:t>Reinforcement Learning Techniques </a:t>
+            </a:r>
+          </a:p>
+          <a:p>
+            <a:r>
+              <a:rPr lang="en-US" sz="2000" dirty="0"/>
+              <a:t>Time Series Analysis Techniques</a:t>
+            </a:r>
+          </a:p>
+          <a:p>
+            <a:r>
+              <a:rPr lang="en-US" sz="2000" dirty="0"/>
+              <a:t>Evaluation of Techniques</a:t>
+            </a:r>
+          </a:p>
+          <a:p>
+            <a:r>
+              <a:rPr lang="en-US" sz="2000" dirty="0"/>
+              <a:t>Conclusion </a:t>
+            </a:r>
+          </a:p>
+          <a:p>
+            <a:pPr marL="0" indent="0">
+              <a:buNone/>
+            </a:pPr>
+            <a:endParaRPr sz="2000" dirty="0"/>
+          </a:p>
+        </p:txBody>
+      </p:sp>
+      <p:sp>
+        <p:nvSpPr>
+          <p:cNvPr id="9" name="Slide Number Placeholder 8">
+            <a:extLst>
+              <a:ext uri="{FF2B5EF4-FFF2-40B4-BE49-F238E27FC236}">
+                <a16:creationId xmlns:a16="http://schemas.microsoft.com/office/drawing/2014/main" id="{B88B7BD6-69E2-49EE-AFAC-AF83693030A1}"/>
+              </a:ext>
+            </a:extLst>
+          </p:cNvPr>
+          <p:cNvSpPr>
+            <a:spLocks noGrp="1"/>
+          </p:cNvSpPr>
+          <p:nvPr>
+            <p:ph type="sldNum" sz="quarter" idx="12"/>
+          </p:nvPr>
+        </p:nvSpPr>
+        <p:spPr/>
+        <p:txBody>
+          <a:bodyPr/>
+          <a:lstStyle/>
+          <a:p>
+            <a:fld id="{3352CBF5-17B8-4387-88A6-ABF9F8C64D5A}" type="slidenum">
+              <a:rPr lang="en-US" smtClean="0"/>
+              <a:t>2</a:t>
+            </a:fld>
+            <a:endParaRPr lang="en-US"/>
+          </a:p>
+        </p:txBody>
+      </p:sp>
+    </p:spTree>
+    <p:extLst>
+      <p:ext uri="{BB962C8B-B14F-4D97-AF65-F5344CB8AC3E}">
+        <p14:creationId xmlns:p14="http://schemas.microsoft.com/office/powerpoint/2010/main" val="1259731849"/>
+      </p:ext>
+    </p:extLst>
+  </p:cSld>
+  <p:clrMapOvr>
+    <a:masterClrMapping/>
+  </p:clrMapOvr>
+</p:sld>
+</file>
+
+<file path=ppt/slides/slide20.xml><?xml version="1.0" encoding="utf-8"?>
+<p:sld xmlns:a="http://schemas.openxmlformats.org/drawingml/2006/main" xmlns:r="http://schemas.openxmlformats.org/officeDocument/2006/relationships" xmlns:p="http://schemas.openxmlformats.org/presentationml/2006/main">
+  <p:cSld>
+    <p:spTree>
+      <p:nvGrpSpPr>
+        <p:cNvPr id="1" name=""/>
+        <p:cNvGrpSpPr/>
+        <p:nvPr/>
+      </p:nvGrpSpPr>
+      <p:grpSpPr>
+        <a:xfrm>
+          <a:off x="0" y="0"/>
+          <a:ext cx="0" cy="0"/>
+          <a:chOff x="0" y="0"/>
+          <a:chExt cx="0" cy="0"/>
+        </a:xfrm>
+      </p:grpSpPr>
+      <p:sp>
+        <p:nvSpPr>
+          <p:cNvPr id="2" name="Title 1"/>
+          <p:cNvSpPr>
+            <a:spLocks noGrp="1"/>
+          </p:cNvSpPr>
+          <p:nvPr>
+            <p:ph type="title"/>
+          </p:nvPr>
+        </p:nvSpPr>
+        <p:spPr/>
+        <p:txBody>
+          <a:bodyPr>
+            <a:normAutofit/>
+          </a:bodyPr>
+          <a:lstStyle/>
+          <a:p>
+            <a:r>
+              <a:rPr lang="en-US" cap="none" dirty="0"/>
+              <a:t>Review Paper – Strengths and Weaknesses</a:t>
+            </a:r>
+          </a:p>
+        </p:txBody>
+      </p:sp>
+      <p:sp>
+        <p:nvSpPr>
+          <p:cNvPr id="3" name="Content Placeholder 2"/>
+          <p:cNvSpPr>
+            <a:spLocks noGrp="1"/>
+          </p:cNvSpPr>
+          <p:nvPr>
+            <p:ph idx="1"/>
+          </p:nvPr>
+        </p:nvSpPr>
+        <p:spPr>
+          <a:xfrm>
+            <a:off x="439678" y="1976833"/>
+            <a:ext cx="11029615" cy="4638675"/>
+          </a:xfrm>
+        </p:spPr>
+        <p:txBody>
+          <a:bodyPr anchor="t">
+            <a:normAutofit/>
+          </a:bodyPr>
+          <a:lstStyle/>
+          <a:p>
+            <a:r>
+              <a:rPr lang="en-GB" sz="2400" dirty="0"/>
+              <a:t>Strengths</a:t>
+            </a:r>
+          </a:p>
+          <a:p>
+            <a:pPr lvl="1">
+              <a:buFont typeface="Wingdings" panose="05000000000000000000" pitchFamily="2" charset="2"/>
+              <a:buChar char="v"/>
+            </a:pPr>
+            <a:r>
+              <a:rPr lang="en-GB" sz="2000" dirty="0"/>
+              <a:t>Considers both the raw arrival rate and the workload pattern - the learner is better at provisioning resources. </a:t>
+            </a:r>
+          </a:p>
+          <a:p>
+            <a:pPr lvl="1">
+              <a:buFont typeface="Wingdings" panose="05000000000000000000" pitchFamily="2" charset="2"/>
+              <a:buChar char="v"/>
+            </a:pPr>
+            <a:r>
+              <a:rPr lang="en-GB" sz="2000" dirty="0"/>
+              <a:t>Scaling strategy - prioritize scaling out at the web tier over database tier for actions with same response time.</a:t>
+            </a:r>
+          </a:p>
+          <a:p>
+            <a:pPr lvl="2">
+              <a:buFont typeface="Wingdings" panose="05000000000000000000" pitchFamily="2" charset="2"/>
+              <a:buChar char="v"/>
+            </a:pPr>
+            <a:r>
+              <a:rPr lang="en-GB" sz="1800" dirty="0"/>
+              <a:t>Selecting database tier - data synchronization in the database tier and overhead load balancing at the web tier</a:t>
+            </a:r>
+          </a:p>
+          <a:p>
+            <a:r>
+              <a:rPr lang="en-GB" sz="2400" dirty="0"/>
+              <a:t>Weakness</a:t>
+            </a:r>
+          </a:p>
+          <a:p>
+            <a:pPr lvl="1">
+              <a:buFont typeface="Wingdings" panose="05000000000000000000" pitchFamily="2" charset="2"/>
+              <a:buChar char="v"/>
+            </a:pPr>
+            <a:r>
+              <a:rPr lang="en-GB" sz="2000" dirty="0"/>
+              <a:t>Assumption that their system would always have sufficient bandwidth and enough time would be given to the auto-scaler to collect access logs,  learn and implement a policy before workload changes occur.</a:t>
+            </a:r>
+          </a:p>
+        </p:txBody>
+      </p:sp>
+    </p:spTree>
+    <p:extLst>
+      <p:ext uri="{BB962C8B-B14F-4D97-AF65-F5344CB8AC3E}">
+        <p14:creationId xmlns:p14="http://schemas.microsoft.com/office/powerpoint/2010/main" val="2821196515"/>
+      </p:ext>
+    </p:extLst>
+  </p:cSld>
+  <p:clrMapOvr>
+    <a:masterClrMapping/>
+  </p:clrMapOvr>
+</p:sld>
+</file>
+
+<file path=ppt/slides/slide21.xml><?xml version="1.0" encoding="utf-8"?>
+<p:sld xmlns:a="http://schemas.openxmlformats.org/drawingml/2006/main" xmlns:r="http://schemas.openxmlformats.org/officeDocument/2006/relationships" xmlns:p="http://schemas.openxmlformats.org/presentationml/2006/main">
+  <p:cSld>
+    <p:spTree>
+      <p:nvGrpSpPr>
+        <p:cNvPr id="1" name=""/>
+        <p:cNvGrpSpPr/>
+        <p:nvPr/>
+      </p:nvGrpSpPr>
+      <p:grpSpPr>
+        <a:xfrm>
+          <a:off x="0" y="0"/>
+          <a:ext cx="0" cy="0"/>
+          <a:chOff x="0" y="0"/>
+          <a:chExt cx="0" cy="0"/>
+        </a:xfrm>
+      </p:grpSpPr>
+      <p:sp>
+        <p:nvSpPr>
+          <p:cNvPr id="4" name="Title 3">
+            <a:extLst>
+              <a:ext uri="{FF2B5EF4-FFF2-40B4-BE49-F238E27FC236}">
+                <a16:creationId xmlns:a16="http://schemas.microsoft.com/office/drawing/2014/main" id="{B5AA14DC-37F4-407D-8D2D-A64730DAA6A0}"/>
+              </a:ext>
+            </a:extLst>
+          </p:cNvPr>
+          <p:cNvSpPr>
+            <a:spLocks noGrp="1"/>
+          </p:cNvSpPr>
+          <p:nvPr>
+            <p:ph type="ctrTitle"/>
+          </p:nvPr>
+        </p:nvSpPr>
+        <p:spPr>
+          <a:xfrm>
+            <a:off x="447841" y="1020431"/>
+            <a:ext cx="11496509" cy="1932319"/>
+          </a:xfrm>
+        </p:spPr>
+        <p:txBody>
+          <a:bodyPr/>
+          <a:lstStyle/>
+          <a:p>
+            <a:r>
+              <a:rPr lang="en-GB" cap="none" dirty="0"/>
+              <a:t>Time Series Analysis based Technique</a:t>
+            </a:r>
+          </a:p>
+        </p:txBody>
+      </p:sp>
+      <p:sp>
+        <p:nvSpPr>
+          <p:cNvPr id="7" name="Slide Number Placeholder 6">
+            <a:extLst>
+              <a:ext uri="{FF2B5EF4-FFF2-40B4-BE49-F238E27FC236}">
+                <a16:creationId xmlns:a16="http://schemas.microsoft.com/office/drawing/2014/main" id="{59D1F2A6-0268-410F-979B-FCE5D06CF370}"/>
+              </a:ext>
+            </a:extLst>
+          </p:cNvPr>
+          <p:cNvSpPr>
+            <a:spLocks noGrp="1"/>
+          </p:cNvSpPr>
+          <p:nvPr>
+            <p:ph type="sldNum" sz="quarter" idx="12"/>
+          </p:nvPr>
+        </p:nvSpPr>
+        <p:spPr/>
+        <p:txBody>
+          <a:bodyPr/>
+          <a:lstStyle/>
+          <a:p>
+            <a:fld id="{3352CBF5-17B8-4387-88A6-ABF9F8C64D5A}" type="slidenum">
+              <a:rPr lang="en-US" smtClean="0"/>
+              <a:t>21</a:t>
+            </a:fld>
+            <a:endParaRPr lang="en-US"/>
+          </a:p>
+        </p:txBody>
+      </p:sp>
+    </p:spTree>
+    <p:extLst>
+      <p:ext uri="{BB962C8B-B14F-4D97-AF65-F5344CB8AC3E}">
+        <p14:creationId xmlns:p14="http://schemas.microsoft.com/office/powerpoint/2010/main" val="3482530504"/>
+      </p:ext>
+    </p:extLst>
+  </p:cSld>
+  <p:clrMapOvr>
+    <a:masterClrMapping/>
+  </p:clrMapOvr>
+</p:sld>
+</file>
+
+<file path=ppt/slides/slide22.xml><?xml version="1.0" encoding="utf-8"?>
+<p:sld xmlns:a="http://schemas.openxmlformats.org/drawingml/2006/main" xmlns:r="http://schemas.openxmlformats.org/officeDocument/2006/relationships" xmlns:p="http://schemas.openxmlformats.org/presentationml/2006/main">
+  <p:cSld>
+    <p:spTree>
+      <p:nvGrpSpPr>
+        <p:cNvPr id="1" name=""/>
+        <p:cNvGrpSpPr/>
+        <p:nvPr/>
+      </p:nvGrpSpPr>
+      <p:grpSpPr>
+        <a:xfrm>
+          <a:off x="0" y="0"/>
+          <a:ext cx="0" cy="0"/>
+          <a:chOff x="0" y="0"/>
+          <a:chExt cx="0" cy="0"/>
+        </a:xfrm>
+      </p:grpSpPr>
+      <p:sp>
+        <p:nvSpPr>
+          <p:cNvPr id="2" name="Title 1"/>
+          <p:cNvSpPr>
+            <a:spLocks noGrp="1"/>
+          </p:cNvSpPr>
+          <p:nvPr>
+            <p:ph type="title"/>
+          </p:nvPr>
+        </p:nvSpPr>
+        <p:spPr/>
+        <p:txBody>
+          <a:bodyPr>
+            <a:normAutofit/>
+          </a:bodyPr>
+          <a:lstStyle/>
+          <a:p>
+            <a:r>
+              <a:rPr lang="en-US" cap="none" dirty="0"/>
+              <a:t>Main Concept</a:t>
+            </a:r>
+          </a:p>
+        </p:txBody>
+      </p:sp>
+      <p:sp>
+        <p:nvSpPr>
+          <p:cNvPr id="3" name="Content Placeholder 2"/>
+          <p:cNvSpPr>
+            <a:spLocks noGrp="1"/>
+          </p:cNvSpPr>
+          <p:nvPr>
+            <p:ph idx="1"/>
+          </p:nvPr>
+        </p:nvSpPr>
+        <p:spPr>
+          <a:xfrm>
+            <a:off x="461449" y="1996895"/>
+            <a:ext cx="11295122" cy="4158949"/>
+          </a:xfrm>
+        </p:spPr>
+        <p:txBody>
+          <a:bodyPr anchor="t">
+            <a:normAutofit fontScale="92500" lnSpcReduction="20000"/>
+          </a:bodyPr>
+          <a:lstStyle/>
+          <a:p>
+            <a:r>
+              <a:rPr lang="en-US" sz="2000" dirty="0"/>
+              <a:t>Auto-scaling problem can be divided into two main steps:</a:t>
+            </a:r>
+          </a:p>
+          <a:p>
+            <a:pPr lvl="1">
+              <a:buFont typeface="Wingdings" panose="05000000000000000000" pitchFamily="2" charset="2"/>
+              <a:buChar char="v"/>
+            </a:pPr>
+            <a:r>
+              <a:rPr lang="en-US" sz="2100" dirty="0"/>
+              <a:t>Prediction</a:t>
+            </a:r>
+          </a:p>
+          <a:p>
+            <a:pPr lvl="1">
+              <a:buFont typeface="Wingdings" panose="05000000000000000000" pitchFamily="2" charset="2"/>
+              <a:buChar char="v"/>
+            </a:pPr>
+            <a:r>
+              <a:rPr lang="en-US" sz="2100" dirty="0"/>
+              <a:t>Decision-making </a:t>
+            </a:r>
+          </a:p>
+          <a:p>
+            <a:pPr>
+              <a:buSzPct val="100000"/>
+              <a:buFont typeface="Wingdings" panose="05000000000000000000" pitchFamily="2" charset="2"/>
+              <a:buChar char="§"/>
+            </a:pPr>
+            <a:r>
+              <a:rPr lang="en-US" sz="2000" dirty="0"/>
+              <a:t>Time series analysis can only be applied to the first step (i.e. prediction step).</a:t>
+            </a:r>
+            <a:endParaRPr lang="en-GB" sz="2000" dirty="0"/>
+          </a:p>
+          <a:p>
+            <a:pPr>
+              <a:buSzPct val="100000"/>
+              <a:buFont typeface="Wingdings" panose="05000000000000000000" pitchFamily="2" charset="2"/>
+              <a:buChar char="§"/>
+            </a:pPr>
+            <a:r>
+              <a:rPr lang="en-US" sz="2000" dirty="0"/>
+              <a:t>Time Series prediction:</a:t>
+            </a:r>
+          </a:p>
+          <a:p>
+            <a:pPr lvl="1">
+              <a:buFont typeface="Wingdings" panose="05000000000000000000" pitchFamily="2" charset="2"/>
+              <a:buChar char="v"/>
+            </a:pPr>
+            <a:r>
+              <a:rPr lang="en-US" sz="2100" dirty="0"/>
+              <a:t>Based on analyzing historical data (i.e. performance metrics) </a:t>
+            </a:r>
+          </a:p>
+          <a:p>
+            <a:pPr lvl="1">
+              <a:buFont typeface="Wingdings" panose="05000000000000000000" pitchFamily="2" charset="2"/>
+              <a:buChar char="v"/>
+            </a:pPr>
+            <a:r>
+              <a:rPr lang="en-US" sz="2100" dirty="0"/>
+              <a:t>Performance metrics are periodically sampled at fixed time intervals, denoted as window size w. </a:t>
+            </a:r>
+          </a:p>
+          <a:p>
+            <a:pPr lvl="1">
+              <a:buFont typeface="Wingdings" panose="05000000000000000000" pitchFamily="2" charset="2"/>
+              <a:buChar char="v"/>
+            </a:pPr>
+            <a:r>
+              <a:rPr lang="en-US" sz="2100" dirty="0"/>
+              <a:t>The predicted performance metrics are used to allocate resources accordingly. </a:t>
+            </a:r>
+          </a:p>
+          <a:p>
+            <a:pPr>
+              <a:buSzPct val="100000"/>
+              <a:buFont typeface="Wingdings" panose="05000000000000000000" pitchFamily="2" charset="2"/>
+              <a:buChar char="§"/>
+            </a:pPr>
+            <a:r>
+              <a:rPr lang="en-US" sz="2000" dirty="0"/>
+              <a:t>Common Time Series prediction techniques:</a:t>
+            </a:r>
+          </a:p>
+          <a:p>
+            <a:pPr lvl="1">
+              <a:buFont typeface="Wingdings" panose="05000000000000000000" pitchFamily="2" charset="2"/>
+              <a:buChar char="v"/>
+            </a:pPr>
+            <a:r>
+              <a:rPr lang="en-GB" sz="2000" dirty="0"/>
+              <a:t>Moving average which based on Arithmetic Mean </a:t>
+            </a:r>
+          </a:p>
+          <a:p>
+            <a:pPr lvl="1">
+              <a:buFont typeface="Wingdings" panose="05000000000000000000" pitchFamily="2" charset="2"/>
+              <a:buChar char="v"/>
+            </a:pPr>
+            <a:r>
+              <a:rPr lang="en-GB" sz="2000" dirty="0"/>
+              <a:t>Machine learning approaches </a:t>
+            </a:r>
+          </a:p>
+          <a:p>
+            <a:pPr marL="0" indent="0">
+              <a:buNone/>
+            </a:pPr>
+            <a:endParaRPr sz="2000" dirty="0"/>
+          </a:p>
+        </p:txBody>
+      </p:sp>
+      <p:sp>
+        <p:nvSpPr>
+          <p:cNvPr id="9" name="Slide Number Placeholder 8">
+            <a:extLst>
+              <a:ext uri="{FF2B5EF4-FFF2-40B4-BE49-F238E27FC236}">
+                <a16:creationId xmlns:a16="http://schemas.microsoft.com/office/drawing/2014/main" id="{216291BB-367B-4EA1-AFEA-B6037856AF29}"/>
+              </a:ext>
+            </a:extLst>
+          </p:cNvPr>
+          <p:cNvSpPr>
+            <a:spLocks noGrp="1"/>
+          </p:cNvSpPr>
+          <p:nvPr>
+            <p:ph type="sldNum" sz="quarter" idx="12"/>
+          </p:nvPr>
+        </p:nvSpPr>
+        <p:spPr/>
+        <p:txBody>
+          <a:bodyPr/>
+          <a:lstStyle/>
+          <a:p>
+            <a:fld id="{3352CBF5-17B8-4387-88A6-ABF9F8C64D5A}" type="slidenum">
+              <a:rPr lang="en-US" smtClean="0"/>
+              <a:t>22</a:t>
+            </a:fld>
+            <a:endParaRPr lang="en-US"/>
+          </a:p>
+        </p:txBody>
+      </p:sp>
+    </p:spTree>
+    <p:extLst>
+      <p:ext uri="{BB962C8B-B14F-4D97-AF65-F5344CB8AC3E}">
+        <p14:creationId xmlns:p14="http://schemas.microsoft.com/office/powerpoint/2010/main" val="4062733488"/>
+      </p:ext>
+    </p:extLst>
+  </p:cSld>
+  <p:clrMapOvr>
+    <a:masterClrMapping/>
+  </p:clrMapOvr>
+</p:sld>
+</file>
+
+<file path=ppt/slides/slide23.xml><?xml version="1.0" encoding="utf-8"?>
+<p:sld xmlns:a="http://schemas.openxmlformats.org/drawingml/2006/main" xmlns:r="http://schemas.openxmlformats.org/officeDocument/2006/relationships" xmlns:p="http://schemas.openxmlformats.org/presentationml/2006/main">
+  <p:cSld>
+    <p:spTree>
+      <p:nvGrpSpPr>
+        <p:cNvPr id="1" name=""/>
+        <p:cNvGrpSpPr/>
+        <p:nvPr/>
+      </p:nvGrpSpPr>
+      <p:grpSpPr>
+        <a:xfrm>
+          <a:off x="0" y="0"/>
+          <a:ext cx="0" cy="0"/>
+          <a:chOff x="0" y="0"/>
+          <a:chExt cx="0" cy="0"/>
+        </a:xfrm>
+      </p:grpSpPr>
+      <p:sp>
+        <p:nvSpPr>
+          <p:cNvPr id="2" name="Title 1">
+            <a:extLst>
+              <a:ext uri="{FF2B5EF4-FFF2-40B4-BE49-F238E27FC236}">
+                <a16:creationId xmlns:a16="http://schemas.microsoft.com/office/drawing/2014/main" id="{4EA9158D-CABB-4B88-8DA9-62C063E84DC2}"/>
+              </a:ext>
+            </a:extLst>
+          </p:cNvPr>
+          <p:cNvSpPr>
+            <a:spLocks noGrp="1"/>
+          </p:cNvSpPr>
+          <p:nvPr>
+            <p:ph type="title"/>
+          </p:nvPr>
+        </p:nvSpPr>
+        <p:spPr/>
+        <p:txBody>
+          <a:bodyPr vert="horz" lIns="91440" tIns="45720" rIns="91440" bIns="45720" rtlCol="0">
+            <a:normAutofit/>
+          </a:bodyPr>
+          <a:lstStyle/>
+          <a:p>
+            <a:r>
+              <a:rPr lang="en-US" cap="none" dirty="0"/>
+              <a:t>Review Paper – Brief Description</a:t>
+            </a:r>
+          </a:p>
+        </p:txBody>
+      </p:sp>
+      <p:sp>
+        <p:nvSpPr>
+          <p:cNvPr id="4" name="Content Placeholder 3">
+            <a:extLst>
+              <a:ext uri="{FF2B5EF4-FFF2-40B4-BE49-F238E27FC236}">
+                <a16:creationId xmlns:a16="http://schemas.microsoft.com/office/drawing/2014/main" id="{C98DE769-0D9B-4D26-B72F-F970F7BF2C1E}"/>
+              </a:ext>
+            </a:extLst>
+          </p:cNvPr>
+          <p:cNvSpPr>
+            <a:spLocks noGrp="1"/>
+          </p:cNvSpPr>
+          <p:nvPr>
+            <p:ph idx="1"/>
+          </p:nvPr>
+        </p:nvSpPr>
+        <p:spPr>
+          <a:xfrm>
+            <a:off x="447378" y="1996895"/>
+            <a:ext cx="11029616" cy="4861105"/>
+          </a:xfrm>
+        </p:spPr>
+        <p:txBody>
+          <a:bodyPr anchor="t">
+            <a:normAutofit/>
+          </a:bodyPr>
+          <a:lstStyle/>
+          <a:p>
+            <a:r>
+              <a:rPr lang="en-US" sz="2000" dirty="0"/>
+              <a:t>Paper title – ‘</a:t>
+            </a:r>
+            <a:r>
+              <a:rPr lang="en-US" sz="2000" dirty="0" err="1"/>
+              <a:t>Hybridscaler</a:t>
+            </a:r>
+            <a:r>
+              <a:rPr lang="en-US" sz="2000" dirty="0"/>
+              <a:t>: Handling bursting workload for multitier web applications in cloud’</a:t>
+            </a:r>
+          </a:p>
+          <a:p>
+            <a:pPr marL="0" indent="0">
+              <a:buNone/>
+            </a:pPr>
+            <a:endParaRPr lang="en-US" sz="2000" dirty="0"/>
+          </a:p>
+          <a:p>
+            <a:r>
+              <a:rPr lang="en-US" sz="2000" dirty="0"/>
+              <a:t>This work proposed a </a:t>
+            </a:r>
+            <a:r>
+              <a:rPr lang="en-US" sz="2000" dirty="0" err="1"/>
+              <a:t>hybridScaler</a:t>
+            </a:r>
+            <a:r>
+              <a:rPr lang="en-US" sz="2000" dirty="0"/>
+              <a:t> algorithm for resource allocation which combines between horizontal and vertical scaling.</a:t>
+            </a:r>
+          </a:p>
+          <a:p>
+            <a:pPr marL="0" indent="0">
+              <a:buNone/>
+            </a:pPr>
+            <a:endParaRPr lang="en-US" sz="2000" dirty="0"/>
+          </a:p>
+          <a:p>
+            <a:r>
+              <a:rPr lang="en-US" sz="2000" dirty="0"/>
+              <a:t>They propose an algorithm that gives the scaling-decision with the number of resources to allocate (VMs and VCPUs)</a:t>
+            </a:r>
+          </a:p>
+          <a:p>
+            <a:pPr lvl="1">
+              <a:buFont typeface="Wingdings" panose="05000000000000000000" pitchFamily="2" charset="2"/>
+              <a:buChar char="v"/>
+            </a:pPr>
+            <a:r>
+              <a:rPr lang="en-US" sz="1800" dirty="0"/>
+              <a:t>Vertical scaling</a:t>
+            </a:r>
+          </a:p>
+          <a:p>
+            <a:pPr lvl="1">
+              <a:buFont typeface="Wingdings" panose="05000000000000000000" pitchFamily="2" charset="2"/>
+              <a:buChar char="v"/>
+            </a:pPr>
+            <a:r>
+              <a:rPr lang="en-US" sz="1800" dirty="0"/>
+              <a:t>Horizontal scaling</a:t>
+            </a:r>
+          </a:p>
+          <a:p>
+            <a:pPr lvl="1">
+              <a:buFont typeface="Wingdings" panose="05000000000000000000" pitchFamily="2" charset="2"/>
+              <a:buChar char="v"/>
+            </a:pPr>
+            <a:endParaRPr lang="en-US" sz="1800" dirty="0"/>
+          </a:p>
+          <a:p>
+            <a:pPr lvl="1">
+              <a:buFont typeface="Wingdings" panose="05000000000000000000" pitchFamily="2" charset="2"/>
+              <a:buChar char="v"/>
+            </a:pPr>
+            <a:endParaRPr lang="en-US" sz="1800" dirty="0"/>
+          </a:p>
+          <a:p>
+            <a:endParaRPr lang="en-US" sz="2000" dirty="0"/>
+          </a:p>
+        </p:txBody>
+      </p:sp>
+      <p:sp>
+        <p:nvSpPr>
+          <p:cNvPr id="9" name="Slide Number Placeholder 8">
+            <a:extLst>
+              <a:ext uri="{FF2B5EF4-FFF2-40B4-BE49-F238E27FC236}">
+                <a16:creationId xmlns:a16="http://schemas.microsoft.com/office/drawing/2014/main" id="{C53AD969-BEAD-481A-938F-2D5A465C908C}"/>
+              </a:ext>
+            </a:extLst>
+          </p:cNvPr>
+          <p:cNvSpPr>
+            <a:spLocks noGrp="1"/>
+          </p:cNvSpPr>
+          <p:nvPr>
+            <p:ph type="sldNum" sz="quarter" idx="12"/>
+          </p:nvPr>
+        </p:nvSpPr>
+        <p:spPr/>
+        <p:txBody>
+          <a:bodyPr/>
+          <a:lstStyle/>
+          <a:p>
+            <a:fld id="{3352CBF5-17B8-4387-88A6-ABF9F8C64D5A}" type="slidenum">
+              <a:rPr lang="en-US" smtClean="0"/>
+              <a:t>23</a:t>
+            </a:fld>
+            <a:endParaRPr lang="en-US"/>
+          </a:p>
+        </p:txBody>
+      </p:sp>
+    </p:spTree>
+    <p:extLst>
+      <p:ext uri="{BB962C8B-B14F-4D97-AF65-F5344CB8AC3E}">
+        <p14:creationId xmlns:p14="http://schemas.microsoft.com/office/powerpoint/2010/main" val="1182831062"/>
+      </p:ext>
+    </p:extLst>
+  </p:cSld>
+  <p:clrMapOvr>
+    <a:masterClrMapping/>
+  </p:clrMapOvr>
+</p:sld>
+</file>
+
 <file path=ppt/slides/slide24.xml><?xml version="1.0" encoding="utf-8"?>
 <p:sld xmlns:a="http://schemas.openxmlformats.org/drawingml/2006/main" xmlns:r="http://schemas.openxmlformats.org/officeDocument/2006/relationships" xmlns:p="http://schemas.openxmlformats.org/presentationml/2006/main">
   <p:cSld>
@@ -15821,7 +14460,13 @@
       </p:grpSpPr>
       <p:sp>
         <p:nvSpPr>
-          <p:cNvPr id="2" name="Title 1"/>
+          <p:cNvPr id="2" name="Title 1">
+            <a:extLst>
+              <a:ext uri="{FF2B5EF4-FFF2-40B4-BE49-F238E27FC236}">
+                <a16:creationId xmlns:a16="http://schemas.microsoft.com/office/drawing/2014/main" id="{4EA9158D-CABB-4B88-8DA9-62C063E84DC2}"/>
+              </a:ext>
+            </a:extLst>
+          </p:cNvPr>
           <p:cNvSpPr>
             <a:spLocks noGrp="1"/>
           </p:cNvSpPr>
@@ -15831,21 +14476,27 @@
         </p:nvSpPr>
         <p:spPr/>
         <p:txBody>
-          <a:bodyPr>
+          <a:bodyPr vert="horz" lIns="91440" tIns="45720" rIns="91440" bIns="45720" rtlCol="0">
             <a:normAutofit/>
           </a:bodyPr>
           <a:lstStyle/>
           <a:p>
             <a:r>
               <a:rPr lang="en-US" cap="none" dirty="0"/>
-              <a:t>Review Paper – Brief Description (1/3)</a:t>
-            </a:r>
-          </a:p>
-        </p:txBody>
-      </p:sp>
-      <p:sp>
-        <p:nvSpPr>
-          <p:cNvPr id="3" name="Content Placeholder 2"/>
+              <a:t>Review Paper – Approach Overview</a:t>
+            </a:r>
+          </a:p>
+        </p:txBody>
+      </p:sp>
+      <p:sp>
+        <p:nvSpPr>
+          <p:cNvPr id="4" name="Content Placeholder 3">
+            <a:extLst>
+              <a:ext uri="{FF2B5EF4-FFF2-40B4-BE49-F238E27FC236}">
+                <a16:creationId xmlns:a16="http://schemas.microsoft.com/office/drawing/2014/main" id="{C98DE769-0D9B-4D26-B72F-F970F7BF2C1E}"/>
+              </a:ext>
+            </a:extLst>
+          </p:cNvPr>
           <p:cNvSpPr>
             <a:spLocks noGrp="1"/>
           </p:cNvSpPr>
@@ -15855,8 +14506,8 @@
         </p:nvSpPr>
         <p:spPr>
           <a:xfrm>
-            <a:off x="464767" y="1715956"/>
-            <a:ext cx="11262466" cy="4638675"/>
+            <a:off x="447378" y="1996895"/>
+            <a:ext cx="11029616" cy="4480105"/>
           </a:xfrm>
         </p:spPr>
         <p:txBody>
@@ -15865,56 +14516,123 @@
           </a:bodyPr>
           <a:lstStyle/>
           <a:p>
-            <a:pPr marL="0" indent="0">
+            <a:r>
+              <a:rPr lang="en-US" sz="2000" dirty="0"/>
+              <a:t>Why Combine both scaling techniques, horizontal and vertical? </a:t>
+            </a:r>
+          </a:p>
+          <a:p>
+            <a:pPr lvl="1">
+              <a:buFont typeface="Wingdings" panose="05000000000000000000" pitchFamily="2" charset="2"/>
+              <a:buChar char="v"/>
+            </a:pPr>
+            <a:r>
+              <a:rPr lang="en-US" sz="1800" b="1" dirty="0"/>
+              <a:t>Reactive horizontal scaling</a:t>
+            </a:r>
+          </a:p>
+          <a:p>
+            <a:pPr lvl="2">
+              <a:buFont typeface="Arial" panose="020B0604020202020204" pitchFamily="34" charset="0"/>
+              <a:buChar char="•"/>
+            </a:pPr>
+            <a:r>
+              <a:rPr lang="en-US" sz="1600" dirty="0"/>
+              <a:t>VMs booting time overhead – ranges between 5 to 10 minutes  </a:t>
+            </a:r>
+          </a:p>
+          <a:p>
+            <a:pPr marL="630000" lvl="2" indent="0">
               <a:buNone/>
             </a:pPr>
-            <a:endParaRPr lang="en-GB" sz="2000" dirty="0"/>
-          </a:p>
-          <a:p>
-            <a:r>
-              <a:rPr lang="en-GB" sz="2000" dirty="0"/>
-              <a:t>Paper title – ‘Unsupervised Learning of Dynamic Resource Provisioning Policies for Cloud - hosted Multitier Web Applications.’ - Iqbal et. Al </a:t>
-            </a:r>
-          </a:p>
-          <a:p>
-            <a:r>
-              <a:rPr lang="en-GB" sz="2000" dirty="0"/>
-              <a:t>They addressed auto scaling using RL for multi-layer web application. </a:t>
-            </a:r>
-          </a:p>
-          <a:p>
-            <a:r>
-              <a:rPr lang="en-GB" sz="2000" dirty="0"/>
-              <a:t>Their proposed solution - complete auto scaler - both workload pattern prediction and resource provisioning policy learning. </a:t>
-            </a:r>
-          </a:p>
-          <a:p>
-            <a:r>
-              <a:rPr lang="en-GB" sz="2000" dirty="0"/>
-              <a:t>For policy learning part - adaptive resource allocation for every tier of multi-tier web applications - online unsupervised method for policy learning. </a:t>
-            </a:r>
-          </a:p>
-          <a:p>
-            <a:r>
-              <a:rPr lang="en-GB" sz="2000" dirty="0"/>
-              <a:t>Policies - they set their learning agent to use a simplistic method to find the policies that maximizes the objective function and thus the reward – it does so by predicting the value of each possible action.</a:t>
-            </a:r>
-          </a:p>
-          <a:p>
-            <a:r>
-              <a:rPr lang="en-GB" sz="2000" dirty="0"/>
-              <a:t>Only does vertical scaling - scaling process is triggered when an SLA violation is encountered. </a:t>
-            </a:r>
-          </a:p>
-          <a:p>
-            <a:endParaRPr lang="en-GB" sz="2000" dirty="0"/>
+            <a:endParaRPr lang="en-US" sz="1800" dirty="0"/>
+          </a:p>
+          <a:p>
+            <a:pPr lvl="1">
+              <a:buFont typeface="Wingdings" panose="05000000000000000000" pitchFamily="2" charset="2"/>
+              <a:buChar char="v"/>
+            </a:pPr>
+            <a:r>
+              <a:rPr lang="en-US" sz="1800" b="1" dirty="0"/>
+              <a:t>Proactive horizontal scaling</a:t>
+            </a:r>
+          </a:p>
+          <a:p>
+            <a:pPr lvl="2">
+              <a:buFont typeface="Arial" panose="020B0604020202020204" pitchFamily="34" charset="0"/>
+              <a:buChar char="•"/>
+            </a:pPr>
+            <a:r>
+              <a:rPr lang="en-US" sz="1800" dirty="0"/>
+              <a:t>Short-term bursting workload </a:t>
+            </a:r>
+            <a:r>
+              <a:rPr lang="en-US" sz="1600" dirty="0"/>
+              <a:t>cause extra cost and significant overhead. </a:t>
+            </a:r>
+          </a:p>
+          <a:p>
+            <a:pPr marL="630000" lvl="2" indent="0">
+              <a:buNone/>
+            </a:pPr>
+            <a:endParaRPr lang="en-US" sz="1800" dirty="0"/>
+          </a:p>
+          <a:p>
+            <a:pPr lvl="1">
+              <a:buFont typeface="Wingdings" panose="05000000000000000000" pitchFamily="2" charset="2"/>
+              <a:buChar char="v"/>
+            </a:pPr>
+            <a:r>
+              <a:rPr lang="en-US" sz="1800" b="1" dirty="0"/>
+              <a:t>Reactive vertical scaling</a:t>
+            </a:r>
+          </a:p>
+          <a:p>
+            <a:pPr lvl="2">
+              <a:buFont typeface="Arial" panose="020B0604020202020204" pitchFamily="34" charset="0"/>
+              <a:buChar char="•"/>
+            </a:pPr>
+            <a:r>
+              <a:rPr lang="en-US" sz="1800" dirty="0"/>
+              <a:t>A lightweight approach which adds/remove VCPUs and RAMs instantly.</a:t>
+            </a:r>
+            <a:endParaRPr lang="en-US" sz="1800" b="1" dirty="0"/>
+          </a:p>
+        </p:txBody>
+      </p:sp>
+      <p:sp>
+        <p:nvSpPr>
+          <p:cNvPr id="9" name="Slide Number Placeholder 8">
+            <a:extLst>
+              <a:ext uri="{FF2B5EF4-FFF2-40B4-BE49-F238E27FC236}">
+                <a16:creationId xmlns:a16="http://schemas.microsoft.com/office/drawing/2014/main" id="{C53AD969-BEAD-481A-938F-2D5A465C908C}"/>
+              </a:ext>
+            </a:extLst>
+          </p:cNvPr>
+          <p:cNvSpPr>
+            <a:spLocks noGrp="1"/>
+          </p:cNvSpPr>
+          <p:nvPr>
+            <p:ph type="sldNum" sz="quarter" idx="12"/>
+          </p:nvPr>
+        </p:nvSpPr>
+        <p:spPr/>
+        <p:txBody>
+          <a:bodyPr/>
+          <a:lstStyle/>
+          <a:p>
+            <a:fld id="{3352CBF5-17B8-4387-88A6-ABF9F8C64D5A}" type="slidenum">
+              <a:rPr lang="en-US" smtClean="0"/>
+              <a:t>24</a:t>
+            </a:fld>
+            <a:endParaRPr lang="en-US"/>
           </a:p>
         </p:txBody>
       </p:sp>
     </p:spTree>
     <p:extLst>
       <p:ext uri="{BB962C8B-B14F-4D97-AF65-F5344CB8AC3E}">
-        <p14:creationId xmlns:p14="http://schemas.microsoft.com/office/powerpoint/2010/main" val="4004755418"/>
+        <p14:creationId xmlns:p14="http://schemas.microsoft.com/office/powerpoint/2010/main" val="1885301700"/>
       </p:ext>
     </p:extLst>
   </p:cSld>
@@ -15943,7 +14661,13 @@
       </p:grpSpPr>
       <p:sp>
         <p:nvSpPr>
-          <p:cNvPr id="2" name="Title 1"/>
+          <p:cNvPr id="2" name="Title 1">
+            <a:extLst>
+              <a:ext uri="{FF2B5EF4-FFF2-40B4-BE49-F238E27FC236}">
+                <a16:creationId xmlns:a16="http://schemas.microsoft.com/office/drawing/2014/main" id="{4EA9158D-CABB-4B88-8DA9-62C063E84DC2}"/>
+              </a:ext>
+            </a:extLst>
+          </p:cNvPr>
           <p:cNvSpPr>
             <a:spLocks noGrp="1"/>
           </p:cNvSpPr>
@@ -15953,101 +14677,357 @@
         </p:nvSpPr>
         <p:spPr/>
         <p:txBody>
-          <a:bodyPr>
+          <a:bodyPr vert="horz" lIns="91440" tIns="45720" rIns="91440" bIns="45720" rtlCol="0">
             <a:normAutofit/>
           </a:bodyPr>
           <a:lstStyle/>
           <a:p>
             <a:r>
               <a:rPr lang="en-US" cap="none" dirty="0"/>
-              <a:t>Review Paper - Brief Description (2/3)</a:t>
-            </a:r>
-          </a:p>
-        </p:txBody>
-      </p:sp>
-      <p:sp>
-        <p:nvSpPr>
-          <p:cNvPr id="3" name="Content Placeholder 2"/>
-          <p:cNvSpPr>
-            <a:spLocks noGrp="1"/>
-          </p:cNvSpPr>
+              <a:t>Review Paper – Approach Architecture </a:t>
+            </a:r>
+          </a:p>
+        </p:txBody>
+      </p:sp>
+      <p:pic>
+        <p:nvPicPr>
+          <p:cNvPr id="5" name="Content Placeholder 4" descr="A screenshot of a cell phone&#10;&#10;Description generated with very high confidence">
+            <a:extLst>
+              <a:ext uri="{FF2B5EF4-FFF2-40B4-BE49-F238E27FC236}">
+                <a16:creationId xmlns:a16="http://schemas.microsoft.com/office/drawing/2014/main" id="{CCC34B5C-43CF-4D4D-A46A-EA350706F5E2}"/>
+              </a:ext>
+            </a:extLst>
+          </p:cNvPr>
+          <p:cNvPicPr>
+            <a:picLocks noGrp="1" noChangeAspect="1"/>
+          </p:cNvPicPr>
           <p:nvPr>
             <p:ph idx="1"/>
           </p:nvPr>
-        </p:nvSpPr>
+        </p:nvPicPr>
+        <p:blipFill>
+          <a:blip r:embed="rId3">
+            <a:extLst>
+              <a:ext uri="{28A0092B-C50C-407E-A947-70E740481C1C}">
+                <a14:useLocalDpi xmlns:a14="http://schemas.microsoft.com/office/drawing/2010/main" val="0"/>
+              </a:ext>
+            </a:extLst>
+          </a:blip>
+          <a:stretch>
+            <a:fillRect/>
+          </a:stretch>
+        </p:blipFill>
         <p:spPr>
           <a:xfrm>
-            <a:off x="581192" y="1961283"/>
-            <a:ext cx="11029615" cy="4638675"/>
+            <a:off x="821320" y="1884910"/>
+            <a:ext cx="5100509" cy="4947747"/>
           </a:xfrm>
         </p:spPr>
-        <p:txBody>
-          <a:bodyPr anchor="t">
-            <a:noAutofit/>
+      </p:pic>
+      <p:sp>
+        <p:nvSpPr>
+          <p:cNvPr id="9" name="Slide Number Placeholder 8">
+            <a:extLst>
+              <a:ext uri="{FF2B5EF4-FFF2-40B4-BE49-F238E27FC236}">
+                <a16:creationId xmlns:a16="http://schemas.microsoft.com/office/drawing/2014/main" id="{C53AD969-BEAD-481A-938F-2D5A465C908C}"/>
+              </a:ext>
+            </a:extLst>
+          </p:cNvPr>
+          <p:cNvSpPr>
+            <a:spLocks noGrp="1"/>
+          </p:cNvSpPr>
+          <p:nvPr>
+            <p:ph type="sldNum" sz="quarter" idx="12"/>
+          </p:nvPr>
+        </p:nvSpPr>
+        <p:spPr/>
+        <p:txBody>
+          <a:bodyPr/>
+          <a:lstStyle/>
+          <a:p>
+            <a:fld id="{3352CBF5-17B8-4387-88A6-ABF9F8C64D5A}" type="slidenum">
+              <a:rPr lang="en-US" smtClean="0"/>
+              <a:t>25</a:t>
+            </a:fld>
+            <a:endParaRPr lang="en-US"/>
+          </a:p>
+        </p:txBody>
+      </p:sp>
+      <p:sp>
+        <p:nvSpPr>
+          <p:cNvPr id="6" name="TextBox 5">
+            <a:extLst>
+              <a:ext uri="{FF2B5EF4-FFF2-40B4-BE49-F238E27FC236}">
+                <a16:creationId xmlns:a16="http://schemas.microsoft.com/office/drawing/2014/main" id="{91E3748B-21C2-439B-959C-C5790FF7C608}"/>
+              </a:ext>
+            </a:extLst>
+          </p:cNvPr>
+          <p:cNvSpPr txBox="1"/>
+          <p:nvPr/>
+        </p:nvSpPr>
+        <p:spPr>
+          <a:xfrm>
+            <a:off x="6357257" y="1981739"/>
+            <a:ext cx="5253551" cy="5663089"/>
+          </a:xfrm>
+          <a:prstGeom prst="rect">
+            <a:avLst/>
+          </a:prstGeom>
+          <a:noFill/>
+        </p:spPr>
+        <p:txBody>
+          <a:bodyPr wrap="square" rtlCol="0">
+            <a:spAutoFit/>
           </a:bodyPr>
           <a:lstStyle/>
           <a:p>
-            <a:r>
-              <a:rPr lang="en-GB" sz="2000" dirty="0"/>
-              <a:t>Implemented their approach in 2 algorithms for different phases - Exploration phase, which is the online learning phase - Exploitation phase which is the decision-making phase. </a:t>
-            </a:r>
-          </a:p>
-          <a:p>
-            <a:r>
-              <a:rPr lang="en-GB" sz="2000" u="sng" dirty="0"/>
-              <a:t>Exploration phase</a:t>
-            </a:r>
-            <a:r>
-              <a:rPr lang="en-GB" sz="2000" dirty="0"/>
-              <a:t> : -</a:t>
-            </a:r>
-          </a:p>
-          <a:p>
-            <a:pPr lvl="1">
+            <a:pPr marL="322650" indent="-342900" defTabSz="457200">
+              <a:spcBef>
+                <a:spcPct val="20000"/>
+              </a:spcBef>
+              <a:spcAft>
+                <a:spcPts val="600"/>
+              </a:spcAft>
+              <a:buClr>
+                <a:schemeClr val="accent2"/>
+              </a:buClr>
+              <a:buSzPct val="92000"/>
+              <a:buFont typeface="Wingdings" panose="05000000000000000000" pitchFamily="2" charset="2"/>
+              <a:buChar char="§"/>
+            </a:pPr>
+            <a:r>
+              <a:rPr lang="en-US" sz="2000" dirty="0">
+                <a:solidFill>
+                  <a:schemeClr val="tx2"/>
+                </a:solidFill>
+              </a:rPr>
+              <a:t>Performance metrics used: </a:t>
+            </a:r>
+          </a:p>
+          <a:p>
+            <a:pPr marL="779850" lvl="1" indent="-342900" defTabSz="457200">
+              <a:spcBef>
+                <a:spcPct val="20000"/>
+              </a:spcBef>
+              <a:spcAft>
+                <a:spcPts val="600"/>
+              </a:spcAft>
+              <a:buClr>
+                <a:schemeClr val="accent2"/>
+              </a:buClr>
+              <a:buSzPct val="92000"/>
               <a:buFont typeface="Wingdings" panose="05000000000000000000" pitchFamily="2" charset="2"/>
               <a:buChar char="v"/>
             </a:pPr>
             <a:r>
-              <a:rPr lang="en-GB" sz="1800" dirty="0"/>
-              <a:t>Starting with no knowledge, the learning agent periodically monitors for SLA violations – once agent detects any violation - it selects the action with the highest reward.</a:t>
-            </a:r>
-          </a:p>
-          <a:p>
-            <a:pPr lvl="1">
+              <a:rPr lang="en-US" sz="2000" dirty="0">
+                <a:solidFill>
+                  <a:schemeClr val="tx2"/>
+                </a:solidFill>
+              </a:rPr>
+              <a:t>Users request rate </a:t>
+            </a:r>
+          </a:p>
+          <a:p>
+            <a:pPr lvl="1"/>
+            <a:endParaRPr lang="en-US" sz="2000" dirty="0">
+              <a:solidFill>
+                <a:schemeClr val="tx2"/>
+              </a:solidFill>
+            </a:endParaRPr>
+          </a:p>
+          <a:p>
+            <a:pPr marL="322650" indent="-342900" defTabSz="457200">
+              <a:spcBef>
+                <a:spcPct val="20000"/>
+              </a:spcBef>
+              <a:spcAft>
+                <a:spcPts val="600"/>
+              </a:spcAft>
+              <a:buClr>
+                <a:schemeClr val="accent2"/>
+              </a:buClr>
+              <a:buSzPct val="92000"/>
+              <a:buFont typeface="Wingdings" panose="05000000000000000000" pitchFamily="2" charset="2"/>
+              <a:buChar char="§"/>
+            </a:pPr>
+            <a:r>
+              <a:rPr lang="en-US" sz="2000" dirty="0">
+                <a:solidFill>
+                  <a:schemeClr val="tx2"/>
+                </a:solidFill>
+              </a:rPr>
+              <a:t>Resource Pressure Model which based on Time Series Analysis to predict: </a:t>
+            </a:r>
+          </a:p>
+          <a:p>
+            <a:pPr marL="779850" lvl="1" indent="-342900" defTabSz="457200">
+              <a:spcBef>
+                <a:spcPct val="20000"/>
+              </a:spcBef>
+              <a:spcAft>
+                <a:spcPts val="600"/>
+              </a:spcAft>
+              <a:buClr>
+                <a:schemeClr val="accent2"/>
+              </a:buClr>
+              <a:buSzPct val="92000"/>
               <a:buFont typeface="Wingdings" panose="05000000000000000000" pitchFamily="2" charset="2"/>
               <a:buChar char="v"/>
             </a:pPr>
             <a:r>
-              <a:rPr lang="en-GB" sz="2000" dirty="0"/>
-              <a:t>Exploring of all the possible actions is done using a simple exhaustive exploration algorithm.</a:t>
-            </a:r>
-          </a:p>
-          <a:p>
-            <a:pPr lvl="1">
+              <a:rPr lang="en-US" sz="2000" dirty="0">
+                <a:solidFill>
+                  <a:schemeClr val="tx2"/>
+                </a:solidFill>
+              </a:rPr>
+              <a:t>Number of VMs</a:t>
+            </a:r>
+          </a:p>
+          <a:p>
+            <a:pPr marL="779850" lvl="1" indent="-342900" defTabSz="457200">
+              <a:spcBef>
+                <a:spcPct val="20000"/>
+              </a:spcBef>
+              <a:spcAft>
+                <a:spcPts val="600"/>
+              </a:spcAft>
+              <a:buClr>
+                <a:schemeClr val="accent2"/>
+              </a:buClr>
+              <a:buSzPct val="92000"/>
               <a:buFont typeface="Wingdings" panose="05000000000000000000" pitchFamily="2" charset="2"/>
               <a:buChar char="v"/>
             </a:pPr>
             <a:r>
-              <a:rPr lang="en-GB" sz="2000" dirty="0"/>
-              <a:t>Each of the states visited during this phase are logged and later used to build a neural network regression model. </a:t>
-            </a:r>
-          </a:p>
-          <a:p>
-            <a:pPr lvl="1">
+              <a:rPr lang="en-US" sz="2000" dirty="0">
+                <a:solidFill>
+                  <a:schemeClr val="tx2"/>
+                </a:solidFill>
+              </a:rPr>
+              <a:t>Number of  VCPUs</a:t>
+            </a:r>
+          </a:p>
+          <a:p>
+            <a:pPr marL="742950" lvl="1" indent="-285750">
+              <a:buFont typeface="Arial" panose="020B0604020202020204" pitchFamily="34" charset="0"/>
+              <a:buChar char="•"/>
+            </a:pPr>
+            <a:endParaRPr lang="en-US" sz="2000" dirty="0">
+              <a:solidFill>
+                <a:schemeClr val="tx2"/>
+              </a:solidFill>
+            </a:endParaRPr>
+          </a:p>
+          <a:p>
+            <a:pPr marL="322650" indent="-342900" defTabSz="457200">
+              <a:spcBef>
+                <a:spcPct val="20000"/>
+              </a:spcBef>
+              <a:spcAft>
+                <a:spcPts val="600"/>
+              </a:spcAft>
+              <a:buClr>
+                <a:schemeClr val="accent2"/>
+              </a:buClr>
+              <a:buSzPct val="92000"/>
               <a:buFont typeface="Wingdings" panose="05000000000000000000" pitchFamily="2" charset="2"/>
-              <a:buChar char="v"/>
+              <a:buChar char="§"/>
             </a:pPr>
             <a:r>
-              <a:rPr lang="en-GB" sz="2000" dirty="0"/>
-              <a:t>For given workload and tier configuration, this model will then be used to predict the service time required for by the auto scaler during next phase.</a:t>
-            </a:r>
+              <a:rPr lang="en-US" sz="2000" dirty="0">
+                <a:solidFill>
+                  <a:schemeClr val="tx2"/>
+                </a:solidFill>
+              </a:rPr>
+              <a:t>First action </a:t>
+            </a:r>
+            <a:r>
+              <a:rPr lang="en-US" sz="2000" dirty="0">
+                <a:solidFill>
+                  <a:schemeClr val="tx2"/>
+                </a:solidFill>
+                <a:sym typeface="Wingdings" panose="05000000000000000000" pitchFamily="2" charset="2"/>
+              </a:rPr>
+              <a:t> to scale horizontally for the next hour. </a:t>
+            </a:r>
+          </a:p>
+          <a:p>
+            <a:pPr marL="285750" indent="-306000" defTabSz="457200">
+              <a:spcBef>
+                <a:spcPct val="20000"/>
+              </a:spcBef>
+              <a:spcAft>
+                <a:spcPts val="600"/>
+              </a:spcAft>
+              <a:buClr>
+                <a:schemeClr val="accent2"/>
+              </a:buClr>
+              <a:buSzPct val="92000"/>
+              <a:buFont typeface="Arial" panose="020B0604020202020204" pitchFamily="34" charset="0"/>
+              <a:buChar char="•"/>
+            </a:pPr>
+            <a:endParaRPr lang="en-US" sz="2000" dirty="0">
+              <a:solidFill>
+                <a:schemeClr val="tx2"/>
+              </a:solidFill>
+              <a:sym typeface="Wingdings" panose="05000000000000000000" pitchFamily="2" charset="2"/>
+            </a:endParaRPr>
+          </a:p>
+          <a:p>
+            <a:pPr marL="322650" indent="-342900" defTabSz="457200">
+              <a:spcBef>
+                <a:spcPct val="20000"/>
+              </a:spcBef>
+              <a:spcAft>
+                <a:spcPts val="600"/>
+              </a:spcAft>
+              <a:buClr>
+                <a:schemeClr val="accent2"/>
+              </a:buClr>
+              <a:buSzPct val="92000"/>
+              <a:buFont typeface="Wingdings" panose="05000000000000000000" pitchFamily="2" charset="2"/>
+              <a:buChar char="§"/>
+            </a:pPr>
+            <a:r>
+              <a:rPr lang="en-US" sz="2000" dirty="0">
+                <a:solidFill>
+                  <a:schemeClr val="tx2"/>
+                </a:solidFill>
+                <a:sym typeface="Wingdings" panose="05000000000000000000" pitchFamily="2" charset="2"/>
+              </a:rPr>
+              <a:t>SLA violation detection  scale vertically </a:t>
+            </a:r>
+            <a:endParaRPr lang="en-US" sz="2000" dirty="0">
+              <a:solidFill>
+                <a:schemeClr val="tx2"/>
+              </a:solidFill>
+            </a:endParaRPr>
+          </a:p>
+          <a:p>
+            <a:pPr lvl="1"/>
+            <a:endParaRPr lang="en-US" dirty="0"/>
+          </a:p>
+          <a:p>
+            <a:pPr marL="285750" indent="-285750">
+              <a:buFont typeface="Arial" panose="020B0604020202020204" pitchFamily="34" charset="0"/>
+              <a:buChar char="•"/>
+            </a:pPr>
+            <a:endParaRPr lang="en-US" dirty="0"/>
+          </a:p>
+          <a:p>
+            <a:pPr marL="285750" indent="-285750">
+              <a:buFont typeface="Arial" panose="020B0604020202020204" pitchFamily="34" charset="0"/>
+              <a:buChar char="•"/>
+            </a:pPr>
+            <a:endParaRPr lang="en-US" dirty="0"/>
           </a:p>
         </p:txBody>
       </p:sp>
     </p:spTree>
     <p:extLst>
       <p:ext uri="{BB962C8B-B14F-4D97-AF65-F5344CB8AC3E}">
-        <p14:creationId xmlns:p14="http://schemas.microsoft.com/office/powerpoint/2010/main" val="3649391137"/>
+        <p14:creationId xmlns:p14="http://schemas.microsoft.com/office/powerpoint/2010/main" val="1657648202"/>
       </p:ext>
     </p:extLst>
   </p:cSld>
@@ -16076,7 +15056,13 @@
       </p:grpSpPr>
       <p:sp>
         <p:nvSpPr>
-          <p:cNvPr id="2" name="Title 1"/>
+          <p:cNvPr id="2" name="Title 1">
+            <a:extLst>
+              <a:ext uri="{FF2B5EF4-FFF2-40B4-BE49-F238E27FC236}">
+                <a16:creationId xmlns:a16="http://schemas.microsoft.com/office/drawing/2014/main" id="{4EA9158D-CABB-4B88-8DA9-62C063E84DC2}"/>
+              </a:ext>
+            </a:extLst>
+          </p:cNvPr>
           <p:cNvSpPr>
             <a:spLocks noGrp="1"/>
           </p:cNvSpPr>
@@ -16086,21 +15072,56 @@
         </p:nvSpPr>
         <p:spPr/>
         <p:txBody>
-          <a:bodyPr>
+          <a:bodyPr vert="horz" lIns="91440" tIns="45720" rIns="91440" bIns="45720" rtlCol="0">
             <a:normAutofit/>
           </a:bodyPr>
           <a:lstStyle/>
           <a:p>
             <a:r>
               <a:rPr lang="en-US" cap="none" dirty="0"/>
-              <a:t>Review Paper - Brief Description (3/3)</a:t>
-            </a:r>
-          </a:p>
-        </p:txBody>
-      </p:sp>
-      <p:sp>
-        <p:nvSpPr>
-          <p:cNvPr id="3" name="Content Placeholder 2"/>
+              <a:t>Strengths and Weaknesses</a:t>
+            </a:r>
+          </a:p>
+        </p:txBody>
+      </p:sp>
+      <p:sp>
+        <p:nvSpPr>
+          <p:cNvPr id="9" name="Slide Number Placeholder 8">
+            <a:extLst>
+              <a:ext uri="{FF2B5EF4-FFF2-40B4-BE49-F238E27FC236}">
+                <a16:creationId xmlns:a16="http://schemas.microsoft.com/office/drawing/2014/main" id="{C53AD969-BEAD-481A-938F-2D5A465C908C}"/>
+              </a:ext>
+            </a:extLst>
+          </p:cNvPr>
+          <p:cNvSpPr>
+            <a:spLocks noGrp="1"/>
+          </p:cNvSpPr>
+          <p:nvPr>
+            <p:ph type="sldNum" sz="quarter" idx="12"/>
+          </p:nvPr>
+        </p:nvSpPr>
+        <p:spPr/>
+        <p:txBody>
+          <a:bodyPr/>
+          <a:lstStyle/>
+          <a:p>
+            <a:fld id="{3352CBF5-17B8-4387-88A6-ABF9F8C64D5A}" type="slidenum">
+              <a:rPr lang="en-US" smtClean="0"/>
+              <a:t>26</a:t>
+            </a:fld>
+            <a:endParaRPr lang="en-US"/>
+          </a:p>
+        </p:txBody>
+      </p:sp>
+      <p:sp>
+        <p:nvSpPr>
+          <p:cNvPr id="4" name="Content Placeholder 3">
+            <a:extLst>
+              <a:ext uri="{FF2B5EF4-FFF2-40B4-BE49-F238E27FC236}">
+                <a16:creationId xmlns:a16="http://schemas.microsoft.com/office/drawing/2014/main" id="{4CE47634-59C3-43BE-85F0-30002F1BEA16}"/>
+              </a:ext>
+            </a:extLst>
+          </p:cNvPr>
           <p:cNvSpPr>
             <a:spLocks noGrp="1"/>
           </p:cNvSpPr>
@@ -16110,23 +15131,17 @@
         </p:nvSpPr>
         <p:spPr>
           <a:xfrm>
-            <a:off x="581193" y="1941877"/>
-            <a:ext cx="11029615" cy="4638675"/>
+            <a:off x="461449" y="1981200"/>
+            <a:ext cx="11149359" cy="4724400"/>
           </a:xfrm>
         </p:spPr>
         <p:txBody>
-          <a:bodyPr anchor="t">
-            <a:noAutofit/>
-          </a:bodyPr>
-          <a:lstStyle/>
-          <a:p>
-            <a:r>
-              <a:rPr lang="en-GB" sz="2000" u="sng" dirty="0"/>
-              <a:t>Exploitation Phase</a:t>
-            </a:r>
-            <a:r>
-              <a:rPr lang="en-GB" sz="2000" dirty="0"/>
-              <a:t> :-</a:t>
+          <a:bodyPr anchor="t"/>
+          <a:lstStyle/>
+          <a:p>
+            <a:r>
+              <a:rPr lang="en-US" sz="2000" dirty="0"/>
+              <a:t>Strengths:</a:t>
             </a:r>
           </a:p>
           <a:p>
@@ -16135,8 +15150,8 @@
               <a:buChar char="v"/>
             </a:pPr>
             <a:r>
-              <a:rPr lang="en-GB" sz="1800" dirty="0"/>
-              <a:t>When SLA violation is perceived - the value of each action is calculated by – first by using the  regression model and predicting the service time that the action would take and then by calculating the reward. </a:t>
+              <a:rPr lang="en-US" sz="1800" dirty="0"/>
+              <a:t>The algorithm is able to handle the spike (i.e. burst workload) </a:t>
             </a:r>
           </a:p>
           <a:p>
@@ -16145,8 +15160,34 @@
               <a:buChar char="v"/>
             </a:pPr>
             <a:r>
-              <a:rPr lang="en-GB" sz="2000" dirty="0"/>
-              <a:t>Once that is complete, the action with the maximum reward is selected. </a:t>
+              <a:rPr lang="en-US" sz="1800" dirty="0"/>
+              <a:t>Minimize SLA violation</a:t>
+            </a:r>
+          </a:p>
+          <a:p>
+            <a:pPr lvl="1">
+              <a:buFont typeface="Wingdings" panose="05000000000000000000" pitchFamily="2" charset="2"/>
+              <a:buChar char="v"/>
+            </a:pPr>
+            <a:r>
+              <a:rPr lang="en-US" sz="1800" dirty="0"/>
+              <a:t>Not only scaling decision, but it predict number of resources to allocate. </a:t>
+            </a:r>
+          </a:p>
+          <a:p>
+            <a:r>
+              <a:rPr lang="en-US" sz="2000" dirty="0"/>
+              <a:t>Weakness:</a:t>
+            </a:r>
+          </a:p>
+          <a:p>
+            <a:pPr lvl="1">
+              <a:buFont typeface="Wingdings" panose="05000000000000000000" pitchFamily="2" charset="2"/>
+              <a:buChar char="v"/>
+            </a:pPr>
+            <a:r>
+              <a:rPr lang="en-US" sz="1800" dirty="0"/>
+              <a:t>Assume that all VMs are homogeneous. </a:t>
             </a:r>
           </a:p>
         </p:txBody>
@@ -16154,7 +15195,7 @@
     </p:spTree>
     <p:extLst>
       <p:ext uri="{BB962C8B-B14F-4D97-AF65-F5344CB8AC3E}">
-        <p14:creationId xmlns:p14="http://schemas.microsoft.com/office/powerpoint/2010/main" val="3165071880"/>
+        <p14:creationId xmlns:p14="http://schemas.microsoft.com/office/powerpoint/2010/main" val="3206725640"/>
       </p:ext>
     </p:extLst>
   </p:cSld>
@@ -16183,99 +15224,71 @@
       </p:grpSpPr>
       <p:sp>
         <p:nvSpPr>
-          <p:cNvPr id="2" name="Title 1"/>
-          <p:cNvSpPr>
-            <a:spLocks noGrp="1"/>
-          </p:cNvSpPr>
-          <p:nvPr>
-            <p:ph type="title"/>
-          </p:nvPr>
-        </p:nvSpPr>
-        <p:spPr/>
-        <p:txBody>
-          <a:bodyPr>
-            <a:normAutofit/>
-          </a:bodyPr>
-          <a:lstStyle/>
-          <a:p>
-            <a:r>
-              <a:rPr lang="en-US" cap="none" dirty="0"/>
-              <a:t>Review Paper – Evaluation Techniques Used</a:t>
-            </a:r>
-          </a:p>
-        </p:txBody>
-      </p:sp>
-      <p:sp>
-        <p:nvSpPr>
-          <p:cNvPr id="3" name="Content Placeholder 2"/>
-          <p:cNvSpPr>
-            <a:spLocks noGrp="1"/>
-          </p:cNvSpPr>
-          <p:nvPr>
-            <p:ph idx="1"/>
+          <p:cNvPr id="4" name="Title 3">
+            <a:extLst>
+              <a:ext uri="{FF2B5EF4-FFF2-40B4-BE49-F238E27FC236}">
+                <a16:creationId xmlns:a16="http://schemas.microsoft.com/office/drawing/2014/main" id="{B5AA14DC-37F4-407D-8D2D-A64730DAA6A0}"/>
+              </a:ext>
+            </a:extLst>
+          </p:cNvPr>
+          <p:cNvSpPr>
+            <a:spLocks noGrp="1"/>
+          </p:cNvSpPr>
+          <p:nvPr>
+            <p:ph type="ctrTitle"/>
           </p:nvPr>
         </p:nvSpPr>
         <p:spPr>
           <a:xfrm>
-            <a:off x="581192" y="1802661"/>
-            <a:ext cx="11029615" cy="4859396"/>
+            <a:off x="447841" y="1020431"/>
+            <a:ext cx="11496509" cy="1932319"/>
           </a:xfrm>
         </p:spPr>
         <p:txBody>
-          <a:bodyPr anchor="ctr">
-            <a:noAutofit/>
-          </a:bodyPr>
-          <a:lstStyle/>
-          <a:p>
-            <a:r>
-              <a:rPr lang="en-GB" sz="2000" dirty="0"/>
-              <a:t>In order to evaluate their work, they implemented their policy learning module on a two-tier web application installed on Amazon Elastic Compute Cloud (EC2) and </a:t>
-            </a:r>
-            <a:r>
-              <a:rPr lang="en-GB" sz="2000" dirty="0" err="1"/>
-              <a:t>RUBiS</a:t>
-            </a:r>
-            <a:r>
-              <a:rPr lang="en-GB" sz="2000" dirty="0"/>
-              <a:t>, a benchmark Web application for auctions, as a sample web application. </a:t>
-            </a:r>
-          </a:p>
-          <a:p>
-            <a:r>
-              <a:rPr lang="en-GB" sz="2000" dirty="0"/>
-              <a:t>Two experiments – light workload pattern and heavy workload pattern. </a:t>
-            </a:r>
-          </a:p>
-          <a:p>
-            <a:r>
-              <a:rPr lang="en-GB" sz="2000" dirty="0"/>
-              <a:t>Analysed and compared the performance of their policy learning methods with the industry standard rule based methods CPU reactive and response reactive. </a:t>
-            </a:r>
-          </a:p>
-          <a:p>
-            <a:r>
-              <a:rPr lang="en-GB" sz="2000" dirty="0"/>
-              <a:t>The performance metrics they looked at were the total number of allocated CPU hours and the percentage of requests violating the SLA. </a:t>
-            </a:r>
-          </a:p>
-          <a:p>
-            <a:r>
-              <a:rPr lang="en-GB" sz="2000" dirty="0"/>
-              <a:t>Their proposed solutions allocated fewer CPU hours in the policy learning stage for both experiments.</a:t>
-            </a:r>
-          </a:p>
-          <a:p>
-            <a:r>
-              <a:rPr lang="en-GB" sz="2000" dirty="0"/>
-              <a:t>However, in terms of requests violating the SLA, they had a higher percentage for exploration and exploitation phases compared to CPU reactive and response reactive. </a:t>
-            </a:r>
+          <a:bodyPr/>
+          <a:lstStyle/>
+          <a:p>
+            <a:r>
+              <a:rPr lang="en-US" cap="none" dirty="0"/>
+              <a:t>Evaluation of Techniques</a:t>
+            </a:r>
+            <a:endParaRPr lang="en-GB" cap="none" dirty="0"/>
+          </a:p>
+        </p:txBody>
+      </p:sp>
+      <p:sp>
+        <p:nvSpPr>
+          <p:cNvPr id="7" name="Slide Number Placeholder 6">
+            <a:extLst>
+              <a:ext uri="{FF2B5EF4-FFF2-40B4-BE49-F238E27FC236}">
+                <a16:creationId xmlns:a16="http://schemas.microsoft.com/office/drawing/2014/main" id="{70774AB7-8287-4220-9D57-715064D5EE6B}"/>
+              </a:ext>
+            </a:extLst>
+          </p:cNvPr>
+          <p:cNvSpPr>
+            <a:spLocks noGrp="1"/>
+          </p:cNvSpPr>
+          <p:nvPr>
+            <p:ph type="sldNum" sz="quarter" idx="12"/>
+          </p:nvPr>
+        </p:nvSpPr>
+        <p:spPr/>
+        <p:txBody>
+          <a:bodyPr/>
+          <a:lstStyle/>
+          <a:p>
+            <a:fld id="{3352CBF5-17B8-4387-88A6-ABF9F8C64D5A}" type="slidenum">
+              <a:rPr lang="en-US" smtClean="0"/>
+              <a:t>27</a:t>
+            </a:fld>
+            <a:endParaRPr lang="en-US"/>
           </a:p>
         </p:txBody>
       </p:sp>
     </p:spTree>
     <p:extLst>
       <p:ext uri="{BB962C8B-B14F-4D97-AF65-F5344CB8AC3E}">
-        <p14:creationId xmlns:p14="http://schemas.microsoft.com/office/powerpoint/2010/main" val="34500879"/>
+        <p14:creationId xmlns:p14="http://schemas.microsoft.com/office/powerpoint/2010/main" val="3084288089"/>
       </p:ext>
     </p:extLst>
   </p:cSld>
@@ -16304,7 +15317,13 @@
       </p:grpSpPr>
       <p:sp>
         <p:nvSpPr>
-          <p:cNvPr id="2" name="Title 1"/>
+          <p:cNvPr id="2" name="Title 1">
+            <a:extLst>
+              <a:ext uri="{FF2B5EF4-FFF2-40B4-BE49-F238E27FC236}">
+                <a16:creationId xmlns:a16="http://schemas.microsoft.com/office/drawing/2014/main" id="{4EA9158D-CABB-4B88-8DA9-62C063E84DC2}"/>
+              </a:ext>
+            </a:extLst>
+          </p:cNvPr>
           <p:cNvSpPr>
             <a:spLocks noGrp="1"/>
           </p:cNvSpPr>
@@ -16314,21 +15333,28 @@
         </p:nvSpPr>
         <p:spPr/>
         <p:txBody>
-          <a:bodyPr>
+          <a:bodyPr vert="horz" lIns="91440" tIns="45720" rIns="91440" bIns="45720" rtlCol="0">
             <a:normAutofit/>
           </a:bodyPr>
           <a:lstStyle/>
           <a:p>
             <a:r>
-              <a:rPr lang="en-US" cap="none" dirty="0"/>
-              <a:t>Review Paper – Strengths and Weaknesses</a:t>
-            </a:r>
-          </a:p>
-        </p:txBody>
-      </p:sp>
-      <p:sp>
-        <p:nvSpPr>
-          <p:cNvPr id="3" name="Content Placeholder 2"/>
+              <a:rPr lang="en-GB" cap="none" dirty="0"/>
+              <a:t>Reactive based techniques</a:t>
+            </a:r>
+            <a:endParaRPr lang="en-US" cap="none" dirty="0"/>
+          </a:p>
+        </p:txBody>
+      </p:sp>
+      <p:sp>
+        <p:nvSpPr>
+          <p:cNvPr id="4" name="Content Placeholder 3">
+            <a:extLst>
+              <a:ext uri="{FF2B5EF4-FFF2-40B4-BE49-F238E27FC236}">
+                <a16:creationId xmlns:a16="http://schemas.microsoft.com/office/drawing/2014/main" id="{4CE47634-59C3-43BE-85F0-30002F1BEA16}"/>
+              </a:ext>
+            </a:extLst>
+          </p:cNvPr>
           <p:cNvSpPr>
             <a:spLocks noGrp="1"/>
           </p:cNvSpPr>
@@ -16338,8 +15364,8 @@
         </p:nvSpPr>
         <p:spPr>
           <a:xfrm>
-            <a:off x="439678" y="1976833"/>
-            <a:ext cx="11029615" cy="4638675"/>
+            <a:off x="459272" y="1996895"/>
+            <a:ext cx="11029615" cy="3678303"/>
           </a:xfrm>
         </p:spPr>
         <p:txBody>
@@ -16350,51 +15376,50 @@
           <a:p>
             <a:r>
               <a:rPr lang="en-GB" sz="2000" dirty="0"/>
-              <a:t>Strengths</a:t>
-            </a:r>
-          </a:p>
-          <a:p>
-            <a:pPr lvl="1">
-              <a:buFont typeface="Wingdings" panose="05000000000000000000" pitchFamily="2" charset="2"/>
-              <a:buChar char="v"/>
-            </a:pPr>
-            <a:r>
-              <a:rPr lang="en-GB" sz="1800" dirty="0"/>
-              <a:t>Their proposed method is it considers both the raw arrival rate and the workload pattern - the learner is better at provisioning resources. </a:t>
-            </a:r>
-          </a:p>
-          <a:p>
-            <a:pPr lvl="1">
-              <a:buFont typeface="Wingdings" panose="05000000000000000000" pitchFamily="2" charset="2"/>
-              <a:buChar char="v"/>
-            </a:pPr>
-            <a:r>
-              <a:rPr lang="en-GB" sz="1800" dirty="0"/>
-              <a:t>Scaling strategy - prioritize scaling out at the web tier over database tier for actions with same response time. – Avoid data synchronization in the database tier and overhead load balancing at the web tier caused by database tier.</a:t>
+              <a:t>Overhead delays in the auto scaling process. - allocated resources need to be setup at the time of need. </a:t>
             </a:r>
           </a:p>
           <a:p>
             <a:r>
               <a:rPr lang="en-GB" sz="2000" dirty="0"/>
-              <a:t>Weakness</a:t>
-            </a:r>
-          </a:p>
-          <a:p>
-            <a:pPr lvl="1">
-              <a:buFont typeface="Wingdings" panose="05000000000000000000" pitchFamily="2" charset="2"/>
-              <a:buChar char="v"/>
-            </a:pPr>
-            <a:r>
-              <a:rPr lang="en-GB" sz="1800" dirty="0"/>
-              <a:t>Assumption that their system would always have sufficient bandwidth and enough time would be given to the auto-scaler to collect access logs from the application, learn and implement a policy before workload changes occur.</a:t>
-            </a:r>
+              <a:t>Threshold-based techniques are no longer the trend- used in collaboration with other techniques to overcome their weaknesses </a:t>
+            </a:r>
+          </a:p>
+        </p:txBody>
+      </p:sp>
+      <p:sp>
+        <p:nvSpPr>
+          <p:cNvPr id="9" name="Slide Number Placeholder 8">
+            <a:extLst>
+              <a:ext uri="{FF2B5EF4-FFF2-40B4-BE49-F238E27FC236}">
+                <a16:creationId xmlns:a16="http://schemas.microsoft.com/office/drawing/2014/main" id="{C53AD969-BEAD-481A-938F-2D5A465C908C}"/>
+              </a:ext>
+            </a:extLst>
+          </p:cNvPr>
+          <p:cNvSpPr>
+            <a:spLocks noGrp="1"/>
+          </p:cNvSpPr>
+          <p:nvPr>
+            <p:ph type="sldNum" sz="quarter" idx="12"/>
+          </p:nvPr>
+        </p:nvSpPr>
+        <p:spPr/>
+        <p:txBody>
+          <a:bodyPr/>
+          <a:lstStyle/>
+          <a:p>
+            <a:fld id="{3352CBF5-17B8-4387-88A6-ABF9F8C64D5A}" type="slidenum">
+              <a:rPr lang="en-US" smtClean="0"/>
+              <a:t>28</a:t>
+            </a:fld>
+            <a:endParaRPr lang="en-US"/>
           </a:p>
         </p:txBody>
       </p:sp>
     </p:spTree>
     <p:extLst>
       <p:ext uri="{BB962C8B-B14F-4D97-AF65-F5344CB8AC3E}">
-        <p14:creationId xmlns:p14="http://schemas.microsoft.com/office/powerpoint/2010/main" val="2821196515"/>
+        <p14:creationId xmlns:p14="http://schemas.microsoft.com/office/powerpoint/2010/main" val="2405629071"/>
       </p:ext>
     </p:extLst>
   </p:cSld>
@@ -16423,10 +15448,10 @@
       </p:grpSpPr>
       <p:sp>
         <p:nvSpPr>
-          <p:cNvPr id="4" name="Title 3">
+          <p:cNvPr id="2" name="Title 1">
             <a:extLst>
               <a:ext uri="{FF2B5EF4-FFF2-40B4-BE49-F238E27FC236}">
-                <a16:creationId xmlns:a16="http://schemas.microsoft.com/office/drawing/2014/main" id="{B5AA14DC-37F4-407D-8D2D-A64730DAA6A0}"/>
+                <a16:creationId xmlns:a16="http://schemas.microsoft.com/office/drawing/2014/main" id="{4EA9158D-CABB-4B88-8DA9-62C063E84DC2}"/>
               </a:ext>
             </a:extLst>
           </p:cNvPr>
@@ -16434,32 +15459,105 @@
             <a:spLocks noGrp="1"/>
           </p:cNvSpPr>
           <p:nvPr>
-            <p:ph type="ctrTitle"/>
+            <p:ph type="title"/>
+          </p:nvPr>
+        </p:nvSpPr>
+        <p:spPr/>
+        <p:txBody>
+          <a:bodyPr vert="horz" lIns="91440" tIns="45720" rIns="91440" bIns="45720" rtlCol="0">
+            <a:normAutofit/>
+          </a:bodyPr>
+          <a:lstStyle/>
+          <a:p>
+            <a:r>
+              <a:rPr lang="en-GB" cap="none" dirty="0"/>
+              <a:t>Proactive based techniques</a:t>
+            </a:r>
+            <a:endParaRPr lang="en-US" cap="none" dirty="0"/>
+          </a:p>
+        </p:txBody>
+      </p:sp>
+      <p:sp>
+        <p:nvSpPr>
+          <p:cNvPr id="4" name="Content Placeholder 3">
+            <a:extLst>
+              <a:ext uri="{FF2B5EF4-FFF2-40B4-BE49-F238E27FC236}">
+                <a16:creationId xmlns:a16="http://schemas.microsoft.com/office/drawing/2014/main" id="{4CE47634-59C3-43BE-85F0-30002F1BEA16}"/>
+              </a:ext>
+            </a:extLst>
+          </p:cNvPr>
+          <p:cNvSpPr>
+            <a:spLocks noGrp="1"/>
+          </p:cNvSpPr>
+          <p:nvPr>
+            <p:ph idx="1"/>
           </p:nvPr>
         </p:nvSpPr>
         <p:spPr>
           <a:xfrm>
-            <a:off x="447841" y="1020431"/>
-            <a:ext cx="11496509" cy="1932319"/>
+            <a:off x="459272" y="1996895"/>
+            <a:ext cx="11295848" cy="4637585"/>
           </a:xfrm>
         </p:spPr>
         <p:txBody>
-          <a:bodyPr/>
-          <a:lstStyle/>
-          <a:p>
-            <a:r>
-              <a:rPr lang="en-GB" cap="none" dirty="0"/>
-              <a:t>Time Series Analysis based Technique</a:t>
-            </a:r>
-          </a:p>
-        </p:txBody>
-      </p:sp>
-      <p:sp>
-        <p:nvSpPr>
-          <p:cNvPr id="7" name="Slide Number Placeholder 6">
+          <a:bodyPr anchor="t">
+            <a:normAutofit/>
+          </a:bodyPr>
+          <a:lstStyle/>
+          <a:p>
+            <a:r>
+              <a:rPr lang="en-GB" sz="2400" dirty="0"/>
+              <a:t>Introduced to solve the problem of overhead delay seen in reactive based </a:t>
+            </a:r>
+          </a:p>
+          <a:p>
+            <a:r>
+              <a:rPr lang="en-GB" sz="2400" u="sng" dirty="0"/>
+              <a:t>Weakness of proactive techniques  </a:t>
+            </a:r>
+            <a:r>
+              <a:rPr lang="en-GB" sz="2400" dirty="0"/>
+              <a:t>- don’t perform well in cases of short-term burst workloads. </a:t>
+            </a:r>
+          </a:p>
+          <a:p>
+            <a:r>
+              <a:rPr lang="en-GB" sz="2400" u="sng" dirty="0"/>
+              <a:t>Strength of RL </a:t>
+            </a:r>
+            <a:r>
+              <a:rPr lang="en-GB" sz="2400" dirty="0"/>
+              <a:t>- Ability to easily be plugged and used in any application on the go.</a:t>
+            </a:r>
+          </a:p>
+          <a:p>
+            <a:r>
+              <a:rPr lang="en-GB" sz="2400" u="sng" dirty="0"/>
+              <a:t>Strength of TSA</a:t>
+            </a:r>
+            <a:r>
+              <a:rPr lang="en-GB" sz="2400" dirty="0"/>
+              <a:t> - Applications with predictable workload patterns and stored application logs and usage details.</a:t>
+            </a:r>
+          </a:p>
+          <a:p>
+            <a:r>
+              <a:rPr lang="en-GB" sz="2400" u="sng" dirty="0"/>
+              <a:t>Weakness  of RL </a:t>
+            </a:r>
+            <a:r>
+              <a:rPr lang="en-GB" sz="2400" dirty="0"/>
+              <a:t>- Learning process in most cases a time-consuming process - may become impractically long in some cases. </a:t>
+            </a:r>
+          </a:p>
+        </p:txBody>
+      </p:sp>
+      <p:sp>
+        <p:nvSpPr>
+          <p:cNvPr id="9" name="Slide Number Placeholder 8">
             <a:extLst>
               <a:ext uri="{FF2B5EF4-FFF2-40B4-BE49-F238E27FC236}">
-                <a16:creationId xmlns:a16="http://schemas.microsoft.com/office/drawing/2014/main" id="{59D1F2A6-0268-410F-979B-FCE5D06CF370}"/>
+                <a16:creationId xmlns:a16="http://schemas.microsoft.com/office/drawing/2014/main" id="{C53AD969-BEAD-481A-938F-2D5A465C908C}"/>
               </a:ext>
             </a:extLst>
           </p:cNvPr>
@@ -16486,7 +15584,7 @@
     </p:spTree>
     <p:extLst>
       <p:ext uri="{BB962C8B-B14F-4D97-AF65-F5344CB8AC3E}">
-        <p14:creationId xmlns:p14="http://schemas.microsoft.com/office/powerpoint/2010/main" val="3482530504"/>
+        <p14:creationId xmlns:p14="http://schemas.microsoft.com/office/powerpoint/2010/main" val="3698335369"/>
       </p:ext>
     </p:extLst>
   </p:cSld>
@@ -16608,181 +15706,44 @@
       </p:grpSpPr>
       <p:sp>
         <p:nvSpPr>
-          <p:cNvPr id="2" name="Title 1"/>
-          <p:cNvSpPr>
-            <a:spLocks noGrp="1"/>
-          </p:cNvSpPr>
-          <p:nvPr>
-            <p:ph type="title"/>
-          </p:nvPr>
-        </p:nvSpPr>
-        <p:spPr/>
-        <p:txBody>
-          <a:bodyPr>
-            <a:normAutofit/>
-          </a:bodyPr>
-          <a:lstStyle/>
-          <a:p>
-            <a:r>
-              <a:rPr lang="en-US" cap="none" dirty="0"/>
-              <a:t>Main Concept</a:t>
-            </a:r>
-          </a:p>
-        </p:txBody>
-      </p:sp>
-      <p:sp>
-        <p:nvSpPr>
-          <p:cNvPr id="3" name="Content Placeholder 2"/>
-          <p:cNvSpPr>
-            <a:spLocks noGrp="1"/>
-          </p:cNvSpPr>
-          <p:nvPr>
-            <p:ph idx="1"/>
+          <p:cNvPr id="4" name="Title 3">
+            <a:extLst>
+              <a:ext uri="{FF2B5EF4-FFF2-40B4-BE49-F238E27FC236}">
+                <a16:creationId xmlns:a16="http://schemas.microsoft.com/office/drawing/2014/main" id="{B5AA14DC-37F4-407D-8D2D-A64730DAA6A0}"/>
+              </a:ext>
+            </a:extLst>
+          </p:cNvPr>
+          <p:cNvSpPr>
+            <a:spLocks noGrp="1"/>
+          </p:cNvSpPr>
+          <p:nvPr>
+            <p:ph type="ctrTitle"/>
           </p:nvPr>
         </p:nvSpPr>
         <p:spPr>
           <a:xfrm>
-            <a:off x="461449" y="1996895"/>
-            <a:ext cx="11295122" cy="4158949"/>
+            <a:off x="447841" y="1020431"/>
+            <a:ext cx="11496509" cy="1932319"/>
           </a:xfrm>
         </p:spPr>
         <p:txBody>
-          <a:bodyPr anchor="t">
-            <a:normAutofit/>
-          </a:bodyPr>
-          <a:lstStyle/>
-          <a:p>
-            <a:r>
-              <a:rPr lang="en-US" sz="2000" dirty="0"/>
-              <a:t>Auto-scaling problem can be divided into two main steps:</a:t>
-            </a:r>
-          </a:p>
-          <a:p>
-            <a:pPr lvl="1">
-              <a:buFont typeface="Wingdings" panose="05000000000000000000" pitchFamily="2" charset="2"/>
-              <a:buChar char="v"/>
-            </a:pPr>
-            <a:r>
-              <a:rPr lang="en-US" sz="1800" dirty="0"/>
-              <a:t>Prediction</a:t>
-            </a:r>
-          </a:p>
-          <a:p>
-            <a:pPr lvl="1">
-              <a:buFont typeface="Wingdings" panose="05000000000000000000" pitchFamily="2" charset="2"/>
-              <a:buChar char="v"/>
-            </a:pPr>
-            <a:r>
-              <a:rPr lang="en-US" sz="1800" dirty="0"/>
-              <a:t>Decision-making </a:t>
-            </a:r>
-          </a:p>
-          <a:p>
-            <a:pPr>
-              <a:buSzPct val="100000"/>
-              <a:buFont typeface="Wingdings" panose="05000000000000000000" pitchFamily="2" charset="2"/>
-              <a:buChar char="§"/>
-            </a:pPr>
-            <a:r>
-              <a:rPr lang="en-US" sz="2000" dirty="0"/>
-              <a:t>Time series analysis can only be applied to the first step (i.e. prediction step).</a:t>
-            </a:r>
-            <a:endParaRPr lang="en-GB" sz="2000" dirty="0"/>
-          </a:p>
-          <a:p>
-            <a:pPr>
-              <a:buSzPct val="100000"/>
-              <a:buFont typeface="Wingdings" panose="05000000000000000000" pitchFamily="2" charset="2"/>
-              <a:buChar char="§"/>
-            </a:pPr>
-            <a:r>
-              <a:rPr lang="en-US" sz="2000" dirty="0"/>
-              <a:t>Time Series prediction:</a:t>
-            </a:r>
-          </a:p>
-          <a:p>
-            <a:pPr lvl="1">
-              <a:buFont typeface="Wingdings" panose="05000000000000000000" pitchFamily="2" charset="2"/>
-              <a:buChar char="v"/>
-            </a:pPr>
-            <a:r>
-              <a:rPr lang="en-US" sz="1800" dirty="0"/>
-              <a:t>Analyzing the historical data</a:t>
-            </a:r>
-          </a:p>
-          <a:p>
-            <a:pPr lvl="1">
-              <a:buFont typeface="Wingdings" panose="05000000000000000000" pitchFamily="2" charset="2"/>
-              <a:buChar char="v"/>
-            </a:pPr>
-            <a:r>
-              <a:rPr lang="en-US" sz="1800" dirty="0"/>
-              <a:t>Historical data are performance metrics</a:t>
-            </a:r>
-          </a:p>
-          <a:p>
-            <a:pPr lvl="1">
-              <a:buFont typeface="Wingdings" panose="05000000000000000000" pitchFamily="2" charset="2"/>
-              <a:buChar char="v"/>
-            </a:pPr>
-            <a:r>
-              <a:rPr lang="en-US" sz="1800" dirty="0"/>
-              <a:t>Historical data (i.e. </a:t>
-            </a:r>
-            <a:r>
-              <a:rPr lang="en-US" sz="1800" b="1" dirty="0"/>
-              <a:t>q observation </a:t>
-            </a:r>
-            <a:r>
-              <a:rPr lang="en-US" sz="1800" dirty="0"/>
-              <a:t>) periodically sampled at fixed time intervals at a predefined </a:t>
-            </a:r>
-            <a:r>
-              <a:rPr lang="en-US" sz="1800" b="1" dirty="0"/>
-              <a:t>window size w</a:t>
-            </a:r>
-            <a:r>
-              <a:rPr lang="en-US" sz="1800" dirty="0"/>
-              <a:t>. </a:t>
-            </a:r>
-          </a:p>
-          <a:p>
-            <a:pPr lvl="1">
-              <a:buFont typeface="Wingdings" panose="05000000000000000000" pitchFamily="2" charset="2"/>
-              <a:buChar char="v"/>
-            </a:pPr>
-            <a:r>
-              <a:rPr lang="en-US" sz="1800" dirty="0"/>
-              <a:t>Last q observations are used for prediction.  </a:t>
-            </a:r>
-          </a:p>
-          <a:p>
-            <a:pPr lvl="1">
-              <a:buFont typeface="Wingdings" panose="05000000000000000000" pitchFamily="2" charset="2"/>
-              <a:buChar char="v"/>
-            </a:pPr>
-            <a:endParaRPr lang="en-US" sz="2000" dirty="0"/>
-          </a:p>
-          <a:p>
-            <a:pPr marL="0" indent="0">
-              <a:buNone/>
-            </a:pPr>
-            <a:endParaRPr lang="en-GB" sz="2000" dirty="0"/>
-          </a:p>
-          <a:p>
-            <a:pPr marL="0" indent="0">
-              <a:buNone/>
-            </a:pPr>
-            <a:endParaRPr sz="2000" dirty="0"/>
-          </a:p>
-        </p:txBody>
-      </p:sp>
-      <p:sp>
-        <p:nvSpPr>
-          <p:cNvPr id="9" name="Slide Number Placeholder 8">
+          <a:bodyPr/>
+          <a:lstStyle/>
+          <a:p>
+            <a:r>
+              <a:rPr lang="en-US" cap="none" dirty="0"/>
+              <a:t>Conclusion</a:t>
+            </a:r>
+            <a:endParaRPr lang="en-GB" cap="none" dirty="0"/>
+          </a:p>
+        </p:txBody>
+      </p:sp>
+      <p:sp>
+        <p:nvSpPr>
+          <p:cNvPr id="7" name="Slide Number Placeholder 6">
             <a:extLst>
               <a:ext uri="{FF2B5EF4-FFF2-40B4-BE49-F238E27FC236}">
-                <a16:creationId xmlns:a16="http://schemas.microsoft.com/office/drawing/2014/main" id="{216291BB-367B-4EA1-AFEA-B6037856AF29}"/>
+                <a16:creationId xmlns:a16="http://schemas.microsoft.com/office/drawing/2014/main" id="{70774AB7-8287-4220-9D57-715064D5EE6B}"/>
               </a:ext>
             </a:extLst>
           </p:cNvPr>
@@ -16809,7 +15770,7 @@
     </p:spTree>
     <p:extLst>
       <p:ext uri="{BB962C8B-B14F-4D97-AF65-F5344CB8AC3E}">
-        <p14:creationId xmlns:p14="http://schemas.microsoft.com/office/powerpoint/2010/main" val="4062733488"/>
+        <p14:creationId xmlns:p14="http://schemas.microsoft.com/office/powerpoint/2010/main" val="2884152160"/>
       </p:ext>
     </p:extLst>
   </p:cSld>
@@ -16838,6 +15799,35 @@
       </p:grpSpPr>
       <p:sp>
         <p:nvSpPr>
+          <p:cNvPr id="9" name="Slide Number Placeholder 8">
+            <a:extLst>
+              <a:ext uri="{FF2B5EF4-FFF2-40B4-BE49-F238E27FC236}">
+                <a16:creationId xmlns:a16="http://schemas.microsoft.com/office/drawing/2014/main" id="{C53AD969-BEAD-481A-938F-2D5A465C908C}"/>
+              </a:ext>
+            </a:extLst>
+          </p:cNvPr>
+          <p:cNvSpPr>
+            <a:spLocks noGrp="1"/>
+          </p:cNvSpPr>
+          <p:nvPr>
+            <p:ph type="sldNum" sz="quarter" idx="12"/>
+          </p:nvPr>
+        </p:nvSpPr>
+        <p:spPr/>
+        <p:txBody>
+          <a:bodyPr/>
+          <a:lstStyle/>
+          <a:p>
+            <a:fld id="{3352CBF5-17B8-4387-88A6-ABF9F8C64D5A}" type="slidenum">
+              <a:rPr lang="en-US" smtClean="0"/>
+              <a:t>31</a:t>
+            </a:fld>
+            <a:endParaRPr lang="en-US"/>
+          </a:p>
+        </p:txBody>
+      </p:sp>
+      <p:sp>
+        <p:nvSpPr>
           <p:cNvPr id="2" name="Title 1">
             <a:extLst>
               <a:ext uri="{FF2B5EF4-FFF2-40B4-BE49-F238E27FC236}">
@@ -16849,10 +15839,15 @@
             <a:spLocks noGrp="1"/>
           </p:cNvSpPr>
           <p:nvPr>
-            <p:ph type="title"/>
-          </p:nvPr>
-        </p:nvSpPr>
-        <p:spPr/>
+            <p:ph type="title" idx="4294967295"/>
+          </p:nvPr>
+        </p:nvSpPr>
+        <p:spPr>
+          <a:xfrm>
+            <a:off x="0" y="701675"/>
+            <a:ext cx="11029950" cy="1014413"/>
+          </a:xfrm>
+        </p:spPr>
         <p:txBody>
           <a:bodyPr vert="horz" lIns="91440" tIns="45720" rIns="91440" bIns="45720" rtlCol="0">
             <a:normAutofit/>
@@ -16861,823 +15856,8 @@
           <a:p>
             <a:r>
               <a:rPr lang="en-US" cap="none" dirty="0"/>
-              <a:t>Review Paper – Brief Description</a:t>
-            </a:r>
-          </a:p>
-        </p:txBody>
-      </p:sp>
-      <p:sp>
-        <p:nvSpPr>
-          <p:cNvPr id="4" name="Content Placeholder 3">
-            <a:extLst>
-              <a:ext uri="{FF2B5EF4-FFF2-40B4-BE49-F238E27FC236}">
-                <a16:creationId xmlns:a16="http://schemas.microsoft.com/office/drawing/2014/main" id="{C98DE769-0D9B-4D26-B72F-F970F7BF2C1E}"/>
-              </a:ext>
-            </a:extLst>
-          </p:cNvPr>
-          <p:cNvSpPr>
-            <a:spLocks noGrp="1"/>
-          </p:cNvSpPr>
-          <p:nvPr>
-            <p:ph idx="1"/>
-          </p:nvPr>
-        </p:nvSpPr>
-        <p:spPr>
-          <a:xfrm>
-            <a:off x="447378" y="1996895"/>
-            <a:ext cx="11029616" cy="4480105"/>
-          </a:xfrm>
-        </p:spPr>
-        <p:txBody>
-          <a:bodyPr anchor="t">
-            <a:normAutofit/>
-          </a:bodyPr>
-          <a:lstStyle/>
-          <a:p>
-            <a:r>
-              <a:rPr lang="en-US" sz="2000" dirty="0"/>
-              <a:t>Paper title – ‘</a:t>
-            </a:r>
-            <a:r>
-              <a:rPr lang="en-US" sz="2000" dirty="0" err="1"/>
-              <a:t>Hybridscaler</a:t>
-            </a:r>
-            <a:r>
-              <a:rPr lang="en-US" sz="2000" dirty="0"/>
-              <a:t>: Handling bursting workload for multitier web applications in cloud’</a:t>
-            </a:r>
-          </a:p>
-          <a:p>
-            <a:pPr marL="0" indent="0">
-              <a:buNone/>
-            </a:pPr>
-            <a:endParaRPr lang="en-US" sz="2000" dirty="0"/>
-          </a:p>
-          <a:p>
-            <a:r>
-              <a:rPr lang="en-US" sz="2000" dirty="0"/>
-              <a:t>This work proposed a </a:t>
-            </a:r>
-            <a:r>
-              <a:rPr lang="en-US" sz="2000" dirty="0" err="1"/>
-              <a:t>hybridScaler</a:t>
-            </a:r>
-            <a:r>
-              <a:rPr lang="en-US" sz="2000" dirty="0"/>
-              <a:t> algorithm for resource allocation which combines between horizontal and vertical scaling.</a:t>
-            </a:r>
-          </a:p>
-          <a:p>
-            <a:pPr marL="0" indent="0">
-              <a:buNone/>
-            </a:pPr>
-            <a:endParaRPr lang="en-US" sz="2000" dirty="0"/>
-          </a:p>
-          <a:p>
-            <a:r>
-              <a:rPr lang="en-US" sz="2000" dirty="0"/>
-              <a:t>They propose an algorithm that gives the scaling-decision without specifying the number of resources to allocate. </a:t>
-            </a:r>
-          </a:p>
-          <a:p>
-            <a:pPr lvl="1">
-              <a:buFont typeface="Wingdings" panose="05000000000000000000" pitchFamily="2" charset="2"/>
-              <a:buChar char="v"/>
-            </a:pPr>
-            <a:r>
-              <a:rPr lang="en-US" sz="1800" dirty="0"/>
-              <a:t>Vertical scaling</a:t>
-            </a:r>
-          </a:p>
-          <a:p>
-            <a:pPr lvl="1">
-              <a:buFont typeface="Wingdings" panose="05000000000000000000" pitchFamily="2" charset="2"/>
-              <a:buChar char="v"/>
-            </a:pPr>
-            <a:r>
-              <a:rPr lang="en-US" sz="1800" dirty="0"/>
-              <a:t>Horizontal scaling</a:t>
-            </a:r>
-          </a:p>
-          <a:p>
-            <a:endParaRPr lang="en-US" sz="2000" dirty="0"/>
-          </a:p>
-        </p:txBody>
-      </p:sp>
-      <p:sp>
-        <p:nvSpPr>
-          <p:cNvPr id="9" name="Slide Number Placeholder 8">
-            <a:extLst>
-              <a:ext uri="{FF2B5EF4-FFF2-40B4-BE49-F238E27FC236}">
-                <a16:creationId xmlns:a16="http://schemas.microsoft.com/office/drawing/2014/main" id="{C53AD969-BEAD-481A-938F-2D5A465C908C}"/>
-              </a:ext>
-            </a:extLst>
-          </p:cNvPr>
-          <p:cNvSpPr>
-            <a:spLocks noGrp="1"/>
-          </p:cNvSpPr>
-          <p:nvPr>
-            <p:ph type="sldNum" sz="quarter" idx="12"/>
-          </p:nvPr>
-        </p:nvSpPr>
-        <p:spPr/>
-        <p:txBody>
-          <a:bodyPr/>
-          <a:lstStyle/>
-          <a:p>
-            <a:fld id="{3352CBF5-17B8-4387-88A6-ABF9F8C64D5A}" type="slidenum">
-              <a:rPr lang="en-US" smtClean="0"/>
-              <a:t>31</a:t>
-            </a:fld>
-            <a:endParaRPr lang="en-US"/>
-          </a:p>
-        </p:txBody>
-      </p:sp>
-    </p:spTree>
-    <p:extLst>
-      <p:ext uri="{BB962C8B-B14F-4D97-AF65-F5344CB8AC3E}">
-        <p14:creationId xmlns:p14="http://schemas.microsoft.com/office/powerpoint/2010/main" val="1182831062"/>
-      </p:ext>
-    </p:extLst>
-  </p:cSld>
-  <p:clrMapOvr>
-    <a:masterClrMapping/>
-  </p:clrMapOvr>
-</p:sld>
-</file>
-
-<file path=ppt/slides/slide32.xml><?xml version="1.0" encoding="utf-8"?>
-<p:sld xmlns:a="http://schemas.openxmlformats.org/drawingml/2006/main" xmlns:r="http://schemas.openxmlformats.org/officeDocument/2006/relationships" xmlns:p="http://schemas.openxmlformats.org/presentationml/2006/main">
-  <p:cSld>
-    <p:spTree>
-      <p:nvGrpSpPr>
-        <p:cNvPr id="1" name=""/>
-        <p:cNvGrpSpPr/>
-        <p:nvPr/>
-      </p:nvGrpSpPr>
-      <p:grpSpPr>
-        <a:xfrm>
-          <a:off x="0" y="0"/>
-          <a:ext cx="0" cy="0"/>
-          <a:chOff x="0" y="0"/>
-          <a:chExt cx="0" cy="0"/>
-        </a:xfrm>
-      </p:grpSpPr>
-      <p:sp>
-        <p:nvSpPr>
-          <p:cNvPr id="2" name="Title 1">
-            <a:extLst>
-              <a:ext uri="{FF2B5EF4-FFF2-40B4-BE49-F238E27FC236}">
-                <a16:creationId xmlns:a16="http://schemas.microsoft.com/office/drawing/2014/main" id="{4EA9158D-CABB-4B88-8DA9-62C063E84DC2}"/>
-              </a:ext>
-            </a:extLst>
-          </p:cNvPr>
-          <p:cNvSpPr>
-            <a:spLocks noGrp="1"/>
-          </p:cNvSpPr>
-          <p:nvPr>
-            <p:ph type="title"/>
-          </p:nvPr>
-        </p:nvSpPr>
-        <p:spPr/>
-        <p:txBody>
-          <a:bodyPr vert="horz" lIns="91440" tIns="45720" rIns="91440" bIns="45720" rtlCol="0">
-            <a:normAutofit/>
-          </a:bodyPr>
-          <a:lstStyle/>
-          <a:p>
-            <a:r>
-              <a:rPr lang="en-US" cap="none" dirty="0"/>
-              <a:t>Review Paper – Approach Overview</a:t>
-            </a:r>
-          </a:p>
-        </p:txBody>
-      </p:sp>
-      <p:sp>
-        <p:nvSpPr>
-          <p:cNvPr id="4" name="Content Placeholder 3">
-            <a:extLst>
-              <a:ext uri="{FF2B5EF4-FFF2-40B4-BE49-F238E27FC236}">
-                <a16:creationId xmlns:a16="http://schemas.microsoft.com/office/drawing/2014/main" id="{C98DE769-0D9B-4D26-B72F-F970F7BF2C1E}"/>
-              </a:ext>
-            </a:extLst>
-          </p:cNvPr>
-          <p:cNvSpPr>
-            <a:spLocks noGrp="1"/>
-          </p:cNvSpPr>
-          <p:nvPr>
-            <p:ph idx="1"/>
-          </p:nvPr>
-        </p:nvSpPr>
-        <p:spPr>
-          <a:xfrm>
-            <a:off x="447378" y="1996895"/>
-            <a:ext cx="11029616" cy="4480105"/>
-          </a:xfrm>
-        </p:spPr>
-        <p:txBody>
-          <a:bodyPr anchor="t">
-            <a:normAutofit/>
-          </a:bodyPr>
-          <a:lstStyle/>
-          <a:p>
-            <a:r>
-              <a:rPr lang="en-US" sz="2000" dirty="0"/>
-              <a:t>Why Combine both scaling techniques, horizontal and vertical? </a:t>
-            </a:r>
-          </a:p>
-          <a:p>
-            <a:pPr lvl="1">
-              <a:buFont typeface="Wingdings" panose="05000000000000000000" pitchFamily="2" charset="2"/>
-              <a:buChar char="v"/>
-            </a:pPr>
-            <a:r>
-              <a:rPr lang="en-US" sz="1800" b="1" dirty="0"/>
-              <a:t>Reactive horizontal scaling</a:t>
-            </a:r>
-          </a:p>
-          <a:p>
-            <a:pPr lvl="2">
-              <a:buFont typeface="Arial" panose="020B0604020202020204" pitchFamily="34" charset="0"/>
-              <a:buChar char="•"/>
-            </a:pPr>
-            <a:r>
-              <a:rPr lang="en-US" sz="1600" dirty="0"/>
-              <a:t>VMs booting time overhead – ranges between 5 to 10 minutes  </a:t>
-            </a:r>
-          </a:p>
-          <a:p>
-            <a:pPr marL="630000" lvl="2" indent="0">
-              <a:buNone/>
-            </a:pPr>
-            <a:endParaRPr lang="en-US" sz="1800" dirty="0"/>
-          </a:p>
-          <a:p>
-            <a:pPr lvl="1">
-              <a:buFont typeface="Wingdings" panose="05000000000000000000" pitchFamily="2" charset="2"/>
-              <a:buChar char="v"/>
-            </a:pPr>
-            <a:r>
-              <a:rPr lang="en-US" sz="1800" b="1" dirty="0"/>
-              <a:t>Proactive horizontal scaling</a:t>
-            </a:r>
-          </a:p>
-          <a:p>
-            <a:pPr lvl="2">
-              <a:buFont typeface="Arial" panose="020B0604020202020204" pitchFamily="34" charset="0"/>
-              <a:buChar char="•"/>
-            </a:pPr>
-            <a:r>
-              <a:rPr lang="en-US" sz="1800" dirty="0"/>
-              <a:t>Short-term bursting workload </a:t>
-            </a:r>
-            <a:r>
-              <a:rPr lang="en-US" sz="1600" dirty="0"/>
-              <a:t>cause extra cost and significant overhead. </a:t>
-            </a:r>
-          </a:p>
-          <a:p>
-            <a:pPr marL="630000" lvl="2" indent="0">
-              <a:buNone/>
-            </a:pPr>
-            <a:endParaRPr lang="en-US" sz="1800" dirty="0"/>
-          </a:p>
-          <a:p>
-            <a:pPr lvl="1">
-              <a:buFont typeface="Wingdings" panose="05000000000000000000" pitchFamily="2" charset="2"/>
-              <a:buChar char="v"/>
-            </a:pPr>
-            <a:r>
-              <a:rPr lang="en-US" sz="1800" b="1" dirty="0"/>
-              <a:t>Reactive vertical scaling</a:t>
-            </a:r>
-          </a:p>
-          <a:p>
-            <a:pPr lvl="2">
-              <a:buFont typeface="Arial" panose="020B0604020202020204" pitchFamily="34" charset="0"/>
-              <a:buChar char="•"/>
-            </a:pPr>
-            <a:r>
-              <a:rPr lang="en-US" sz="1800" dirty="0"/>
-              <a:t>A lightweight approach which adds/remove VCPUs and RAMs instantly.</a:t>
-            </a:r>
-            <a:endParaRPr lang="en-US" sz="1800" b="1" dirty="0"/>
-          </a:p>
-        </p:txBody>
-      </p:sp>
-      <p:sp>
-        <p:nvSpPr>
-          <p:cNvPr id="9" name="Slide Number Placeholder 8">
-            <a:extLst>
-              <a:ext uri="{FF2B5EF4-FFF2-40B4-BE49-F238E27FC236}">
-                <a16:creationId xmlns:a16="http://schemas.microsoft.com/office/drawing/2014/main" id="{C53AD969-BEAD-481A-938F-2D5A465C908C}"/>
-              </a:ext>
-            </a:extLst>
-          </p:cNvPr>
-          <p:cNvSpPr>
-            <a:spLocks noGrp="1"/>
-          </p:cNvSpPr>
-          <p:nvPr>
-            <p:ph type="sldNum" sz="quarter" idx="12"/>
-          </p:nvPr>
-        </p:nvSpPr>
-        <p:spPr/>
-        <p:txBody>
-          <a:bodyPr/>
-          <a:lstStyle/>
-          <a:p>
-            <a:fld id="{3352CBF5-17B8-4387-88A6-ABF9F8C64D5A}" type="slidenum">
-              <a:rPr lang="en-US" smtClean="0"/>
-              <a:t>32</a:t>
-            </a:fld>
-            <a:endParaRPr lang="en-US"/>
-          </a:p>
-        </p:txBody>
-      </p:sp>
-    </p:spTree>
-    <p:extLst>
-      <p:ext uri="{BB962C8B-B14F-4D97-AF65-F5344CB8AC3E}">
-        <p14:creationId xmlns:p14="http://schemas.microsoft.com/office/powerpoint/2010/main" val="1885301700"/>
-      </p:ext>
-    </p:extLst>
-  </p:cSld>
-  <p:clrMapOvr>
-    <a:masterClrMapping/>
-  </p:clrMapOvr>
-</p:sld>
-</file>
-
-<file path=ppt/slides/slide33.xml><?xml version="1.0" encoding="utf-8"?>
-<p:sld xmlns:a="http://schemas.openxmlformats.org/drawingml/2006/main" xmlns:r="http://schemas.openxmlformats.org/officeDocument/2006/relationships" xmlns:p="http://schemas.openxmlformats.org/presentationml/2006/main">
-  <p:cSld>
-    <p:spTree>
-      <p:nvGrpSpPr>
-        <p:cNvPr id="1" name=""/>
-        <p:cNvGrpSpPr/>
-        <p:nvPr/>
-      </p:nvGrpSpPr>
-      <p:grpSpPr>
-        <a:xfrm>
-          <a:off x="0" y="0"/>
-          <a:ext cx="0" cy="0"/>
-          <a:chOff x="0" y="0"/>
-          <a:chExt cx="0" cy="0"/>
-        </a:xfrm>
-      </p:grpSpPr>
-      <p:sp>
-        <p:nvSpPr>
-          <p:cNvPr id="2" name="Title 1">
-            <a:extLst>
-              <a:ext uri="{FF2B5EF4-FFF2-40B4-BE49-F238E27FC236}">
-                <a16:creationId xmlns:a16="http://schemas.microsoft.com/office/drawing/2014/main" id="{4EA9158D-CABB-4B88-8DA9-62C063E84DC2}"/>
-              </a:ext>
-            </a:extLst>
-          </p:cNvPr>
-          <p:cNvSpPr>
-            <a:spLocks noGrp="1"/>
-          </p:cNvSpPr>
-          <p:nvPr>
-            <p:ph type="title"/>
-          </p:nvPr>
-        </p:nvSpPr>
-        <p:spPr/>
-        <p:txBody>
-          <a:bodyPr vert="horz" lIns="91440" tIns="45720" rIns="91440" bIns="45720" rtlCol="0">
-            <a:normAutofit/>
-          </a:bodyPr>
-          <a:lstStyle/>
-          <a:p>
-            <a:r>
-              <a:rPr lang="en-US" cap="none" dirty="0"/>
-              <a:t>Review Paper – Approach Architecture </a:t>
-            </a:r>
-          </a:p>
-        </p:txBody>
-      </p:sp>
-      <p:pic>
-        <p:nvPicPr>
-          <p:cNvPr id="5" name="Content Placeholder 4" descr="A screenshot of a cell phone&#10;&#10;Description generated with very high confidence">
-            <a:extLst>
-              <a:ext uri="{FF2B5EF4-FFF2-40B4-BE49-F238E27FC236}">
-                <a16:creationId xmlns:a16="http://schemas.microsoft.com/office/drawing/2014/main" id="{CCC34B5C-43CF-4D4D-A46A-EA350706F5E2}"/>
-              </a:ext>
-            </a:extLst>
-          </p:cNvPr>
-          <p:cNvPicPr>
-            <a:picLocks noGrp="1" noChangeAspect="1"/>
-          </p:cNvPicPr>
-          <p:nvPr>
-            <p:ph idx="1"/>
-          </p:nvPr>
-        </p:nvPicPr>
-        <p:blipFill>
-          <a:blip r:embed="rId3">
-            <a:extLst>
-              <a:ext uri="{28A0092B-C50C-407E-A947-70E740481C1C}">
-                <a14:useLocalDpi xmlns:a14="http://schemas.microsoft.com/office/drawing/2010/main" val="0"/>
-              </a:ext>
-            </a:extLst>
-          </a:blip>
-          <a:stretch>
-            <a:fillRect/>
-          </a:stretch>
-        </p:blipFill>
-        <p:spPr>
-          <a:xfrm>
-            <a:off x="821320" y="1884910"/>
-            <a:ext cx="5100509" cy="4947747"/>
-          </a:xfrm>
-        </p:spPr>
-      </p:pic>
-      <p:sp>
-        <p:nvSpPr>
-          <p:cNvPr id="9" name="Slide Number Placeholder 8">
-            <a:extLst>
-              <a:ext uri="{FF2B5EF4-FFF2-40B4-BE49-F238E27FC236}">
-                <a16:creationId xmlns:a16="http://schemas.microsoft.com/office/drawing/2014/main" id="{C53AD969-BEAD-481A-938F-2D5A465C908C}"/>
-              </a:ext>
-            </a:extLst>
-          </p:cNvPr>
-          <p:cNvSpPr>
-            <a:spLocks noGrp="1"/>
-          </p:cNvSpPr>
-          <p:nvPr>
-            <p:ph type="sldNum" sz="quarter" idx="12"/>
-          </p:nvPr>
-        </p:nvSpPr>
-        <p:spPr/>
-        <p:txBody>
-          <a:bodyPr/>
-          <a:lstStyle/>
-          <a:p>
-            <a:fld id="{3352CBF5-17B8-4387-88A6-ABF9F8C64D5A}" type="slidenum">
-              <a:rPr lang="en-US" smtClean="0"/>
-              <a:t>33</a:t>
-            </a:fld>
-            <a:endParaRPr lang="en-US"/>
-          </a:p>
-        </p:txBody>
-      </p:sp>
-      <p:sp>
-        <p:nvSpPr>
-          <p:cNvPr id="6" name="TextBox 5">
-            <a:extLst>
-              <a:ext uri="{FF2B5EF4-FFF2-40B4-BE49-F238E27FC236}">
-                <a16:creationId xmlns:a16="http://schemas.microsoft.com/office/drawing/2014/main" id="{91E3748B-21C2-439B-959C-C5790FF7C608}"/>
-              </a:ext>
-            </a:extLst>
-          </p:cNvPr>
-          <p:cNvSpPr txBox="1"/>
-          <p:nvPr/>
-        </p:nvSpPr>
-        <p:spPr>
-          <a:xfrm>
-            <a:off x="6357257" y="1981739"/>
-            <a:ext cx="5253551" cy="5355312"/>
-          </a:xfrm>
-          <a:prstGeom prst="rect">
-            <a:avLst/>
-          </a:prstGeom>
-          <a:noFill/>
-        </p:spPr>
-        <p:txBody>
-          <a:bodyPr wrap="square" rtlCol="0">
-            <a:spAutoFit/>
-          </a:bodyPr>
-          <a:lstStyle/>
-          <a:p>
-            <a:pPr marL="322650" indent="-342900" defTabSz="457200">
-              <a:spcBef>
-                <a:spcPct val="20000"/>
-              </a:spcBef>
-              <a:spcAft>
-                <a:spcPts val="600"/>
-              </a:spcAft>
-              <a:buClr>
-                <a:schemeClr val="accent2"/>
-              </a:buClr>
-              <a:buSzPct val="92000"/>
-              <a:buFont typeface="Wingdings" panose="05000000000000000000" pitchFamily="2" charset="2"/>
-              <a:buChar char="§"/>
-            </a:pPr>
-            <a:r>
-              <a:rPr lang="en-US" sz="2000" dirty="0">
-                <a:solidFill>
-                  <a:schemeClr val="tx2"/>
-                </a:solidFill>
-              </a:rPr>
-              <a:t>Performance metrics used: </a:t>
-            </a:r>
-          </a:p>
-          <a:p>
-            <a:pPr marL="779850" lvl="1" indent="-342900" defTabSz="457200">
-              <a:spcBef>
-                <a:spcPct val="20000"/>
-              </a:spcBef>
-              <a:spcAft>
-                <a:spcPts val="600"/>
-              </a:spcAft>
-              <a:buClr>
-                <a:schemeClr val="accent2"/>
-              </a:buClr>
-              <a:buSzPct val="92000"/>
-              <a:buFont typeface="Wingdings" panose="05000000000000000000" pitchFamily="2" charset="2"/>
-              <a:buChar char="v"/>
-            </a:pPr>
-            <a:r>
-              <a:rPr lang="en-US" sz="2000" dirty="0">
-                <a:solidFill>
-                  <a:schemeClr val="tx2"/>
-                </a:solidFill>
-              </a:rPr>
-              <a:t>Users request rate </a:t>
-            </a:r>
-          </a:p>
-          <a:p>
-            <a:pPr lvl="1"/>
-            <a:endParaRPr lang="en-US" sz="2000" dirty="0">
-              <a:solidFill>
-                <a:schemeClr val="tx2"/>
-              </a:solidFill>
-            </a:endParaRPr>
-          </a:p>
-          <a:p>
-            <a:pPr marL="322650" indent="-342900" defTabSz="457200">
-              <a:spcBef>
-                <a:spcPct val="20000"/>
-              </a:spcBef>
-              <a:spcAft>
-                <a:spcPts val="600"/>
-              </a:spcAft>
-              <a:buClr>
-                <a:schemeClr val="accent2"/>
-              </a:buClr>
-              <a:buSzPct val="92000"/>
-              <a:buFont typeface="Wingdings" panose="05000000000000000000" pitchFamily="2" charset="2"/>
-              <a:buChar char="§"/>
-            </a:pPr>
-            <a:r>
-              <a:rPr lang="en-US" sz="2000" dirty="0">
-                <a:solidFill>
-                  <a:schemeClr val="tx2"/>
-                </a:solidFill>
-              </a:rPr>
-              <a:t>Resource Pressure Model predicts: </a:t>
-            </a:r>
-          </a:p>
-          <a:p>
-            <a:pPr marL="779850" lvl="1" indent="-342900" defTabSz="457200">
-              <a:spcBef>
-                <a:spcPct val="20000"/>
-              </a:spcBef>
-              <a:spcAft>
-                <a:spcPts val="600"/>
-              </a:spcAft>
-              <a:buClr>
-                <a:schemeClr val="accent2"/>
-              </a:buClr>
-              <a:buSzPct val="92000"/>
-              <a:buFont typeface="Wingdings" panose="05000000000000000000" pitchFamily="2" charset="2"/>
-              <a:buChar char="v"/>
-            </a:pPr>
-            <a:r>
-              <a:rPr lang="en-US" sz="2000" dirty="0">
-                <a:solidFill>
-                  <a:schemeClr val="tx2"/>
-                </a:solidFill>
-              </a:rPr>
-              <a:t>Number of VMs</a:t>
-            </a:r>
-          </a:p>
-          <a:p>
-            <a:pPr marL="779850" lvl="1" indent="-342900" defTabSz="457200">
-              <a:spcBef>
-                <a:spcPct val="20000"/>
-              </a:spcBef>
-              <a:spcAft>
-                <a:spcPts val="600"/>
-              </a:spcAft>
-              <a:buClr>
-                <a:schemeClr val="accent2"/>
-              </a:buClr>
-              <a:buSzPct val="92000"/>
-              <a:buFont typeface="Wingdings" panose="05000000000000000000" pitchFamily="2" charset="2"/>
-              <a:buChar char="v"/>
-            </a:pPr>
-            <a:r>
-              <a:rPr lang="en-US" sz="2000" dirty="0">
-                <a:solidFill>
-                  <a:schemeClr val="tx2"/>
-                </a:solidFill>
-              </a:rPr>
-              <a:t>Number of  VCPUs</a:t>
-            </a:r>
-          </a:p>
-          <a:p>
-            <a:pPr marL="742950" lvl="1" indent="-285750">
-              <a:buFont typeface="Arial" panose="020B0604020202020204" pitchFamily="34" charset="0"/>
-              <a:buChar char="•"/>
-            </a:pPr>
-            <a:endParaRPr lang="en-US" sz="2000" dirty="0">
-              <a:solidFill>
-                <a:schemeClr val="tx2"/>
-              </a:solidFill>
-            </a:endParaRPr>
-          </a:p>
-          <a:p>
-            <a:pPr marL="322650" indent="-342900" defTabSz="457200">
-              <a:spcBef>
-                <a:spcPct val="20000"/>
-              </a:spcBef>
-              <a:spcAft>
-                <a:spcPts val="600"/>
-              </a:spcAft>
-              <a:buClr>
-                <a:schemeClr val="accent2"/>
-              </a:buClr>
-              <a:buSzPct val="92000"/>
-              <a:buFont typeface="Wingdings" panose="05000000000000000000" pitchFamily="2" charset="2"/>
-              <a:buChar char="§"/>
-            </a:pPr>
-            <a:r>
-              <a:rPr lang="en-US" sz="2000" dirty="0">
-                <a:solidFill>
-                  <a:schemeClr val="tx2"/>
-                </a:solidFill>
-              </a:rPr>
-              <a:t>First action </a:t>
-            </a:r>
-            <a:r>
-              <a:rPr lang="en-US" sz="2000" dirty="0">
-                <a:solidFill>
-                  <a:schemeClr val="tx2"/>
-                </a:solidFill>
-                <a:sym typeface="Wingdings" panose="05000000000000000000" pitchFamily="2" charset="2"/>
-              </a:rPr>
-              <a:t> to scale horizontally for the next hour. </a:t>
-            </a:r>
-          </a:p>
-          <a:p>
-            <a:pPr marL="285750" indent="-306000" defTabSz="457200">
-              <a:spcBef>
-                <a:spcPct val="20000"/>
-              </a:spcBef>
-              <a:spcAft>
-                <a:spcPts val="600"/>
-              </a:spcAft>
-              <a:buClr>
-                <a:schemeClr val="accent2"/>
-              </a:buClr>
-              <a:buSzPct val="92000"/>
-              <a:buFont typeface="Arial" panose="020B0604020202020204" pitchFamily="34" charset="0"/>
-              <a:buChar char="•"/>
-            </a:pPr>
-            <a:endParaRPr lang="en-US" sz="2000" dirty="0">
-              <a:solidFill>
-                <a:schemeClr val="tx2"/>
-              </a:solidFill>
-              <a:sym typeface="Wingdings" panose="05000000000000000000" pitchFamily="2" charset="2"/>
-            </a:endParaRPr>
-          </a:p>
-          <a:p>
-            <a:pPr marL="322650" indent="-342900" defTabSz="457200">
-              <a:spcBef>
-                <a:spcPct val="20000"/>
-              </a:spcBef>
-              <a:spcAft>
-                <a:spcPts val="600"/>
-              </a:spcAft>
-              <a:buClr>
-                <a:schemeClr val="accent2"/>
-              </a:buClr>
-              <a:buSzPct val="92000"/>
-              <a:buFont typeface="Wingdings" panose="05000000000000000000" pitchFamily="2" charset="2"/>
-              <a:buChar char="§"/>
-            </a:pPr>
-            <a:r>
-              <a:rPr lang="en-US" sz="2000" dirty="0">
-                <a:solidFill>
-                  <a:schemeClr val="tx2"/>
-                </a:solidFill>
-                <a:sym typeface="Wingdings" panose="05000000000000000000" pitchFamily="2" charset="2"/>
-              </a:rPr>
-              <a:t>SLA violation detection  scale vertically </a:t>
-            </a:r>
-            <a:endParaRPr lang="en-US" sz="2000" dirty="0">
-              <a:solidFill>
-                <a:schemeClr val="tx2"/>
-              </a:solidFill>
-            </a:endParaRPr>
-          </a:p>
-          <a:p>
-            <a:pPr marL="742950" lvl="1" indent="-285750">
-              <a:buFont typeface="Arial" panose="020B0604020202020204" pitchFamily="34" charset="0"/>
-              <a:buChar char="•"/>
-            </a:pPr>
-            <a:endParaRPr lang="en-US" dirty="0"/>
-          </a:p>
-          <a:p>
-            <a:pPr marL="285750" indent="-285750">
-              <a:buFont typeface="Arial" panose="020B0604020202020204" pitchFamily="34" charset="0"/>
-              <a:buChar char="•"/>
-            </a:pPr>
-            <a:endParaRPr lang="en-US" dirty="0"/>
-          </a:p>
-          <a:p>
-            <a:pPr marL="285750" indent="-285750">
-              <a:buFont typeface="Arial" panose="020B0604020202020204" pitchFamily="34" charset="0"/>
-              <a:buChar char="•"/>
-            </a:pPr>
-            <a:endParaRPr lang="en-US" dirty="0"/>
-          </a:p>
-        </p:txBody>
-      </p:sp>
-    </p:spTree>
-    <p:extLst>
-      <p:ext uri="{BB962C8B-B14F-4D97-AF65-F5344CB8AC3E}">
-        <p14:creationId xmlns:p14="http://schemas.microsoft.com/office/powerpoint/2010/main" val="1657648202"/>
-      </p:ext>
-    </p:extLst>
-  </p:cSld>
-  <p:clrMapOvr>
-    <a:masterClrMapping/>
-  </p:clrMapOvr>
-</p:sld>
-</file>
-
-<file path=ppt/slides/slide34.xml><?xml version="1.0" encoding="utf-8"?>
-<p:sld xmlns:a="http://schemas.openxmlformats.org/drawingml/2006/main" xmlns:r="http://schemas.openxmlformats.org/officeDocument/2006/relationships" xmlns:p="http://schemas.openxmlformats.org/presentationml/2006/main">
-  <p:cSld>
-    <p:spTree>
-      <p:nvGrpSpPr>
-        <p:cNvPr id="1" name=""/>
-        <p:cNvGrpSpPr/>
-        <p:nvPr/>
-      </p:nvGrpSpPr>
-      <p:grpSpPr>
-        <a:xfrm>
-          <a:off x="0" y="0"/>
-          <a:ext cx="0" cy="0"/>
-          <a:chOff x="0" y="0"/>
-          <a:chExt cx="0" cy="0"/>
-        </a:xfrm>
-      </p:grpSpPr>
-      <p:sp>
-        <p:nvSpPr>
-          <p:cNvPr id="2" name="Title 1">
-            <a:extLst>
-              <a:ext uri="{FF2B5EF4-FFF2-40B4-BE49-F238E27FC236}">
-                <a16:creationId xmlns:a16="http://schemas.microsoft.com/office/drawing/2014/main" id="{4EA9158D-CABB-4B88-8DA9-62C063E84DC2}"/>
-              </a:ext>
-            </a:extLst>
-          </p:cNvPr>
-          <p:cNvSpPr>
-            <a:spLocks noGrp="1"/>
-          </p:cNvSpPr>
-          <p:nvPr>
-            <p:ph type="title"/>
-          </p:nvPr>
-        </p:nvSpPr>
-        <p:spPr/>
-        <p:txBody>
-          <a:bodyPr vert="horz" lIns="91440" tIns="45720" rIns="91440" bIns="45720" rtlCol="0">
-            <a:normAutofit/>
-          </a:bodyPr>
-          <a:lstStyle/>
-          <a:p>
-            <a:r>
-              <a:rPr lang="en-US" cap="none" dirty="0"/>
               <a:t>Strengths and Weaknesses</a:t>
             </a:r>
-          </a:p>
-        </p:txBody>
-      </p:sp>
-      <p:sp>
-        <p:nvSpPr>
-          <p:cNvPr id="9" name="Slide Number Placeholder 8">
-            <a:extLst>
-              <a:ext uri="{FF2B5EF4-FFF2-40B4-BE49-F238E27FC236}">
-                <a16:creationId xmlns:a16="http://schemas.microsoft.com/office/drawing/2014/main" id="{C53AD969-BEAD-481A-938F-2D5A465C908C}"/>
-              </a:ext>
-            </a:extLst>
-          </p:cNvPr>
-          <p:cNvSpPr>
-            <a:spLocks noGrp="1"/>
-          </p:cNvSpPr>
-          <p:nvPr>
-            <p:ph type="sldNum" sz="quarter" idx="12"/>
-          </p:nvPr>
-        </p:nvSpPr>
-        <p:spPr/>
-        <p:txBody>
-          <a:bodyPr/>
-          <a:lstStyle/>
-          <a:p>
-            <a:fld id="{3352CBF5-17B8-4387-88A6-ABF9F8C64D5A}" type="slidenum">
-              <a:rPr lang="en-US" smtClean="0"/>
-              <a:t>34</a:t>
-            </a:fld>
-            <a:endParaRPr lang="en-US"/>
           </a:p>
         </p:txBody>
       </p:sp>
@@ -17694,22 +15874,27 @@
             <a:spLocks noGrp="1"/>
           </p:cNvSpPr>
           <p:nvPr>
-            <p:ph idx="1"/>
+            <p:ph idx="4294967295"/>
           </p:nvPr>
         </p:nvSpPr>
         <p:spPr>
           <a:xfrm>
-            <a:off x="461449" y="1981200"/>
-            <a:ext cx="11149359" cy="4724400"/>
+            <a:off x="454418" y="371018"/>
+            <a:ext cx="11283163" cy="5882005"/>
           </a:xfrm>
         </p:spPr>
         <p:txBody>
-          <a:bodyPr anchor="t"/>
-          <a:lstStyle/>
-          <a:p>
-            <a:r>
-              <a:rPr lang="en-US" sz="2000" dirty="0"/>
-              <a:t>Strengths:</a:t>
+          <a:bodyPr anchor="t">
+            <a:normAutofit/>
+          </a:bodyPr>
+          <a:lstStyle/>
+          <a:p>
+            <a:endParaRPr lang="en-GB" sz="2200" dirty="0"/>
+          </a:p>
+          <a:p>
+            <a:r>
+              <a:rPr lang="en-GB" sz="2400" dirty="0"/>
+              <a:t>For our review, </a:t>
             </a:r>
           </a:p>
           <a:p>
@@ -17718,8 +15903,8 @@
               <a:buChar char="v"/>
             </a:pPr>
             <a:r>
-              <a:rPr lang="en-US" sz="1800" dirty="0"/>
-              <a:t>The algorithm is able to handle the spike (i.e. burst workload) </a:t>
+              <a:rPr lang="en-GB" sz="2000" dirty="0"/>
+              <a:t>Discussed various techniques used in the literature to solve the scalability problem in cloud computing.</a:t>
             </a:r>
           </a:p>
           <a:p>
@@ -17728,8 +15913,8 @@
               <a:buChar char="v"/>
             </a:pPr>
             <a:r>
-              <a:rPr lang="en-US" sz="1800" dirty="0"/>
-              <a:t>Minimize SLA violation</a:t>
+              <a:rPr lang="en-GB" sz="2000" dirty="0"/>
+              <a:t>Discussed the strengths and weaknesses of the different techniques. </a:t>
             </a:r>
           </a:p>
           <a:p>
@@ -17738,14 +15923,8 @@
               <a:buChar char="v"/>
             </a:pPr>
             <a:r>
-              <a:rPr lang="en-US" sz="1800" dirty="0"/>
-              <a:t>Not only scaling decision, but it predict number of resources to allocate. </a:t>
-            </a:r>
-          </a:p>
-          <a:p>
-            <a:r>
-              <a:rPr lang="en-US" sz="2000" dirty="0"/>
-              <a:t>Weakness:</a:t>
+              <a:rPr lang="en-GB" sz="2000" dirty="0"/>
+              <a:t>Shed some light on where each of the techniques would likely be better suited to be used. </a:t>
             </a:r>
           </a:p>
           <a:p>
@@ -17754,612 +15933,8 @@
               <a:buChar char="v"/>
             </a:pPr>
             <a:r>
-              <a:rPr lang="en-US" sz="1800" dirty="0"/>
-              <a:t>Assume that all VMs are homogeneous. </a:t>
-            </a:r>
-          </a:p>
-        </p:txBody>
-      </p:sp>
-    </p:spTree>
-    <p:extLst>
-      <p:ext uri="{BB962C8B-B14F-4D97-AF65-F5344CB8AC3E}">
-        <p14:creationId xmlns:p14="http://schemas.microsoft.com/office/powerpoint/2010/main" val="3206725640"/>
-      </p:ext>
-    </p:extLst>
-  </p:cSld>
-  <p:clrMapOvr>
-    <a:masterClrMapping/>
-  </p:clrMapOvr>
-</p:sld>
-</file>
-
-<file path=ppt/slides/slide35.xml><?xml version="1.0" encoding="utf-8"?>
-<p:sld xmlns:a="http://schemas.openxmlformats.org/drawingml/2006/main" xmlns:r="http://schemas.openxmlformats.org/officeDocument/2006/relationships" xmlns:p="http://schemas.openxmlformats.org/presentationml/2006/main">
-  <p:cSld>
-    <p:spTree>
-      <p:nvGrpSpPr>
-        <p:cNvPr id="1" name=""/>
-        <p:cNvGrpSpPr/>
-        <p:nvPr/>
-      </p:nvGrpSpPr>
-      <p:grpSpPr>
-        <a:xfrm>
-          <a:off x="0" y="0"/>
-          <a:ext cx="0" cy="0"/>
-          <a:chOff x="0" y="0"/>
-          <a:chExt cx="0" cy="0"/>
-        </a:xfrm>
-      </p:grpSpPr>
-      <p:sp>
-        <p:nvSpPr>
-          <p:cNvPr id="4" name="Title 3">
-            <a:extLst>
-              <a:ext uri="{FF2B5EF4-FFF2-40B4-BE49-F238E27FC236}">
-                <a16:creationId xmlns:a16="http://schemas.microsoft.com/office/drawing/2014/main" id="{B5AA14DC-37F4-407D-8D2D-A64730DAA6A0}"/>
-              </a:ext>
-            </a:extLst>
-          </p:cNvPr>
-          <p:cNvSpPr>
-            <a:spLocks noGrp="1"/>
-          </p:cNvSpPr>
-          <p:nvPr>
-            <p:ph type="ctrTitle"/>
-          </p:nvPr>
-        </p:nvSpPr>
-        <p:spPr>
-          <a:xfrm>
-            <a:off x="447841" y="1020431"/>
-            <a:ext cx="11496509" cy="1932319"/>
-          </a:xfrm>
-        </p:spPr>
-        <p:txBody>
-          <a:bodyPr/>
-          <a:lstStyle/>
-          <a:p>
-            <a:r>
-              <a:rPr lang="en-US" cap="none" dirty="0"/>
-              <a:t>Evaluation of Techniques</a:t>
-            </a:r>
-            <a:endParaRPr lang="en-GB" cap="none" dirty="0"/>
-          </a:p>
-        </p:txBody>
-      </p:sp>
-      <p:sp>
-        <p:nvSpPr>
-          <p:cNvPr id="7" name="Slide Number Placeholder 6">
-            <a:extLst>
-              <a:ext uri="{FF2B5EF4-FFF2-40B4-BE49-F238E27FC236}">
-                <a16:creationId xmlns:a16="http://schemas.microsoft.com/office/drawing/2014/main" id="{70774AB7-8287-4220-9D57-715064D5EE6B}"/>
-              </a:ext>
-            </a:extLst>
-          </p:cNvPr>
-          <p:cNvSpPr>
-            <a:spLocks noGrp="1"/>
-          </p:cNvSpPr>
-          <p:nvPr>
-            <p:ph type="sldNum" sz="quarter" idx="12"/>
-          </p:nvPr>
-        </p:nvSpPr>
-        <p:spPr/>
-        <p:txBody>
-          <a:bodyPr/>
-          <a:lstStyle/>
-          <a:p>
-            <a:fld id="{3352CBF5-17B8-4387-88A6-ABF9F8C64D5A}" type="slidenum">
-              <a:rPr lang="en-US" smtClean="0"/>
-              <a:t>35</a:t>
-            </a:fld>
-            <a:endParaRPr lang="en-US"/>
-          </a:p>
-        </p:txBody>
-      </p:sp>
-    </p:spTree>
-    <p:extLst>
-      <p:ext uri="{BB962C8B-B14F-4D97-AF65-F5344CB8AC3E}">
-        <p14:creationId xmlns:p14="http://schemas.microsoft.com/office/powerpoint/2010/main" val="3084288089"/>
-      </p:ext>
-    </p:extLst>
-  </p:cSld>
-  <p:clrMapOvr>
-    <a:masterClrMapping/>
-  </p:clrMapOvr>
-</p:sld>
-</file>
-
-<file path=ppt/slides/slide36.xml><?xml version="1.0" encoding="utf-8"?>
-<p:sld xmlns:a="http://schemas.openxmlformats.org/drawingml/2006/main" xmlns:r="http://schemas.openxmlformats.org/officeDocument/2006/relationships" xmlns:p="http://schemas.openxmlformats.org/presentationml/2006/main">
-  <p:cSld>
-    <p:spTree>
-      <p:nvGrpSpPr>
-        <p:cNvPr id="1" name=""/>
-        <p:cNvGrpSpPr/>
-        <p:nvPr/>
-      </p:nvGrpSpPr>
-      <p:grpSpPr>
-        <a:xfrm>
-          <a:off x="0" y="0"/>
-          <a:ext cx="0" cy="0"/>
-          <a:chOff x="0" y="0"/>
-          <a:chExt cx="0" cy="0"/>
-        </a:xfrm>
-      </p:grpSpPr>
-      <p:sp>
-        <p:nvSpPr>
-          <p:cNvPr id="2" name="Title 1">
-            <a:extLst>
-              <a:ext uri="{FF2B5EF4-FFF2-40B4-BE49-F238E27FC236}">
-                <a16:creationId xmlns:a16="http://schemas.microsoft.com/office/drawing/2014/main" id="{4EA9158D-CABB-4B88-8DA9-62C063E84DC2}"/>
-              </a:ext>
-            </a:extLst>
-          </p:cNvPr>
-          <p:cNvSpPr>
-            <a:spLocks noGrp="1"/>
-          </p:cNvSpPr>
-          <p:nvPr>
-            <p:ph type="title"/>
-          </p:nvPr>
-        </p:nvSpPr>
-        <p:spPr/>
-        <p:txBody>
-          <a:bodyPr vert="horz" lIns="91440" tIns="45720" rIns="91440" bIns="45720" rtlCol="0">
-            <a:normAutofit/>
-          </a:bodyPr>
-          <a:lstStyle/>
-          <a:p>
-            <a:r>
-              <a:rPr lang="en-GB" cap="none" dirty="0"/>
-              <a:t>Reactive based techniques</a:t>
-            </a:r>
-            <a:endParaRPr lang="en-US" cap="none" dirty="0"/>
-          </a:p>
-        </p:txBody>
-      </p:sp>
-      <p:sp>
-        <p:nvSpPr>
-          <p:cNvPr id="4" name="Content Placeholder 3">
-            <a:extLst>
-              <a:ext uri="{FF2B5EF4-FFF2-40B4-BE49-F238E27FC236}">
-                <a16:creationId xmlns:a16="http://schemas.microsoft.com/office/drawing/2014/main" id="{4CE47634-59C3-43BE-85F0-30002F1BEA16}"/>
-              </a:ext>
-            </a:extLst>
-          </p:cNvPr>
-          <p:cNvSpPr>
-            <a:spLocks noGrp="1"/>
-          </p:cNvSpPr>
-          <p:nvPr>
-            <p:ph idx="1"/>
-          </p:nvPr>
-        </p:nvSpPr>
-        <p:spPr>
-          <a:xfrm>
-            <a:off x="459272" y="1996895"/>
-            <a:ext cx="11029615" cy="3678303"/>
-          </a:xfrm>
-        </p:spPr>
-        <p:txBody>
-          <a:bodyPr anchor="t">
-            <a:normAutofit/>
-          </a:bodyPr>
-          <a:lstStyle/>
-          <a:p>
-            <a:r>
               <a:rPr lang="en-GB" sz="2000" dirty="0"/>
-              <a:t>Threshold-based and queuing theory techniques have a problem of having overhead delays in the auto scaling process. - allocated resources need to be setup at the time of need. </a:t>
-            </a:r>
-          </a:p>
-          <a:p>
-            <a:r>
-              <a:rPr lang="en-GB" sz="2000" dirty="0"/>
-              <a:t>No longer the trend- used in collaboration with other techniques to overcome their weaknesses </a:t>
-            </a:r>
-          </a:p>
-          <a:p>
-            <a:r>
-              <a:rPr lang="en-GB" sz="2000" dirty="0"/>
-              <a:t>Queuing theory - comparatively more favourable due of its simplicity- still not applicable for all systems. - bound by requests arrival rate in the system. </a:t>
-            </a:r>
-          </a:p>
-        </p:txBody>
-      </p:sp>
-      <p:sp>
-        <p:nvSpPr>
-          <p:cNvPr id="9" name="Slide Number Placeholder 8">
-            <a:extLst>
-              <a:ext uri="{FF2B5EF4-FFF2-40B4-BE49-F238E27FC236}">
-                <a16:creationId xmlns:a16="http://schemas.microsoft.com/office/drawing/2014/main" id="{C53AD969-BEAD-481A-938F-2D5A465C908C}"/>
-              </a:ext>
-            </a:extLst>
-          </p:cNvPr>
-          <p:cNvSpPr>
-            <a:spLocks noGrp="1"/>
-          </p:cNvSpPr>
-          <p:nvPr>
-            <p:ph type="sldNum" sz="quarter" idx="12"/>
-          </p:nvPr>
-        </p:nvSpPr>
-        <p:spPr/>
-        <p:txBody>
-          <a:bodyPr/>
-          <a:lstStyle/>
-          <a:p>
-            <a:fld id="{3352CBF5-17B8-4387-88A6-ABF9F8C64D5A}" type="slidenum">
-              <a:rPr lang="en-US" smtClean="0"/>
-              <a:t>36</a:t>
-            </a:fld>
-            <a:endParaRPr lang="en-US"/>
-          </a:p>
-        </p:txBody>
-      </p:sp>
-    </p:spTree>
-    <p:extLst>
-      <p:ext uri="{BB962C8B-B14F-4D97-AF65-F5344CB8AC3E}">
-        <p14:creationId xmlns:p14="http://schemas.microsoft.com/office/powerpoint/2010/main" val="2405629071"/>
-      </p:ext>
-    </p:extLst>
-  </p:cSld>
-  <p:clrMapOvr>
-    <a:masterClrMapping/>
-  </p:clrMapOvr>
-</p:sld>
-</file>
-
-<file path=ppt/slides/slide37.xml><?xml version="1.0" encoding="utf-8"?>
-<p:sld xmlns:a="http://schemas.openxmlformats.org/drawingml/2006/main" xmlns:r="http://schemas.openxmlformats.org/officeDocument/2006/relationships" xmlns:p="http://schemas.openxmlformats.org/presentationml/2006/main">
-  <p:cSld>
-    <p:spTree>
-      <p:nvGrpSpPr>
-        <p:cNvPr id="1" name=""/>
-        <p:cNvGrpSpPr/>
-        <p:nvPr/>
-      </p:nvGrpSpPr>
-      <p:grpSpPr>
-        <a:xfrm>
-          <a:off x="0" y="0"/>
-          <a:ext cx="0" cy="0"/>
-          <a:chOff x="0" y="0"/>
-          <a:chExt cx="0" cy="0"/>
-        </a:xfrm>
-      </p:grpSpPr>
-      <p:sp>
-        <p:nvSpPr>
-          <p:cNvPr id="2" name="Title 1">
-            <a:extLst>
-              <a:ext uri="{FF2B5EF4-FFF2-40B4-BE49-F238E27FC236}">
-                <a16:creationId xmlns:a16="http://schemas.microsoft.com/office/drawing/2014/main" id="{4EA9158D-CABB-4B88-8DA9-62C063E84DC2}"/>
-              </a:ext>
-            </a:extLst>
-          </p:cNvPr>
-          <p:cNvSpPr>
-            <a:spLocks noGrp="1"/>
-          </p:cNvSpPr>
-          <p:nvPr>
-            <p:ph type="title"/>
-          </p:nvPr>
-        </p:nvSpPr>
-        <p:spPr/>
-        <p:txBody>
-          <a:bodyPr vert="horz" lIns="91440" tIns="45720" rIns="91440" bIns="45720" rtlCol="0">
-            <a:normAutofit/>
-          </a:bodyPr>
-          <a:lstStyle/>
-          <a:p>
-            <a:r>
-              <a:rPr lang="en-GB" cap="none" dirty="0"/>
-              <a:t>Proactive based techniques</a:t>
-            </a:r>
-            <a:endParaRPr lang="en-US" cap="none" dirty="0"/>
-          </a:p>
-        </p:txBody>
-      </p:sp>
-      <p:sp>
-        <p:nvSpPr>
-          <p:cNvPr id="4" name="Content Placeholder 3">
-            <a:extLst>
-              <a:ext uri="{FF2B5EF4-FFF2-40B4-BE49-F238E27FC236}">
-                <a16:creationId xmlns:a16="http://schemas.microsoft.com/office/drawing/2014/main" id="{4CE47634-59C3-43BE-85F0-30002F1BEA16}"/>
-              </a:ext>
-            </a:extLst>
-          </p:cNvPr>
-          <p:cNvSpPr>
-            <a:spLocks noGrp="1"/>
-          </p:cNvSpPr>
-          <p:nvPr>
-            <p:ph idx="1"/>
-          </p:nvPr>
-        </p:nvSpPr>
-        <p:spPr>
-          <a:xfrm>
-            <a:off x="459272" y="1996895"/>
-            <a:ext cx="11295848" cy="4637585"/>
-          </a:xfrm>
-        </p:spPr>
-        <p:txBody>
-          <a:bodyPr anchor="t">
-            <a:normAutofit/>
-          </a:bodyPr>
-          <a:lstStyle/>
-          <a:p>
-            <a:r>
-              <a:rPr lang="en-GB" sz="2000" dirty="0"/>
-              <a:t>Introduced to solve the problem of overhead delay seen in reactive based techniques - by predicting the need for the resources before hand - especially useful for the dynamic demands of web applications.</a:t>
-            </a:r>
-          </a:p>
-          <a:p>
-            <a:r>
-              <a:rPr lang="en-GB" sz="2000" dirty="0"/>
-              <a:t>Weakness of proactive techniques – don’t perform well  for very unpredictable types of workload such as those brought by short-term burst workload. </a:t>
-            </a:r>
-          </a:p>
-          <a:p>
-            <a:r>
-              <a:rPr lang="en-GB" sz="2000" dirty="0"/>
-              <a:t>Strength of RL - ability to easily be plugged and used in any application on the go - useful for applications that have unpredictable workload patterns.</a:t>
-            </a:r>
-          </a:p>
-          <a:p>
-            <a:r>
-              <a:rPr lang="en-GB" sz="2000" dirty="0"/>
-              <a:t>Strength of TSA - For applications that have predictable workload patterns and stored application logs and usage details - uses historical data as prior knowledge to train the prediction model </a:t>
-            </a:r>
-          </a:p>
-          <a:p>
-            <a:r>
-              <a:rPr lang="en-GB" sz="2000" dirty="0"/>
-              <a:t>Weakness  of RL - learning process in most cases a time-consuming process -  caused due to the time it takes for the learning process to learn the most appropriate action for each state. - may become impractically long in some cases. </a:t>
-            </a:r>
-          </a:p>
-        </p:txBody>
-      </p:sp>
-      <p:sp>
-        <p:nvSpPr>
-          <p:cNvPr id="9" name="Slide Number Placeholder 8">
-            <a:extLst>
-              <a:ext uri="{FF2B5EF4-FFF2-40B4-BE49-F238E27FC236}">
-                <a16:creationId xmlns:a16="http://schemas.microsoft.com/office/drawing/2014/main" id="{C53AD969-BEAD-481A-938F-2D5A465C908C}"/>
-              </a:ext>
-            </a:extLst>
-          </p:cNvPr>
-          <p:cNvSpPr>
-            <a:spLocks noGrp="1"/>
-          </p:cNvSpPr>
-          <p:nvPr>
-            <p:ph type="sldNum" sz="quarter" idx="12"/>
-          </p:nvPr>
-        </p:nvSpPr>
-        <p:spPr/>
-        <p:txBody>
-          <a:bodyPr/>
-          <a:lstStyle/>
-          <a:p>
-            <a:fld id="{3352CBF5-17B8-4387-88A6-ABF9F8C64D5A}" type="slidenum">
-              <a:rPr lang="en-US" smtClean="0"/>
-              <a:t>37</a:t>
-            </a:fld>
-            <a:endParaRPr lang="en-US"/>
-          </a:p>
-        </p:txBody>
-      </p:sp>
-    </p:spTree>
-    <p:extLst>
-      <p:ext uri="{BB962C8B-B14F-4D97-AF65-F5344CB8AC3E}">
-        <p14:creationId xmlns:p14="http://schemas.microsoft.com/office/powerpoint/2010/main" val="3698335369"/>
-      </p:ext>
-    </p:extLst>
-  </p:cSld>
-  <p:clrMapOvr>
-    <a:masterClrMapping/>
-  </p:clrMapOvr>
-</p:sld>
-</file>
-
-<file path=ppt/slides/slide38.xml><?xml version="1.0" encoding="utf-8"?>
-<p:sld xmlns:a="http://schemas.openxmlformats.org/drawingml/2006/main" xmlns:r="http://schemas.openxmlformats.org/officeDocument/2006/relationships" xmlns:p="http://schemas.openxmlformats.org/presentationml/2006/main">
-  <p:cSld>
-    <p:spTree>
-      <p:nvGrpSpPr>
-        <p:cNvPr id="1" name=""/>
-        <p:cNvGrpSpPr/>
-        <p:nvPr/>
-      </p:nvGrpSpPr>
-      <p:grpSpPr>
-        <a:xfrm>
-          <a:off x="0" y="0"/>
-          <a:ext cx="0" cy="0"/>
-          <a:chOff x="0" y="0"/>
-          <a:chExt cx="0" cy="0"/>
-        </a:xfrm>
-      </p:grpSpPr>
-      <p:sp>
-        <p:nvSpPr>
-          <p:cNvPr id="4" name="Title 3">
-            <a:extLst>
-              <a:ext uri="{FF2B5EF4-FFF2-40B4-BE49-F238E27FC236}">
-                <a16:creationId xmlns:a16="http://schemas.microsoft.com/office/drawing/2014/main" id="{B5AA14DC-37F4-407D-8D2D-A64730DAA6A0}"/>
-              </a:ext>
-            </a:extLst>
-          </p:cNvPr>
-          <p:cNvSpPr>
-            <a:spLocks noGrp="1"/>
-          </p:cNvSpPr>
-          <p:nvPr>
-            <p:ph type="ctrTitle"/>
-          </p:nvPr>
-        </p:nvSpPr>
-        <p:spPr>
-          <a:xfrm>
-            <a:off x="447841" y="1020431"/>
-            <a:ext cx="11496509" cy="1932319"/>
-          </a:xfrm>
-        </p:spPr>
-        <p:txBody>
-          <a:bodyPr/>
-          <a:lstStyle/>
-          <a:p>
-            <a:r>
-              <a:rPr lang="en-US" cap="none" dirty="0"/>
-              <a:t>Conclusion</a:t>
-            </a:r>
-            <a:endParaRPr lang="en-GB" cap="none" dirty="0"/>
-          </a:p>
-        </p:txBody>
-      </p:sp>
-      <p:sp>
-        <p:nvSpPr>
-          <p:cNvPr id="7" name="Slide Number Placeholder 6">
-            <a:extLst>
-              <a:ext uri="{FF2B5EF4-FFF2-40B4-BE49-F238E27FC236}">
-                <a16:creationId xmlns:a16="http://schemas.microsoft.com/office/drawing/2014/main" id="{70774AB7-8287-4220-9D57-715064D5EE6B}"/>
-              </a:ext>
-            </a:extLst>
-          </p:cNvPr>
-          <p:cNvSpPr>
-            <a:spLocks noGrp="1"/>
-          </p:cNvSpPr>
-          <p:nvPr>
-            <p:ph type="sldNum" sz="quarter" idx="12"/>
-          </p:nvPr>
-        </p:nvSpPr>
-        <p:spPr/>
-        <p:txBody>
-          <a:bodyPr/>
-          <a:lstStyle/>
-          <a:p>
-            <a:fld id="{3352CBF5-17B8-4387-88A6-ABF9F8C64D5A}" type="slidenum">
-              <a:rPr lang="en-US" smtClean="0"/>
-              <a:t>38</a:t>
-            </a:fld>
-            <a:endParaRPr lang="en-US"/>
-          </a:p>
-        </p:txBody>
-      </p:sp>
-    </p:spTree>
-    <p:extLst>
-      <p:ext uri="{BB962C8B-B14F-4D97-AF65-F5344CB8AC3E}">
-        <p14:creationId xmlns:p14="http://schemas.microsoft.com/office/powerpoint/2010/main" val="2884152160"/>
-      </p:ext>
-    </p:extLst>
-  </p:cSld>
-  <p:clrMapOvr>
-    <a:masterClrMapping/>
-  </p:clrMapOvr>
-</p:sld>
-</file>
-
-<file path=ppt/slides/slide39.xml><?xml version="1.0" encoding="utf-8"?>
-<p:sld xmlns:a="http://schemas.openxmlformats.org/drawingml/2006/main" xmlns:r="http://schemas.openxmlformats.org/officeDocument/2006/relationships" xmlns:p="http://schemas.openxmlformats.org/presentationml/2006/main">
-  <p:cSld>
-    <p:spTree>
-      <p:nvGrpSpPr>
-        <p:cNvPr id="1" name=""/>
-        <p:cNvGrpSpPr/>
-        <p:nvPr/>
-      </p:nvGrpSpPr>
-      <p:grpSpPr>
-        <a:xfrm>
-          <a:off x="0" y="0"/>
-          <a:ext cx="0" cy="0"/>
-          <a:chOff x="0" y="0"/>
-          <a:chExt cx="0" cy="0"/>
-        </a:xfrm>
-      </p:grpSpPr>
-      <p:sp>
-        <p:nvSpPr>
-          <p:cNvPr id="9" name="Slide Number Placeholder 8">
-            <a:extLst>
-              <a:ext uri="{FF2B5EF4-FFF2-40B4-BE49-F238E27FC236}">
-                <a16:creationId xmlns:a16="http://schemas.microsoft.com/office/drawing/2014/main" id="{C53AD969-BEAD-481A-938F-2D5A465C908C}"/>
-              </a:ext>
-            </a:extLst>
-          </p:cNvPr>
-          <p:cNvSpPr>
-            <a:spLocks noGrp="1"/>
-          </p:cNvSpPr>
-          <p:nvPr>
-            <p:ph type="sldNum" sz="quarter" idx="12"/>
-          </p:nvPr>
-        </p:nvSpPr>
-        <p:spPr/>
-        <p:txBody>
-          <a:bodyPr/>
-          <a:lstStyle/>
-          <a:p>
-            <a:fld id="{3352CBF5-17B8-4387-88A6-ABF9F8C64D5A}" type="slidenum">
-              <a:rPr lang="en-US" smtClean="0"/>
-              <a:t>39</a:t>
-            </a:fld>
-            <a:endParaRPr lang="en-US"/>
-          </a:p>
-        </p:txBody>
-      </p:sp>
-      <p:sp>
-        <p:nvSpPr>
-          <p:cNvPr id="2" name="Title 1">
-            <a:extLst>
-              <a:ext uri="{FF2B5EF4-FFF2-40B4-BE49-F238E27FC236}">
-                <a16:creationId xmlns:a16="http://schemas.microsoft.com/office/drawing/2014/main" id="{4EA9158D-CABB-4B88-8DA9-62C063E84DC2}"/>
-              </a:ext>
-            </a:extLst>
-          </p:cNvPr>
-          <p:cNvSpPr>
-            <a:spLocks noGrp="1"/>
-          </p:cNvSpPr>
-          <p:nvPr>
-            <p:ph type="title" idx="4294967295"/>
-          </p:nvPr>
-        </p:nvSpPr>
-        <p:spPr>
-          <a:xfrm>
-            <a:off x="0" y="701675"/>
-            <a:ext cx="11029950" cy="1014413"/>
-          </a:xfrm>
-        </p:spPr>
-        <p:txBody>
-          <a:bodyPr vert="horz" lIns="91440" tIns="45720" rIns="91440" bIns="45720" rtlCol="0">
-            <a:normAutofit/>
-          </a:bodyPr>
-          <a:lstStyle/>
-          <a:p>
-            <a:r>
-              <a:rPr lang="en-US" cap="none" dirty="0"/>
-              <a:t>Strengths and Weaknesses</a:t>
-            </a:r>
-          </a:p>
-        </p:txBody>
-      </p:sp>
-      <p:sp>
-        <p:nvSpPr>
-          <p:cNvPr id="4" name="Content Placeholder 3">
-            <a:extLst>
-              <a:ext uri="{FF2B5EF4-FFF2-40B4-BE49-F238E27FC236}">
-                <a16:creationId xmlns:a16="http://schemas.microsoft.com/office/drawing/2014/main" id="{4CE47634-59C3-43BE-85F0-30002F1BEA16}"/>
-              </a:ext>
-            </a:extLst>
-          </p:cNvPr>
-          <p:cNvSpPr>
-            <a:spLocks noGrp="1"/>
-          </p:cNvSpPr>
-          <p:nvPr>
-            <p:ph idx="4294967295"/>
-          </p:nvPr>
-        </p:nvSpPr>
-        <p:spPr>
-          <a:xfrm>
-            <a:off x="454418" y="439257"/>
-            <a:ext cx="11283163" cy="5882005"/>
-          </a:xfrm>
-        </p:spPr>
-        <p:txBody>
-          <a:bodyPr anchor="t">
-            <a:normAutofit/>
-          </a:bodyPr>
-          <a:lstStyle/>
-          <a:p>
-            <a:endParaRPr lang="en-GB" sz="2200" dirty="0"/>
-          </a:p>
-          <a:p>
-            <a:r>
-              <a:rPr lang="en-GB" sz="2000" dirty="0"/>
-              <a:t>For our review, </a:t>
+              <a:t>Noticed that recent works are now focusing more on the predictive techniques rather than the reactive techniques. - proactive methods facilitate a more faster solution to the scalability process.</a:t>
             </a:r>
           </a:p>
           <a:p>
@@ -18368,50 +15943,14 @@
               <a:buChar char="v"/>
             </a:pPr>
             <a:r>
-              <a:rPr lang="en-GB" sz="1800" dirty="0"/>
-              <a:t>Discussed various techniques used in the literature to solve the scalability problem in cloud computing.</a:t>
-            </a:r>
-          </a:p>
-          <a:p>
-            <a:pPr lvl="1">
-              <a:buFont typeface="Wingdings" panose="05000000000000000000" pitchFamily="2" charset="2"/>
-              <a:buChar char="v"/>
-            </a:pPr>
-            <a:r>
-              <a:rPr lang="en-GB" sz="1800" dirty="0"/>
-              <a:t>Discussed the strengths and weaknesses of the different techniques. </a:t>
-            </a:r>
-          </a:p>
-          <a:p>
-            <a:pPr lvl="1">
-              <a:buFont typeface="Wingdings" panose="05000000000000000000" pitchFamily="2" charset="2"/>
-              <a:buChar char="v"/>
-            </a:pPr>
-            <a:r>
-              <a:rPr lang="en-GB" sz="1800" dirty="0"/>
-              <a:t>Shed some light on where each of the techniques would likely be better suited to be used. </a:t>
-            </a:r>
-          </a:p>
-          <a:p>
-            <a:pPr lvl="1">
-              <a:buFont typeface="Wingdings" panose="05000000000000000000" pitchFamily="2" charset="2"/>
-              <a:buChar char="v"/>
-            </a:pPr>
-            <a:r>
-              <a:rPr lang="en-GB" sz="1800" dirty="0"/>
-              <a:t>Noticed that recent works are now focusing more on the predictive techniques rather than the reactive techniques. - proactive methods facilitate a more faster solution to the scalability process.</a:t>
-            </a:r>
-          </a:p>
-          <a:p>
-            <a:pPr lvl="1">
-              <a:buFont typeface="Wingdings" panose="05000000000000000000" pitchFamily="2" charset="2"/>
-              <a:buChar char="v"/>
-            </a:pPr>
-            <a:r>
-              <a:rPr lang="en-GB" sz="1800" dirty="0"/>
-              <a:t>Currently - lot of research being done to try to improve proactive approaches so as to handle this sudden change type of workloads. </a:t>
-            </a:r>
-            <a:endParaRPr lang="en-US" sz="1800" dirty="0"/>
+              <a:rPr lang="en-GB" sz="2000"/>
+              <a:t>Findings - Currently lot </a:t>
+            </a:r>
+            <a:r>
+              <a:rPr lang="en-GB" sz="2000" dirty="0"/>
+              <a:t>of research being done to try to improve proactive approaches so as to handle this sudden change type of workloads. </a:t>
+            </a:r>
+            <a:endParaRPr lang="en-US" sz="2000" dirty="0"/>
           </a:p>
         </p:txBody>
       </p:sp>
@@ -18428,208 +15967,7 @@
 </p:sld>
 </file>
 
-<file path=ppt/slides/slide4.xml><?xml version="1.0" encoding="utf-8"?>
-<p:sld xmlns:a="http://schemas.openxmlformats.org/drawingml/2006/main" xmlns:r="http://schemas.openxmlformats.org/officeDocument/2006/relationships" xmlns:p="http://schemas.openxmlformats.org/presentationml/2006/main">
-  <p:cSld>
-    <p:spTree>
-      <p:nvGrpSpPr>
-        <p:cNvPr id="1" name=""/>
-        <p:cNvGrpSpPr/>
-        <p:nvPr/>
-      </p:nvGrpSpPr>
-      <p:grpSpPr>
-        <a:xfrm>
-          <a:off x="0" y="0"/>
-          <a:ext cx="0" cy="0"/>
-          <a:chOff x="0" y="0"/>
-          <a:chExt cx="0" cy="0"/>
-        </a:xfrm>
-      </p:grpSpPr>
-      <p:sp>
-        <p:nvSpPr>
-          <p:cNvPr id="2" name="Title 1"/>
-          <p:cNvSpPr>
-            <a:spLocks noGrp="1"/>
-          </p:cNvSpPr>
-          <p:nvPr>
-            <p:ph type="title"/>
-          </p:nvPr>
-        </p:nvSpPr>
-        <p:spPr/>
-        <p:txBody>
-          <a:bodyPr>
-            <a:normAutofit/>
-          </a:bodyPr>
-          <a:lstStyle/>
-          <a:p>
-            <a:r>
-              <a:rPr lang="en-US" cap="none" dirty="0"/>
-              <a:t>Cloud Computing </a:t>
-            </a:r>
-          </a:p>
-        </p:txBody>
-      </p:sp>
-      <p:sp>
-        <p:nvSpPr>
-          <p:cNvPr id="3" name="Content Placeholder 2"/>
-          <p:cNvSpPr>
-            <a:spLocks noGrp="1"/>
-          </p:cNvSpPr>
-          <p:nvPr>
-            <p:ph idx="1"/>
-          </p:nvPr>
-        </p:nvSpPr>
-        <p:spPr>
-          <a:xfrm>
-            <a:off x="458529" y="1996895"/>
-            <a:ext cx="11029616" cy="4324367"/>
-          </a:xfrm>
-        </p:spPr>
-        <p:txBody>
-          <a:bodyPr anchor="t">
-            <a:normAutofit/>
-          </a:bodyPr>
-          <a:lstStyle/>
-          <a:p>
-            <a:r>
-              <a:rPr lang="en-US" sz="2000" dirty="0"/>
-              <a:t>What is cloud computing?</a:t>
-            </a:r>
-          </a:p>
-          <a:p>
-            <a:pPr marL="0" indent="0">
-              <a:buNone/>
-            </a:pPr>
-            <a:endParaRPr lang="en-US" sz="2000" dirty="0"/>
-          </a:p>
-          <a:p>
-            <a:r>
-              <a:rPr lang="en-US" sz="2000" dirty="0"/>
-              <a:t>Three main markets associated to cloud computing : </a:t>
-            </a:r>
-          </a:p>
-          <a:p>
-            <a:pPr lvl="1">
-              <a:buFont typeface="Wingdings" panose="05000000000000000000" pitchFamily="2" charset="2"/>
-              <a:buChar char="v"/>
-            </a:pPr>
-            <a:r>
-              <a:rPr lang="en-US" sz="1800" dirty="0"/>
-              <a:t>Infrastructure-as-Service (IaaS)</a:t>
-            </a:r>
-          </a:p>
-          <a:p>
-            <a:pPr lvl="1">
-              <a:buFont typeface="Wingdings" panose="05000000000000000000" pitchFamily="2" charset="2"/>
-              <a:buChar char="v"/>
-            </a:pPr>
-            <a:r>
-              <a:rPr lang="en-US" sz="1800" dirty="0"/>
-              <a:t>Platform-as-Service (PaaS)</a:t>
-            </a:r>
-          </a:p>
-          <a:p>
-            <a:pPr lvl="1">
-              <a:buFont typeface="Wingdings" panose="05000000000000000000" pitchFamily="2" charset="2"/>
-              <a:buChar char="v"/>
-            </a:pPr>
-            <a:r>
-              <a:rPr lang="en-US" sz="1800" dirty="0"/>
-              <a:t>Software-as-Service (SaaS)</a:t>
-            </a:r>
-          </a:p>
-          <a:p>
-            <a:pPr marL="324000" lvl="1" indent="0">
-              <a:buNone/>
-            </a:pPr>
-            <a:endParaRPr lang="en-US" sz="2000" dirty="0"/>
-          </a:p>
-          <a:p>
-            <a:r>
-              <a:rPr lang="en-US" sz="2000" dirty="0"/>
-              <a:t>Keys characteristics of Cloud computing is </a:t>
-            </a:r>
-            <a:r>
-              <a:rPr lang="en-US" sz="2000" b="1" i="1" dirty="0"/>
-              <a:t>Elasticity</a:t>
-            </a:r>
-          </a:p>
-          <a:p>
-            <a:pPr lvl="1">
-              <a:buFont typeface="Wingdings" panose="05000000000000000000" pitchFamily="2" charset="2"/>
-              <a:buChar char="v"/>
-            </a:pPr>
-            <a:r>
-              <a:rPr lang="en-US" sz="1800" dirty="0"/>
-              <a:t>Resources can acquired and released  as needed. </a:t>
-            </a:r>
-          </a:p>
-          <a:p>
-            <a:pPr marL="324000" lvl="1" indent="0">
-              <a:buNone/>
-            </a:pPr>
-            <a:endParaRPr lang="en-US" sz="2000" dirty="0"/>
-          </a:p>
-          <a:p>
-            <a:pPr marL="0" indent="0">
-              <a:buNone/>
-            </a:pPr>
-            <a:endParaRPr lang="en-US" sz="2200" dirty="0"/>
-          </a:p>
-          <a:p>
-            <a:endParaRPr lang="en-US" sz="2200" dirty="0"/>
-          </a:p>
-          <a:p>
-            <a:endParaRPr lang="en-US" sz="2000" i="1" dirty="0"/>
-          </a:p>
-          <a:p>
-            <a:endParaRPr sz="2000" dirty="0"/>
-          </a:p>
-        </p:txBody>
-      </p:sp>
-      <p:sp>
-        <p:nvSpPr>
-          <p:cNvPr id="9" name="Slide Number Placeholder 8">
-            <a:extLst>
-              <a:ext uri="{FF2B5EF4-FFF2-40B4-BE49-F238E27FC236}">
-                <a16:creationId xmlns:a16="http://schemas.microsoft.com/office/drawing/2014/main" id="{B88B7BD6-69E2-49EE-AFAC-AF83693030A1}"/>
-              </a:ext>
-            </a:extLst>
-          </p:cNvPr>
-          <p:cNvSpPr>
-            <a:spLocks noGrp="1"/>
-          </p:cNvSpPr>
-          <p:nvPr>
-            <p:ph type="sldNum" sz="quarter" idx="12"/>
-          </p:nvPr>
-        </p:nvSpPr>
-        <p:spPr/>
-        <p:txBody>
-          <a:bodyPr/>
-          <a:lstStyle/>
-          <a:p>
-            <a:fld id="{3352CBF5-17B8-4387-88A6-ABF9F8C64D5A}" type="slidenum">
-              <a:rPr lang="en-US" smtClean="0"/>
-              <a:t>4</a:t>
-            </a:fld>
-            <a:endParaRPr lang="en-US"/>
-          </a:p>
-        </p:txBody>
-      </p:sp>
-    </p:spTree>
-    <p:extLst>
-      <p:ext uri="{BB962C8B-B14F-4D97-AF65-F5344CB8AC3E}">
-        <p14:creationId xmlns:p14="http://schemas.microsoft.com/office/powerpoint/2010/main" val="2929008354"/>
-      </p:ext>
-    </p:extLst>
-  </p:cSld>
-  <p:clrMapOvr>
-    <a:masterClrMapping/>
-  </p:clrMapOvr>
-</p:sld>
-</file>
-
-<file path=ppt/slides/slide40.xml><?xml version="1.0" encoding="utf-8"?>
+<file path=ppt/slides/slide32.xml><?xml version="1.0" encoding="utf-8"?>
 <p:sld xmlns:a="http://schemas.openxmlformats.org/drawingml/2006/main" xmlns:r="http://schemas.openxmlformats.org/officeDocument/2006/relationships" xmlns:p="http://schemas.openxmlformats.org/presentationml/2006/main">
   <p:cSld>
     <p:bg>
@@ -19241,6 +16579,207 @@
 </p:sld>
 </file>
 
+<file path=ppt/slides/slide4.xml><?xml version="1.0" encoding="utf-8"?>
+<p:sld xmlns:a="http://schemas.openxmlformats.org/drawingml/2006/main" xmlns:r="http://schemas.openxmlformats.org/officeDocument/2006/relationships" xmlns:p="http://schemas.openxmlformats.org/presentationml/2006/main">
+  <p:cSld>
+    <p:spTree>
+      <p:nvGrpSpPr>
+        <p:cNvPr id="1" name=""/>
+        <p:cNvGrpSpPr/>
+        <p:nvPr/>
+      </p:nvGrpSpPr>
+      <p:grpSpPr>
+        <a:xfrm>
+          <a:off x="0" y="0"/>
+          <a:ext cx="0" cy="0"/>
+          <a:chOff x="0" y="0"/>
+          <a:chExt cx="0" cy="0"/>
+        </a:xfrm>
+      </p:grpSpPr>
+      <p:sp>
+        <p:nvSpPr>
+          <p:cNvPr id="2" name="Title 1"/>
+          <p:cNvSpPr>
+            <a:spLocks noGrp="1"/>
+          </p:cNvSpPr>
+          <p:nvPr>
+            <p:ph type="title"/>
+          </p:nvPr>
+        </p:nvSpPr>
+        <p:spPr/>
+        <p:txBody>
+          <a:bodyPr>
+            <a:normAutofit/>
+          </a:bodyPr>
+          <a:lstStyle/>
+          <a:p>
+            <a:r>
+              <a:rPr lang="en-US" cap="none" dirty="0"/>
+              <a:t>Cloud Computing </a:t>
+            </a:r>
+          </a:p>
+        </p:txBody>
+      </p:sp>
+      <p:sp>
+        <p:nvSpPr>
+          <p:cNvPr id="3" name="Content Placeholder 2"/>
+          <p:cNvSpPr>
+            <a:spLocks noGrp="1"/>
+          </p:cNvSpPr>
+          <p:nvPr>
+            <p:ph idx="1"/>
+          </p:nvPr>
+        </p:nvSpPr>
+        <p:spPr>
+          <a:xfrm>
+            <a:off x="458529" y="1996895"/>
+            <a:ext cx="11029616" cy="4324367"/>
+          </a:xfrm>
+        </p:spPr>
+        <p:txBody>
+          <a:bodyPr anchor="t">
+            <a:normAutofit/>
+          </a:bodyPr>
+          <a:lstStyle/>
+          <a:p>
+            <a:r>
+              <a:rPr lang="en-US" sz="2000" dirty="0"/>
+              <a:t>What is cloud computing?</a:t>
+            </a:r>
+          </a:p>
+          <a:p>
+            <a:pPr marL="0" indent="0">
+              <a:buNone/>
+            </a:pPr>
+            <a:endParaRPr lang="en-US" sz="2000" dirty="0"/>
+          </a:p>
+          <a:p>
+            <a:r>
+              <a:rPr lang="en-US" sz="2000" dirty="0"/>
+              <a:t>Three main markets associated to cloud computing : </a:t>
+            </a:r>
+          </a:p>
+          <a:p>
+            <a:pPr lvl="1">
+              <a:buFont typeface="Wingdings" panose="05000000000000000000" pitchFamily="2" charset="2"/>
+              <a:buChar char="v"/>
+            </a:pPr>
+            <a:r>
+              <a:rPr lang="en-US" sz="1800" dirty="0"/>
+              <a:t>Infrastructure-as-Service (IaaS)</a:t>
+            </a:r>
+          </a:p>
+          <a:p>
+            <a:pPr lvl="1">
+              <a:buFont typeface="Wingdings" panose="05000000000000000000" pitchFamily="2" charset="2"/>
+              <a:buChar char="v"/>
+            </a:pPr>
+            <a:r>
+              <a:rPr lang="en-US" sz="1800" dirty="0"/>
+              <a:t>Platform-as-Service (PaaS)</a:t>
+            </a:r>
+          </a:p>
+          <a:p>
+            <a:pPr lvl="1">
+              <a:buFont typeface="Wingdings" panose="05000000000000000000" pitchFamily="2" charset="2"/>
+              <a:buChar char="v"/>
+            </a:pPr>
+            <a:r>
+              <a:rPr lang="en-US" sz="1800" dirty="0"/>
+              <a:t>Software-as-Service (SaaS)</a:t>
+            </a:r>
+          </a:p>
+          <a:p>
+            <a:pPr marL="324000" lvl="1" indent="0">
+              <a:buNone/>
+            </a:pPr>
+            <a:endParaRPr lang="en-US" sz="2000" dirty="0"/>
+          </a:p>
+          <a:p>
+            <a:r>
+              <a:rPr lang="en-US" sz="2000" dirty="0"/>
+              <a:t>Keys characteristics of Cloud computing is </a:t>
+            </a:r>
+            <a:r>
+              <a:rPr lang="en-US" sz="2000" b="1" i="1" dirty="0"/>
+              <a:t>Elasticity</a:t>
+            </a:r>
+          </a:p>
+          <a:p>
+            <a:pPr lvl="1">
+              <a:buFont typeface="Wingdings" panose="05000000000000000000" pitchFamily="2" charset="2"/>
+              <a:buChar char="v"/>
+            </a:pPr>
+            <a:r>
+              <a:rPr lang="en-US" sz="1800" dirty="0"/>
+              <a:t>Resources can acquired and released  as needed. </a:t>
+            </a:r>
+          </a:p>
+          <a:p>
+            <a:pPr marL="324000" lvl="1" indent="0">
+              <a:buNone/>
+            </a:pPr>
+            <a:endParaRPr lang="en-US" sz="2000" dirty="0"/>
+          </a:p>
+          <a:p>
+            <a:pPr marL="0" indent="0">
+              <a:buNone/>
+            </a:pPr>
+            <a:endParaRPr lang="en-US" sz="2200" dirty="0"/>
+          </a:p>
+          <a:p>
+            <a:endParaRPr lang="en-US" sz="2200" dirty="0"/>
+          </a:p>
+          <a:p>
+            <a:endParaRPr lang="en-US" sz="2000" i="1" dirty="0"/>
+          </a:p>
+          <a:p>
+            <a:endParaRPr sz="2000" dirty="0"/>
+          </a:p>
+        </p:txBody>
+      </p:sp>
+      <p:sp>
+        <p:nvSpPr>
+          <p:cNvPr id="9" name="Slide Number Placeholder 8">
+            <a:extLst>
+              <a:ext uri="{FF2B5EF4-FFF2-40B4-BE49-F238E27FC236}">
+                <a16:creationId xmlns:a16="http://schemas.microsoft.com/office/drawing/2014/main" id="{B88B7BD6-69E2-49EE-AFAC-AF83693030A1}"/>
+              </a:ext>
+            </a:extLst>
+          </p:cNvPr>
+          <p:cNvSpPr>
+            <a:spLocks noGrp="1"/>
+          </p:cNvSpPr>
+          <p:nvPr>
+            <p:ph type="sldNum" sz="quarter" idx="12"/>
+          </p:nvPr>
+        </p:nvSpPr>
+        <p:spPr/>
+        <p:txBody>
+          <a:bodyPr/>
+          <a:lstStyle/>
+          <a:p>
+            <a:fld id="{3352CBF5-17B8-4387-88A6-ABF9F8C64D5A}" type="slidenum">
+              <a:rPr lang="en-US" smtClean="0"/>
+              <a:t>4</a:t>
+            </a:fld>
+            <a:endParaRPr lang="en-US"/>
+          </a:p>
+        </p:txBody>
+      </p:sp>
+    </p:spTree>
+    <p:extLst>
+      <p:ext uri="{BB962C8B-B14F-4D97-AF65-F5344CB8AC3E}">
+        <p14:creationId xmlns:p14="http://schemas.microsoft.com/office/powerpoint/2010/main" val="2929008354"/>
+      </p:ext>
+    </p:extLst>
+  </p:cSld>
+  <p:clrMapOvr>
+    <a:masterClrMapping/>
+  </p:clrMapOvr>
+</p:sld>
+</file>
+
 <file path=ppt/slides/slide5.xml><?xml version="1.0" encoding="utf-8"?>
 <p:sld xmlns:a="http://schemas.openxmlformats.org/drawingml/2006/main" xmlns:r="http://schemas.openxmlformats.org/officeDocument/2006/relationships" xmlns:p="http://schemas.openxmlformats.org/presentationml/2006/main">
   <p:cSld>
@@ -19317,7 +16856,7 @@
             </a:pPr>
             <a:r>
               <a:rPr lang="en-US" sz="1800" b="1" dirty="0"/>
-              <a:t>over-provisioning </a:t>
+              <a:t>Over-provisioning </a:t>
             </a:r>
             <a:r>
               <a:rPr lang="en-US" sz="1800" dirty="0"/>
@@ -19331,11 +16870,21 @@
             </a:pPr>
             <a:r>
               <a:rPr lang="en-US" sz="1800" b="1" dirty="0"/>
-              <a:t>under-provisioning </a:t>
+              <a:t>Under-provisioning </a:t>
             </a:r>
             <a:r>
               <a:rPr lang="en-US" sz="1800" dirty="0"/>
               <a:t>of resources.</a:t>
+            </a:r>
+          </a:p>
+          <a:p>
+            <a:pPr lvl="1">
+              <a:buFont typeface="Wingdings" panose="05000000000000000000" pitchFamily="2" charset="2"/>
+              <a:buChar char="v"/>
+            </a:pPr>
+            <a:r>
+              <a:rPr lang="en-US" sz="1800" dirty="0"/>
+              <a:t>Address the trade-off between minimizing the cost of resource allocation and maintaining an acceptable performance of your application</a:t>
             </a:r>
           </a:p>
           <a:p>
@@ -19479,12 +17028,12 @@
         </p:spPr>
         <p:txBody>
           <a:bodyPr anchor="t">
-            <a:normAutofit fontScale="62500" lnSpcReduction="20000"/>
+            <a:normAutofit/>
           </a:bodyPr>
           <a:lstStyle/>
           <a:p>
             <a:r>
-              <a:rPr lang="en-US" sz="3200" dirty="0"/>
+              <a:rPr lang="en-US" sz="2000" dirty="0"/>
               <a:t>Resource Scaling</a:t>
             </a:r>
           </a:p>
@@ -19494,11 +17043,11 @@
               <a:buChar char="v"/>
             </a:pPr>
             <a:r>
-              <a:rPr lang="en-US" sz="2900" b="1" dirty="0"/>
+              <a:rPr lang="en-US" sz="1800" b="1" dirty="0"/>
               <a:t>Horizontal Scaling : </a:t>
             </a:r>
             <a:r>
-              <a:rPr lang="en-US" sz="2900" dirty="0"/>
+              <a:rPr lang="en-US" sz="1800" dirty="0"/>
               <a:t>add or remove server replica that’s running on a VM. </a:t>
             </a:r>
           </a:p>
@@ -19508,25 +17057,25 @@
               <a:buChar char="v"/>
             </a:pPr>
             <a:r>
-              <a:rPr lang="en-US" sz="2900" b="1" dirty="0"/>
+              <a:rPr lang="en-US" sz="1800" b="1" dirty="0"/>
               <a:t>Vertical Scaling</a:t>
             </a:r>
             <a:r>
-              <a:rPr lang="en-US" sz="2900" dirty="0"/>
+              <a:rPr lang="en-US" sz="1800" dirty="0"/>
               <a:t>:  adjusting number of resources allocated to an already running virtual machines. </a:t>
             </a:r>
           </a:p>
           <a:p>
             <a:r>
-              <a:rPr lang="en-US" sz="3200" dirty="0"/>
+              <a:rPr lang="en-US" sz="2000" dirty="0"/>
               <a:t>Quality of Services (</a:t>
             </a:r>
             <a:r>
-              <a:rPr lang="en-US" sz="3200" dirty="0" err="1"/>
+              <a:rPr lang="en-US" sz="2000" dirty="0" err="1"/>
               <a:t>QoS</a:t>
             </a:r>
             <a:r>
-              <a:rPr lang="en-US" sz="3200" dirty="0"/>
+              <a:rPr lang="en-US" sz="2000" dirty="0"/>
               <a:t>) </a:t>
             </a:r>
           </a:p>
@@ -19536,7 +17085,7 @@
               <a:buChar char="v"/>
             </a:pPr>
             <a:r>
-              <a:rPr lang="en-US" sz="2900" dirty="0"/>
+              <a:rPr lang="en-US" sz="1800" dirty="0"/>
               <a:t>Response time</a:t>
             </a:r>
           </a:p>
@@ -19546,60 +17095,14 @@
               <a:buChar char="v"/>
             </a:pPr>
             <a:r>
-              <a:rPr lang="en-US" sz="2900" dirty="0"/>
+              <a:rPr lang="en-US" sz="1800" dirty="0"/>
               <a:t>Availability </a:t>
             </a:r>
           </a:p>
           <a:p>
             <a:r>
-              <a:rPr lang="en-US" sz="3200" dirty="0"/>
+              <a:rPr lang="en-US" sz="2000" dirty="0"/>
               <a:t>Service Level Agreement (SLA)</a:t>
-            </a:r>
-          </a:p>
-          <a:p>
-            <a:r>
-              <a:rPr lang="en-US" sz="3200" dirty="0"/>
-              <a:t>MAPE loop Autonomous </a:t>
-            </a:r>
-          </a:p>
-          <a:p>
-            <a:pPr lvl="1">
-              <a:buFont typeface="Wingdings" panose="05000000000000000000" pitchFamily="2" charset="2"/>
-              <a:buChar char="v"/>
-            </a:pPr>
-            <a:r>
-              <a:rPr lang="en-US" sz="2900" dirty="0"/>
-              <a:t>Monitoring</a:t>
-            </a:r>
-          </a:p>
-          <a:p>
-            <a:pPr lvl="1">
-              <a:buFont typeface="Wingdings" panose="05000000000000000000" pitchFamily="2" charset="2"/>
-              <a:buChar char="v"/>
-            </a:pPr>
-            <a:r>
-              <a:rPr lang="en-US" sz="2900" dirty="0"/>
-              <a:t>Analyzing </a:t>
-            </a:r>
-          </a:p>
-          <a:p>
-            <a:pPr lvl="1">
-              <a:buFont typeface="Wingdings" panose="05000000000000000000" pitchFamily="2" charset="2"/>
-              <a:buChar char="v"/>
-            </a:pPr>
-            <a:r>
-              <a:rPr lang="en-US" sz="2900" dirty="0"/>
-              <a:t>Planning </a:t>
-            </a:r>
-          </a:p>
-          <a:p>
-            <a:pPr lvl="1">
-              <a:buFont typeface="Wingdings" panose="05000000000000000000" pitchFamily="2" charset="2"/>
-              <a:buChar char="v"/>
-            </a:pPr>
-            <a:r>
-              <a:rPr lang="en-US" sz="2900" dirty="0"/>
-              <a:t>Execution</a:t>
             </a:r>
           </a:p>
           <a:p>
@@ -19870,7 +17373,7 @@
             </a:r>
             <a:r>
               <a:rPr lang="en-US" sz="2000" dirty="0"/>
-              <a:t> CPU load, requests arrival rate)</a:t>
+              <a:t> CPU or memory usage)</a:t>
             </a:r>
           </a:p>
           <a:p>
